--- a/Deep learning presentation.pptx
+++ b/Deep learning presentation.pptx
@@ -4413,7 +4413,7 @@
           <a:noFill/>
           <a:extLst>
             <a:ext uri="{909E8E84-426E-40dd-AFC4-6F175D3DCCD1}">
-              <a14:hiddenFill xmlns:a14="http://schemas.microsoft.com/office/drawing/2010/main" xmlns="">
+              <a14:hiddenFill xmlns="" xmlns:a14="http://schemas.microsoft.com/office/drawing/2010/main">
                 <a:solidFill>
                   <a:srgbClr val="FFFFFF"/>
                 </a:solidFill>
@@ -4473,7 +4473,7 @@
             </a:ln>
             <a:extLst>
               <a:ext uri="{91240B29-F687-4f45-9708-019B960494DF}">
-                <a14:hiddenLine xmlns:a14="http://schemas.microsoft.com/office/drawing/2010/main" xmlns="" w="9525">
+                <a14:hiddenLine xmlns="" xmlns:a14="http://schemas.microsoft.com/office/drawing/2010/main" w="9525">
                   <a:solidFill>
                     <a:srgbClr val="000000"/>
                   </a:solidFill>
@@ -4563,7 +4563,7 @@
             </a:ln>
             <a:extLst>
               <a:ext uri="{91240B29-F687-4f45-9708-019B960494DF}">
-                <a14:hiddenLine xmlns:a14="http://schemas.microsoft.com/office/drawing/2010/main" xmlns="" w="9525">
+                <a14:hiddenLine xmlns="" xmlns:a14="http://schemas.microsoft.com/office/drawing/2010/main" w="9525">
                   <a:solidFill>
                     <a:srgbClr val="000000"/>
                   </a:solidFill>
@@ -4653,7 +4653,7 @@
             </a:ln>
             <a:extLst>
               <a:ext uri="{91240B29-F687-4f45-9708-019B960494DF}">
-                <a14:hiddenLine xmlns:a14="http://schemas.microsoft.com/office/drawing/2010/main" xmlns="" w="9525">
+                <a14:hiddenLine xmlns="" xmlns:a14="http://schemas.microsoft.com/office/drawing/2010/main" w="9525">
                   <a:solidFill>
                     <a:srgbClr val="000000"/>
                   </a:solidFill>
@@ -4687,7 +4687,7 @@
             </a:ln>
             <a:extLst>
               <a:ext uri="{91240B29-F687-4f45-9708-019B960494DF}">
-                <a14:hiddenLine xmlns:a14="http://schemas.microsoft.com/office/drawing/2010/main" xmlns="" w="9525">
+                <a14:hiddenLine xmlns="" xmlns:a14="http://schemas.microsoft.com/office/drawing/2010/main" w="9525">
                   <a:solidFill>
                     <a:srgbClr val="000000"/>
                   </a:solidFill>
@@ -4777,7 +4777,7 @@
             </a:ln>
             <a:extLst>
               <a:ext uri="{91240B29-F687-4f45-9708-019B960494DF}">
-                <a14:hiddenLine xmlns:a14="http://schemas.microsoft.com/office/drawing/2010/main" xmlns="" w="9525">
+                <a14:hiddenLine xmlns="" xmlns:a14="http://schemas.microsoft.com/office/drawing/2010/main" w="9525">
                   <a:solidFill>
                     <a:srgbClr val="000000"/>
                   </a:solidFill>
@@ -4839,7 +4839,7 @@
             </a:ln>
             <a:extLst>
               <a:ext uri="{91240B29-F687-4f45-9708-019B960494DF}">
-                <a14:hiddenLine xmlns:a14="http://schemas.microsoft.com/office/drawing/2010/main" xmlns="" w="9525">
+                <a14:hiddenLine xmlns="" xmlns:a14="http://schemas.microsoft.com/office/drawing/2010/main" w="9525">
                   <a:solidFill>
                     <a:srgbClr val="000000"/>
                   </a:solidFill>
@@ -4901,7 +4901,7 @@
             </a:ln>
             <a:extLst>
               <a:ext uri="{91240B29-F687-4f45-9708-019B960494DF}">
-                <a14:hiddenLine xmlns:a14="http://schemas.microsoft.com/office/drawing/2010/main" xmlns="" w="9525">
+                <a14:hiddenLine xmlns="" xmlns:a14="http://schemas.microsoft.com/office/drawing/2010/main" w="9525">
                   <a:solidFill>
                     <a:srgbClr val="000000"/>
                   </a:solidFill>
@@ -4991,7 +4991,7 @@
             </a:ln>
             <a:extLst>
               <a:ext uri="{91240B29-F687-4f45-9708-019B960494DF}">
-                <a14:hiddenLine xmlns:a14="http://schemas.microsoft.com/office/drawing/2010/main" xmlns="" w="9525">
+                <a14:hiddenLine xmlns="" xmlns:a14="http://schemas.microsoft.com/office/drawing/2010/main" w="9525">
                   <a:solidFill>
                     <a:srgbClr val="000000"/>
                   </a:solidFill>
@@ -5053,7 +5053,7 @@
             </a:ln>
             <a:extLst>
               <a:ext uri="{91240B29-F687-4f45-9708-019B960494DF}">
-                <a14:hiddenLine xmlns:a14="http://schemas.microsoft.com/office/drawing/2010/main" xmlns="" w="9525">
+                <a14:hiddenLine xmlns="" xmlns:a14="http://schemas.microsoft.com/office/drawing/2010/main" w="9525">
                   <a:solidFill>
                     <a:srgbClr val="000000"/>
                   </a:solidFill>
@@ -5115,7 +5115,7 @@
             </a:ln>
             <a:extLst>
               <a:ext uri="{91240B29-F687-4f45-9708-019B960494DF}">
-                <a14:hiddenLine xmlns:a14="http://schemas.microsoft.com/office/drawing/2010/main" xmlns="" w="9525">
+                <a14:hiddenLine xmlns="" xmlns:a14="http://schemas.microsoft.com/office/drawing/2010/main" w="9525">
                   <a:solidFill>
                     <a:srgbClr val="000000"/>
                   </a:solidFill>
@@ -5205,7 +5205,7 @@
             </a:ln>
             <a:extLst>
               <a:ext uri="{91240B29-F687-4f45-9708-019B960494DF}">
-                <a14:hiddenLine xmlns:a14="http://schemas.microsoft.com/office/drawing/2010/main" xmlns="" w="9525">
+                <a14:hiddenLine xmlns="" xmlns:a14="http://schemas.microsoft.com/office/drawing/2010/main" w="9525">
                   <a:solidFill>
                     <a:srgbClr val="000000"/>
                   </a:solidFill>
@@ -5295,7 +5295,7 @@
             </a:ln>
             <a:extLst>
               <a:ext uri="{91240B29-F687-4f45-9708-019B960494DF}">
-                <a14:hiddenLine xmlns:a14="http://schemas.microsoft.com/office/drawing/2010/main" xmlns="" w="9525">
+                <a14:hiddenLine xmlns="" xmlns:a14="http://schemas.microsoft.com/office/drawing/2010/main" w="9525">
                   <a:solidFill>
                     <a:srgbClr val="000000"/>
                   </a:solidFill>
@@ -5357,7 +5357,7 @@
             </a:ln>
             <a:extLst>
               <a:ext uri="{91240B29-F687-4f45-9708-019B960494DF}">
-                <a14:hiddenLine xmlns:a14="http://schemas.microsoft.com/office/drawing/2010/main" xmlns="" w="9525">
+                <a14:hiddenLine xmlns="" xmlns:a14="http://schemas.microsoft.com/office/drawing/2010/main" w="9525">
                   <a:solidFill>
                     <a:srgbClr val="000000"/>
                   </a:solidFill>
@@ -5467,7 +5467,7 @@
             </a:ln>
             <a:extLst>
               <a:ext uri="{91240B29-F687-4f45-9708-019B960494DF}">
-                <a14:hiddenLine xmlns:a14="http://schemas.microsoft.com/office/drawing/2010/main" xmlns="" w="9525">
+                <a14:hiddenLine xmlns="" xmlns:a14="http://schemas.microsoft.com/office/drawing/2010/main" w="9525">
                   <a:solidFill>
                     <a:srgbClr val="000000"/>
                   </a:solidFill>
@@ -5529,7 +5529,7 @@
             </a:ln>
             <a:extLst>
               <a:ext uri="{91240B29-F687-4f45-9708-019B960494DF}">
-                <a14:hiddenLine xmlns:a14="http://schemas.microsoft.com/office/drawing/2010/main" xmlns="" w="9525">
+                <a14:hiddenLine xmlns="" xmlns:a14="http://schemas.microsoft.com/office/drawing/2010/main" w="9525">
                   <a:solidFill>
                     <a:srgbClr val="000000"/>
                   </a:solidFill>
@@ -5619,7 +5619,7 @@
             </a:ln>
             <a:extLst>
               <a:ext uri="{91240B29-F687-4f45-9708-019B960494DF}">
-                <a14:hiddenLine xmlns:a14="http://schemas.microsoft.com/office/drawing/2010/main" xmlns="" w="9525">
+                <a14:hiddenLine xmlns="" xmlns:a14="http://schemas.microsoft.com/office/drawing/2010/main" w="9525">
                   <a:solidFill>
                     <a:srgbClr val="000000"/>
                   </a:solidFill>
@@ -5709,7 +5709,7 @@
             </a:ln>
             <a:extLst>
               <a:ext uri="{91240B29-F687-4f45-9708-019B960494DF}">
-                <a14:hiddenLine xmlns:a14="http://schemas.microsoft.com/office/drawing/2010/main" xmlns="" w="9525">
+                <a14:hiddenLine xmlns="" xmlns:a14="http://schemas.microsoft.com/office/drawing/2010/main" w="9525">
                   <a:solidFill>
                     <a:srgbClr val="000000"/>
                   </a:solidFill>
@@ -5771,7 +5771,7 @@
             </a:ln>
             <a:extLst>
               <a:ext uri="{91240B29-F687-4f45-9708-019B960494DF}">
-                <a14:hiddenLine xmlns:a14="http://schemas.microsoft.com/office/drawing/2010/main" xmlns="" w="9525">
+                <a14:hiddenLine xmlns="" xmlns:a14="http://schemas.microsoft.com/office/drawing/2010/main" w="9525">
                   <a:solidFill>
                     <a:srgbClr val="000000"/>
                   </a:solidFill>
@@ -5861,7 +5861,7 @@
             </a:ln>
             <a:extLst>
               <a:ext uri="{91240B29-F687-4f45-9708-019B960494DF}">
-                <a14:hiddenLine xmlns:a14="http://schemas.microsoft.com/office/drawing/2010/main" xmlns="" w="9525">
+                <a14:hiddenLine xmlns="" xmlns:a14="http://schemas.microsoft.com/office/drawing/2010/main" w="9525">
                   <a:solidFill>
                     <a:srgbClr val="000000"/>
                   </a:solidFill>
@@ -5951,7 +5951,7 @@
             </a:ln>
             <a:extLst>
               <a:ext uri="{91240B29-F687-4f45-9708-019B960494DF}">
-                <a14:hiddenLine xmlns:a14="http://schemas.microsoft.com/office/drawing/2010/main" xmlns="" w="9525">
+                <a14:hiddenLine xmlns="" xmlns:a14="http://schemas.microsoft.com/office/drawing/2010/main" w="9525">
                   <a:solidFill>
                     <a:srgbClr val="000000"/>
                   </a:solidFill>
@@ -6007,7 +6007,7 @@
             </a:ln>
             <a:extLst>
               <a:ext uri="{91240B29-F687-4f45-9708-019B960494DF}">
-                <a14:hiddenLine xmlns:a14="http://schemas.microsoft.com/office/drawing/2010/main" xmlns="" w="9525">
+                <a14:hiddenLine xmlns="" xmlns:a14="http://schemas.microsoft.com/office/drawing/2010/main" w="9525">
                   <a:solidFill>
                     <a:srgbClr val="000000"/>
                   </a:solidFill>
@@ -6097,7 +6097,7 @@
             </a:ln>
             <a:extLst>
               <a:ext uri="{91240B29-F687-4f45-9708-019B960494DF}">
-                <a14:hiddenLine xmlns:a14="http://schemas.microsoft.com/office/drawing/2010/main" xmlns="" w="9525">
+                <a14:hiddenLine xmlns="" xmlns:a14="http://schemas.microsoft.com/office/drawing/2010/main" w="9525">
                   <a:solidFill>
                     <a:srgbClr val="000000"/>
                   </a:solidFill>
@@ -6153,7 +6153,7 @@
             </a:ln>
             <a:extLst>
               <a:ext uri="{91240B29-F687-4f45-9708-019B960494DF}">
-                <a14:hiddenLine xmlns:a14="http://schemas.microsoft.com/office/drawing/2010/main" xmlns="" w="9525">
+                <a14:hiddenLine xmlns="" xmlns:a14="http://schemas.microsoft.com/office/drawing/2010/main" w="9525">
                   <a:solidFill>
                     <a:srgbClr val="000000"/>
                   </a:solidFill>
@@ -6243,7 +6243,7 @@
             </a:ln>
             <a:extLst>
               <a:ext uri="{91240B29-F687-4f45-9708-019B960494DF}">
-                <a14:hiddenLine xmlns:a14="http://schemas.microsoft.com/office/drawing/2010/main" xmlns="" w="9525">
+                <a14:hiddenLine xmlns="" xmlns:a14="http://schemas.microsoft.com/office/drawing/2010/main" w="9525">
                   <a:solidFill>
                     <a:srgbClr val="000000"/>
                   </a:solidFill>
@@ -6311,7 +6311,7 @@
             </a:ln>
             <a:extLst>
               <a:ext uri="{91240B29-F687-4f45-9708-019B960494DF}">
-                <a14:hiddenLine xmlns:a14="http://schemas.microsoft.com/office/drawing/2010/main" xmlns="" w="9525">
+                <a14:hiddenLine xmlns="" xmlns:a14="http://schemas.microsoft.com/office/drawing/2010/main" w="9525">
                   <a:solidFill>
                     <a:srgbClr val="000000"/>
                   </a:solidFill>
@@ -6401,7 +6401,7 @@
             </a:ln>
             <a:extLst>
               <a:ext uri="{91240B29-F687-4f45-9708-019B960494DF}">
-                <a14:hiddenLine xmlns:a14="http://schemas.microsoft.com/office/drawing/2010/main" xmlns="" w="9525">
+                <a14:hiddenLine xmlns="" xmlns:a14="http://schemas.microsoft.com/office/drawing/2010/main" w="9525">
                   <a:solidFill>
                     <a:srgbClr val="000000"/>
                   </a:solidFill>
@@ -6469,7 +6469,7 @@
             </a:ln>
             <a:extLst>
               <a:ext uri="{91240B29-F687-4f45-9708-019B960494DF}">
-                <a14:hiddenLine xmlns:a14="http://schemas.microsoft.com/office/drawing/2010/main" xmlns="" w="9525">
+                <a14:hiddenLine xmlns="" xmlns:a14="http://schemas.microsoft.com/office/drawing/2010/main" w="9525">
                   <a:solidFill>
                     <a:srgbClr val="000000"/>
                   </a:solidFill>
@@ -6559,7 +6559,7 @@
             </a:ln>
             <a:extLst>
               <a:ext uri="{91240B29-F687-4f45-9708-019B960494DF}">
-                <a14:hiddenLine xmlns:a14="http://schemas.microsoft.com/office/drawing/2010/main" xmlns="" w="9525">
+                <a14:hiddenLine xmlns="" xmlns:a14="http://schemas.microsoft.com/office/drawing/2010/main" w="9525">
                   <a:solidFill>
                     <a:srgbClr val="000000"/>
                   </a:solidFill>
@@ -6593,7 +6593,7 @@
             </a:ln>
             <a:extLst>
               <a:ext uri="{91240B29-F687-4f45-9708-019B960494DF}">
-                <a14:hiddenLine xmlns:a14="http://schemas.microsoft.com/office/drawing/2010/main" xmlns="" w="9525">
+                <a14:hiddenLine xmlns="" xmlns:a14="http://schemas.microsoft.com/office/drawing/2010/main" w="9525">
                   <a:solidFill>
                     <a:srgbClr val="000000"/>
                   </a:solidFill>
@@ -6683,7 +6683,7 @@
             </a:ln>
             <a:extLst>
               <a:ext uri="{91240B29-F687-4f45-9708-019B960494DF}">
-                <a14:hiddenLine xmlns:a14="http://schemas.microsoft.com/office/drawing/2010/main" xmlns="" w="9525">
+                <a14:hiddenLine xmlns="" xmlns:a14="http://schemas.microsoft.com/office/drawing/2010/main" w="9525">
                   <a:solidFill>
                     <a:srgbClr val="000000"/>
                   </a:solidFill>
@@ -6745,7 +6745,7 @@
             </a:ln>
             <a:extLst>
               <a:ext uri="{91240B29-F687-4f45-9708-019B960494DF}">
-                <a14:hiddenLine xmlns:a14="http://schemas.microsoft.com/office/drawing/2010/main" xmlns="" w="9525">
+                <a14:hiddenLine xmlns="" xmlns:a14="http://schemas.microsoft.com/office/drawing/2010/main" w="9525">
                   <a:solidFill>
                     <a:srgbClr val="000000"/>
                   </a:solidFill>
@@ -6807,7 +6807,7 @@
             </a:ln>
             <a:extLst>
               <a:ext uri="{91240B29-F687-4f45-9708-019B960494DF}">
-                <a14:hiddenLine xmlns:a14="http://schemas.microsoft.com/office/drawing/2010/main" xmlns="" w="9525">
+                <a14:hiddenLine xmlns="" xmlns:a14="http://schemas.microsoft.com/office/drawing/2010/main" w="9525">
                   <a:solidFill>
                     <a:srgbClr val="000000"/>
                   </a:solidFill>
@@ -6897,7 +6897,7 @@
             </a:ln>
             <a:extLst>
               <a:ext uri="{91240B29-F687-4f45-9708-019B960494DF}">
-                <a14:hiddenLine xmlns:a14="http://schemas.microsoft.com/office/drawing/2010/main" xmlns="" w="9525">
+                <a14:hiddenLine xmlns="" xmlns:a14="http://schemas.microsoft.com/office/drawing/2010/main" w="9525">
                   <a:solidFill>
                     <a:srgbClr val="000000"/>
                   </a:solidFill>
@@ -6965,7 +6965,7 @@
             </a:ln>
             <a:extLst>
               <a:ext uri="{91240B29-F687-4f45-9708-019B960494DF}">
-                <a14:hiddenLine xmlns:a14="http://schemas.microsoft.com/office/drawing/2010/main" xmlns="" w="9525">
+                <a14:hiddenLine xmlns="" xmlns:a14="http://schemas.microsoft.com/office/drawing/2010/main" w="9525">
                   <a:solidFill>
                     <a:srgbClr val="000000"/>
                   </a:solidFill>
@@ -7027,7 +7027,7 @@
             </a:ln>
             <a:extLst>
               <a:ext uri="{91240B29-F687-4f45-9708-019B960494DF}">
-                <a14:hiddenLine xmlns:a14="http://schemas.microsoft.com/office/drawing/2010/main" xmlns="" w="9525">
+                <a14:hiddenLine xmlns="" xmlns:a14="http://schemas.microsoft.com/office/drawing/2010/main" w="9525">
                   <a:solidFill>
                     <a:srgbClr val="000000"/>
                   </a:solidFill>
@@ -7117,7 +7117,7 @@
             </a:ln>
             <a:extLst>
               <a:ext uri="{91240B29-F687-4f45-9708-019B960494DF}">
-                <a14:hiddenLine xmlns:a14="http://schemas.microsoft.com/office/drawing/2010/main" xmlns="" w="9525">
+                <a14:hiddenLine xmlns="" xmlns:a14="http://schemas.microsoft.com/office/drawing/2010/main" w="9525">
                   <a:solidFill>
                     <a:srgbClr val="000000"/>
                   </a:solidFill>
@@ -7179,7 +7179,7 @@
             </a:ln>
             <a:extLst>
               <a:ext uri="{91240B29-F687-4f45-9708-019B960494DF}">
-                <a14:hiddenLine xmlns:a14="http://schemas.microsoft.com/office/drawing/2010/main" xmlns="" w="9525">
+                <a14:hiddenLine xmlns="" xmlns:a14="http://schemas.microsoft.com/office/drawing/2010/main" w="9525">
                   <a:solidFill>
                     <a:srgbClr val="000000"/>
                   </a:solidFill>
@@ -7269,7 +7269,7 @@
             </a:ln>
             <a:extLst>
               <a:ext uri="{91240B29-F687-4f45-9708-019B960494DF}">
-                <a14:hiddenLine xmlns:a14="http://schemas.microsoft.com/office/drawing/2010/main" xmlns="" w="9525">
+                <a14:hiddenLine xmlns="" xmlns:a14="http://schemas.microsoft.com/office/drawing/2010/main" w="9525">
                   <a:solidFill>
                     <a:srgbClr val="000000"/>
                   </a:solidFill>
@@ -7331,7 +7331,7 @@
             </a:ln>
             <a:extLst>
               <a:ext uri="{91240B29-F687-4f45-9708-019B960494DF}">
-                <a14:hiddenLine xmlns:a14="http://schemas.microsoft.com/office/drawing/2010/main" xmlns="" w="9525">
+                <a14:hiddenLine xmlns="" xmlns:a14="http://schemas.microsoft.com/office/drawing/2010/main" w="9525">
                   <a:solidFill>
                     <a:srgbClr val="000000"/>
                   </a:solidFill>
@@ -7421,7 +7421,7 @@
             </a:ln>
             <a:extLst>
               <a:ext uri="{91240B29-F687-4f45-9708-019B960494DF}">
-                <a14:hiddenLine xmlns:a14="http://schemas.microsoft.com/office/drawing/2010/main" xmlns="" w="9525">
+                <a14:hiddenLine xmlns="" xmlns:a14="http://schemas.microsoft.com/office/drawing/2010/main" w="9525">
                   <a:solidFill>
                     <a:srgbClr val="000000"/>
                   </a:solidFill>
@@ -7455,7 +7455,7 @@
             </a:ln>
             <a:extLst>
               <a:ext uri="{91240B29-F687-4f45-9708-019B960494DF}">
-                <a14:hiddenLine xmlns:a14="http://schemas.microsoft.com/office/drawing/2010/main" xmlns="" w="9525">
+                <a14:hiddenLine xmlns="" xmlns:a14="http://schemas.microsoft.com/office/drawing/2010/main" w="9525">
                   <a:solidFill>
                     <a:srgbClr val="000000"/>
                   </a:solidFill>
@@ -7520,7 +7520,7 @@
             </a:ln>
             <a:extLst>
               <a:ext uri="{91240B29-F687-4f45-9708-019B960494DF}">
-                <a14:hiddenLine xmlns:a14="http://schemas.microsoft.com/office/drawing/2010/main" xmlns="" w="9525">
+                <a14:hiddenLine xmlns="" xmlns:a14="http://schemas.microsoft.com/office/drawing/2010/main" w="9525">
                   <a:solidFill>
                     <a:srgbClr val="000000"/>
                   </a:solidFill>
@@ -7610,7 +7610,7 @@
             </a:ln>
             <a:extLst>
               <a:ext uri="{91240B29-F687-4f45-9708-019B960494DF}">
-                <a14:hiddenLine xmlns:a14="http://schemas.microsoft.com/office/drawing/2010/main" xmlns="" w="9525">
+                <a14:hiddenLine xmlns="" xmlns:a14="http://schemas.microsoft.com/office/drawing/2010/main" w="9525">
                   <a:solidFill>
                     <a:srgbClr val="000000"/>
                   </a:solidFill>
@@ -7672,7 +7672,7 @@
             </a:ln>
             <a:extLst>
               <a:ext uri="{91240B29-F687-4f45-9708-019B960494DF}">
-                <a14:hiddenLine xmlns:a14="http://schemas.microsoft.com/office/drawing/2010/main" xmlns="" w="9525">
+                <a14:hiddenLine xmlns="" xmlns:a14="http://schemas.microsoft.com/office/drawing/2010/main" w="9525">
                   <a:solidFill>
                     <a:srgbClr val="000000"/>
                   </a:solidFill>
@@ -7762,7 +7762,7 @@
             </a:ln>
             <a:extLst>
               <a:ext uri="{91240B29-F687-4f45-9708-019B960494DF}">
-                <a14:hiddenLine xmlns:a14="http://schemas.microsoft.com/office/drawing/2010/main" xmlns="" w="9525">
+                <a14:hiddenLine xmlns="" xmlns:a14="http://schemas.microsoft.com/office/drawing/2010/main" w="9525">
                   <a:solidFill>
                     <a:srgbClr val="000000"/>
                   </a:solidFill>
@@ -7852,7 +7852,7 @@
             </a:ln>
             <a:extLst>
               <a:ext uri="{91240B29-F687-4f45-9708-019B960494DF}">
-                <a14:hiddenLine xmlns:a14="http://schemas.microsoft.com/office/drawing/2010/main" xmlns="" w="9525">
+                <a14:hiddenLine xmlns="" xmlns:a14="http://schemas.microsoft.com/office/drawing/2010/main" w="9525">
                   <a:solidFill>
                     <a:srgbClr val="000000"/>
                   </a:solidFill>
@@ -7917,7 +7917,7 @@
             </a:ln>
             <a:extLst>
               <a:ext uri="{91240B29-F687-4f45-9708-019B960494DF}">
-                <a14:hiddenLine xmlns:a14="http://schemas.microsoft.com/office/drawing/2010/main" xmlns="" w="9525">
+                <a14:hiddenLine xmlns="" xmlns:a14="http://schemas.microsoft.com/office/drawing/2010/main" w="9525">
                   <a:solidFill>
                     <a:srgbClr val="000000"/>
                   </a:solidFill>
@@ -7979,7 +7979,7 @@
             </a:ln>
             <a:extLst>
               <a:ext uri="{91240B29-F687-4f45-9708-019B960494DF}">
-                <a14:hiddenLine xmlns:a14="http://schemas.microsoft.com/office/drawing/2010/main" xmlns="" w="9525">
+                <a14:hiddenLine xmlns="" xmlns:a14="http://schemas.microsoft.com/office/drawing/2010/main" w="9525">
                   <a:solidFill>
                     <a:srgbClr val="000000"/>
                   </a:solidFill>
@@ -8069,7 +8069,7 @@
             </a:ln>
             <a:extLst>
               <a:ext uri="{91240B29-F687-4f45-9708-019B960494DF}">
-                <a14:hiddenLine xmlns:a14="http://schemas.microsoft.com/office/drawing/2010/main" xmlns="" w="9525">
+                <a14:hiddenLine xmlns="" xmlns:a14="http://schemas.microsoft.com/office/drawing/2010/main" w="9525">
                   <a:solidFill>
                     <a:srgbClr val="000000"/>
                   </a:solidFill>
@@ -8159,7 +8159,7 @@
             </a:ln>
             <a:extLst>
               <a:ext uri="{91240B29-F687-4f45-9708-019B960494DF}">
-                <a14:hiddenLine xmlns:a14="http://schemas.microsoft.com/office/drawing/2010/main" xmlns="" w="9525">
+                <a14:hiddenLine xmlns="" xmlns:a14="http://schemas.microsoft.com/office/drawing/2010/main" w="9525">
                   <a:solidFill>
                     <a:srgbClr val="000000"/>
                   </a:solidFill>
@@ -8221,7 +8221,7 @@
             </a:ln>
             <a:extLst>
               <a:ext uri="{91240B29-F687-4f45-9708-019B960494DF}">
-                <a14:hiddenLine xmlns:a14="http://schemas.microsoft.com/office/drawing/2010/main" xmlns="" w="9525">
+                <a14:hiddenLine xmlns="" xmlns:a14="http://schemas.microsoft.com/office/drawing/2010/main" w="9525">
                   <a:solidFill>
                     <a:srgbClr val="000000"/>
                   </a:solidFill>
@@ -8341,7 +8341,7 @@
             </a:ln>
             <a:extLst>
               <a:ext uri="{91240B29-F687-4f45-9708-019B960494DF}">
-                <a14:hiddenLine xmlns:a14="http://schemas.microsoft.com/office/drawing/2010/main" xmlns="" w="9525">
+                <a14:hiddenLine xmlns="" xmlns:a14="http://schemas.microsoft.com/office/drawing/2010/main" w="9525">
                   <a:solidFill>
                     <a:srgbClr val="000000"/>
                   </a:solidFill>
@@ -8409,7 +8409,7 @@
             </a:ln>
             <a:extLst>
               <a:ext uri="{91240B29-F687-4f45-9708-019B960494DF}">
-                <a14:hiddenLine xmlns:a14="http://schemas.microsoft.com/office/drawing/2010/main" xmlns="" w="9525">
+                <a14:hiddenLine xmlns="" xmlns:a14="http://schemas.microsoft.com/office/drawing/2010/main" w="9525">
                   <a:solidFill>
                     <a:srgbClr val="000000"/>
                   </a:solidFill>
@@ -8499,7 +8499,7 @@
             </a:ln>
             <a:extLst>
               <a:ext uri="{91240B29-F687-4f45-9708-019B960494DF}">
-                <a14:hiddenLine xmlns:a14="http://schemas.microsoft.com/office/drawing/2010/main" xmlns="" w="9525">
+                <a14:hiddenLine xmlns="" xmlns:a14="http://schemas.microsoft.com/office/drawing/2010/main" w="9525">
                   <a:solidFill>
                     <a:srgbClr val="000000"/>
                   </a:solidFill>
@@ -13306,7 +13306,7 @@
           <a:noFill/>
           <a:extLst>
             <a:ext uri="{909E8E84-426E-40dd-AFC4-6F175D3DCCD1}">
-              <a14:hiddenFill xmlns:a14="http://schemas.microsoft.com/office/drawing/2010/main" xmlns="">
+              <a14:hiddenFill xmlns="" xmlns:a14="http://schemas.microsoft.com/office/drawing/2010/main">
                 <a:solidFill>
                   <a:srgbClr val="FFFFFF"/>
                 </a:solidFill>
@@ -13380,7 +13380,7 @@
               </a:ln>
               <a:extLst>
                 <a:ext uri="{91240B29-F687-4f45-9708-019B960494DF}">
-                  <a14:hiddenLine xmlns:a14="http://schemas.microsoft.com/office/drawing/2010/main" xmlns="" w="9525">
+                  <a14:hiddenLine xmlns="" xmlns:a14="http://schemas.microsoft.com/office/drawing/2010/main" w="9525">
                     <a:solidFill>
                       <a:srgbClr val="000000"/>
                     </a:solidFill>
@@ -13470,7 +13470,7 @@
               </a:ln>
               <a:extLst>
                 <a:ext uri="{91240B29-F687-4f45-9708-019B960494DF}">
-                  <a14:hiddenLine xmlns:a14="http://schemas.microsoft.com/office/drawing/2010/main" xmlns="" w="9525">
+                  <a14:hiddenLine xmlns="" xmlns:a14="http://schemas.microsoft.com/office/drawing/2010/main" w="9525">
                     <a:solidFill>
                       <a:srgbClr val="000000"/>
                     </a:solidFill>
@@ -13560,7 +13560,7 @@
               </a:ln>
               <a:extLst>
                 <a:ext uri="{91240B29-F687-4f45-9708-019B960494DF}">
-                  <a14:hiddenLine xmlns:a14="http://schemas.microsoft.com/office/drawing/2010/main" xmlns="" w="9525">
+                  <a14:hiddenLine xmlns="" xmlns:a14="http://schemas.microsoft.com/office/drawing/2010/main" w="9525">
                     <a:solidFill>
                       <a:srgbClr val="000000"/>
                     </a:solidFill>
@@ -13622,7 +13622,7 @@
               </a:ln>
               <a:extLst>
                 <a:ext uri="{91240B29-F687-4f45-9708-019B960494DF}">
-                  <a14:hiddenLine xmlns:a14="http://schemas.microsoft.com/office/drawing/2010/main" xmlns="" w="9525">
+                  <a14:hiddenLine xmlns="" xmlns:a14="http://schemas.microsoft.com/office/drawing/2010/main" w="9525">
                     <a:solidFill>
                       <a:srgbClr val="000000"/>
                     </a:solidFill>
@@ -13712,7 +13712,7 @@
               </a:ln>
               <a:extLst>
                 <a:ext uri="{91240B29-F687-4f45-9708-019B960494DF}">
-                  <a14:hiddenLine xmlns:a14="http://schemas.microsoft.com/office/drawing/2010/main" xmlns="" w="9525">
+                  <a14:hiddenLine xmlns="" xmlns:a14="http://schemas.microsoft.com/office/drawing/2010/main" w="9525">
                     <a:solidFill>
                       <a:srgbClr val="000000"/>
                     </a:solidFill>
@@ -13774,7 +13774,7 @@
               </a:ln>
               <a:extLst>
                 <a:ext uri="{91240B29-F687-4f45-9708-019B960494DF}">
-                  <a14:hiddenLine xmlns:a14="http://schemas.microsoft.com/office/drawing/2010/main" xmlns="" w="9525">
+                  <a14:hiddenLine xmlns="" xmlns:a14="http://schemas.microsoft.com/office/drawing/2010/main" w="9525">
                     <a:solidFill>
                       <a:srgbClr val="000000"/>
                     </a:solidFill>
@@ -13836,7 +13836,7 @@
               </a:ln>
               <a:extLst>
                 <a:ext uri="{91240B29-F687-4f45-9708-019B960494DF}">
-                  <a14:hiddenLine xmlns:a14="http://schemas.microsoft.com/office/drawing/2010/main" xmlns="" w="9525">
+                  <a14:hiddenLine xmlns="" xmlns:a14="http://schemas.microsoft.com/office/drawing/2010/main" w="9525">
                     <a:solidFill>
                       <a:srgbClr val="000000"/>
                     </a:solidFill>
@@ -13926,7 +13926,7 @@
               </a:ln>
               <a:extLst>
                 <a:ext uri="{91240B29-F687-4f45-9708-019B960494DF}">
-                  <a14:hiddenLine xmlns:a14="http://schemas.microsoft.com/office/drawing/2010/main" xmlns="" w="9525">
+                  <a14:hiddenLine xmlns="" xmlns:a14="http://schemas.microsoft.com/office/drawing/2010/main" w="9525">
                     <a:solidFill>
                       <a:srgbClr val="000000"/>
                     </a:solidFill>
@@ -14016,7 +14016,7 @@
               </a:ln>
               <a:extLst>
                 <a:ext uri="{91240B29-F687-4f45-9708-019B960494DF}">
-                  <a14:hiddenLine xmlns:a14="http://schemas.microsoft.com/office/drawing/2010/main" xmlns="" w="9525">
+                  <a14:hiddenLine xmlns="" xmlns:a14="http://schemas.microsoft.com/office/drawing/2010/main" w="9525">
                     <a:solidFill>
                       <a:srgbClr val="000000"/>
                     </a:solidFill>
@@ -14078,7 +14078,7 @@
               </a:ln>
               <a:extLst>
                 <a:ext uri="{91240B29-F687-4f45-9708-019B960494DF}">
-                  <a14:hiddenLine xmlns:a14="http://schemas.microsoft.com/office/drawing/2010/main" xmlns="" w="9525">
+                  <a14:hiddenLine xmlns="" xmlns:a14="http://schemas.microsoft.com/office/drawing/2010/main" w="9525">
                     <a:solidFill>
                       <a:srgbClr val="000000"/>
                     </a:solidFill>
@@ -14188,7 +14188,7 @@
               </a:ln>
               <a:extLst>
                 <a:ext uri="{91240B29-F687-4f45-9708-019B960494DF}">
-                  <a14:hiddenLine xmlns:a14="http://schemas.microsoft.com/office/drawing/2010/main" xmlns="" w="9525">
+                  <a14:hiddenLine xmlns="" xmlns:a14="http://schemas.microsoft.com/office/drawing/2010/main" w="9525">
                     <a:solidFill>
                       <a:srgbClr val="000000"/>
                     </a:solidFill>
@@ -14272,7 +14272,7 @@
               </a:ln>
               <a:extLst>
                 <a:ext uri="{91240B29-F687-4f45-9708-019B960494DF}">
-                  <a14:hiddenLine xmlns:a14="http://schemas.microsoft.com/office/drawing/2010/main" xmlns="" w="9525">
+                  <a14:hiddenLine xmlns="" xmlns:a14="http://schemas.microsoft.com/office/drawing/2010/main" w="9525">
                     <a:solidFill>
                       <a:srgbClr val="000000"/>
                     </a:solidFill>
@@ -14334,7 +14334,7 @@
               </a:ln>
               <a:extLst>
                 <a:ext uri="{91240B29-F687-4f45-9708-019B960494DF}">
-                  <a14:hiddenLine xmlns:a14="http://schemas.microsoft.com/office/drawing/2010/main" xmlns="" w="9525">
+                  <a14:hiddenLine xmlns="" xmlns:a14="http://schemas.microsoft.com/office/drawing/2010/main" w="9525">
                     <a:solidFill>
                       <a:srgbClr val="000000"/>
                     </a:solidFill>
@@ -14396,7 +14396,7 @@
               </a:ln>
               <a:extLst>
                 <a:ext uri="{91240B29-F687-4f45-9708-019B960494DF}">
-                  <a14:hiddenLine xmlns:a14="http://schemas.microsoft.com/office/drawing/2010/main" xmlns="" w="9525">
+                  <a14:hiddenLine xmlns="" xmlns:a14="http://schemas.microsoft.com/office/drawing/2010/main" w="9525">
                     <a:solidFill>
                       <a:srgbClr val="000000"/>
                     </a:solidFill>
@@ -14486,7 +14486,7 @@
               </a:ln>
               <a:extLst>
                 <a:ext uri="{91240B29-F687-4f45-9708-019B960494DF}">
-                  <a14:hiddenLine xmlns:a14="http://schemas.microsoft.com/office/drawing/2010/main" xmlns="" w="9525">
+                  <a14:hiddenLine xmlns="" xmlns:a14="http://schemas.microsoft.com/office/drawing/2010/main" w="9525">
                     <a:solidFill>
                       <a:srgbClr val="000000"/>
                     </a:solidFill>
@@ -14520,7 +14520,7 @@
               </a:ln>
               <a:extLst>
                 <a:ext uri="{91240B29-F687-4f45-9708-019B960494DF}">
-                  <a14:hiddenLine xmlns:a14="http://schemas.microsoft.com/office/drawing/2010/main" xmlns="" w="9525">
+                  <a14:hiddenLine xmlns="" xmlns:a14="http://schemas.microsoft.com/office/drawing/2010/main" w="9525">
                     <a:solidFill>
                       <a:srgbClr val="000000"/>
                     </a:solidFill>
@@ -14585,7 +14585,7 @@
               </a:ln>
               <a:extLst>
                 <a:ext uri="{91240B29-F687-4f45-9708-019B960494DF}">
-                  <a14:hiddenLine xmlns:a14="http://schemas.microsoft.com/office/drawing/2010/main" xmlns="" w="9525">
+                  <a14:hiddenLine xmlns="" xmlns:a14="http://schemas.microsoft.com/office/drawing/2010/main" w="9525">
                     <a:solidFill>
                       <a:srgbClr val="000000"/>
                     </a:solidFill>
@@ -14675,7 +14675,7 @@
               </a:ln>
               <a:extLst>
                 <a:ext uri="{91240B29-F687-4f45-9708-019B960494DF}">
-                  <a14:hiddenLine xmlns:a14="http://schemas.microsoft.com/office/drawing/2010/main" xmlns="" w="9525">
+                  <a14:hiddenLine xmlns="" xmlns:a14="http://schemas.microsoft.com/office/drawing/2010/main" w="9525">
                     <a:solidFill>
                       <a:srgbClr val="000000"/>
                     </a:solidFill>
@@ -14737,7 +14737,7 @@
               </a:ln>
               <a:extLst>
                 <a:ext uri="{91240B29-F687-4f45-9708-019B960494DF}">
-                  <a14:hiddenLine xmlns:a14="http://schemas.microsoft.com/office/drawing/2010/main" xmlns="" w="9525">
+                  <a14:hiddenLine xmlns="" xmlns:a14="http://schemas.microsoft.com/office/drawing/2010/main" w="9525">
                     <a:solidFill>
                       <a:srgbClr val="000000"/>
                     </a:solidFill>
@@ -14827,7 +14827,7 @@
               </a:ln>
               <a:extLst>
                 <a:ext uri="{91240B29-F687-4f45-9708-019B960494DF}">
-                  <a14:hiddenLine xmlns:a14="http://schemas.microsoft.com/office/drawing/2010/main" xmlns="" w="9525">
+                  <a14:hiddenLine xmlns="" xmlns:a14="http://schemas.microsoft.com/office/drawing/2010/main" w="9525">
                     <a:solidFill>
                       <a:srgbClr val="000000"/>
                     </a:solidFill>
@@ -14892,7 +14892,7 @@
               </a:ln>
               <a:extLst>
                 <a:ext uri="{91240B29-F687-4f45-9708-019B960494DF}">
-                  <a14:hiddenLine xmlns:a14="http://schemas.microsoft.com/office/drawing/2010/main" xmlns="" w="9525">
+                  <a14:hiddenLine xmlns="" xmlns:a14="http://schemas.microsoft.com/office/drawing/2010/main" w="9525">
                     <a:solidFill>
                       <a:srgbClr val="000000"/>
                     </a:solidFill>
@@ -14954,7 +14954,7 @@
               </a:ln>
               <a:extLst>
                 <a:ext uri="{91240B29-F687-4f45-9708-019B960494DF}">
-                  <a14:hiddenLine xmlns:a14="http://schemas.microsoft.com/office/drawing/2010/main" xmlns="" w="9525">
+                  <a14:hiddenLine xmlns="" xmlns:a14="http://schemas.microsoft.com/office/drawing/2010/main" w="9525">
                     <a:solidFill>
                       <a:srgbClr val="000000"/>
                     </a:solidFill>
@@ -15044,7 +15044,7 @@
               </a:ln>
               <a:extLst>
                 <a:ext uri="{91240B29-F687-4f45-9708-019B960494DF}">
-                  <a14:hiddenLine xmlns:a14="http://schemas.microsoft.com/office/drawing/2010/main" xmlns="" w="9525">
+                  <a14:hiddenLine xmlns="" xmlns:a14="http://schemas.microsoft.com/office/drawing/2010/main" w="9525">
                     <a:solidFill>
                       <a:srgbClr val="000000"/>
                     </a:solidFill>
@@ -15134,7 +15134,7 @@
               </a:ln>
               <a:extLst>
                 <a:ext uri="{91240B29-F687-4f45-9708-019B960494DF}">
-                  <a14:hiddenLine xmlns:a14="http://schemas.microsoft.com/office/drawing/2010/main" xmlns="" w="9525">
+                  <a14:hiddenLine xmlns="" xmlns:a14="http://schemas.microsoft.com/office/drawing/2010/main" w="9525">
                     <a:solidFill>
                       <a:srgbClr val="000000"/>
                     </a:solidFill>
@@ -15199,7 +15199,7 @@
               </a:ln>
               <a:extLst>
                 <a:ext uri="{91240B29-F687-4f45-9708-019B960494DF}">
-                  <a14:hiddenLine xmlns:a14="http://schemas.microsoft.com/office/drawing/2010/main" xmlns="" w="9525">
+                  <a14:hiddenLine xmlns="" xmlns:a14="http://schemas.microsoft.com/office/drawing/2010/main" w="9525">
                     <a:solidFill>
                       <a:srgbClr val="000000"/>
                     </a:solidFill>
@@ -15319,7 +15319,7 @@
               </a:ln>
               <a:extLst>
                 <a:ext uri="{91240B29-F687-4f45-9708-019B960494DF}">
-                  <a14:hiddenLine xmlns:a14="http://schemas.microsoft.com/office/drawing/2010/main" xmlns="" w="9525">
+                  <a14:hiddenLine xmlns="" xmlns:a14="http://schemas.microsoft.com/office/drawing/2010/main" w="9525">
                     <a:solidFill>
                       <a:srgbClr val="000000"/>
                     </a:solidFill>
@@ -15417,7 +15417,7 @@
               </a:ln>
               <a:extLst>
                 <a:ext uri="{91240B29-F687-4f45-9708-019B960494DF}">
-                  <a14:hiddenLine xmlns:a14="http://schemas.microsoft.com/office/drawing/2010/main" xmlns="" w="9525">
+                  <a14:hiddenLine xmlns="" xmlns:a14="http://schemas.microsoft.com/office/drawing/2010/main" w="9525">
                     <a:solidFill>
                       <a:srgbClr val="000000"/>
                     </a:solidFill>
@@ -15532,7 +15532,7 @@
               </a:ln>
               <a:extLst>
                 <a:ext uri="{91240B29-F687-4f45-9708-019B960494DF}">
-                  <a14:hiddenLine xmlns:a14="http://schemas.microsoft.com/office/drawing/2010/main" xmlns="" w="9525">
+                  <a14:hiddenLine xmlns="" xmlns:a14="http://schemas.microsoft.com/office/drawing/2010/main" w="9525">
                     <a:solidFill>
                       <a:srgbClr val="000000"/>
                     </a:solidFill>
@@ -15622,7 +15622,7 @@
               </a:ln>
               <a:extLst>
                 <a:ext uri="{91240B29-F687-4f45-9708-019B960494DF}">
-                  <a14:hiddenLine xmlns:a14="http://schemas.microsoft.com/office/drawing/2010/main" xmlns="" w="9525">
+                  <a14:hiddenLine xmlns="" xmlns:a14="http://schemas.microsoft.com/office/drawing/2010/main" w="9525">
                     <a:solidFill>
                       <a:srgbClr val="000000"/>
                     </a:solidFill>
@@ -15687,7 +15687,7 @@
               </a:ln>
               <a:extLst>
                 <a:ext uri="{91240B29-F687-4f45-9708-019B960494DF}">
-                  <a14:hiddenLine xmlns:a14="http://schemas.microsoft.com/office/drawing/2010/main" xmlns="" w="9525">
+                  <a14:hiddenLine xmlns="" xmlns:a14="http://schemas.microsoft.com/office/drawing/2010/main" w="9525">
                     <a:solidFill>
                       <a:srgbClr val="000000"/>
                     </a:solidFill>
@@ -15777,7 +15777,7 @@
               </a:ln>
               <a:extLst>
                 <a:ext uri="{91240B29-F687-4f45-9708-019B960494DF}">
-                  <a14:hiddenLine xmlns:a14="http://schemas.microsoft.com/office/drawing/2010/main" xmlns="" w="9525">
+                  <a14:hiddenLine xmlns="" xmlns:a14="http://schemas.microsoft.com/office/drawing/2010/main" w="9525">
                     <a:solidFill>
                       <a:srgbClr val="000000"/>
                     </a:solidFill>
@@ -15845,7 +15845,7 @@
               </a:ln>
               <a:extLst>
                 <a:ext uri="{91240B29-F687-4f45-9708-019B960494DF}">
-                  <a14:hiddenLine xmlns:a14="http://schemas.microsoft.com/office/drawing/2010/main" xmlns="" w="9525">
+                  <a14:hiddenLine xmlns="" xmlns:a14="http://schemas.microsoft.com/office/drawing/2010/main" w="9525">
                     <a:solidFill>
                       <a:srgbClr val="000000"/>
                     </a:solidFill>
@@ -15935,7 +15935,7 @@
               </a:ln>
               <a:extLst>
                 <a:ext uri="{91240B29-F687-4f45-9708-019B960494DF}">
-                  <a14:hiddenLine xmlns:a14="http://schemas.microsoft.com/office/drawing/2010/main" xmlns="" w="9525">
+                  <a14:hiddenLine xmlns="" xmlns:a14="http://schemas.microsoft.com/office/drawing/2010/main" w="9525">
                     <a:solidFill>
                       <a:srgbClr val="000000"/>
                     </a:solidFill>
@@ -16003,7 +16003,7 @@
               </a:ln>
               <a:extLst>
                 <a:ext uri="{91240B29-F687-4f45-9708-019B960494DF}">
-                  <a14:hiddenLine xmlns:a14="http://schemas.microsoft.com/office/drawing/2010/main" xmlns="" w="9525">
+                  <a14:hiddenLine xmlns="" xmlns:a14="http://schemas.microsoft.com/office/drawing/2010/main" w="9525">
                     <a:solidFill>
                       <a:srgbClr val="000000"/>
                     </a:solidFill>
@@ -16093,7 +16093,7 @@
               </a:ln>
               <a:extLst>
                 <a:ext uri="{91240B29-F687-4f45-9708-019B960494DF}">
-                  <a14:hiddenLine xmlns:a14="http://schemas.microsoft.com/office/drawing/2010/main" xmlns="" w="9525">
+                  <a14:hiddenLine xmlns="" xmlns:a14="http://schemas.microsoft.com/office/drawing/2010/main" w="9525">
                     <a:solidFill>
                       <a:srgbClr val="000000"/>
                     </a:solidFill>
@@ -16127,7 +16127,7 @@
               </a:ln>
               <a:extLst>
                 <a:ext uri="{91240B29-F687-4f45-9708-019B960494DF}">
-                  <a14:hiddenLine xmlns:a14="http://schemas.microsoft.com/office/drawing/2010/main" xmlns="" w="9525">
+                  <a14:hiddenLine xmlns="" xmlns:a14="http://schemas.microsoft.com/office/drawing/2010/main" w="9525">
                     <a:solidFill>
                       <a:srgbClr val="000000"/>
                     </a:solidFill>
@@ -17089,7 +17089,7 @@
             <a:noFill/>
             <a:extLst>
               <a:ext uri="{909E8E84-426E-40dd-AFC4-6F175D3DCCD1}">
-                <a14:hiddenFill xmlns="" xmlns:a16="http://schemas.microsoft.com/office/drawing/2014/main" xmlns:a14="http://schemas.microsoft.com/office/drawing/2010/main" xmlns:p14="http://schemas.microsoft.com/office/powerpoint/2010/main">
+                <a14:hiddenFill xmlns:p14="http://schemas.microsoft.com/office/powerpoint/2010/main" xmlns:a14="http://schemas.microsoft.com/office/drawing/2010/main" xmlns:a16="http://schemas.microsoft.com/office/drawing/2014/main" xmlns="">
                   <a:solidFill>
                     <a:srgbClr val="FFFFFF"/>
                   </a:solidFill>
@@ -17238,7 +17238,7 @@
             </a:ln>
             <a:extLst>
               <a:ext uri="{91240B29-F687-4f45-9708-019B960494DF}">
-                <a14:hiddenLine xmlns="" xmlns:a16="http://schemas.microsoft.com/office/drawing/2014/main" xmlns:a14="http://schemas.microsoft.com/office/drawing/2010/main" xmlns:p14="http://schemas.microsoft.com/office/powerpoint/2010/main" w="9525">
+                <a14:hiddenLine xmlns:p14="http://schemas.microsoft.com/office/powerpoint/2010/main" xmlns:a14="http://schemas.microsoft.com/office/drawing/2010/main" xmlns:a16="http://schemas.microsoft.com/office/drawing/2014/main" xmlns="" w="9525">
                   <a:solidFill>
                     <a:srgbClr val="000000"/>
                   </a:solidFill>
@@ -17343,7 +17343,7 @@
             </a:ln>
             <a:extLst>
               <a:ext uri="{91240B29-F687-4f45-9708-019B960494DF}">
-                <a14:hiddenLine xmlns="" xmlns:a16="http://schemas.microsoft.com/office/drawing/2014/main" xmlns:a14="http://schemas.microsoft.com/office/drawing/2010/main" xmlns:p14="http://schemas.microsoft.com/office/powerpoint/2010/main" w="9525">
+                <a14:hiddenLine xmlns:p14="http://schemas.microsoft.com/office/powerpoint/2010/main" xmlns:a14="http://schemas.microsoft.com/office/drawing/2010/main" xmlns:a16="http://schemas.microsoft.com/office/drawing/2014/main" xmlns="" w="9525">
                   <a:solidFill>
                     <a:srgbClr val="000000"/>
                   </a:solidFill>
@@ -17448,7 +17448,7 @@
             </a:ln>
             <a:extLst>
               <a:ext uri="{91240B29-F687-4f45-9708-019B960494DF}">
-                <a14:hiddenLine xmlns="" xmlns:a16="http://schemas.microsoft.com/office/drawing/2014/main" xmlns:a14="http://schemas.microsoft.com/office/drawing/2010/main" xmlns:p14="http://schemas.microsoft.com/office/powerpoint/2010/main" w="9525">
+                <a14:hiddenLine xmlns:p14="http://schemas.microsoft.com/office/powerpoint/2010/main" xmlns:a14="http://schemas.microsoft.com/office/drawing/2010/main" xmlns:a16="http://schemas.microsoft.com/office/drawing/2014/main" xmlns="" w="9525">
                   <a:solidFill>
                     <a:srgbClr val="000000"/>
                   </a:solidFill>
@@ -17497,7 +17497,7 @@
             </a:ln>
             <a:extLst>
               <a:ext uri="{91240B29-F687-4f45-9708-019B960494DF}">
-                <a14:hiddenLine xmlns="" xmlns:a16="http://schemas.microsoft.com/office/drawing/2014/main" xmlns:a14="http://schemas.microsoft.com/office/drawing/2010/main" xmlns:p14="http://schemas.microsoft.com/office/powerpoint/2010/main" w="9525">
+                <a14:hiddenLine xmlns:p14="http://schemas.microsoft.com/office/powerpoint/2010/main" xmlns:a14="http://schemas.microsoft.com/office/drawing/2010/main" xmlns:a16="http://schemas.microsoft.com/office/drawing/2014/main" xmlns="" w="9525">
                   <a:solidFill>
                     <a:srgbClr val="000000"/>
                   </a:solidFill>
@@ -17602,7 +17602,7 @@
             </a:ln>
             <a:extLst>
               <a:ext uri="{91240B29-F687-4f45-9708-019B960494DF}">
-                <a14:hiddenLine xmlns="" xmlns:a16="http://schemas.microsoft.com/office/drawing/2014/main" xmlns:a14="http://schemas.microsoft.com/office/drawing/2010/main" xmlns:p14="http://schemas.microsoft.com/office/powerpoint/2010/main" w="9525">
+                <a14:hiddenLine xmlns:p14="http://schemas.microsoft.com/office/powerpoint/2010/main" xmlns:a14="http://schemas.microsoft.com/office/drawing/2010/main" xmlns:a16="http://schemas.microsoft.com/office/drawing/2014/main" xmlns="" w="9525">
                   <a:solidFill>
                     <a:srgbClr val="000000"/>
                   </a:solidFill>
@@ -17679,7 +17679,7 @@
             </a:ln>
             <a:extLst>
               <a:ext uri="{91240B29-F687-4f45-9708-019B960494DF}">
-                <a14:hiddenLine xmlns="" xmlns:a16="http://schemas.microsoft.com/office/drawing/2014/main" xmlns:a14="http://schemas.microsoft.com/office/drawing/2010/main" xmlns:p14="http://schemas.microsoft.com/office/powerpoint/2010/main" w="9525">
+                <a14:hiddenLine xmlns:p14="http://schemas.microsoft.com/office/powerpoint/2010/main" xmlns:a14="http://schemas.microsoft.com/office/drawing/2010/main" xmlns:a16="http://schemas.microsoft.com/office/drawing/2014/main" xmlns="" w="9525">
                   <a:solidFill>
                     <a:srgbClr val="000000"/>
                   </a:solidFill>
@@ -17756,7 +17756,7 @@
             </a:ln>
             <a:extLst>
               <a:ext uri="{91240B29-F687-4f45-9708-019B960494DF}">
-                <a14:hiddenLine xmlns="" xmlns:a16="http://schemas.microsoft.com/office/drawing/2014/main" xmlns:a14="http://schemas.microsoft.com/office/drawing/2010/main" xmlns:p14="http://schemas.microsoft.com/office/powerpoint/2010/main" w="9525">
+                <a14:hiddenLine xmlns:p14="http://schemas.microsoft.com/office/powerpoint/2010/main" xmlns:a14="http://schemas.microsoft.com/office/drawing/2010/main" xmlns:a16="http://schemas.microsoft.com/office/drawing/2014/main" xmlns="" w="9525">
                   <a:solidFill>
                     <a:srgbClr val="000000"/>
                   </a:solidFill>
@@ -17861,7 +17861,7 @@
             </a:ln>
             <a:extLst>
               <a:ext uri="{91240B29-F687-4f45-9708-019B960494DF}">
-                <a14:hiddenLine xmlns="" xmlns:a16="http://schemas.microsoft.com/office/drawing/2014/main" xmlns:a14="http://schemas.microsoft.com/office/drawing/2010/main" xmlns:p14="http://schemas.microsoft.com/office/powerpoint/2010/main" w="9525">
+                <a14:hiddenLine xmlns:p14="http://schemas.microsoft.com/office/powerpoint/2010/main" xmlns:a14="http://schemas.microsoft.com/office/drawing/2010/main" xmlns:a16="http://schemas.microsoft.com/office/drawing/2014/main" xmlns="" w="9525">
                   <a:solidFill>
                     <a:srgbClr val="000000"/>
                   </a:solidFill>
@@ -17938,7 +17938,7 @@
             </a:ln>
             <a:extLst>
               <a:ext uri="{91240B29-F687-4f45-9708-019B960494DF}">
-                <a14:hiddenLine xmlns="" xmlns:a16="http://schemas.microsoft.com/office/drawing/2014/main" xmlns:a14="http://schemas.microsoft.com/office/drawing/2010/main" xmlns:p14="http://schemas.microsoft.com/office/powerpoint/2010/main" w="9525">
+                <a14:hiddenLine xmlns:p14="http://schemas.microsoft.com/office/powerpoint/2010/main" xmlns:a14="http://schemas.microsoft.com/office/drawing/2010/main" xmlns:a16="http://schemas.microsoft.com/office/drawing/2014/main" xmlns="" w="9525">
                   <a:solidFill>
                     <a:srgbClr val="000000"/>
                   </a:solidFill>
@@ -18015,7 +18015,7 @@
             </a:ln>
             <a:extLst>
               <a:ext uri="{91240B29-F687-4f45-9708-019B960494DF}">
-                <a14:hiddenLine xmlns="" xmlns:a16="http://schemas.microsoft.com/office/drawing/2014/main" xmlns:a14="http://schemas.microsoft.com/office/drawing/2010/main" xmlns:p14="http://schemas.microsoft.com/office/powerpoint/2010/main" w="9525">
+                <a14:hiddenLine xmlns:p14="http://schemas.microsoft.com/office/powerpoint/2010/main" xmlns:a14="http://schemas.microsoft.com/office/drawing/2010/main" xmlns:a16="http://schemas.microsoft.com/office/drawing/2014/main" xmlns="" w="9525">
                   <a:solidFill>
                     <a:srgbClr val="000000"/>
                   </a:solidFill>
@@ -18120,7 +18120,7 @@
             </a:ln>
             <a:extLst>
               <a:ext uri="{91240B29-F687-4f45-9708-019B960494DF}">
-                <a14:hiddenLine xmlns="" xmlns:a16="http://schemas.microsoft.com/office/drawing/2014/main" xmlns:a14="http://schemas.microsoft.com/office/drawing/2010/main" xmlns:p14="http://schemas.microsoft.com/office/powerpoint/2010/main" w="9525">
+                <a14:hiddenLine xmlns:p14="http://schemas.microsoft.com/office/powerpoint/2010/main" xmlns:a14="http://schemas.microsoft.com/office/drawing/2010/main" xmlns:a16="http://schemas.microsoft.com/office/drawing/2014/main" xmlns="" w="9525">
                   <a:solidFill>
                     <a:srgbClr val="000000"/>
                   </a:solidFill>
@@ -18225,7 +18225,7 @@
             </a:ln>
             <a:extLst>
               <a:ext uri="{91240B29-F687-4f45-9708-019B960494DF}">
-                <a14:hiddenLine xmlns="" xmlns:a16="http://schemas.microsoft.com/office/drawing/2014/main" xmlns:a14="http://schemas.microsoft.com/office/drawing/2010/main" xmlns:p14="http://schemas.microsoft.com/office/powerpoint/2010/main" w="9525">
+                <a14:hiddenLine xmlns:p14="http://schemas.microsoft.com/office/powerpoint/2010/main" xmlns:a14="http://schemas.microsoft.com/office/drawing/2010/main" xmlns:a16="http://schemas.microsoft.com/office/drawing/2014/main" xmlns="" w="9525">
                   <a:solidFill>
                     <a:srgbClr val="000000"/>
                   </a:solidFill>
@@ -18302,7 +18302,7 @@
             </a:ln>
             <a:extLst>
               <a:ext uri="{91240B29-F687-4f45-9708-019B960494DF}">
-                <a14:hiddenLine xmlns="" xmlns:a16="http://schemas.microsoft.com/office/drawing/2014/main" xmlns:a14="http://schemas.microsoft.com/office/drawing/2010/main" xmlns:p14="http://schemas.microsoft.com/office/powerpoint/2010/main" w="9525">
+                <a14:hiddenLine xmlns:p14="http://schemas.microsoft.com/office/powerpoint/2010/main" xmlns:a14="http://schemas.microsoft.com/office/drawing/2010/main" xmlns:a16="http://schemas.microsoft.com/office/drawing/2014/main" xmlns="" w="9525">
                   <a:solidFill>
                     <a:srgbClr val="000000"/>
                   </a:solidFill>
@@ -18427,7 +18427,7 @@
             </a:ln>
             <a:extLst>
               <a:ext uri="{91240B29-F687-4f45-9708-019B960494DF}">
-                <a14:hiddenLine xmlns="" xmlns:a16="http://schemas.microsoft.com/office/drawing/2014/main" xmlns:a14="http://schemas.microsoft.com/office/drawing/2010/main" xmlns:p14="http://schemas.microsoft.com/office/powerpoint/2010/main" w="9525">
+                <a14:hiddenLine xmlns:p14="http://schemas.microsoft.com/office/powerpoint/2010/main" xmlns:a14="http://schemas.microsoft.com/office/drawing/2010/main" xmlns:a16="http://schemas.microsoft.com/office/drawing/2014/main" xmlns="" w="9525">
                   <a:solidFill>
                     <a:srgbClr val="000000"/>
                   </a:solidFill>
@@ -18504,7 +18504,7 @@
             </a:ln>
             <a:extLst>
               <a:ext uri="{91240B29-F687-4f45-9708-019B960494DF}">
-                <a14:hiddenLine xmlns="" xmlns:a16="http://schemas.microsoft.com/office/drawing/2014/main" xmlns:a14="http://schemas.microsoft.com/office/drawing/2010/main" xmlns:p14="http://schemas.microsoft.com/office/powerpoint/2010/main" w="9525">
+                <a14:hiddenLine xmlns:p14="http://schemas.microsoft.com/office/powerpoint/2010/main" xmlns:a14="http://schemas.microsoft.com/office/drawing/2010/main" xmlns:a16="http://schemas.microsoft.com/office/drawing/2014/main" xmlns="" w="9525">
                   <a:solidFill>
                     <a:srgbClr val="000000"/>
                   </a:solidFill>
@@ -18609,7 +18609,7 @@
             </a:ln>
             <a:extLst>
               <a:ext uri="{91240B29-F687-4f45-9708-019B960494DF}">
-                <a14:hiddenLine xmlns="" xmlns:a16="http://schemas.microsoft.com/office/drawing/2014/main" xmlns:a14="http://schemas.microsoft.com/office/drawing/2010/main" xmlns:p14="http://schemas.microsoft.com/office/powerpoint/2010/main" w="9525">
+                <a14:hiddenLine xmlns:p14="http://schemas.microsoft.com/office/powerpoint/2010/main" xmlns:a14="http://schemas.microsoft.com/office/drawing/2010/main" xmlns:a16="http://schemas.microsoft.com/office/drawing/2014/main" xmlns="" w="9525">
                   <a:solidFill>
                     <a:srgbClr val="000000"/>
                   </a:solidFill>
@@ -18714,7 +18714,7 @@
             </a:ln>
             <a:extLst>
               <a:ext uri="{91240B29-F687-4f45-9708-019B960494DF}">
-                <a14:hiddenLine xmlns="" xmlns:a16="http://schemas.microsoft.com/office/drawing/2014/main" xmlns:a14="http://schemas.microsoft.com/office/drawing/2010/main" xmlns:p14="http://schemas.microsoft.com/office/powerpoint/2010/main" w="9525">
+                <a14:hiddenLine xmlns:p14="http://schemas.microsoft.com/office/powerpoint/2010/main" xmlns:a14="http://schemas.microsoft.com/office/drawing/2010/main" xmlns:a16="http://schemas.microsoft.com/office/drawing/2014/main" xmlns="" w="9525">
                   <a:solidFill>
                     <a:srgbClr val="000000"/>
                   </a:solidFill>
@@ -18791,7 +18791,7 @@
             </a:ln>
             <a:extLst>
               <a:ext uri="{91240B29-F687-4f45-9708-019B960494DF}">
-                <a14:hiddenLine xmlns="" xmlns:a16="http://schemas.microsoft.com/office/drawing/2014/main" xmlns:a14="http://schemas.microsoft.com/office/drawing/2010/main" xmlns:p14="http://schemas.microsoft.com/office/powerpoint/2010/main" w="9525">
+                <a14:hiddenLine xmlns:p14="http://schemas.microsoft.com/office/powerpoint/2010/main" xmlns:a14="http://schemas.microsoft.com/office/drawing/2010/main" xmlns:a16="http://schemas.microsoft.com/office/drawing/2014/main" xmlns="" w="9525">
                   <a:solidFill>
                     <a:srgbClr val="000000"/>
                   </a:solidFill>
@@ -18896,7 +18896,7 @@
             </a:ln>
             <a:extLst>
               <a:ext uri="{91240B29-F687-4f45-9708-019B960494DF}">
-                <a14:hiddenLine xmlns="" xmlns:a16="http://schemas.microsoft.com/office/drawing/2014/main" xmlns:a14="http://schemas.microsoft.com/office/drawing/2010/main" xmlns:p14="http://schemas.microsoft.com/office/powerpoint/2010/main" w="9525">
+                <a14:hiddenLine xmlns:p14="http://schemas.microsoft.com/office/powerpoint/2010/main" xmlns:a14="http://schemas.microsoft.com/office/drawing/2010/main" xmlns:a16="http://schemas.microsoft.com/office/drawing/2014/main" xmlns="" w="9525">
                   <a:solidFill>
                     <a:srgbClr val="000000"/>
                   </a:solidFill>
@@ -19001,7 +19001,7 @@
             </a:ln>
             <a:extLst>
               <a:ext uri="{91240B29-F687-4f45-9708-019B960494DF}">
-                <a14:hiddenLine xmlns="" xmlns:a16="http://schemas.microsoft.com/office/drawing/2014/main" xmlns:a14="http://schemas.microsoft.com/office/drawing/2010/main" xmlns:p14="http://schemas.microsoft.com/office/powerpoint/2010/main" w="9525">
+                <a14:hiddenLine xmlns:p14="http://schemas.microsoft.com/office/powerpoint/2010/main" xmlns:a14="http://schemas.microsoft.com/office/drawing/2010/main" xmlns:a16="http://schemas.microsoft.com/office/drawing/2014/main" xmlns="" w="9525">
                   <a:solidFill>
                     <a:srgbClr val="000000"/>
                   </a:solidFill>
@@ -19072,7 +19072,7 @@
             </a:ln>
             <a:extLst>
               <a:ext uri="{91240B29-F687-4f45-9708-019B960494DF}">
-                <a14:hiddenLine xmlns="" xmlns:a16="http://schemas.microsoft.com/office/drawing/2014/main" xmlns:a14="http://schemas.microsoft.com/office/drawing/2010/main" xmlns:p14="http://schemas.microsoft.com/office/powerpoint/2010/main" w="9525">
+                <a14:hiddenLine xmlns:p14="http://schemas.microsoft.com/office/powerpoint/2010/main" xmlns:a14="http://schemas.microsoft.com/office/drawing/2010/main" xmlns:a16="http://schemas.microsoft.com/office/drawing/2014/main" xmlns="" w="9525">
                   <a:solidFill>
                     <a:srgbClr val="000000"/>
                   </a:solidFill>
@@ -19177,7 +19177,7 @@
             </a:ln>
             <a:extLst>
               <a:ext uri="{91240B29-F687-4f45-9708-019B960494DF}">
-                <a14:hiddenLine xmlns="" xmlns:a16="http://schemas.microsoft.com/office/drawing/2014/main" xmlns:a14="http://schemas.microsoft.com/office/drawing/2010/main" xmlns:p14="http://schemas.microsoft.com/office/powerpoint/2010/main" w="9525">
+                <a14:hiddenLine xmlns:p14="http://schemas.microsoft.com/office/powerpoint/2010/main" xmlns:a14="http://schemas.microsoft.com/office/drawing/2010/main" xmlns:a16="http://schemas.microsoft.com/office/drawing/2014/main" xmlns="" w="9525">
                   <a:solidFill>
                     <a:srgbClr val="000000"/>
                   </a:solidFill>
@@ -19248,7 +19248,7 @@
             </a:ln>
             <a:extLst>
               <a:ext uri="{91240B29-F687-4f45-9708-019B960494DF}">
-                <a14:hiddenLine xmlns="" xmlns:a16="http://schemas.microsoft.com/office/drawing/2014/main" xmlns:a14="http://schemas.microsoft.com/office/drawing/2010/main" xmlns:p14="http://schemas.microsoft.com/office/powerpoint/2010/main" w="9525">
+                <a14:hiddenLine xmlns:p14="http://schemas.microsoft.com/office/powerpoint/2010/main" xmlns:a14="http://schemas.microsoft.com/office/drawing/2010/main" xmlns:a16="http://schemas.microsoft.com/office/drawing/2014/main" xmlns="" w="9525">
                   <a:solidFill>
                     <a:srgbClr val="000000"/>
                   </a:solidFill>
@@ -19353,7 +19353,7 @@
             </a:ln>
             <a:extLst>
               <a:ext uri="{91240B29-F687-4f45-9708-019B960494DF}">
-                <a14:hiddenLine xmlns="" xmlns:a16="http://schemas.microsoft.com/office/drawing/2014/main" xmlns:a14="http://schemas.microsoft.com/office/drawing/2010/main" xmlns:p14="http://schemas.microsoft.com/office/powerpoint/2010/main" w="9525">
+                <a14:hiddenLine xmlns:p14="http://schemas.microsoft.com/office/powerpoint/2010/main" xmlns:a14="http://schemas.microsoft.com/office/drawing/2010/main" xmlns:a16="http://schemas.microsoft.com/office/drawing/2014/main" xmlns="" w="9525">
                   <a:solidFill>
                     <a:srgbClr val="000000"/>
                   </a:solidFill>
@@ -19436,7 +19436,7 @@
             </a:ln>
             <a:extLst>
               <a:ext uri="{91240B29-F687-4f45-9708-019B960494DF}">
-                <a14:hiddenLine xmlns="" xmlns:a16="http://schemas.microsoft.com/office/drawing/2014/main" xmlns:a14="http://schemas.microsoft.com/office/drawing/2010/main" xmlns:p14="http://schemas.microsoft.com/office/powerpoint/2010/main" w="9525">
+                <a14:hiddenLine xmlns:p14="http://schemas.microsoft.com/office/powerpoint/2010/main" xmlns:a14="http://schemas.microsoft.com/office/drawing/2010/main" xmlns:a16="http://schemas.microsoft.com/office/drawing/2014/main" xmlns="" w="9525">
                   <a:solidFill>
                     <a:srgbClr val="000000"/>
                   </a:solidFill>
@@ -19541,7 +19541,7 @@
             </a:ln>
             <a:extLst>
               <a:ext uri="{91240B29-F687-4f45-9708-019B960494DF}">
-                <a14:hiddenLine xmlns="" xmlns:a16="http://schemas.microsoft.com/office/drawing/2014/main" xmlns:a14="http://schemas.microsoft.com/office/drawing/2010/main" xmlns:p14="http://schemas.microsoft.com/office/powerpoint/2010/main" w="9525">
+                <a14:hiddenLine xmlns:p14="http://schemas.microsoft.com/office/powerpoint/2010/main" xmlns:a14="http://schemas.microsoft.com/office/drawing/2010/main" xmlns:a16="http://schemas.microsoft.com/office/drawing/2014/main" xmlns="" w="9525">
                   <a:solidFill>
                     <a:srgbClr val="000000"/>
                   </a:solidFill>
@@ -19624,7 +19624,7 @@
             </a:ln>
             <a:extLst>
               <a:ext uri="{91240B29-F687-4f45-9708-019B960494DF}">
-                <a14:hiddenLine xmlns="" xmlns:a16="http://schemas.microsoft.com/office/drawing/2014/main" xmlns:a14="http://schemas.microsoft.com/office/drawing/2010/main" xmlns:p14="http://schemas.microsoft.com/office/powerpoint/2010/main" w="9525">
+                <a14:hiddenLine xmlns:p14="http://schemas.microsoft.com/office/powerpoint/2010/main" xmlns:a14="http://schemas.microsoft.com/office/drawing/2010/main" xmlns:a16="http://schemas.microsoft.com/office/drawing/2014/main" xmlns="" w="9525">
                   <a:solidFill>
                     <a:srgbClr val="000000"/>
                   </a:solidFill>
@@ -19729,7 +19729,7 @@
             </a:ln>
             <a:extLst>
               <a:ext uri="{91240B29-F687-4f45-9708-019B960494DF}">
-                <a14:hiddenLine xmlns="" xmlns:a16="http://schemas.microsoft.com/office/drawing/2014/main" xmlns:a14="http://schemas.microsoft.com/office/drawing/2010/main" xmlns:p14="http://schemas.microsoft.com/office/powerpoint/2010/main" w="9525">
+                <a14:hiddenLine xmlns:p14="http://schemas.microsoft.com/office/powerpoint/2010/main" xmlns:a14="http://schemas.microsoft.com/office/drawing/2010/main" xmlns:a16="http://schemas.microsoft.com/office/drawing/2014/main" xmlns="" w="9525">
                   <a:solidFill>
                     <a:srgbClr val="000000"/>
                   </a:solidFill>
@@ -19778,7 +19778,7 @@
             </a:ln>
             <a:extLst>
               <a:ext uri="{91240B29-F687-4f45-9708-019B960494DF}">
-                <a14:hiddenLine xmlns="" xmlns:a16="http://schemas.microsoft.com/office/drawing/2014/main" xmlns:a14="http://schemas.microsoft.com/office/drawing/2010/main" xmlns:p14="http://schemas.microsoft.com/office/powerpoint/2010/main" w="9525">
+                <a14:hiddenLine xmlns:p14="http://schemas.microsoft.com/office/powerpoint/2010/main" xmlns:a14="http://schemas.microsoft.com/office/drawing/2010/main" xmlns:a16="http://schemas.microsoft.com/office/drawing/2014/main" xmlns="" w="9525">
                   <a:solidFill>
                     <a:srgbClr val="000000"/>
                   </a:solidFill>
@@ -19883,7 +19883,7 @@
             </a:ln>
             <a:extLst>
               <a:ext uri="{91240B29-F687-4f45-9708-019B960494DF}">
-                <a14:hiddenLine xmlns="" xmlns:a16="http://schemas.microsoft.com/office/drawing/2014/main" xmlns:a14="http://schemas.microsoft.com/office/drawing/2010/main" xmlns:p14="http://schemas.microsoft.com/office/powerpoint/2010/main" w="9525">
+                <a14:hiddenLine xmlns:p14="http://schemas.microsoft.com/office/powerpoint/2010/main" xmlns:a14="http://schemas.microsoft.com/office/drawing/2010/main" xmlns:a16="http://schemas.microsoft.com/office/drawing/2014/main" xmlns="" w="9525">
                   <a:solidFill>
                     <a:srgbClr val="000000"/>
                   </a:solidFill>
@@ -19960,7 +19960,7 @@
             </a:ln>
             <a:extLst>
               <a:ext uri="{91240B29-F687-4f45-9708-019B960494DF}">
-                <a14:hiddenLine xmlns="" xmlns:a16="http://schemas.microsoft.com/office/drawing/2014/main" xmlns:a14="http://schemas.microsoft.com/office/drawing/2010/main" xmlns:p14="http://schemas.microsoft.com/office/powerpoint/2010/main" w="9525">
+                <a14:hiddenLine xmlns:p14="http://schemas.microsoft.com/office/powerpoint/2010/main" xmlns:a14="http://schemas.microsoft.com/office/drawing/2010/main" xmlns:a16="http://schemas.microsoft.com/office/drawing/2014/main" xmlns="" w="9525">
                   <a:solidFill>
                     <a:srgbClr val="000000"/>
                   </a:solidFill>
@@ -20037,7 +20037,7 @@
             </a:ln>
             <a:extLst>
               <a:ext uri="{91240B29-F687-4f45-9708-019B960494DF}">
-                <a14:hiddenLine xmlns="" xmlns:a16="http://schemas.microsoft.com/office/drawing/2014/main" xmlns:a14="http://schemas.microsoft.com/office/drawing/2010/main" xmlns:p14="http://schemas.microsoft.com/office/powerpoint/2010/main" w="9525">
+                <a14:hiddenLine xmlns:p14="http://schemas.microsoft.com/office/powerpoint/2010/main" xmlns:a14="http://schemas.microsoft.com/office/drawing/2010/main" xmlns:a16="http://schemas.microsoft.com/office/drawing/2014/main" xmlns="" w="9525">
                   <a:solidFill>
                     <a:srgbClr val="000000"/>
                   </a:solidFill>
@@ -20142,7 +20142,7 @@
             </a:ln>
             <a:extLst>
               <a:ext uri="{91240B29-F687-4f45-9708-019B960494DF}">
-                <a14:hiddenLine xmlns="" xmlns:a16="http://schemas.microsoft.com/office/drawing/2014/main" xmlns:a14="http://schemas.microsoft.com/office/drawing/2010/main" xmlns:p14="http://schemas.microsoft.com/office/powerpoint/2010/main" w="9525">
+                <a14:hiddenLine xmlns:p14="http://schemas.microsoft.com/office/powerpoint/2010/main" xmlns:a14="http://schemas.microsoft.com/office/drawing/2010/main" xmlns:a16="http://schemas.microsoft.com/office/drawing/2014/main" xmlns="" w="9525">
                   <a:solidFill>
                     <a:srgbClr val="000000"/>
                   </a:solidFill>
@@ -20225,7 +20225,7 @@
             </a:ln>
             <a:extLst>
               <a:ext uri="{91240B29-F687-4f45-9708-019B960494DF}">
-                <a14:hiddenLine xmlns="" xmlns:a16="http://schemas.microsoft.com/office/drawing/2014/main" xmlns:a14="http://schemas.microsoft.com/office/drawing/2010/main" xmlns:p14="http://schemas.microsoft.com/office/powerpoint/2010/main" w="9525">
+                <a14:hiddenLine xmlns:p14="http://schemas.microsoft.com/office/powerpoint/2010/main" xmlns:a14="http://schemas.microsoft.com/office/drawing/2010/main" xmlns:a16="http://schemas.microsoft.com/office/drawing/2014/main" xmlns="" w="9525">
                   <a:solidFill>
                     <a:srgbClr val="000000"/>
                   </a:solidFill>
@@ -20302,7 +20302,7 @@
             </a:ln>
             <a:extLst>
               <a:ext uri="{91240B29-F687-4f45-9708-019B960494DF}">
-                <a14:hiddenLine xmlns="" xmlns:a16="http://schemas.microsoft.com/office/drawing/2014/main" xmlns:a14="http://schemas.microsoft.com/office/drawing/2010/main" xmlns:p14="http://schemas.microsoft.com/office/powerpoint/2010/main" w="9525">
+                <a14:hiddenLine xmlns:p14="http://schemas.microsoft.com/office/powerpoint/2010/main" xmlns:a14="http://schemas.microsoft.com/office/drawing/2010/main" xmlns:a16="http://schemas.microsoft.com/office/drawing/2014/main" xmlns="" w="9525">
                   <a:solidFill>
                     <a:srgbClr val="000000"/>
                   </a:solidFill>
@@ -20407,7 +20407,7 @@
             </a:ln>
             <a:extLst>
               <a:ext uri="{91240B29-F687-4f45-9708-019B960494DF}">
-                <a14:hiddenLine xmlns="" xmlns:a16="http://schemas.microsoft.com/office/drawing/2014/main" xmlns:a14="http://schemas.microsoft.com/office/drawing/2010/main" xmlns:p14="http://schemas.microsoft.com/office/powerpoint/2010/main" w="9525">
+                <a14:hiddenLine xmlns:p14="http://schemas.microsoft.com/office/powerpoint/2010/main" xmlns:a14="http://schemas.microsoft.com/office/drawing/2010/main" xmlns:a16="http://schemas.microsoft.com/office/drawing/2014/main" xmlns="" w="9525">
                   <a:solidFill>
                     <a:srgbClr val="000000"/>
                   </a:solidFill>
@@ -20484,7 +20484,7 @@
             </a:ln>
             <a:extLst>
               <a:ext uri="{91240B29-F687-4f45-9708-019B960494DF}">
-                <a14:hiddenLine xmlns="" xmlns:a16="http://schemas.microsoft.com/office/drawing/2014/main" xmlns:a14="http://schemas.microsoft.com/office/drawing/2010/main" xmlns:p14="http://schemas.microsoft.com/office/powerpoint/2010/main" w="9525">
+                <a14:hiddenLine xmlns:p14="http://schemas.microsoft.com/office/powerpoint/2010/main" xmlns:a14="http://schemas.microsoft.com/office/drawing/2010/main" xmlns:a16="http://schemas.microsoft.com/office/drawing/2014/main" xmlns="" w="9525">
                   <a:solidFill>
                     <a:srgbClr val="000000"/>
                   </a:solidFill>
@@ -20589,7 +20589,7 @@
             </a:ln>
             <a:extLst>
               <a:ext uri="{91240B29-F687-4f45-9708-019B960494DF}">
-                <a14:hiddenLine xmlns="" xmlns:a16="http://schemas.microsoft.com/office/drawing/2014/main" xmlns:a14="http://schemas.microsoft.com/office/drawing/2010/main" xmlns:p14="http://schemas.microsoft.com/office/powerpoint/2010/main" w="9525">
+                <a14:hiddenLine xmlns:p14="http://schemas.microsoft.com/office/powerpoint/2010/main" xmlns:a14="http://schemas.microsoft.com/office/drawing/2010/main" xmlns:a16="http://schemas.microsoft.com/office/drawing/2014/main" xmlns="" w="9525">
                   <a:solidFill>
                     <a:srgbClr val="000000"/>
                   </a:solidFill>
@@ -20666,7 +20666,7 @@
             </a:ln>
             <a:extLst>
               <a:ext uri="{91240B29-F687-4f45-9708-019B960494DF}">
-                <a14:hiddenLine xmlns="" xmlns:a16="http://schemas.microsoft.com/office/drawing/2014/main" xmlns:a14="http://schemas.microsoft.com/office/drawing/2010/main" xmlns:p14="http://schemas.microsoft.com/office/powerpoint/2010/main" w="9525">
+                <a14:hiddenLine xmlns:p14="http://schemas.microsoft.com/office/powerpoint/2010/main" xmlns:a14="http://schemas.microsoft.com/office/drawing/2010/main" xmlns:a16="http://schemas.microsoft.com/office/drawing/2014/main" xmlns="" w="9525">
                   <a:solidFill>
                     <a:srgbClr val="000000"/>
                   </a:solidFill>
@@ -20771,7 +20771,7 @@
             </a:ln>
             <a:extLst>
               <a:ext uri="{91240B29-F687-4f45-9708-019B960494DF}">
-                <a14:hiddenLine xmlns="" xmlns:a16="http://schemas.microsoft.com/office/drawing/2014/main" xmlns:a14="http://schemas.microsoft.com/office/drawing/2010/main" xmlns:p14="http://schemas.microsoft.com/office/powerpoint/2010/main" w="9525">
+                <a14:hiddenLine xmlns:p14="http://schemas.microsoft.com/office/powerpoint/2010/main" xmlns:a14="http://schemas.microsoft.com/office/drawing/2010/main" xmlns:a16="http://schemas.microsoft.com/office/drawing/2014/main" xmlns="" w="9525">
                   <a:solidFill>
                     <a:srgbClr val="000000"/>
                   </a:solidFill>
@@ -20820,7 +20820,7 @@
             </a:ln>
             <a:extLst>
               <a:ext uri="{91240B29-F687-4f45-9708-019B960494DF}">
-                <a14:hiddenLine xmlns="" xmlns:a16="http://schemas.microsoft.com/office/drawing/2014/main" xmlns:a14="http://schemas.microsoft.com/office/drawing/2010/main" xmlns:p14="http://schemas.microsoft.com/office/powerpoint/2010/main" w="9525">
+                <a14:hiddenLine xmlns:p14="http://schemas.microsoft.com/office/powerpoint/2010/main" xmlns:a14="http://schemas.microsoft.com/office/drawing/2010/main" xmlns:a16="http://schemas.microsoft.com/office/drawing/2014/main" xmlns="" w="9525">
                   <a:solidFill>
                     <a:srgbClr val="000000"/>
                   </a:solidFill>
@@ -20900,7 +20900,7 @@
             </a:ln>
             <a:extLst>
               <a:ext uri="{91240B29-F687-4f45-9708-019B960494DF}">
-                <a14:hiddenLine xmlns="" xmlns:a16="http://schemas.microsoft.com/office/drawing/2014/main" xmlns:a14="http://schemas.microsoft.com/office/drawing/2010/main" xmlns:p14="http://schemas.microsoft.com/office/powerpoint/2010/main" w="9525">
+                <a14:hiddenLine xmlns:p14="http://schemas.microsoft.com/office/powerpoint/2010/main" xmlns:a14="http://schemas.microsoft.com/office/drawing/2010/main" xmlns:a16="http://schemas.microsoft.com/office/drawing/2014/main" xmlns="" w="9525">
                   <a:solidFill>
                     <a:srgbClr val="000000"/>
                   </a:solidFill>
@@ -21005,7 +21005,7 @@
             </a:ln>
             <a:extLst>
               <a:ext uri="{91240B29-F687-4f45-9708-019B960494DF}">
-                <a14:hiddenLine xmlns="" xmlns:a16="http://schemas.microsoft.com/office/drawing/2014/main" xmlns:a14="http://schemas.microsoft.com/office/drawing/2010/main" xmlns:p14="http://schemas.microsoft.com/office/powerpoint/2010/main" w="9525">
+                <a14:hiddenLine xmlns:p14="http://schemas.microsoft.com/office/powerpoint/2010/main" xmlns:a14="http://schemas.microsoft.com/office/drawing/2010/main" xmlns:a16="http://schemas.microsoft.com/office/drawing/2014/main" xmlns="" w="9525">
                   <a:solidFill>
                     <a:srgbClr val="000000"/>
                   </a:solidFill>
@@ -21082,7 +21082,7 @@
             </a:ln>
             <a:extLst>
               <a:ext uri="{91240B29-F687-4f45-9708-019B960494DF}">
-                <a14:hiddenLine xmlns="" xmlns:a16="http://schemas.microsoft.com/office/drawing/2014/main" xmlns:a14="http://schemas.microsoft.com/office/drawing/2010/main" xmlns:p14="http://schemas.microsoft.com/office/powerpoint/2010/main" w="9525">
+                <a14:hiddenLine xmlns:p14="http://schemas.microsoft.com/office/powerpoint/2010/main" xmlns:a14="http://schemas.microsoft.com/office/drawing/2010/main" xmlns:a16="http://schemas.microsoft.com/office/drawing/2014/main" xmlns="" w="9525">
                   <a:solidFill>
                     <a:srgbClr val="000000"/>
                   </a:solidFill>
@@ -21187,7 +21187,7 @@
             </a:ln>
             <a:extLst>
               <a:ext uri="{91240B29-F687-4f45-9708-019B960494DF}">
-                <a14:hiddenLine xmlns="" xmlns:a16="http://schemas.microsoft.com/office/drawing/2014/main" xmlns:a14="http://schemas.microsoft.com/office/drawing/2010/main" xmlns:p14="http://schemas.microsoft.com/office/powerpoint/2010/main" w="9525">
+                <a14:hiddenLine xmlns:p14="http://schemas.microsoft.com/office/powerpoint/2010/main" xmlns:a14="http://schemas.microsoft.com/office/drawing/2010/main" xmlns:a16="http://schemas.microsoft.com/office/drawing/2014/main" xmlns="" w="9525">
                   <a:solidFill>
                     <a:srgbClr val="000000"/>
                   </a:solidFill>
@@ -21292,7 +21292,7 @@
             </a:ln>
             <a:extLst>
               <a:ext uri="{91240B29-F687-4f45-9708-019B960494DF}">
-                <a14:hiddenLine xmlns="" xmlns:a16="http://schemas.microsoft.com/office/drawing/2014/main" xmlns:a14="http://schemas.microsoft.com/office/drawing/2010/main" xmlns:p14="http://schemas.microsoft.com/office/powerpoint/2010/main" w="9525">
+                <a14:hiddenLine xmlns:p14="http://schemas.microsoft.com/office/powerpoint/2010/main" xmlns:a14="http://schemas.microsoft.com/office/drawing/2010/main" xmlns:a16="http://schemas.microsoft.com/office/drawing/2014/main" xmlns="" w="9525">
                   <a:solidFill>
                     <a:srgbClr val="000000"/>
                   </a:solidFill>
@@ -21372,7 +21372,7 @@
             </a:ln>
             <a:extLst>
               <a:ext uri="{91240B29-F687-4f45-9708-019B960494DF}">
-                <a14:hiddenLine xmlns="" xmlns:a16="http://schemas.microsoft.com/office/drawing/2014/main" xmlns:a14="http://schemas.microsoft.com/office/drawing/2010/main" xmlns:p14="http://schemas.microsoft.com/office/powerpoint/2010/main" w="9525">
+                <a14:hiddenLine xmlns:p14="http://schemas.microsoft.com/office/powerpoint/2010/main" xmlns:a14="http://schemas.microsoft.com/office/drawing/2010/main" xmlns:a16="http://schemas.microsoft.com/office/drawing/2014/main" xmlns="" w="9525">
                   <a:solidFill>
                     <a:srgbClr val="000000"/>
                   </a:solidFill>
@@ -21449,7 +21449,7 @@
             </a:ln>
             <a:extLst>
               <a:ext uri="{91240B29-F687-4f45-9708-019B960494DF}">
-                <a14:hiddenLine xmlns="" xmlns:a16="http://schemas.microsoft.com/office/drawing/2014/main" xmlns:a14="http://schemas.microsoft.com/office/drawing/2010/main" xmlns:p14="http://schemas.microsoft.com/office/powerpoint/2010/main" w="9525">
+                <a14:hiddenLine xmlns:p14="http://schemas.microsoft.com/office/powerpoint/2010/main" xmlns:a14="http://schemas.microsoft.com/office/drawing/2010/main" xmlns:a16="http://schemas.microsoft.com/office/drawing/2014/main" xmlns="" w="9525">
                   <a:solidFill>
                     <a:srgbClr val="000000"/>
                   </a:solidFill>
@@ -21554,7 +21554,7 @@
             </a:ln>
             <a:extLst>
               <a:ext uri="{91240B29-F687-4f45-9708-019B960494DF}">
-                <a14:hiddenLine xmlns="" xmlns:a16="http://schemas.microsoft.com/office/drawing/2014/main" xmlns:a14="http://schemas.microsoft.com/office/drawing/2010/main" xmlns:p14="http://schemas.microsoft.com/office/powerpoint/2010/main" w="9525">
+                <a14:hiddenLine xmlns:p14="http://schemas.microsoft.com/office/powerpoint/2010/main" xmlns:a14="http://schemas.microsoft.com/office/drawing/2010/main" xmlns:a16="http://schemas.microsoft.com/office/drawing/2014/main" xmlns="" w="9525">
                   <a:solidFill>
                     <a:srgbClr val="000000"/>
                   </a:solidFill>
@@ -21659,7 +21659,7 @@
             </a:ln>
             <a:extLst>
               <a:ext uri="{91240B29-F687-4f45-9708-019B960494DF}">
-                <a14:hiddenLine xmlns="" xmlns:a16="http://schemas.microsoft.com/office/drawing/2014/main" xmlns:a14="http://schemas.microsoft.com/office/drawing/2010/main" xmlns:p14="http://schemas.microsoft.com/office/powerpoint/2010/main" w="9525">
+                <a14:hiddenLine xmlns:p14="http://schemas.microsoft.com/office/powerpoint/2010/main" xmlns:a14="http://schemas.microsoft.com/office/drawing/2010/main" xmlns:a16="http://schemas.microsoft.com/office/drawing/2014/main" xmlns="" w="9525">
                   <a:solidFill>
                     <a:srgbClr val="000000"/>
                   </a:solidFill>
@@ -21736,7 +21736,7 @@
             </a:ln>
             <a:extLst>
               <a:ext uri="{91240B29-F687-4f45-9708-019B960494DF}">
-                <a14:hiddenLine xmlns="" xmlns:a16="http://schemas.microsoft.com/office/drawing/2014/main" xmlns:a14="http://schemas.microsoft.com/office/drawing/2010/main" xmlns:p14="http://schemas.microsoft.com/office/powerpoint/2010/main" w="9525">
+                <a14:hiddenLine xmlns:p14="http://schemas.microsoft.com/office/powerpoint/2010/main" xmlns:a14="http://schemas.microsoft.com/office/drawing/2010/main" xmlns:a16="http://schemas.microsoft.com/office/drawing/2014/main" xmlns="" w="9525">
                   <a:solidFill>
                     <a:srgbClr val="000000"/>
                   </a:solidFill>
@@ -21871,7 +21871,7 @@
             </a:ln>
             <a:extLst>
               <a:ext uri="{91240B29-F687-4f45-9708-019B960494DF}">
-                <a14:hiddenLine xmlns="" xmlns:a16="http://schemas.microsoft.com/office/drawing/2014/main" xmlns:a14="http://schemas.microsoft.com/office/drawing/2010/main" xmlns:p14="http://schemas.microsoft.com/office/powerpoint/2010/main" w="9525">
+                <a14:hiddenLine xmlns:p14="http://schemas.microsoft.com/office/powerpoint/2010/main" xmlns:a14="http://schemas.microsoft.com/office/drawing/2010/main" xmlns:a16="http://schemas.microsoft.com/office/drawing/2014/main" xmlns="" w="9525">
                   <a:solidFill>
                     <a:srgbClr val="000000"/>
                   </a:solidFill>
@@ -21954,7 +21954,7 @@
             </a:ln>
             <a:extLst>
               <a:ext uri="{91240B29-F687-4f45-9708-019B960494DF}">
-                <a14:hiddenLine xmlns="" xmlns:a16="http://schemas.microsoft.com/office/drawing/2014/main" xmlns:a14="http://schemas.microsoft.com/office/drawing/2010/main" xmlns:p14="http://schemas.microsoft.com/office/powerpoint/2010/main" w="9525">
+                <a14:hiddenLine xmlns:p14="http://schemas.microsoft.com/office/powerpoint/2010/main" xmlns:a14="http://schemas.microsoft.com/office/drawing/2010/main" xmlns:a16="http://schemas.microsoft.com/office/drawing/2014/main" xmlns="" w="9525">
                   <a:solidFill>
                     <a:srgbClr val="000000"/>
                   </a:solidFill>
@@ -22059,7 +22059,7 @@
             </a:ln>
             <a:extLst>
               <a:ext uri="{91240B29-F687-4f45-9708-019B960494DF}">
-                <a14:hiddenLine xmlns="" xmlns:a16="http://schemas.microsoft.com/office/drawing/2014/main" xmlns:a14="http://schemas.microsoft.com/office/drawing/2010/main" xmlns:p14="http://schemas.microsoft.com/office/powerpoint/2010/main" w="9525">
+                <a14:hiddenLine xmlns:p14="http://schemas.microsoft.com/office/powerpoint/2010/main" xmlns:a14="http://schemas.microsoft.com/office/drawing/2010/main" xmlns:a16="http://schemas.microsoft.com/office/drawing/2014/main" xmlns="" w="9525">
                   <a:solidFill>
                     <a:srgbClr val="000000"/>
                   </a:solidFill>
@@ -22442,7 +22442,7 @@
             </a:ln>
             <a:extLst>
               <a:ext uri="{91240B29-F687-4f45-9708-019B960494DF}">
-                <a14:hiddenLine xmlns:a14="http://schemas.microsoft.com/office/drawing/2010/main" xmlns:p14="http://schemas.microsoft.com/office/powerpoint/2010/main" xmlns:a16="http://schemas.microsoft.com/office/drawing/2014/main" xmlns="" w="9525">
+                <a14:hiddenLine xmlns="" xmlns:a16="http://schemas.microsoft.com/office/drawing/2014/main" xmlns:p14="http://schemas.microsoft.com/office/powerpoint/2010/main" xmlns:a14="http://schemas.microsoft.com/office/drawing/2010/main" w="9525">
                   <a:solidFill>
                     <a:srgbClr val="000000"/>
                   </a:solidFill>
@@ -22547,7 +22547,7 @@
             </a:ln>
             <a:extLst>
               <a:ext uri="{91240B29-F687-4f45-9708-019B960494DF}">
-                <a14:hiddenLine xmlns:a14="http://schemas.microsoft.com/office/drawing/2010/main" xmlns:p14="http://schemas.microsoft.com/office/powerpoint/2010/main" xmlns:a16="http://schemas.microsoft.com/office/drawing/2014/main" xmlns="" w="9525">
+                <a14:hiddenLine xmlns="" xmlns:a16="http://schemas.microsoft.com/office/drawing/2014/main" xmlns:p14="http://schemas.microsoft.com/office/powerpoint/2010/main" xmlns:a14="http://schemas.microsoft.com/office/drawing/2010/main" w="9525">
                   <a:solidFill>
                     <a:srgbClr val="000000"/>
                   </a:solidFill>
@@ -22652,7 +22652,7 @@
             </a:ln>
             <a:extLst>
               <a:ext uri="{91240B29-F687-4f45-9708-019B960494DF}">
-                <a14:hiddenLine xmlns:a14="http://schemas.microsoft.com/office/drawing/2010/main" xmlns:p14="http://schemas.microsoft.com/office/powerpoint/2010/main" xmlns:a16="http://schemas.microsoft.com/office/drawing/2014/main" xmlns="" w="9525">
+                <a14:hiddenLine xmlns="" xmlns:a16="http://schemas.microsoft.com/office/drawing/2014/main" xmlns:p14="http://schemas.microsoft.com/office/powerpoint/2010/main" xmlns:a14="http://schemas.microsoft.com/office/drawing/2010/main" w="9525">
                   <a:solidFill>
                     <a:srgbClr val="000000"/>
                   </a:solidFill>
@@ -22729,7 +22729,7 @@
             </a:ln>
             <a:extLst>
               <a:ext uri="{91240B29-F687-4f45-9708-019B960494DF}">
-                <a14:hiddenLine xmlns:a14="http://schemas.microsoft.com/office/drawing/2010/main" xmlns:p14="http://schemas.microsoft.com/office/powerpoint/2010/main" xmlns:a16="http://schemas.microsoft.com/office/drawing/2014/main" xmlns="" w="9525">
+                <a14:hiddenLine xmlns="" xmlns:a16="http://schemas.microsoft.com/office/drawing/2014/main" xmlns:p14="http://schemas.microsoft.com/office/powerpoint/2010/main" xmlns:a14="http://schemas.microsoft.com/office/drawing/2010/main" w="9525">
                   <a:solidFill>
                     <a:srgbClr val="000000"/>
                   </a:solidFill>
@@ -22834,7 +22834,7 @@
             </a:ln>
             <a:extLst>
               <a:ext uri="{91240B29-F687-4f45-9708-019B960494DF}">
-                <a14:hiddenLine xmlns:a14="http://schemas.microsoft.com/office/drawing/2010/main" xmlns:p14="http://schemas.microsoft.com/office/powerpoint/2010/main" xmlns:a16="http://schemas.microsoft.com/office/drawing/2014/main" xmlns="" w="9525">
+                <a14:hiddenLine xmlns="" xmlns:a16="http://schemas.microsoft.com/office/drawing/2014/main" xmlns:p14="http://schemas.microsoft.com/office/powerpoint/2010/main" xmlns:a14="http://schemas.microsoft.com/office/drawing/2010/main" w="9525">
                   <a:solidFill>
                     <a:srgbClr val="000000"/>
                   </a:solidFill>
@@ -22911,7 +22911,7 @@
             </a:ln>
             <a:extLst>
               <a:ext uri="{91240B29-F687-4f45-9708-019B960494DF}">
-                <a14:hiddenLine xmlns:a14="http://schemas.microsoft.com/office/drawing/2010/main" xmlns:p14="http://schemas.microsoft.com/office/powerpoint/2010/main" xmlns:a16="http://schemas.microsoft.com/office/drawing/2014/main" xmlns="" w="9525">
+                <a14:hiddenLine xmlns="" xmlns:a16="http://schemas.microsoft.com/office/drawing/2014/main" xmlns:p14="http://schemas.microsoft.com/office/powerpoint/2010/main" xmlns:a14="http://schemas.microsoft.com/office/drawing/2010/main" w="9525">
                   <a:solidFill>
                     <a:srgbClr val="000000"/>
                   </a:solidFill>
@@ -22988,7 +22988,7 @@
             </a:ln>
             <a:extLst>
               <a:ext uri="{91240B29-F687-4f45-9708-019B960494DF}">
-                <a14:hiddenLine xmlns:a14="http://schemas.microsoft.com/office/drawing/2010/main" xmlns:p14="http://schemas.microsoft.com/office/powerpoint/2010/main" xmlns:a16="http://schemas.microsoft.com/office/drawing/2014/main" xmlns="" w="9525">
+                <a14:hiddenLine xmlns="" xmlns:a16="http://schemas.microsoft.com/office/drawing/2014/main" xmlns:p14="http://schemas.microsoft.com/office/powerpoint/2010/main" xmlns:a14="http://schemas.microsoft.com/office/drawing/2010/main" w="9525">
                   <a:solidFill>
                     <a:srgbClr val="000000"/>
                   </a:solidFill>
@@ -23093,7 +23093,7 @@
             </a:ln>
             <a:extLst>
               <a:ext uri="{91240B29-F687-4f45-9708-019B960494DF}">
-                <a14:hiddenLine xmlns:a14="http://schemas.microsoft.com/office/drawing/2010/main" xmlns:p14="http://schemas.microsoft.com/office/powerpoint/2010/main" xmlns:a16="http://schemas.microsoft.com/office/drawing/2014/main" xmlns="" w="9525">
+                <a14:hiddenLine xmlns="" xmlns:a16="http://schemas.microsoft.com/office/drawing/2014/main" xmlns:p14="http://schemas.microsoft.com/office/powerpoint/2010/main" xmlns:a14="http://schemas.microsoft.com/office/drawing/2010/main" w="9525">
                   <a:solidFill>
                     <a:srgbClr val="000000"/>
                   </a:solidFill>
@@ -23198,7 +23198,7 @@
             </a:ln>
             <a:extLst>
               <a:ext uri="{91240B29-F687-4f45-9708-019B960494DF}">
-                <a14:hiddenLine xmlns:a14="http://schemas.microsoft.com/office/drawing/2010/main" xmlns:p14="http://schemas.microsoft.com/office/powerpoint/2010/main" xmlns:a16="http://schemas.microsoft.com/office/drawing/2014/main" xmlns="" w="9525">
+                <a14:hiddenLine xmlns="" xmlns:a16="http://schemas.microsoft.com/office/drawing/2014/main" xmlns:p14="http://schemas.microsoft.com/office/powerpoint/2010/main" xmlns:a14="http://schemas.microsoft.com/office/drawing/2010/main" w="9525">
                   <a:solidFill>
                     <a:srgbClr val="000000"/>
                   </a:solidFill>
@@ -23275,7 +23275,7 @@
             </a:ln>
             <a:extLst>
               <a:ext uri="{91240B29-F687-4f45-9708-019B960494DF}">
-                <a14:hiddenLine xmlns:a14="http://schemas.microsoft.com/office/drawing/2010/main" xmlns:p14="http://schemas.microsoft.com/office/powerpoint/2010/main" xmlns:a16="http://schemas.microsoft.com/office/drawing/2014/main" xmlns="" w="9525">
+                <a14:hiddenLine xmlns="" xmlns:a16="http://schemas.microsoft.com/office/drawing/2014/main" xmlns:p14="http://schemas.microsoft.com/office/powerpoint/2010/main" xmlns:a14="http://schemas.microsoft.com/office/drawing/2010/main" w="9525">
                   <a:solidFill>
                     <a:srgbClr val="000000"/>
                   </a:solidFill>
@@ -23400,7 +23400,7 @@
             </a:ln>
             <a:extLst>
               <a:ext uri="{91240B29-F687-4f45-9708-019B960494DF}">
-                <a14:hiddenLine xmlns:a14="http://schemas.microsoft.com/office/drawing/2010/main" xmlns:p14="http://schemas.microsoft.com/office/powerpoint/2010/main" xmlns:a16="http://schemas.microsoft.com/office/drawing/2014/main" xmlns="" w="9525">
+                <a14:hiddenLine xmlns="" xmlns:a16="http://schemas.microsoft.com/office/drawing/2014/main" xmlns:p14="http://schemas.microsoft.com/office/powerpoint/2010/main" xmlns:a14="http://schemas.microsoft.com/office/drawing/2010/main" w="9525">
                   <a:solidFill>
                     <a:srgbClr val="000000"/>
                   </a:solidFill>
@@ -23514,7 +23514,7 @@
             </a:ln>
             <a:extLst>
               <a:ext uri="{91240B29-F687-4f45-9708-019B960494DF}">
-                <a14:hiddenLine xmlns:a14="http://schemas.microsoft.com/office/drawing/2010/main" xmlns:p14="http://schemas.microsoft.com/office/powerpoint/2010/main" xmlns:a16="http://schemas.microsoft.com/office/drawing/2014/main" xmlns="" w="9525">
+                <a14:hiddenLine xmlns="" xmlns:a16="http://schemas.microsoft.com/office/drawing/2014/main" xmlns:p14="http://schemas.microsoft.com/office/powerpoint/2010/main" xmlns:a14="http://schemas.microsoft.com/office/drawing/2010/main" w="9525">
                   <a:solidFill>
                     <a:srgbClr val="000000"/>
                   </a:solidFill>
@@ -23591,7 +23591,7 @@
             </a:ln>
             <a:extLst>
               <a:ext uri="{91240B29-F687-4f45-9708-019B960494DF}">
-                <a14:hiddenLine xmlns:a14="http://schemas.microsoft.com/office/drawing/2010/main" xmlns:p14="http://schemas.microsoft.com/office/powerpoint/2010/main" xmlns:a16="http://schemas.microsoft.com/office/drawing/2014/main" xmlns="" w="9525">
+                <a14:hiddenLine xmlns="" xmlns:a16="http://schemas.microsoft.com/office/drawing/2014/main" xmlns:p14="http://schemas.microsoft.com/office/powerpoint/2010/main" xmlns:a14="http://schemas.microsoft.com/office/drawing/2010/main" w="9525">
                   <a:solidFill>
                     <a:srgbClr val="000000"/>
                   </a:solidFill>
@@ -23668,7 +23668,7 @@
             </a:ln>
             <a:extLst>
               <a:ext uri="{91240B29-F687-4f45-9708-019B960494DF}">
-                <a14:hiddenLine xmlns:a14="http://schemas.microsoft.com/office/drawing/2010/main" xmlns:p14="http://schemas.microsoft.com/office/powerpoint/2010/main" xmlns:a16="http://schemas.microsoft.com/office/drawing/2014/main" xmlns="" w="9525">
+                <a14:hiddenLine xmlns="" xmlns:a16="http://schemas.microsoft.com/office/drawing/2014/main" xmlns:p14="http://schemas.microsoft.com/office/powerpoint/2010/main" xmlns:a14="http://schemas.microsoft.com/office/drawing/2010/main" w="9525">
                   <a:solidFill>
                     <a:srgbClr val="000000"/>
                   </a:solidFill>
@@ -23773,7 +23773,7 @@
             </a:ln>
             <a:extLst>
               <a:ext uri="{91240B29-F687-4f45-9708-019B960494DF}">
-                <a14:hiddenLine xmlns:a14="http://schemas.microsoft.com/office/drawing/2010/main" xmlns:p14="http://schemas.microsoft.com/office/powerpoint/2010/main" xmlns:a16="http://schemas.microsoft.com/office/drawing/2014/main" xmlns="" w="9525">
+                <a14:hiddenLine xmlns="" xmlns:a16="http://schemas.microsoft.com/office/drawing/2014/main" xmlns:p14="http://schemas.microsoft.com/office/powerpoint/2010/main" xmlns:a14="http://schemas.microsoft.com/office/drawing/2010/main" w="9525">
                   <a:solidFill>
                     <a:srgbClr val="000000"/>
                   </a:solidFill>
@@ -23822,7 +23822,7 @@
             </a:ln>
             <a:extLst>
               <a:ext uri="{91240B29-F687-4f45-9708-019B960494DF}">
-                <a14:hiddenLine xmlns:a14="http://schemas.microsoft.com/office/drawing/2010/main" xmlns:p14="http://schemas.microsoft.com/office/powerpoint/2010/main" xmlns:a16="http://schemas.microsoft.com/office/drawing/2014/main" xmlns="" w="9525">
+                <a14:hiddenLine xmlns="" xmlns:a16="http://schemas.microsoft.com/office/drawing/2014/main" xmlns:p14="http://schemas.microsoft.com/office/powerpoint/2010/main" xmlns:a14="http://schemas.microsoft.com/office/drawing/2010/main" w="9525">
                   <a:solidFill>
                     <a:srgbClr val="000000"/>
                   </a:solidFill>
@@ -23902,7 +23902,7 @@
             </a:ln>
             <a:extLst>
               <a:ext uri="{91240B29-F687-4f45-9708-019B960494DF}">
-                <a14:hiddenLine xmlns:a14="http://schemas.microsoft.com/office/drawing/2010/main" xmlns:p14="http://schemas.microsoft.com/office/powerpoint/2010/main" xmlns:a16="http://schemas.microsoft.com/office/drawing/2014/main" xmlns="" w="9525">
+                <a14:hiddenLine xmlns="" xmlns:a16="http://schemas.microsoft.com/office/drawing/2014/main" xmlns:p14="http://schemas.microsoft.com/office/powerpoint/2010/main" xmlns:a14="http://schemas.microsoft.com/office/drawing/2010/main" w="9525">
                   <a:solidFill>
                     <a:srgbClr val="000000"/>
                   </a:solidFill>
@@ -24007,7 +24007,7 @@
             </a:ln>
             <a:extLst>
               <a:ext uri="{91240B29-F687-4f45-9708-019B960494DF}">
-                <a14:hiddenLine xmlns:a14="http://schemas.microsoft.com/office/drawing/2010/main" xmlns:p14="http://schemas.microsoft.com/office/powerpoint/2010/main" xmlns:a16="http://schemas.microsoft.com/office/drawing/2014/main" xmlns="" w="9525">
+                <a14:hiddenLine xmlns="" xmlns:a16="http://schemas.microsoft.com/office/drawing/2014/main" xmlns:p14="http://schemas.microsoft.com/office/powerpoint/2010/main" xmlns:a14="http://schemas.microsoft.com/office/drawing/2010/main" w="9525">
                   <a:solidFill>
                     <a:srgbClr val="000000"/>
                   </a:solidFill>
@@ -24084,7 +24084,7 @@
             </a:ln>
             <a:extLst>
               <a:ext uri="{91240B29-F687-4f45-9708-019B960494DF}">
-                <a14:hiddenLine xmlns:a14="http://schemas.microsoft.com/office/drawing/2010/main" xmlns:p14="http://schemas.microsoft.com/office/powerpoint/2010/main" xmlns:a16="http://schemas.microsoft.com/office/drawing/2014/main" xmlns="" w="9525">
+                <a14:hiddenLine xmlns="" xmlns:a16="http://schemas.microsoft.com/office/drawing/2014/main" xmlns:p14="http://schemas.microsoft.com/office/powerpoint/2010/main" xmlns:a14="http://schemas.microsoft.com/office/drawing/2010/main" w="9525">
                   <a:solidFill>
                     <a:srgbClr val="000000"/>
                   </a:solidFill>
@@ -24189,7 +24189,7 @@
             </a:ln>
             <a:extLst>
               <a:ext uri="{91240B29-F687-4f45-9708-019B960494DF}">
-                <a14:hiddenLine xmlns:a14="http://schemas.microsoft.com/office/drawing/2010/main" xmlns:p14="http://schemas.microsoft.com/office/powerpoint/2010/main" xmlns:a16="http://schemas.microsoft.com/office/drawing/2014/main" xmlns="" w="9525">
+                <a14:hiddenLine xmlns="" xmlns:a16="http://schemas.microsoft.com/office/drawing/2014/main" xmlns:p14="http://schemas.microsoft.com/office/powerpoint/2010/main" xmlns:a14="http://schemas.microsoft.com/office/drawing/2010/main" w="9525">
                   <a:solidFill>
                     <a:srgbClr val="000000"/>
                   </a:solidFill>
@@ -24269,7 +24269,7 @@
             </a:ln>
             <a:extLst>
               <a:ext uri="{91240B29-F687-4f45-9708-019B960494DF}">
-                <a14:hiddenLine xmlns:a14="http://schemas.microsoft.com/office/drawing/2010/main" xmlns:p14="http://schemas.microsoft.com/office/powerpoint/2010/main" xmlns:a16="http://schemas.microsoft.com/office/drawing/2014/main" xmlns="" w="9525">
+                <a14:hiddenLine xmlns="" xmlns:a16="http://schemas.microsoft.com/office/drawing/2014/main" xmlns:p14="http://schemas.microsoft.com/office/powerpoint/2010/main" xmlns:a14="http://schemas.microsoft.com/office/drawing/2010/main" w="9525">
                   <a:solidFill>
                     <a:srgbClr val="000000"/>
                   </a:solidFill>
@@ -24346,7 +24346,7 @@
             </a:ln>
             <a:extLst>
               <a:ext uri="{91240B29-F687-4f45-9708-019B960494DF}">
-                <a14:hiddenLine xmlns:a14="http://schemas.microsoft.com/office/drawing/2010/main" xmlns:p14="http://schemas.microsoft.com/office/powerpoint/2010/main" xmlns:a16="http://schemas.microsoft.com/office/drawing/2014/main" xmlns="" w="9525">
+                <a14:hiddenLine xmlns="" xmlns:a16="http://schemas.microsoft.com/office/drawing/2014/main" xmlns:p14="http://schemas.microsoft.com/office/powerpoint/2010/main" xmlns:a14="http://schemas.microsoft.com/office/drawing/2010/main" w="9525">
                   <a:solidFill>
                     <a:srgbClr val="000000"/>
                   </a:solidFill>
@@ -24451,7 +24451,7 @@
             </a:ln>
             <a:extLst>
               <a:ext uri="{91240B29-F687-4f45-9708-019B960494DF}">
-                <a14:hiddenLine xmlns:a14="http://schemas.microsoft.com/office/drawing/2010/main" xmlns:p14="http://schemas.microsoft.com/office/powerpoint/2010/main" xmlns:a16="http://schemas.microsoft.com/office/drawing/2014/main" xmlns="" w="9525">
+                <a14:hiddenLine xmlns="" xmlns:a16="http://schemas.microsoft.com/office/drawing/2014/main" xmlns:p14="http://schemas.microsoft.com/office/powerpoint/2010/main" xmlns:a14="http://schemas.microsoft.com/office/drawing/2010/main" w="9525">
                   <a:solidFill>
                     <a:srgbClr val="000000"/>
                   </a:solidFill>
@@ -24556,7 +24556,7 @@
             </a:ln>
             <a:extLst>
               <a:ext uri="{91240B29-F687-4f45-9708-019B960494DF}">
-                <a14:hiddenLine xmlns:a14="http://schemas.microsoft.com/office/drawing/2010/main" xmlns:p14="http://schemas.microsoft.com/office/powerpoint/2010/main" xmlns:a16="http://schemas.microsoft.com/office/drawing/2014/main" xmlns="" w="9525">
+                <a14:hiddenLine xmlns="" xmlns:a16="http://schemas.microsoft.com/office/drawing/2014/main" xmlns:p14="http://schemas.microsoft.com/office/powerpoint/2010/main" xmlns:a14="http://schemas.microsoft.com/office/drawing/2010/main" w="9525">
                   <a:solidFill>
                     <a:srgbClr val="000000"/>
                   </a:solidFill>
@@ -24636,7 +24636,7 @@
             </a:ln>
             <a:extLst>
               <a:ext uri="{91240B29-F687-4f45-9708-019B960494DF}">
-                <a14:hiddenLine xmlns:a14="http://schemas.microsoft.com/office/drawing/2010/main" xmlns:p14="http://schemas.microsoft.com/office/powerpoint/2010/main" xmlns:a16="http://schemas.microsoft.com/office/drawing/2014/main" xmlns="" w="9525">
+                <a14:hiddenLine xmlns="" xmlns:a16="http://schemas.microsoft.com/office/drawing/2014/main" xmlns:p14="http://schemas.microsoft.com/office/powerpoint/2010/main" xmlns:a14="http://schemas.microsoft.com/office/drawing/2010/main" w="9525">
                   <a:solidFill>
                     <a:srgbClr val="000000"/>
                   </a:solidFill>
@@ -24771,7 +24771,7 @@
             </a:ln>
             <a:extLst>
               <a:ext uri="{91240B29-F687-4f45-9708-019B960494DF}">
-                <a14:hiddenLine xmlns:a14="http://schemas.microsoft.com/office/drawing/2010/main" xmlns:p14="http://schemas.microsoft.com/office/powerpoint/2010/main" xmlns:a16="http://schemas.microsoft.com/office/drawing/2014/main" xmlns="" w="9525">
+                <a14:hiddenLine xmlns="" xmlns:a16="http://schemas.microsoft.com/office/drawing/2014/main" xmlns:p14="http://schemas.microsoft.com/office/powerpoint/2010/main" xmlns:a14="http://schemas.microsoft.com/office/drawing/2010/main" w="9525">
                   <a:solidFill>
                     <a:srgbClr val="000000"/>
                   </a:solidFill>
@@ -25004,7 +25004,7 @@
             </a:ln>
             <a:extLst>
               <a:ext uri="{91240B29-F687-4f45-9708-019B960494DF}">
-                <a14:hiddenLine xmlns:a14="http://schemas.microsoft.com/office/drawing/2010/main" xmlns:p14="http://schemas.microsoft.com/office/powerpoint/2010/main" xmlns:a16="http://schemas.microsoft.com/office/drawing/2014/main" xmlns="" w="9525">
+                <a14:hiddenLine xmlns="" xmlns:a16="http://schemas.microsoft.com/office/drawing/2014/main" xmlns:p14="http://schemas.microsoft.com/office/powerpoint/2010/main" xmlns:a14="http://schemas.microsoft.com/office/drawing/2010/main" w="9525">
                   <a:solidFill>
                     <a:srgbClr val="000000"/>
                   </a:solidFill>
@@ -25134,7 +25134,7 @@
             </a:ln>
             <a:extLst>
               <a:ext uri="{91240B29-F687-4f45-9708-019B960494DF}">
-                <a14:hiddenLine xmlns:a14="http://schemas.microsoft.com/office/drawing/2010/main" xmlns:p14="http://schemas.microsoft.com/office/powerpoint/2010/main" xmlns:a16="http://schemas.microsoft.com/office/drawing/2014/main" xmlns="" w="9525">
+                <a14:hiddenLine xmlns="" xmlns:a16="http://schemas.microsoft.com/office/drawing/2014/main" xmlns:p14="http://schemas.microsoft.com/office/powerpoint/2010/main" xmlns:a14="http://schemas.microsoft.com/office/drawing/2010/main" w="9525">
                   <a:solidFill>
                     <a:srgbClr val="000000"/>
                   </a:solidFill>
@@ -25239,7 +25239,7 @@
             </a:ln>
             <a:extLst>
               <a:ext uri="{91240B29-F687-4f45-9708-019B960494DF}">
-                <a14:hiddenLine xmlns:a14="http://schemas.microsoft.com/office/drawing/2010/main" xmlns:p14="http://schemas.microsoft.com/office/powerpoint/2010/main" xmlns:a16="http://schemas.microsoft.com/office/drawing/2014/main" xmlns="" w="9525">
+                <a14:hiddenLine xmlns="" xmlns:a16="http://schemas.microsoft.com/office/drawing/2014/main" xmlns:p14="http://schemas.microsoft.com/office/powerpoint/2010/main" xmlns:a14="http://schemas.microsoft.com/office/drawing/2010/main" w="9525">
                   <a:solidFill>
                     <a:srgbClr val="000000"/>
                   </a:solidFill>
@@ -25319,7 +25319,7 @@
             </a:ln>
             <a:extLst>
               <a:ext uri="{91240B29-F687-4f45-9708-019B960494DF}">
-                <a14:hiddenLine xmlns:a14="http://schemas.microsoft.com/office/drawing/2010/main" xmlns:p14="http://schemas.microsoft.com/office/powerpoint/2010/main" xmlns:a16="http://schemas.microsoft.com/office/drawing/2014/main" xmlns="" w="9525">
+                <a14:hiddenLine xmlns="" xmlns:a16="http://schemas.microsoft.com/office/drawing/2014/main" xmlns:p14="http://schemas.microsoft.com/office/powerpoint/2010/main" xmlns:a14="http://schemas.microsoft.com/office/drawing/2010/main" w="9525">
                   <a:solidFill>
                     <a:srgbClr val="000000"/>
                   </a:solidFill>
@@ -25424,7 +25424,7 @@
             </a:ln>
             <a:extLst>
               <a:ext uri="{91240B29-F687-4f45-9708-019B960494DF}">
-                <a14:hiddenLine xmlns:a14="http://schemas.microsoft.com/office/drawing/2010/main" xmlns:p14="http://schemas.microsoft.com/office/powerpoint/2010/main" xmlns:a16="http://schemas.microsoft.com/office/drawing/2014/main" xmlns="" w="9525">
+                <a14:hiddenLine xmlns="" xmlns:a16="http://schemas.microsoft.com/office/drawing/2014/main" xmlns:p14="http://schemas.microsoft.com/office/powerpoint/2010/main" xmlns:a14="http://schemas.microsoft.com/office/drawing/2010/main" w="9525">
                   <a:solidFill>
                     <a:srgbClr val="000000"/>
                   </a:solidFill>
@@ -25507,7 +25507,7 @@
             </a:ln>
             <a:extLst>
               <a:ext uri="{91240B29-F687-4f45-9708-019B960494DF}">
-                <a14:hiddenLine xmlns:a14="http://schemas.microsoft.com/office/drawing/2010/main" xmlns:p14="http://schemas.microsoft.com/office/powerpoint/2010/main" xmlns:a16="http://schemas.microsoft.com/office/drawing/2014/main" xmlns="" w="9525">
+                <a14:hiddenLine xmlns="" xmlns:a16="http://schemas.microsoft.com/office/drawing/2014/main" xmlns:p14="http://schemas.microsoft.com/office/powerpoint/2010/main" xmlns:a14="http://schemas.microsoft.com/office/drawing/2010/main" w="9525">
                   <a:solidFill>
                     <a:srgbClr val="000000"/>
                   </a:solidFill>
@@ -25612,7 +25612,7 @@
             </a:ln>
             <a:extLst>
               <a:ext uri="{91240B29-F687-4f45-9708-019B960494DF}">
-                <a14:hiddenLine xmlns:a14="http://schemas.microsoft.com/office/drawing/2010/main" xmlns:p14="http://schemas.microsoft.com/office/powerpoint/2010/main" xmlns:a16="http://schemas.microsoft.com/office/drawing/2014/main" xmlns="" w="9525">
+                <a14:hiddenLine xmlns="" xmlns:a16="http://schemas.microsoft.com/office/drawing/2014/main" xmlns:p14="http://schemas.microsoft.com/office/powerpoint/2010/main" xmlns:a14="http://schemas.microsoft.com/office/drawing/2010/main" w="9525">
                   <a:solidFill>
                     <a:srgbClr val="000000"/>
                   </a:solidFill>
@@ -25695,7 +25695,7 @@
             </a:ln>
             <a:extLst>
               <a:ext uri="{91240B29-F687-4f45-9708-019B960494DF}">
-                <a14:hiddenLine xmlns:a14="http://schemas.microsoft.com/office/drawing/2010/main" xmlns:p14="http://schemas.microsoft.com/office/powerpoint/2010/main" xmlns:a16="http://schemas.microsoft.com/office/drawing/2014/main" xmlns="" w="9525">
+                <a14:hiddenLine xmlns="" xmlns:a16="http://schemas.microsoft.com/office/drawing/2014/main" xmlns:p14="http://schemas.microsoft.com/office/powerpoint/2010/main" xmlns:a14="http://schemas.microsoft.com/office/drawing/2010/main" w="9525">
                   <a:solidFill>
                     <a:srgbClr val="000000"/>
                   </a:solidFill>
@@ -25800,7 +25800,7 @@
             </a:ln>
             <a:extLst>
               <a:ext uri="{91240B29-F687-4f45-9708-019B960494DF}">
-                <a14:hiddenLine xmlns:a14="http://schemas.microsoft.com/office/drawing/2010/main" xmlns:p14="http://schemas.microsoft.com/office/powerpoint/2010/main" xmlns:a16="http://schemas.microsoft.com/office/drawing/2014/main" xmlns="" w="9525">
+                <a14:hiddenLine xmlns="" xmlns:a16="http://schemas.microsoft.com/office/drawing/2014/main" xmlns:p14="http://schemas.microsoft.com/office/powerpoint/2010/main" xmlns:a14="http://schemas.microsoft.com/office/drawing/2010/main" w="9525">
                   <a:solidFill>
                     <a:srgbClr val="000000"/>
                   </a:solidFill>
@@ -25849,7 +25849,7 @@
             </a:ln>
             <a:extLst>
               <a:ext uri="{91240B29-F687-4f45-9708-019B960494DF}">
-                <a14:hiddenLine xmlns:a14="http://schemas.microsoft.com/office/drawing/2010/main" xmlns:p14="http://schemas.microsoft.com/office/powerpoint/2010/main" xmlns:a16="http://schemas.microsoft.com/office/drawing/2014/main" xmlns="" w="9525">
+                <a14:hiddenLine xmlns="" xmlns:a16="http://schemas.microsoft.com/office/drawing/2014/main" xmlns:p14="http://schemas.microsoft.com/office/powerpoint/2010/main" xmlns:a14="http://schemas.microsoft.com/office/drawing/2010/main" w="9525">
                   <a:solidFill>
                     <a:srgbClr val="000000"/>
                   </a:solidFill>
@@ -26401,7 +26401,7 @@
             </a:ln>
             <a:extLst>
               <a:ext uri="{91240B29-F687-4f45-9708-019B960494DF}">
-                <a14:hiddenLine xmlns:a14="http://schemas.microsoft.com/office/drawing/2010/main" xmlns:p14="http://schemas.microsoft.com/office/powerpoint/2010/main" xmlns:a16="http://schemas.microsoft.com/office/drawing/2014/main" xmlns="" w="9525">
+                <a14:hiddenLine xmlns="" xmlns:a16="http://schemas.microsoft.com/office/drawing/2014/main" xmlns:p14="http://schemas.microsoft.com/office/powerpoint/2010/main" xmlns:a14="http://schemas.microsoft.com/office/drawing/2010/main" w="9525">
                   <a:solidFill>
                     <a:srgbClr val="000000"/>
                   </a:solidFill>
@@ -26506,7 +26506,7 @@
             </a:ln>
             <a:extLst>
               <a:ext uri="{91240B29-F687-4f45-9708-019B960494DF}">
-                <a14:hiddenLine xmlns:a14="http://schemas.microsoft.com/office/drawing/2010/main" xmlns:p14="http://schemas.microsoft.com/office/powerpoint/2010/main" xmlns:a16="http://schemas.microsoft.com/office/drawing/2014/main" xmlns="" w="9525">
+                <a14:hiddenLine xmlns="" xmlns:a16="http://schemas.microsoft.com/office/drawing/2014/main" xmlns:p14="http://schemas.microsoft.com/office/powerpoint/2010/main" xmlns:a14="http://schemas.microsoft.com/office/drawing/2010/main" w="9525">
                   <a:solidFill>
                     <a:srgbClr val="000000"/>
                   </a:solidFill>
@@ -26611,7 +26611,7 @@
             </a:ln>
             <a:extLst>
               <a:ext uri="{91240B29-F687-4f45-9708-019B960494DF}">
-                <a14:hiddenLine xmlns:a14="http://schemas.microsoft.com/office/drawing/2010/main" xmlns:p14="http://schemas.microsoft.com/office/powerpoint/2010/main" xmlns:a16="http://schemas.microsoft.com/office/drawing/2014/main" xmlns="" w="9525">
+                <a14:hiddenLine xmlns="" xmlns:a16="http://schemas.microsoft.com/office/drawing/2014/main" xmlns:p14="http://schemas.microsoft.com/office/powerpoint/2010/main" xmlns:a14="http://schemas.microsoft.com/office/drawing/2010/main" w="9525">
                   <a:solidFill>
                     <a:srgbClr val="000000"/>
                   </a:solidFill>
@@ -26688,7 +26688,7 @@
             </a:ln>
             <a:extLst>
               <a:ext uri="{91240B29-F687-4f45-9708-019B960494DF}">
-                <a14:hiddenLine xmlns:a14="http://schemas.microsoft.com/office/drawing/2010/main" xmlns:p14="http://schemas.microsoft.com/office/powerpoint/2010/main" xmlns:a16="http://schemas.microsoft.com/office/drawing/2014/main" xmlns="" w="9525">
+                <a14:hiddenLine xmlns="" xmlns:a16="http://schemas.microsoft.com/office/drawing/2014/main" xmlns:p14="http://schemas.microsoft.com/office/powerpoint/2010/main" xmlns:a14="http://schemas.microsoft.com/office/drawing/2010/main" w="9525">
                   <a:solidFill>
                     <a:srgbClr val="000000"/>
                   </a:solidFill>
@@ -26793,7 +26793,7 @@
             </a:ln>
             <a:extLst>
               <a:ext uri="{91240B29-F687-4f45-9708-019B960494DF}">
-                <a14:hiddenLine xmlns:a14="http://schemas.microsoft.com/office/drawing/2010/main" xmlns:p14="http://schemas.microsoft.com/office/powerpoint/2010/main" xmlns:a16="http://schemas.microsoft.com/office/drawing/2014/main" xmlns="" w="9525">
+                <a14:hiddenLine xmlns="" xmlns:a16="http://schemas.microsoft.com/office/drawing/2014/main" xmlns:p14="http://schemas.microsoft.com/office/powerpoint/2010/main" xmlns:a14="http://schemas.microsoft.com/office/drawing/2010/main" w="9525">
                   <a:solidFill>
                     <a:srgbClr val="000000"/>
                   </a:solidFill>
@@ -26870,7 +26870,7 @@
             </a:ln>
             <a:extLst>
               <a:ext uri="{91240B29-F687-4f45-9708-019B960494DF}">
-                <a14:hiddenLine xmlns:a14="http://schemas.microsoft.com/office/drawing/2010/main" xmlns:p14="http://schemas.microsoft.com/office/powerpoint/2010/main" xmlns:a16="http://schemas.microsoft.com/office/drawing/2014/main" xmlns="" w="9525">
+                <a14:hiddenLine xmlns="" xmlns:a16="http://schemas.microsoft.com/office/drawing/2014/main" xmlns:p14="http://schemas.microsoft.com/office/powerpoint/2010/main" xmlns:a14="http://schemas.microsoft.com/office/drawing/2010/main" w="9525">
                   <a:solidFill>
                     <a:srgbClr val="000000"/>
                   </a:solidFill>
@@ -26947,7 +26947,7 @@
             </a:ln>
             <a:extLst>
               <a:ext uri="{91240B29-F687-4f45-9708-019B960494DF}">
-                <a14:hiddenLine xmlns:a14="http://schemas.microsoft.com/office/drawing/2010/main" xmlns:p14="http://schemas.microsoft.com/office/powerpoint/2010/main" xmlns:a16="http://schemas.microsoft.com/office/drawing/2014/main" xmlns="" w="9525">
+                <a14:hiddenLine xmlns="" xmlns:a16="http://schemas.microsoft.com/office/drawing/2014/main" xmlns:p14="http://schemas.microsoft.com/office/powerpoint/2010/main" xmlns:a14="http://schemas.microsoft.com/office/drawing/2010/main" w="9525">
                   <a:solidFill>
                     <a:srgbClr val="000000"/>
                   </a:solidFill>
@@ -27052,7 +27052,7 @@
             </a:ln>
             <a:extLst>
               <a:ext uri="{91240B29-F687-4f45-9708-019B960494DF}">
-                <a14:hiddenLine xmlns:a14="http://schemas.microsoft.com/office/drawing/2010/main" xmlns:p14="http://schemas.microsoft.com/office/powerpoint/2010/main" xmlns:a16="http://schemas.microsoft.com/office/drawing/2014/main" xmlns="" w="9525">
+                <a14:hiddenLine xmlns="" xmlns:a16="http://schemas.microsoft.com/office/drawing/2014/main" xmlns:p14="http://schemas.microsoft.com/office/powerpoint/2010/main" xmlns:a14="http://schemas.microsoft.com/office/drawing/2010/main" w="9525">
                   <a:solidFill>
                     <a:srgbClr val="000000"/>
                   </a:solidFill>
@@ -27157,7 +27157,7 @@
             </a:ln>
             <a:extLst>
               <a:ext uri="{91240B29-F687-4f45-9708-019B960494DF}">
-                <a14:hiddenLine xmlns:a14="http://schemas.microsoft.com/office/drawing/2010/main" xmlns:p14="http://schemas.microsoft.com/office/powerpoint/2010/main" xmlns:a16="http://schemas.microsoft.com/office/drawing/2014/main" xmlns="" w="9525">
+                <a14:hiddenLine xmlns="" xmlns:a16="http://schemas.microsoft.com/office/drawing/2014/main" xmlns:p14="http://schemas.microsoft.com/office/powerpoint/2010/main" xmlns:a14="http://schemas.microsoft.com/office/drawing/2010/main" w="9525">
                   <a:solidFill>
                     <a:srgbClr val="000000"/>
                   </a:solidFill>
@@ -27234,7 +27234,7 @@
             </a:ln>
             <a:extLst>
               <a:ext uri="{91240B29-F687-4f45-9708-019B960494DF}">
-                <a14:hiddenLine xmlns:a14="http://schemas.microsoft.com/office/drawing/2010/main" xmlns:p14="http://schemas.microsoft.com/office/powerpoint/2010/main" xmlns:a16="http://schemas.microsoft.com/office/drawing/2014/main" xmlns="" w="9525">
+                <a14:hiddenLine xmlns="" xmlns:a16="http://schemas.microsoft.com/office/drawing/2014/main" xmlns:p14="http://schemas.microsoft.com/office/powerpoint/2010/main" xmlns:a14="http://schemas.microsoft.com/office/drawing/2010/main" w="9525">
                   <a:solidFill>
                     <a:srgbClr val="000000"/>
                   </a:solidFill>
@@ -27359,7 +27359,7 @@
             </a:ln>
             <a:extLst>
               <a:ext uri="{91240B29-F687-4f45-9708-019B960494DF}">
-                <a14:hiddenLine xmlns:a14="http://schemas.microsoft.com/office/drawing/2010/main" xmlns:p14="http://schemas.microsoft.com/office/powerpoint/2010/main" xmlns:a16="http://schemas.microsoft.com/office/drawing/2014/main" xmlns="" w="9525">
+                <a14:hiddenLine xmlns="" xmlns:a16="http://schemas.microsoft.com/office/drawing/2014/main" xmlns:p14="http://schemas.microsoft.com/office/powerpoint/2010/main" xmlns:a14="http://schemas.microsoft.com/office/drawing/2010/main" w="9525">
                   <a:solidFill>
                     <a:srgbClr val="000000"/>
                   </a:solidFill>
@@ -27473,7 +27473,7 @@
             </a:ln>
             <a:extLst>
               <a:ext uri="{91240B29-F687-4f45-9708-019B960494DF}">
-                <a14:hiddenLine xmlns:a14="http://schemas.microsoft.com/office/drawing/2010/main" xmlns:p14="http://schemas.microsoft.com/office/powerpoint/2010/main" xmlns:a16="http://schemas.microsoft.com/office/drawing/2014/main" xmlns="" w="9525">
+                <a14:hiddenLine xmlns="" xmlns:a16="http://schemas.microsoft.com/office/drawing/2014/main" xmlns:p14="http://schemas.microsoft.com/office/powerpoint/2010/main" xmlns:a14="http://schemas.microsoft.com/office/drawing/2010/main" w="9525">
                   <a:solidFill>
                     <a:srgbClr val="000000"/>
                   </a:solidFill>
@@ -27550,7 +27550,7 @@
             </a:ln>
             <a:extLst>
               <a:ext uri="{91240B29-F687-4f45-9708-019B960494DF}">
-                <a14:hiddenLine xmlns:a14="http://schemas.microsoft.com/office/drawing/2010/main" xmlns:p14="http://schemas.microsoft.com/office/powerpoint/2010/main" xmlns:a16="http://schemas.microsoft.com/office/drawing/2014/main" xmlns="" w="9525">
+                <a14:hiddenLine xmlns="" xmlns:a16="http://schemas.microsoft.com/office/drawing/2014/main" xmlns:p14="http://schemas.microsoft.com/office/powerpoint/2010/main" xmlns:a14="http://schemas.microsoft.com/office/drawing/2010/main" w="9525">
                   <a:solidFill>
                     <a:srgbClr val="000000"/>
                   </a:solidFill>
@@ -27627,7 +27627,7 @@
             </a:ln>
             <a:extLst>
               <a:ext uri="{91240B29-F687-4f45-9708-019B960494DF}">
-                <a14:hiddenLine xmlns:a14="http://schemas.microsoft.com/office/drawing/2010/main" xmlns:p14="http://schemas.microsoft.com/office/powerpoint/2010/main" xmlns:a16="http://schemas.microsoft.com/office/drawing/2014/main" xmlns="" w="9525">
+                <a14:hiddenLine xmlns="" xmlns:a16="http://schemas.microsoft.com/office/drawing/2014/main" xmlns:p14="http://schemas.microsoft.com/office/powerpoint/2010/main" xmlns:a14="http://schemas.microsoft.com/office/drawing/2010/main" w="9525">
                   <a:solidFill>
                     <a:srgbClr val="000000"/>
                   </a:solidFill>
@@ -27732,7 +27732,7 @@
             </a:ln>
             <a:extLst>
               <a:ext uri="{91240B29-F687-4f45-9708-019B960494DF}">
-                <a14:hiddenLine xmlns:a14="http://schemas.microsoft.com/office/drawing/2010/main" xmlns:p14="http://schemas.microsoft.com/office/powerpoint/2010/main" xmlns:a16="http://schemas.microsoft.com/office/drawing/2014/main" xmlns="" w="9525">
+                <a14:hiddenLine xmlns="" xmlns:a16="http://schemas.microsoft.com/office/drawing/2014/main" xmlns:p14="http://schemas.microsoft.com/office/powerpoint/2010/main" xmlns:a14="http://schemas.microsoft.com/office/drawing/2010/main" w="9525">
                   <a:solidFill>
                     <a:srgbClr val="000000"/>
                   </a:solidFill>
@@ -27781,7 +27781,7 @@
             </a:ln>
             <a:extLst>
               <a:ext uri="{91240B29-F687-4f45-9708-019B960494DF}">
-                <a14:hiddenLine xmlns:a14="http://schemas.microsoft.com/office/drawing/2010/main" xmlns:p14="http://schemas.microsoft.com/office/powerpoint/2010/main" xmlns:a16="http://schemas.microsoft.com/office/drawing/2014/main" xmlns="" w="9525">
+                <a14:hiddenLine xmlns="" xmlns:a16="http://schemas.microsoft.com/office/drawing/2014/main" xmlns:p14="http://schemas.microsoft.com/office/powerpoint/2010/main" xmlns:a14="http://schemas.microsoft.com/office/drawing/2010/main" w="9525">
                   <a:solidFill>
                     <a:srgbClr val="000000"/>
                   </a:solidFill>
@@ -27861,7 +27861,7 @@
             </a:ln>
             <a:extLst>
               <a:ext uri="{91240B29-F687-4f45-9708-019B960494DF}">
-                <a14:hiddenLine xmlns:a14="http://schemas.microsoft.com/office/drawing/2010/main" xmlns:p14="http://schemas.microsoft.com/office/powerpoint/2010/main" xmlns:a16="http://schemas.microsoft.com/office/drawing/2014/main" xmlns="" w="9525">
+                <a14:hiddenLine xmlns="" xmlns:a16="http://schemas.microsoft.com/office/drawing/2014/main" xmlns:p14="http://schemas.microsoft.com/office/powerpoint/2010/main" xmlns:a14="http://schemas.microsoft.com/office/drawing/2010/main" w="9525">
                   <a:solidFill>
                     <a:srgbClr val="000000"/>
                   </a:solidFill>
@@ -27966,7 +27966,7 @@
             </a:ln>
             <a:extLst>
               <a:ext uri="{91240B29-F687-4f45-9708-019B960494DF}">
-                <a14:hiddenLine xmlns:a14="http://schemas.microsoft.com/office/drawing/2010/main" xmlns:p14="http://schemas.microsoft.com/office/powerpoint/2010/main" xmlns:a16="http://schemas.microsoft.com/office/drawing/2014/main" xmlns="" w="9525">
+                <a14:hiddenLine xmlns="" xmlns:a16="http://schemas.microsoft.com/office/drawing/2014/main" xmlns:p14="http://schemas.microsoft.com/office/powerpoint/2010/main" xmlns:a14="http://schemas.microsoft.com/office/drawing/2010/main" w="9525">
                   <a:solidFill>
                     <a:srgbClr val="000000"/>
                   </a:solidFill>
@@ -28043,7 +28043,7 @@
             </a:ln>
             <a:extLst>
               <a:ext uri="{91240B29-F687-4f45-9708-019B960494DF}">
-                <a14:hiddenLine xmlns:a14="http://schemas.microsoft.com/office/drawing/2010/main" xmlns:p14="http://schemas.microsoft.com/office/powerpoint/2010/main" xmlns:a16="http://schemas.microsoft.com/office/drawing/2014/main" xmlns="" w="9525">
+                <a14:hiddenLine xmlns="" xmlns:a16="http://schemas.microsoft.com/office/drawing/2014/main" xmlns:p14="http://schemas.microsoft.com/office/powerpoint/2010/main" xmlns:a14="http://schemas.microsoft.com/office/drawing/2010/main" w="9525">
                   <a:solidFill>
                     <a:srgbClr val="000000"/>
                   </a:solidFill>
@@ -28148,7 +28148,7 @@
             </a:ln>
             <a:extLst>
               <a:ext uri="{91240B29-F687-4f45-9708-019B960494DF}">
-                <a14:hiddenLine xmlns:a14="http://schemas.microsoft.com/office/drawing/2010/main" xmlns:p14="http://schemas.microsoft.com/office/powerpoint/2010/main" xmlns:a16="http://schemas.microsoft.com/office/drawing/2014/main" xmlns="" w="9525">
+                <a14:hiddenLine xmlns="" xmlns:a16="http://schemas.microsoft.com/office/drawing/2014/main" xmlns:p14="http://schemas.microsoft.com/office/powerpoint/2010/main" xmlns:a14="http://schemas.microsoft.com/office/drawing/2010/main" w="9525">
                   <a:solidFill>
                     <a:srgbClr val="000000"/>
                   </a:solidFill>
@@ -28228,7 +28228,7 @@
             </a:ln>
             <a:extLst>
               <a:ext uri="{91240B29-F687-4f45-9708-019B960494DF}">
-                <a14:hiddenLine xmlns:a14="http://schemas.microsoft.com/office/drawing/2010/main" xmlns:p14="http://schemas.microsoft.com/office/powerpoint/2010/main" xmlns:a16="http://schemas.microsoft.com/office/drawing/2014/main" xmlns="" w="9525">
+                <a14:hiddenLine xmlns="" xmlns:a16="http://schemas.microsoft.com/office/drawing/2014/main" xmlns:p14="http://schemas.microsoft.com/office/powerpoint/2010/main" xmlns:a14="http://schemas.microsoft.com/office/drawing/2010/main" w="9525">
                   <a:solidFill>
                     <a:srgbClr val="000000"/>
                   </a:solidFill>
@@ -28305,7 +28305,7 @@
             </a:ln>
             <a:extLst>
               <a:ext uri="{91240B29-F687-4f45-9708-019B960494DF}">
-                <a14:hiddenLine xmlns:a14="http://schemas.microsoft.com/office/drawing/2010/main" xmlns:p14="http://schemas.microsoft.com/office/powerpoint/2010/main" xmlns:a16="http://schemas.microsoft.com/office/drawing/2014/main" xmlns="" w="9525">
+                <a14:hiddenLine xmlns="" xmlns:a16="http://schemas.microsoft.com/office/drawing/2014/main" xmlns:p14="http://schemas.microsoft.com/office/powerpoint/2010/main" xmlns:a14="http://schemas.microsoft.com/office/drawing/2010/main" w="9525">
                   <a:solidFill>
                     <a:srgbClr val="000000"/>
                   </a:solidFill>
@@ -28410,7 +28410,7 @@
             </a:ln>
             <a:extLst>
               <a:ext uri="{91240B29-F687-4f45-9708-019B960494DF}">
-                <a14:hiddenLine xmlns:a14="http://schemas.microsoft.com/office/drawing/2010/main" xmlns:p14="http://schemas.microsoft.com/office/powerpoint/2010/main" xmlns:a16="http://schemas.microsoft.com/office/drawing/2014/main" xmlns="" w="9525">
+                <a14:hiddenLine xmlns="" xmlns:a16="http://schemas.microsoft.com/office/drawing/2014/main" xmlns:p14="http://schemas.microsoft.com/office/powerpoint/2010/main" xmlns:a14="http://schemas.microsoft.com/office/drawing/2010/main" w="9525">
                   <a:solidFill>
                     <a:srgbClr val="000000"/>
                   </a:solidFill>
@@ -28515,7 +28515,7 @@
             </a:ln>
             <a:extLst>
               <a:ext uri="{91240B29-F687-4f45-9708-019B960494DF}">
-                <a14:hiddenLine xmlns:a14="http://schemas.microsoft.com/office/drawing/2010/main" xmlns:p14="http://schemas.microsoft.com/office/powerpoint/2010/main" xmlns:a16="http://schemas.microsoft.com/office/drawing/2014/main" xmlns="" w="9525">
+                <a14:hiddenLine xmlns="" xmlns:a16="http://schemas.microsoft.com/office/drawing/2014/main" xmlns:p14="http://schemas.microsoft.com/office/powerpoint/2010/main" xmlns:a14="http://schemas.microsoft.com/office/drawing/2010/main" w="9525">
                   <a:solidFill>
                     <a:srgbClr val="000000"/>
                   </a:solidFill>
@@ -28595,7 +28595,7 @@
             </a:ln>
             <a:extLst>
               <a:ext uri="{91240B29-F687-4f45-9708-019B960494DF}">
-                <a14:hiddenLine xmlns:a14="http://schemas.microsoft.com/office/drawing/2010/main" xmlns:p14="http://schemas.microsoft.com/office/powerpoint/2010/main" xmlns:a16="http://schemas.microsoft.com/office/drawing/2014/main" xmlns="" w="9525">
+                <a14:hiddenLine xmlns="" xmlns:a16="http://schemas.microsoft.com/office/drawing/2014/main" xmlns:p14="http://schemas.microsoft.com/office/powerpoint/2010/main" xmlns:a14="http://schemas.microsoft.com/office/drawing/2010/main" w="9525">
                   <a:solidFill>
                     <a:srgbClr val="000000"/>
                   </a:solidFill>
@@ -28730,7 +28730,7 @@
             </a:ln>
             <a:extLst>
               <a:ext uri="{91240B29-F687-4f45-9708-019B960494DF}">
-                <a14:hiddenLine xmlns:a14="http://schemas.microsoft.com/office/drawing/2010/main" xmlns:p14="http://schemas.microsoft.com/office/powerpoint/2010/main" xmlns:a16="http://schemas.microsoft.com/office/drawing/2014/main" xmlns="" w="9525">
+                <a14:hiddenLine xmlns="" xmlns:a16="http://schemas.microsoft.com/office/drawing/2014/main" xmlns:p14="http://schemas.microsoft.com/office/powerpoint/2010/main" xmlns:a14="http://schemas.microsoft.com/office/drawing/2010/main" w="9525">
                   <a:solidFill>
                     <a:srgbClr val="000000"/>
                   </a:solidFill>
@@ -29087,7 +29087,7 @@
             </a:ln>
             <a:extLst>
               <a:ext uri="{91240B29-F687-4f45-9708-019B960494DF}">
-                <a14:hiddenLine xmlns:a14="http://schemas.microsoft.com/office/drawing/2010/main" xmlns:p14="http://schemas.microsoft.com/office/powerpoint/2010/main" xmlns:a16="http://schemas.microsoft.com/office/drawing/2014/main" xmlns="" w="9525">
+                <a14:hiddenLine xmlns="" xmlns:a16="http://schemas.microsoft.com/office/drawing/2014/main" xmlns:p14="http://schemas.microsoft.com/office/powerpoint/2010/main" xmlns:a14="http://schemas.microsoft.com/office/drawing/2010/main" w="9525">
                   <a:solidFill>
                     <a:srgbClr val="000000"/>
                   </a:solidFill>
@@ -29217,7 +29217,7 @@
             </a:ln>
             <a:extLst>
               <a:ext uri="{91240B29-F687-4f45-9708-019B960494DF}">
-                <a14:hiddenLine xmlns:a14="http://schemas.microsoft.com/office/drawing/2010/main" xmlns:p14="http://schemas.microsoft.com/office/powerpoint/2010/main" xmlns:a16="http://schemas.microsoft.com/office/drawing/2014/main" xmlns="" w="9525">
+                <a14:hiddenLine xmlns="" xmlns:a16="http://schemas.microsoft.com/office/drawing/2014/main" xmlns:p14="http://schemas.microsoft.com/office/powerpoint/2010/main" xmlns:a14="http://schemas.microsoft.com/office/drawing/2010/main" w="9525">
                   <a:solidFill>
                     <a:srgbClr val="000000"/>
                   </a:solidFill>
@@ -29322,7 +29322,7 @@
             </a:ln>
             <a:extLst>
               <a:ext uri="{91240B29-F687-4f45-9708-019B960494DF}">
-                <a14:hiddenLine xmlns:a14="http://schemas.microsoft.com/office/drawing/2010/main" xmlns:p14="http://schemas.microsoft.com/office/powerpoint/2010/main" xmlns:a16="http://schemas.microsoft.com/office/drawing/2014/main" xmlns="" w="9525">
+                <a14:hiddenLine xmlns="" xmlns:a16="http://schemas.microsoft.com/office/drawing/2014/main" xmlns:p14="http://schemas.microsoft.com/office/powerpoint/2010/main" xmlns:a14="http://schemas.microsoft.com/office/drawing/2010/main" w="9525">
                   <a:solidFill>
                     <a:srgbClr val="000000"/>
                   </a:solidFill>
@@ -29402,7 +29402,7 @@
             </a:ln>
             <a:extLst>
               <a:ext uri="{91240B29-F687-4f45-9708-019B960494DF}">
-                <a14:hiddenLine xmlns:a14="http://schemas.microsoft.com/office/drawing/2010/main" xmlns:p14="http://schemas.microsoft.com/office/powerpoint/2010/main" xmlns:a16="http://schemas.microsoft.com/office/drawing/2014/main" xmlns="" w="9525">
+                <a14:hiddenLine xmlns="" xmlns:a16="http://schemas.microsoft.com/office/drawing/2014/main" xmlns:p14="http://schemas.microsoft.com/office/powerpoint/2010/main" xmlns:a14="http://schemas.microsoft.com/office/drawing/2010/main" w="9525">
                   <a:solidFill>
                     <a:srgbClr val="000000"/>
                   </a:solidFill>
@@ -29507,7 +29507,7 @@
             </a:ln>
             <a:extLst>
               <a:ext uri="{91240B29-F687-4f45-9708-019B960494DF}">
-                <a14:hiddenLine xmlns:a14="http://schemas.microsoft.com/office/drawing/2010/main" xmlns:p14="http://schemas.microsoft.com/office/powerpoint/2010/main" xmlns:a16="http://schemas.microsoft.com/office/drawing/2014/main" xmlns="" w="9525">
+                <a14:hiddenLine xmlns="" xmlns:a16="http://schemas.microsoft.com/office/drawing/2014/main" xmlns:p14="http://schemas.microsoft.com/office/powerpoint/2010/main" xmlns:a14="http://schemas.microsoft.com/office/drawing/2010/main" w="9525">
                   <a:solidFill>
                     <a:srgbClr val="000000"/>
                   </a:solidFill>
@@ -29590,7 +29590,7 @@
             </a:ln>
             <a:extLst>
               <a:ext uri="{91240B29-F687-4f45-9708-019B960494DF}">
-                <a14:hiddenLine xmlns:a14="http://schemas.microsoft.com/office/drawing/2010/main" xmlns:p14="http://schemas.microsoft.com/office/powerpoint/2010/main" xmlns:a16="http://schemas.microsoft.com/office/drawing/2014/main" xmlns="" w="9525">
+                <a14:hiddenLine xmlns="" xmlns:a16="http://schemas.microsoft.com/office/drawing/2014/main" xmlns:p14="http://schemas.microsoft.com/office/powerpoint/2010/main" xmlns:a14="http://schemas.microsoft.com/office/drawing/2010/main" w="9525">
                   <a:solidFill>
                     <a:srgbClr val="000000"/>
                   </a:solidFill>
@@ -29695,7 +29695,7 @@
             </a:ln>
             <a:extLst>
               <a:ext uri="{91240B29-F687-4f45-9708-019B960494DF}">
-                <a14:hiddenLine xmlns:a14="http://schemas.microsoft.com/office/drawing/2010/main" xmlns:p14="http://schemas.microsoft.com/office/powerpoint/2010/main" xmlns:a16="http://schemas.microsoft.com/office/drawing/2014/main" xmlns="" w="9525">
+                <a14:hiddenLine xmlns="" xmlns:a16="http://schemas.microsoft.com/office/drawing/2014/main" xmlns:p14="http://schemas.microsoft.com/office/powerpoint/2010/main" xmlns:a14="http://schemas.microsoft.com/office/drawing/2010/main" w="9525">
                   <a:solidFill>
                     <a:srgbClr val="000000"/>
                   </a:solidFill>
@@ -29778,7 +29778,7 @@
             </a:ln>
             <a:extLst>
               <a:ext uri="{91240B29-F687-4f45-9708-019B960494DF}">
-                <a14:hiddenLine xmlns:a14="http://schemas.microsoft.com/office/drawing/2010/main" xmlns:p14="http://schemas.microsoft.com/office/powerpoint/2010/main" xmlns:a16="http://schemas.microsoft.com/office/drawing/2014/main" xmlns="" w="9525">
+                <a14:hiddenLine xmlns="" xmlns:a16="http://schemas.microsoft.com/office/drawing/2014/main" xmlns:p14="http://schemas.microsoft.com/office/powerpoint/2010/main" xmlns:a14="http://schemas.microsoft.com/office/drawing/2010/main" w="9525">
                   <a:solidFill>
                     <a:srgbClr val="000000"/>
                   </a:solidFill>
@@ -29883,7 +29883,7 @@
             </a:ln>
             <a:extLst>
               <a:ext uri="{91240B29-F687-4f45-9708-019B960494DF}">
-                <a14:hiddenLine xmlns:a14="http://schemas.microsoft.com/office/drawing/2010/main" xmlns:p14="http://schemas.microsoft.com/office/powerpoint/2010/main" xmlns:a16="http://schemas.microsoft.com/office/drawing/2014/main" xmlns="" w="9525">
+                <a14:hiddenLine xmlns="" xmlns:a16="http://schemas.microsoft.com/office/drawing/2014/main" xmlns:p14="http://schemas.microsoft.com/office/powerpoint/2010/main" xmlns:a14="http://schemas.microsoft.com/office/drawing/2010/main" w="9525">
                   <a:solidFill>
                     <a:srgbClr val="000000"/>
                   </a:solidFill>
@@ -29932,7 +29932,7 @@
             </a:ln>
             <a:extLst>
               <a:ext uri="{91240B29-F687-4f45-9708-019B960494DF}">
-                <a14:hiddenLine xmlns:a14="http://schemas.microsoft.com/office/drawing/2010/main" xmlns:p14="http://schemas.microsoft.com/office/powerpoint/2010/main" xmlns:a16="http://schemas.microsoft.com/office/drawing/2014/main" xmlns="" w="9525">
+                <a14:hiddenLine xmlns="" xmlns:a16="http://schemas.microsoft.com/office/drawing/2014/main" xmlns:p14="http://schemas.microsoft.com/office/powerpoint/2010/main" xmlns:a14="http://schemas.microsoft.com/office/drawing/2010/main" w="9525">
                   <a:solidFill>
                     <a:srgbClr val="000000"/>
                   </a:solidFill>
@@ -30052,7 +30052,7 @@
             <a:pPr lvl="0"/>
             <a:r>
               <a:rPr lang="en-US" sz="3200" b="1" dirty="0"/>
-              <a:t>TRAINING THE MODEL</a:t>
+              <a:t>TRAINING THE MODEL BEFORE</a:t>
             </a:r>
             <a:endParaRPr lang="en-IL" sz="3200" b="1" dirty="0"/>
           </a:p>
@@ -30318,10 +30318,10 @@
       </p:sp>
       <p:pic>
         <p:nvPicPr>
-          <p:cNvPr id="2058" name="Picture 10">
+          <p:cNvPr id="2" name="Picture 2">
             <a:extLst>
               <a:ext uri="{FF2B5EF4-FFF2-40B4-BE49-F238E27FC236}">
-                <a16:creationId xmlns:a16="http://schemas.microsoft.com/office/drawing/2014/main" id="{4167B0D6-4B41-490C-4316-0FE3E9D81B8A}"/>
+                <a16:creationId xmlns:a16="http://schemas.microsoft.com/office/drawing/2014/main" id="{52F6A582-CEC4-69A8-5E47-5718F31803A1}"/>
               </a:ext>
             </a:extLst>
           </p:cNvPr>
@@ -30345,8 +30345,8 @@
         </p:blipFill>
         <p:spPr bwMode="auto">
           <a:xfrm>
-            <a:off x="8015589" y="1447114"/>
-            <a:ext cx="3187443" cy="2406607"/>
+            <a:off x="8054421" y="1434453"/>
+            <a:ext cx="3098723" cy="2406606"/>
           </a:xfrm>
           <a:prstGeom prst="rect">
             <a:avLst/>
@@ -30365,10 +30365,10 @@
       </p:pic>
       <p:pic>
         <p:nvPicPr>
-          <p:cNvPr id="2060" name="Picture 12">
+          <p:cNvPr id="3" name="Picture 2">
             <a:extLst>
               <a:ext uri="{FF2B5EF4-FFF2-40B4-BE49-F238E27FC236}">
-                <a16:creationId xmlns:a16="http://schemas.microsoft.com/office/drawing/2014/main" id="{715EA0C1-512C-76B1-9E0F-670F62AF9FDA}"/>
+                <a16:creationId xmlns:a16="http://schemas.microsoft.com/office/drawing/2014/main" id="{719EE57E-D01B-0734-3A14-67C4484C7D35}"/>
               </a:ext>
             </a:extLst>
           </p:cNvPr>
@@ -30392,8 +30392,8 @@
         </p:blipFill>
         <p:spPr bwMode="auto">
           <a:xfrm>
-            <a:off x="8015581" y="3885301"/>
-            <a:ext cx="3187443" cy="2319338"/>
+            <a:off x="8054420" y="3852260"/>
+            <a:ext cx="3098723" cy="2342166"/>
           </a:xfrm>
           <a:prstGeom prst="rect">
             <a:avLst/>
@@ -30412,10 +30412,10 @@
       </p:pic>
       <p:sp>
         <p:nvSpPr>
-          <p:cNvPr id="69" name="TextBox 68">
+          <p:cNvPr id="4" name="TextBox 3">
             <a:extLst>
               <a:ext uri="{FF2B5EF4-FFF2-40B4-BE49-F238E27FC236}">
-                <a16:creationId xmlns:a16="http://schemas.microsoft.com/office/drawing/2014/main" id="{2DCC1A4E-EA44-8DB1-C178-95174658E8D6}"/>
+                <a16:creationId xmlns:a16="http://schemas.microsoft.com/office/drawing/2014/main" id="{731ED938-5667-7EF5-149B-CE79078D0A91}"/>
               </a:ext>
             </a:extLst>
           </p:cNvPr>
@@ -30424,8 +30424,8 @@
         </p:nvSpPr>
         <p:spPr>
           <a:xfrm>
-            <a:off x="9196248" y="1076321"/>
-            <a:ext cx="826107" cy="369332"/>
+            <a:off x="9208890" y="1053821"/>
+            <a:ext cx="803113" cy="369332"/>
           </a:xfrm>
           <a:prstGeom prst="rect">
             <a:avLst/>
@@ -30440,7 +30440,7 @@
           <a:p>
             <a:r>
               <a:rPr lang="en-US" dirty="0"/>
-              <a:t>66.9%</a:t>
+              <a:t>67.8%</a:t>
             </a:r>
           </a:p>
         </p:txBody>
@@ -30506,7 +30506,7 @@
             <a:pPr lvl="0"/>
             <a:r>
               <a:rPr lang="en-US" sz="3200" b="1" dirty="0"/>
-              <a:t>TRAINING THE MODEL</a:t>
+              <a:t>TRAINING THE MODEL AFTER</a:t>
             </a:r>
             <a:endParaRPr lang="en-IL" sz="3200" b="1" dirty="0"/>
           </a:p>
@@ -30514,10 +30514,10 @@
       </p:sp>
       <p:pic>
         <p:nvPicPr>
-          <p:cNvPr id="2" name="Picture 2">
+          <p:cNvPr id="1028" name="Picture 4">
             <a:extLst>
               <a:ext uri="{FF2B5EF4-FFF2-40B4-BE49-F238E27FC236}">
-                <a16:creationId xmlns:a16="http://schemas.microsoft.com/office/drawing/2014/main" id="{76121BDD-D9D5-BF2C-E6D5-0A2CC82B6F63}"/>
+                <a16:creationId xmlns:a16="http://schemas.microsoft.com/office/drawing/2014/main" id="{12D2F00C-8B43-B7C9-FCAD-AE96195208BF}"/>
               </a:ext>
             </a:extLst>
           </p:cNvPr>
@@ -30541,8 +30541,8 @@
         </p:blipFill>
         <p:spPr bwMode="auto">
           <a:xfrm>
-            <a:off x="1032533" y="1367711"/>
-            <a:ext cx="3187443" cy="2397839"/>
+            <a:off x="1039086" y="1381488"/>
+            <a:ext cx="3205363" cy="2395406"/>
           </a:xfrm>
           <a:prstGeom prst="rect">
             <a:avLst/>
@@ -30561,10 +30561,10 @@
       </p:pic>
       <p:pic>
         <p:nvPicPr>
-          <p:cNvPr id="2050" name="Picture 2">
+          <p:cNvPr id="5" name="Picture 2">
             <a:extLst>
               <a:ext uri="{FF2B5EF4-FFF2-40B4-BE49-F238E27FC236}">
-                <a16:creationId xmlns:a16="http://schemas.microsoft.com/office/drawing/2014/main" id="{8489684B-717D-3266-A745-6F19844B051C}"/>
+                <a16:creationId xmlns:a16="http://schemas.microsoft.com/office/drawing/2014/main" id="{1026021B-C592-6D21-2A27-198A64D56B3D}"/>
               </a:ext>
             </a:extLst>
           </p:cNvPr>
@@ -30588,8 +30588,8 @@
         </p:blipFill>
         <p:spPr bwMode="auto">
           <a:xfrm>
-            <a:off x="1032532" y="3796586"/>
-            <a:ext cx="3187443" cy="2397839"/>
+            <a:off x="1039086" y="3802772"/>
+            <a:ext cx="3184208" cy="2395406"/>
           </a:xfrm>
           <a:prstGeom prst="rect">
             <a:avLst/>
@@ -30608,10 +30608,10 @@
       </p:pic>
       <p:sp>
         <p:nvSpPr>
-          <p:cNvPr id="3" name="TextBox 2">
+          <p:cNvPr id="6" name="TextBox 5">
             <a:extLst>
               <a:ext uri="{FF2B5EF4-FFF2-40B4-BE49-F238E27FC236}">
-                <a16:creationId xmlns:a16="http://schemas.microsoft.com/office/drawing/2014/main" id="{3850BB5C-38C0-6631-682E-442B4907AFB6}"/>
+                <a16:creationId xmlns:a16="http://schemas.microsoft.com/office/drawing/2014/main" id="{E56577BA-611A-D2D4-3682-151EA726C61E}"/>
               </a:ext>
             </a:extLst>
           </p:cNvPr>
@@ -30620,7 +30620,7 @@
         </p:nvSpPr>
         <p:spPr>
           <a:xfrm>
-            <a:off x="2187002" y="998687"/>
+            <a:off x="2218136" y="1012156"/>
             <a:ext cx="826107" cy="369332"/>
           </a:xfrm>
           <a:prstGeom prst="rect">
@@ -30636,7 +30636,7 @@
           <a:p>
             <a:r>
               <a:rPr lang="en-US" dirty="0"/>
-              <a:t>67.8%</a:t>
+              <a:t>89.0%</a:t>
             </a:r>
           </a:p>
         </p:txBody>

--- a/Deep learning presentation.pptx
+++ b/Deep learning presentation.pptx
@@ -13,6 +13,8 @@
     <p:sldId id="259" r:id="rId7"/>
     <p:sldId id="261" r:id="rId8"/>
     <p:sldId id="263" r:id="rId9"/>
+    <p:sldId id="264" r:id="rId10"/>
+    <p:sldId id="265" r:id="rId11"/>
   </p:sldIdLst>
   <p:sldSz cx="12192000" cy="6858000"/>
   <p:notesSz cx="6858000" cy="9144000"/>
@@ -117,6 +119,1034 @@
     </p:ext>
   </p:extLst>
 </p:presentation>
+</file>
+
+<file path=ppt/revisionInfo.xml><?xml version="1.0" encoding="utf-8"?>
+<p1510:revInfo xmlns:a="http://schemas.openxmlformats.org/drawingml/2006/main" xmlns:r="http://schemas.openxmlformats.org/officeDocument/2006/relationships" xmlns:p1510="http://schemas.microsoft.com/office/powerpoint/2015/10/main">
+  <p1510:revLst>
+    <p1510:client id="{83EF2845-D27A-424A-8AEB-A54B59012B0A}" v="281" dt="2023-01-15T17:36:55.105"/>
+  </p1510:revLst>
+</p1510:revInfo>
+</file>
+
+<file path=ppt/changesInfos/changesInfo1.xml><?xml version="1.0" encoding="utf-8"?>
+<pc:chgInfo xmlns:a="http://schemas.openxmlformats.org/drawingml/2006/main" xmlns:r="http://schemas.openxmlformats.org/officeDocument/2006/relationships" xmlns:ac="http://schemas.microsoft.com/office/drawing/2013/main/command" xmlns:pc="http://schemas.microsoft.com/office/powerpoint/2013/main/command">
+  <pc:docChgLst>
+    <pc:chgData name="טליה סעדה" userId="056dd30a-a99a-408d-81a5-680e044369be" providerId="ADAL" clId="{83EF2845-D27A-424A-8AEB-A54B59012B0A}"/>
+    <pc:docChg chg="undo custSel addSld delSld modSld sldOrd">
+      <pc:chgData name="טליה סעדה" userId="056dd30a-a99a-408d-81a5-680e044369be" providerId="ADAL" clId="{83EF2845-D27A-424A-8AEB-A54B59012B0A}" dt="2023-01-15T17:36:55.104" v="1551" actId="14100"/>
+      <pc:docMkLst>
+        <pc:docMk/>
+      </pc:docMkLst>
+      <pc:sldChg chg="modSp">
+        <pc:chgData name="טליה סעדה" userId="056dd30a-a99a-408d-81a5-680e044369be" providerId="ADAL" clId="{83EF2845-D27A-424A-8AEB-A54B59012B0A}" dt="2023-01-15T12:43:02.326" v="1055" actId="20577"/>
+        <pc:sldMkLst>
+          <pc:docMk/>
+          <pc:sldMk cId="3962671222" sldId="257"/>
+        </pc:sldMkLst>
+        <pc:graphicFrameChg chg="mod">
+          <ac:chgData name="טליה סעדה" userId="056dd30a-a99a-408d-81a5-680e044369be" providerId="ADAL" clId="{83EF2845-D27A-424A-8AEB-A54B59012B0A}" dt="2023-01-15T12:43:02.326" v="1055" actId="20577"/>
+          <ac:graphicFrameMkLst>
+            <pc:docMk/>
+            <pc:sldMk cId="3962671222" sldId="257"/>
+            <ac:graphicFrameMk id="8" creationId="{7FD578AF-A48C-DAE2-1736-8FB60F2A873C}"/>
+          </ac:graphicFrameMkLst>
+        </pc:graphicFrameChg>
+      </pc:sldChg>
+      <pc:sldChg chg="ord">
+        <pc:chgData name="טליה סעדה" userId="056dd30a-a99a-408d-81a5-680e044369be" providerId="ADAL" clId="{83EF2845-D27A-424A-8AEB-A54B59012B0A}" dt="2023-01-15T10:33:24.203" v="974"/>
+        <pc:sldMkLst>
+          <pc:docMk/>
+          <pc:sldMk cId="1368951913" sldId="258"/>
+        </pc:sldMkLst>
+      </pc:sldChg>
+      <pc:sldChg chg="addSp delSp modSp mod ord setBg setClrOvrMap">
+        <pc:chgData name="טליה סעדה" userId="056dd30a-a99a-408d-81a5-680e044369be" providerId="ADAL" clId="{83EF2845-D27A-424A-8AEB-A54B59012B0A}" dt="2023-01-15T16:41:28.192" v="1488" actId="1076"/>
+        <pc:sldMkLst>
+          <pc:docMk/>
+          <pc:sldMk cId="3622744233" sldId="259"/>
+        </pc:sldMkLst>
+        <pc:spChg chg="mod">
+          <ac:chgData name="טליה סעדה" userId="056dd30a-a99a-408d-81a5-680e044369be" providerId="ADAL" clId="{83EF2845-D27A-424A-8AEB-A54B59012B0A}" dt="2023-01-15T16:40:20.350" v="1486" actId="26606"/>
+          <ac:spMkLst>
+            <pc:docMk/>
+            <pc:sldMk cId="3622744233" sldId="259"/>
+            <ac:spMk id="5" creationId="{4232B5AD-89F0-ED5C-B734-15E6C52EDC2D}"/>
+          </ac:spMkLst>
+        </pc:spChg>
+        <pc:spChg chg="mod ord">
+          <ac:chgData name="טליה סעדה" userId="056dd30a-a99a-408d-81a5-680e044369be" providerId="ADAL" clId="{83EF2845-D27A-424A-8AEB-A54B59012B0A}" dt="2023-01-15T16:41:28.192" v="1488" actId="1076"/>
+          <ac:spMkLst>
+            <pc:docMk/>
+            <pc:sldMk cId="3622744233" sldId="259"/>
+            <ac:spMk id="10" creationId="{9E8C23FA-514E-6695-3083-F345B8C5B5FA}"/>
+          </ac:spMkLst>
+        </pc:spChg>
+        <pc:spChg chg="add del">
+          <ac:chgData name="טליה סעדה" userId="056dd30a-a99a-408d-81a5-680e044369be" providerId="ADAL" clId="{83EF2845-D27A-424A-8AEB-A54B59012B0A}" dt="2023-01-15T16:40:20.350" v="1486" actId="26606"/>
+          <ac:spMkLst>
+            <pc:docMk/>
+            <pc:sldMk cId="3622744233" sldId="259"/>
+            <ac:spMk id="1084" creationId="{E978A47D-4F17-40FE-AB70-7AF78A9575EB}"/>
+          </ac:spMkLst>
+        </pc:spChg>
+        <pc:spChg chg="add">
+          <ac:chgData name="טליה סעדה" userId="056dd30a-a99a-408d-81a5-680e044369be" providerId="ADAL" clId="{83EF2845-D27A-424A-8AEB-A54B59012B0A}" dt="2023-01-15T16:40:20.350" v="1486" actId="26606"/>
+          <ac:spMkLst>
+            <pc:docMk/>
+            <pc:sldMk cId="3622744233" sldId="259"/>
+            <ac:spMk id="1132" creationId="{C2E4E997-8672-4FFD-B8EC-9932A8E4714B}"/>
+          </ac:spMkLst>
+        </pc:spChg>
+        <pc:spChg chg="add del">
+          <ac:chgData name="טליה סעדה" userId="056dd30a-a99a-408d-81a5-680e044369be" providerId="ADAL" clId="{83EF2845-D27A-424A-8AEB-A54B59012B0A}" dt="2023-01-15T13:35:46.826" v="1222" actId="26606"/>
+          <ac:spMkLst>
+            <pc:docMk/>
+            <pc:sldMk cId="3622744233" sldId="259"/>
+            <ac:spMk id="2055" creationId="{6697F791-5FFA-4164-899F-EB52EA72B024}"/>
+          </ac:spMkLst>
+        </pc:spChg>
+        <pc:spChg chg="add del">
+          <ac:chgData name="טליה סעדה" userId="056dd30a-a99a-408d-81a5-680e044369be" providerId="ADAL" clId="{83EF2845-D27A-424A-8AEB-A54B59012B0A}" dt="2023-01-15T13:35:46.826" v="1222" actId="26606"/>
+          <ac:spMkLst>
+            <pc:docMk/>
+            <pc:sldMk cId="3622744233" sldId="259"/>
+            <ac:spMk id="2059" creationId="{B773AB25-A422-41AA-9737-5E04C1966DE1}"/>
+          </ac:spMkLst>
+        </pc:spChg>
+        <pc:spChg chg="add del">
+          <ac:chgData name="טליה סעדה" userId="056dd30a-a99a-408d-81a5-680e044369be" providerId="ADAL" clId="{83EF2845-D27A-424A-8AEB-A54B59012B0A}" dt="2023-01-15T13:35:54.151" v="1224" actId="26606"/>
+          <ac:spMkLst>
+            <pc:docMk/>
+            <pc:sldMk cId="3622744233" sldId="259"/>
+            <ac:spMk id="2097" creationId="{3CBA50DB-DBC7-4B6E-B3C1-8FF1EA519791}"/>
+          </ac:spMkLst>
+        </pc:spChg>
+        <pc:spChg chg="add del">
+          <ac:chgData name="טליה סעדה" userId="056dd30a-a99a-408d-81a5-680e044369be" providerId="ADAL" clId="{83EF2845-D27A-424A-8AEB-A54B59012B0A}" dt="2023-01-15T13:35:54.151" v="1224" actId="26606"/>
+          <ac:spMkLst>
+            <pc:docMk/>
+            <pc:sldMk cId="3622744233" sldId="259"/>
+            <ac:spMk id="2100" creationId="{A1351C6B-7343-451F-AB4A-1CE294A4E927}"/>
+          </ac:spMkLst>
+        </pc:spChg>
+        <pc:grpChg chg="add del">
+          <ac:chgData name="טליה סעדה" userId="056dd30a-a99a-408d-81a5-680e044369be" providerId="ADAL" clId="{83EF2845-D27A-424A-8AEB-A54B59012B0A}" dt="2023-01-15T16:40:20.350" v="1486" actId="26606"/>
+          <ac:grpSpMkLst>
+            <pc:docMk/>
+            <pc:sldMk cId="3622744233" sldId="259"/>
+            <ac:grpSpMk id="1086" creationId="{85BE3A7E-6A3F-401E-A025-BBB8FDB8DD30}"/>
+          </ac:grpSpMkLst>
+        </pc:grpChg>
+        <pc:grpChg chg="add del">
+          <ac:chgData name="טליה סעדה" userId="056dd30a-a99a-408d-81a5-680e044369be" providerId="ADAL" clId="{83EF2845-D27A-424A-8AEB-A54B59012B0A}" dt="2023-01-15T16:40:20.350" v="1486" actId="26606"/>
+          <ac:grpSpMkLst>
+            <pc:docMk/>
+            <pc:sldMk cId="3622744233" sldId="259"/>
+            <ac:grpSpMk id="1117" creationId="{F4E035BE-9FF4-43D3-BC25-CF582D7FF85E}"/>
+          </ac:grpSpMkLst>
+        </pc:grpChg>
+        <pc:grpChg chg="add">
+          <ac:chgData name="טליה סעדה" userId="056dd30a-a99a-408d-81a5-680e044369be" providerId="ADAL" clId="{83EF2845-D27A-424A-8AEB-A54B59012B0A}" dt="2023-01-15T16:40:20.350" v="1486" actId="26606"/>
+          <ac:grpSpMkLst>
+            <pc:docMk/>
+            <pc:sldMk cId="3622744233" sldId="259"/>
+            <ac:grpSpMk id="1136" creationId="{453E4DEE-E996-40F8-8635-0FF43D7348F9}"/>
+          </ac:grpSpMkLst>
+        </pc:grpChg>
+        <pc:grpChg chg="add del">
+          <ac:chgData name="טליה סעדה" userId="056dd30a-a99a-408d-81a5-680e044369be" providerId="ADAL" clId="{83EF2845-D27A-424A-8AEB-A54B59012B0A}" dt="2023-01-15T13:35:46.826" v="1222" actId="26606"/>
+          <ac:grpSpMkLst>
+            <pc:docMk/>
+            <pc:sldMk cId="3622744233" sldId="259"/>
+            <ac:grpSpMk id="2063" creationId="{6AD0D387-1584-4477-B5F8-52B50D4F2205}"/>
+          </ac:grpSpMkLst>
+        </pc:grpChg>
+        <pc:grpChg chg="add del">
+          <ac:chgData name="טליה סעדה" userId="056dd30a-a99a-408d-81a5-680e044369be" providerId="ADAL" clId="{83EF2845-D27A-424A-8AEB-A54B59012B0A}" dt="2023-01-15T13:35:54.151" v="1224" actId="26606"/>
+          <ac:grpSpMkLst>
+            <pc:docMk/>
+            <pc:sldMk cId="3622744233" sldId="259"/>
+            <ac:grpSpMk id="2099" creationId="{1DED8FB6-AF8D-4D98-913D-E6486FEC1021}"/>
+          </ac:grpSpMkLst>
+        </pc:grpChg>
+        <pc:picChg chg="add del mod">
+          <ac:chgData name="טליה סעדה" userId="056dd30a-a99a-408d-81a5-680e044369be" providerId="ADAL" clId="{83EF2845-D27A-424A-8AEB-A54B59012B0A}" dt="2023-01-13T10:40:28.711" v="44" actId="478"/>
+          <ac:picMkLst>
+            <pc:docMk/>
+            <pc:sldMk cId="3622744233" sldId="259"/>
+            <ac:picMk id="2" creationId="{145EA85F-056A-F35C-2075-691F5698DE1C}"/>
+          </ac:picMkLst>
+        </pc:picChg>
+        <pc:picChg chg="add del mod">
+          <ac:chgData name="טליה סעדה" userId="056dd30a-a99a-408d-81a5-680e044369be" providerId="ADAL" clId="{83EF2845-D27A-424A-8AEB-A54B59012B0A}" dt="2023-01-15T16:36:10.334" v="1481" actId="22"/>
+          <ac:picMkLst>
+            <pc:docMk/>
+            <pc:sldMk cId="3622744233" sldId="259"/>
+            <ac:picMk id="3" creationId="{4E20B62D-7121-9CBA-A2ED-00F761B2902F}"/>
+          </ac:picMkLst>
+        </pc:picChg>
+        <pc:picChg chg="add del mod">
+          <ac:chgData name="טליה סעדה" userId="056dd30a-a99a-408d-81a5-680e044369be" providerId="ADAL" clId="{83EF2845-D27A-424A-8AEB-A54B59012B0A}" dt="2023-01-13T10:41:09.691" v="48" actId="478"/>
+          <ac:picMkLst>
+            <pc:docMk/>
+            <pc:sldMk cId="3622744233" sldId="259"/>
+            <ac:picMk id="3" creationId="{D2028292-1B7D-5516-9EC9-228202149862}"/>
+          </ac:picMkLst>
+        </pc:picChg>
+        <pc:picChg chg="add mod">
+          <ac:chgData name="טליה סעדה" userId="056dd30a-a99a-408d-81a5-680e044369be" providerId="ADAL" clId="{83EF2845-D27A-424A-8AEB-A54B59012B0A}" dt="2023-01-15T16:41:18.776" v="1487" actId="27614"/>
+          <ac:picMkLst>
+            <pc:docMk/>
+            <pc:sldMk cId="3622744233" sldId="259"/>
+            <ac:picMk id="6" creationId="{C04F763E-0D45-BAB4-9520-9D678F9C469D}"/>
+          </ac:picMkLst>
+        </pc:picChg>
+        <pc:picChg chg="del mod">
+          <ac:chgData name="טליה סעדה" userId="056dd30a-a99a-408d-81a5-680e044369be" providerId="ADAL" clId="{83EF2845-D27A-424A-8AEB-A54B59012B0A}" dt="2023-01-13T10:38:06.886" v="27" actId="478"/>
+          <ac:picMkLst>
+            <pc:docMk/>
+            <pc:sldMk cId="3622744233" sldId="259"/>
+            <ac:picMk id="11" creationId="{EAF609B3-BDBF-11F4-8B00-4347207879D5}"/>
+          </ac:picMkLst>
+        </pc:picChg>
+        <pc:picChg chg="add">
+          <ac:chgData name="טליה סעדה" userId="056dd30a-a99a-408d-81a5-680e044369be" providerId="ADAL" clId="{83EF2845-D27A-424A-8AEB-A54B59012B0A}" dt="2023-01-15T16:40:20.350" v="1486" actId="26606"/>
+          <ac:picMkLst>
+            <pc:docMk/>
+            <pc:sldMk cId="3622744233" sldId="259"/>
+            <ac:picMk id="1134" creationId="{FE6BA9E6-1D9E-4D30-B528-D49FA1342E4E}"/>
+          </ac:picMkLst>
+        </pc:picChg>
+        <pc:picChg chg="add del mod">
+          <ac:chgData name="טליה סעדה" userId="056dd30a-a99a-408d-81a5-680e044369be" providerId="ADAL" clId="{83EF2845-D27A-424A-8AEB-A54B59012B0A}" dt="2023-01-15T16:40:15.224" v="1484" actId="478"/>
+          <ac:picMkLst>
+            <pc:docMk/>
+            <pc:sldMk cId="3622744233" sldId="259"/>
+            <ac:picMk id="2050" creationId="{CBF92F86-F89F-38F8-1B0D-92632AF44F7E}"/>
+          </ac:picMkLst>
+        </pc:picChg>
+        <pc:picChg chg="add del">
+          <ac:chgData name="טליה סעדה" userId="056dd30a-a99a-408d-81a5-680e044369be" providerId="ADAL" clId="{83EF2845-D27A-424A-8AEB-A54B59012B0A}" dt="2023-01-15T13:35:46.826" v="1222" actId="26606"/>
+          <ac:picMkLst>
+            <pc:docMk/>
+            <pc:sldMk cId="3622744233" sldId="259"/>
+            <ac:picMk id="2057" creationId="{4E28A1A9-FB81-4816-AAEA-C3B430946951}"/>
+          </ac:picMkLst>
+        </pc:picChg>
+        <pc:picChg chg="add del">
+          <ac:chgData name="טליה סעדה" userId="056dd30a-a99a-408d-81a5-680e044369be" providerId="ADAL" clId="{83EF2845-D27A-424A-8AEB-A54B59012B0A}" dt="2023-01-15T13:35:46.826" v="1222" actId="26606"/>
+          <ac:picMkLst>
+            <pc:docMk/>
+            <pc:sldMk cId="3622744233" sldId="259"/>
+            <ac:picMk id="2061" creationId="{AF0552B8-DE8C-40DF-B29F-1728E6A10619}"/>
+          </ac:picMkLst>
+        </pc:picChg>
+        <pc:picChg chg="add del">
+          <ac:chgData name="טליה סעדה" userId="056dd30a-a99a-408d-81a5-680e044369be" providerId="ADAL" clId="{83EF2845-D27A-424A-8AEB-A54B59012B0A}" dt="2023-01-15T13:35:54.151" v="1224" actId="26606"/>
+          <ac:picMkLst>
+            <pc:docMk/>
+            <pc:sldMk cId="3622744233" sldId="259"/>
+            <ac:picMk id="2098" creationId="{5B3DE270-418F-47A7-B311-C4D876041DC6}"/>
+          </ac:picMkLst>
+        </pc:picChg>
+        <pc:cxnChg chg="add del">
+          <ac:chgData name="טליה סעדה" userId="056dd30a-a99a-408d-81a5-680e044369be" providerId="ADAL" clId="{83EF2845-D27A-424A-8AEB-A54B59012B0A}" dt="2023-01-15T16:40:20.350" v="1486" actId="26606"/>
+          <ac:cxnSpMkLst>
+            <pc:docMk/>
+            <pc:sldMk cId="3622744233" sldId="259"/>
+            <ac:cxnSpMk id="1115" creationId="{085ECEC0-FF5D-4348-92C7-1EA7C61E770C}"/>
+          </ac:cxnSpMkLst>
+        </pc:cxnChg>
+      </pc:sldChg>
+      <pc:sldChg chg="modSp mod">
+        <pc:chgData name="טליה סעדה" userId="056dd30a-a99a-408d-81a5-680e044369be" providerId="ADAL" clId="{83EF2845-D27A-424A-8AEB-A54B59012B0A}" dt="2023-01-15T12:44:10.062" v="1076" actId="1076"/>
+        <pc:sldMkLst>
+          <pc:docMk/>
+          <pc:sldMk cId="2837492554" sldId="260"/>
+        </pc:sldMkLst>
+        <pc:spChg chg="mod">
+          <ac:chgData name="טליה סעדה" userId="056dd30a-a99a-408d-81a5-680e044369be" providerId="ADAL" clId="{83EF2845-D27A-424A-8AEB-A54B59012B0A}" dt="2023-01-15T10:36:00.880" v="1051" actId="20577"/>
+          <ac:spMkLst>
+            <pc:docMk/>
+            <pc:sldMk cId="2837492554" sldId="260"/>
+            <ac:spMk id="8" creationId="{C2C4E1DE-C1DE-3FD5-F04E-3A66AE0BBF90}"/>
+          </ac:spMkLst>
+        </pc:spChg>
+        <pc:spChg chg="mod">
+          <ac:chgData name="טליה סעדה" userId="056dd30a-a99a-408d-81a5-680e044369be" providerId="ADAL" clId="{83EF2845-D27A-424A-8AEB-A54B59012B0A}" dt="2023-01-15T12:43:44.261" v="1069" actId="1076"/>
+          <ac:spMkLst>
+            <pc:docMk/>
+            <pc:sldMk cId="2837492554" sldId="260"/>
+            <ac:spMk id="58" creationId="{BF0B062E-3193-9BEE-EC24-D93545E0F63F}"/>
+          </ac:spMkLst>
+        </pc:spChg>
+        <pc:spChg chg="mod">
+          <ac:chgData name="טליה סעדה" userId="056dd30a-a99a-408d-81a5-680e044369be" providerId="ADAL" clId="{83EF2845-D27A-424A-8AEB-A54B59012B0A}" dt="2023-01-15T12:44:10.062" v="1076" actId="1076"/>
+          <ac:spMkLst>
+            <pc:docMk/>
+            <pc:sldMk cId="2837492554" sldId="260"/>
+            <ac:spMk id="59" creationId="{B6FE996C-1F49-5403-E6EF-DF135433EACE}"/>
+          </ac:spMkLst>
+        </pc:spChg>
+      </pc:sldChg>
+      <pc:sldChg chg="delSp modSp mod ord">
+        <pc:chgData name="טליה סעדה" userId="056dd30a-a99a-408d-81a5-680e044369be" providerId="ADAL" clId="{83EF2845-D27A-424A-8AEB-A54B59012B0A}" dt="2023-01-15T17:30:46.944" v="1535" actId="1076"/>
+        <pc:sldMkLst>
+          <pc:docMk/>
+          <pc:sldMk cId="927117655" sldId="261"/>
+        </pc:sldMkLst>
+        <pc:spChg chg="mod">
+          <ac:chgData name="טליה סעדה" userId="056dd30a-a99a-408d-81a5-680e044369be" providerId="ADAL" clId="{83EF2845-D27A-424A-8AEB-A54B59012B0A}" dt="2023-01-15T16:41:52.616" v="1490" actId="1076"/>
+          <ac:spMkLst>
+            <pc:docMk/>
+            <pc:sldMk cId="927117655" sldId="261"/>
+            <ac:spMk id="4" creationId="{731ED938-5667-7EF5-149B-CE79078D0A91}"/>
+          </ac:spMkLst>
+        </pc:spChg>
+        <pc:spChg chg="mod">
+          <ac:chgData name="טליה סעדה" userId="056dd30a-a99a-408d-81a5-680e044369be" providerId="ADAL" clId="{83EF2845-D27A-424A-8AEB-A54B59012B0A}" dt="2023-01-15T17:30:46.944" v="1535" actId="1076"/>
+          <ac:spMkLst>
+            <pc:docMk/>
+            <pc:sldMk cId="927117655" sldId="261"/>
+            <ac:spMk id="5" creationId="{63BC3A6B-64F2-AD40-1F24-3C8121EE2F48}"/>
+          </ac:spMkLst>
+        </pc:spChg>
+        <pc:spChg chg="del">
+          <ac:chgData name="טליה סעדה" userId="056dd30a-a99a-408d-81a5-680e044369be" providerId="ADAL" clId="{83EF2845-D27A-424A-8AEB-A54B59012B0A}" dt="2023-01-15T16:41:47.170" v="1489" actId="478"/>
+          <ac:spMkLst>
+            <pc:docMk/>
+            <pc:sldMk cId="927117655" sldId="261"/>
+            <ac:spMk id="67" creationId="{B359AEA0-1968-B1FA-3FB9-616BADC7B509}"/>
+          </ac:spMkLst>
+        </pc:spChg>
+        <pc:picChg chg="mod">
+          <ac:chgData name="טליה סעדה" userId="056dd30a-a99a-408d-81a5-680e044369be" providerId="ADAL" clId="{83EF2845-D27A-424A-8AEB-A54B59012B0A}" dt="2023-01-15T16:41:52.616" v="1490" actId="1076"/>
+          <ac:picMkLst>
+            <pc:docMk/>
+            <pc:sldMk cId="927117655" sldId="261"/>
+            <ac:picMk id="2" creationId="{52F6A582-CEC4-69A8-5E47-5718F31803A1}"/>
+          </ac:picMkLst>
+        </pc:picChg>
+        <pc:picChg chg="mod">
+          <ac:chgData name="טליה סעדה" userId="056dd30a-a99a-408d-81a5-680e044369be" providerId="ADAL" clId="{83EF2845-D27A-424A-8AEB-A54B59012B0A}" dt="2023-01-15T16:41:52.616" v="1490" actId="1076"/>
+          <ac:picMkLst>
+            <pc:docMk/>
+            <pc:sldMk cId="927117655" sldId="261"/>
+            <ac:picMk id="3" creationId="{719EE57E-D01B-0734-3A14-67C4484C7D35}"/>
+          </ac:picMkLst>
+        </pc:picChg>
+        <pc:picChg chg="del">
+          <ac:chgData name="טליה סעדה" userId="056dd30a-a99a-408d-81a5-680e044369be" providerId="ADAL" clId="{83EF2845-D27A-424A-8AEB-A54B59012B0A}" dt="2023-01-15T16:41:47.170" v="1489" actId="478"/>
+          <ac:picMkLst>
+            <pc:docMk/>
+            <pc:sldMk cId="927117655" sldId="261"/>
+            <ac:picMk id="2054" creationId="{8F4282C4-F0AB-752A-6728-EAB95963021D}"/>
+          </ac:picMkLst>
+        </pc:picChg>
+        <pc:picChg chg="del">
+          <ac:chgData name="טליה סעדה" userId="056dd30a-a99a-408d-81a5-680e044369be" providerId="ADAL" clId="{83EF2845-D27A-424A-8AEB-A54B59012B0A}" dt="2023-01-15T16:41:47.170" v="1489" actId="478"/>
+          <ac:picMkLst>
+            <pc:docMk/>
+            <pc:sldMk cId="927117655" sldId="261"/>
+            <ac:picMk id="2056" creationId="{544F20CC-2C7B-D984-9B80-FFBB515E74B6}"/>
+          </ac:picMkLst>
+        </pc:picChg>
+      </pc:sldChg>
+      <pc:sldChg chg="delSp modSp mod">
+        <pc:chgData name="טליה סעדה" userId="056dd30a-a99a-408d-81a5-680e044369be" providerId="ADAL" clId="{83EF2845-D27A-424A-8AEB-A54B59012B0A}" dt="2023-01-15T11:45:30.203" v="1053" actId="1076"/>
+        <pc:sldMkLst>
+          <pc:docMk/>
+          <pc:sldMk cId="1591866284" sldId="262"/>
+        </pc:sldMkLst>
+        <pc:spChg chg="del">
+          <ac:chgData name="טליה סעדה" userId="056dd30a-a99a-408d-81a5-680e044369be" providerId="ADAL" clId="{83EF2845-D27A-424A-8AEB-A54B59012B0A}" dt="2023-01-15T11:45:25.203" v="1052" actId="478"/>
+          <ac:spMkLst>
+            <pc:docMk/>
+            <pc:sldMk cId="1591866284" sldId="262"/>
+            <ac:spMk id="4" creationId="{DB27843D-F995-053B-8E51-B78467D41E11}"/>
+          </ac:spMkLst>
+        </pc:spChg>
+        <pc:spChg chg="mod">
+          <ac:chgData name="טליה סעדה" userId="056dd30a-a99a-408d-81a5-680e044369be" providerId="ADAL" clId="{83EF2845-D27A-424A-8AEB-A54B59012B0A}" dt="2023-01-15T11:45:30.203" v="1053" actId="1076"/>
+          <ac:spMkLst>
+            <pc:docMk/>
+            <pc:sldMk cId="1591866284" sldId="262"/>
+            <ac:spMk id="5" creationId="{91E7BCF5-0366-7F5E-9F98-56F8F9E0EB50}"/>
+          </ac:spMkLst>
+        </pc:spChg>
+      </pc:sldChg>
+      <pc:sldChg chg="addSp delSp modSp mod">
+        <pc:chgData name="טליה סעדה" userId="056dd30a-a99a-408d-81a5-680e044369be" providerId="ADAL" clId="{83EF2845-D27A-424A-8AEB-A54B59012B0A}" dt="2023-01-15T17:30:29.432" v="1531" actId="1076"/>
+        <pc:sldMkLst>
+          <pc:docMk/>
+          <pc:sldMk cId="680796784" sldId="263"/>
+        </pc:sldMkLst>
+        <pc:spChg chg="mod">
+          <ac:chgData name="טליה סעדה" userId="056dd30a-a99a-408d-81a5-680e044369be" providerId="ADAL" clId="{83EF2845-D27A-424A-8AEB-A54B59012B0A}" dt="2023-01-15T17:30:29.432" v="1531" actId="1076"/>
+          <ac:spMkLst>
+            <pc:docMk/>
+            <pc:sldMk cId="680796784" sldId="263"/>
+            <ac:spMk id="4" creationId="{39BC1E6D-B9F8-87A9-76A6-0E72028DF816}"/>
+          </ac:spMkLst>
+        </pc:spChg>
+        <pc:spChg chg="add del mod">
+          <ac:chgData name="טליה סעדה" userId="056dd30a-a99a-408d-81a5-680e044369be" providerId="ADAL" clId="{83EF2845-D27A-424A-8AEB-A54B59012B0A}" dt="2023-01-15T16:22:10.405" v="1445" actId="1076"/>
+          <ac:spMkLst>
+            <pc:docMk/>
+            <pc:sldMk cId="680796784" sldId="263"/>
+            <ac:spMk id="6" creationId="{E56577BA-611A-D2D4-3682-151EA726C61E}"/>
+          </ac:spMkLst>
+        </pc:spChg>
+        <pc:spChg chg="add mod">
+          <ac:chgData name="טליה סעדה" userId="056dd30a-a99a-408d-81a5-680e044369be" providerId="ADAL" clId="{83EF2845-D27A-424A-8AEB-A54B59012B0A}" dt="2023-01-15T16:22:20.411" v="1446" actId="1076"/>
+          <ac:spMkLst>
+            <pc:docMk/>
+            <pc:sldMk cId="680796784" sldId="263"/>
+            <ac:spMk id="7" creationId="{5B71296C-9138-2AD4-7598-74AB3BCB08C7}"/>
+          </ac:spMkLst>
+        </pc:spChg>
+        <pc:spChg chg="add del mod">
+          <ac:chgData name="טליה סעדה" userId="056dd30a-a99a-408d-81a5-680e044369be" providerId="ADAL" clId="{83EF2845-D27A-424A-8AEB-A54B59012B0A}" dt="2023-01-15T14:26:20.236" v="1265" actId="21"/>
+          <ac:spMkLst>
+            <pc:docMk/>
+            <pc:sldMk cId="680796784" sldId="263"/>
+            <ac:spMk id="10" creationId="{585E2A18-53D0-C072-F3D3-5F840FEF7108}"/>
+          </ac:spMkLst>
+        </pc:spChg>
+        <pc:picChg chg="add del mod">
+          <ac:chgData name="טליה סעדה" userId="056dd30a-a99a-408d-81a5-680e044369be" providerId="ADAL" clId="{83EF2845-D27A-424A-8AEB-A54B59012B0A}" dt="2023-01-13T10:36:38.753" v="10" actId="478"/>
+          <ac:picMkLst>
+            <pc:docMk/>
+            <pc:sldMk cId="680796784" sldId="263"/>
+            <ac:picMk id="2" creationId="{C13F5C33-B41C-8B6E-194D-2D6610E38949}"/>
+          </ac:picMkLst>
+        </pc:picChg>
+        <pc:picChg chg="add del mod">
+          <ac:chgData name="טליה סעדה" userId="056dd30a-a99a-408d-81a5-680e044369be" providerId="ADAL" clId="{83EF2845-D27A-424A-8AEB-A54B59012B0A}" dt="2023-01-15T16:22:10.405" v="1445" actId="1076"/>
+          <ac:picMkLst>
+            <pc:docMk/>
+            <pc:sldMk cId="680796784" sldId="263"/>
+            <ac:picMk id="5" creationId="{1026021B-C592-6D21-2A27-198A64D56B3D}"/>
+          </ac:picMkLst>
+        </pc:picChg>
+        <pc:picChg chg="add del mod">
+          <ac:chgData name="טליה סעדה" userId="056dd30a-a99a-408d-81a5-680e044369be" providerId="ADAL" clId="{83EF2845-D27A-424A-8AEB-A54B59012B0A}" dt="2023-01-15T13:35:02.346" v="1213" actId="478"/>
+          <ac:picMkLst>
+            <pc:docMk/>
+            <pc:sldMk cId="680796784" sldId="263"/>
+            <ac:picMk id="8" creationId="{64318531-E18B-0EB5-727A-DB63AB26097C}"/>
+          </ac:picMkLst>
+        </pc:picChg>
+        <pc:picChg chg="add del mod">
+          <ac:chgData name="טליה סעדה" userId="056dd30a-a99a-408d-81a5-680e044369be" providerId="ADAL" clId="{83EF2845-D27A-424A-8AEB-A54B59012B0A}" dt="2023-01-15T13:34:30.638" v="1203" actId="478"/>
+          <ac:picMkLst>
+            <pc:docMk/>
+            <pc:sldMk cId="680796784" sldId="263"/>
+            <ac:picMk id="9" creationId="{0867F9EC-031C-98FF-D1C4-3FC2A83B8FFF}"/>
+          </ac:picMkLst>
+        </pc:picChg>
+        <pc:picChg chg="add mod">
+          <ac:chgData name="טליה סעדה" userId="056dd30a-a99a-408d-81a5-680e044369be" providerId="ADAL" clId="{83EF2845-D27A-424A-8AEB-A54B59012B0A}" dt="2023-01-15T16:22:20.411" v="1446" actId="1076"/>
+          <ac:picMkLst>
+            <pc:docMk/>
+            <pc:sldMk cId="680796784" sldId="263"/>
+            <ac:picMk id="1026" creationId="{D4A0CE24-8E0E-40A0-8D7B-278867C3D17A}"/>
+          </ac:picMkLst>
+        </pc:picChg>
+        <pc:picChg chg="add del mod">
+          <ac:chgData name="טליה סעדה" userId="056dd30a-a99a-408d-81a5-680e044369be" providerId="ADAL" clId="{83EF2845-D27A-424A-8AEB-A54B59012B0A}" dt="2023-01-15T16:22:10.405" v="1445" actId="1076"/>
+          <ac:picMkLst>
+            <pc:docMk/>
+            <pc:sldMk cId="680796784" sldId="263"/>
+            <ac:picMk id="1028" creationId="{12D2F00C-8B43-B7C9-FCAD-AE96195208BF}"/>
+          </ac:picMkLst>
+        </pc:picChg>
+        <pc:picChg chg="add mod">
+          <ac:chgData name="טליה סעדה" userId="056dd30a-a99a-408d-81a5-680e044369be" providerId="ADAL" clId="{83EF2845-D27A-424A-8AEB-A54B59012B0A}" dt="2023-01-15T16:22:20.411" v="1446" actId="1076"/>
+          <ac:picMkLst>
+            <pc:docMk/>
+            <pc:sldMk cId="680796784" sldId="263"/>
+            <ac:picMk id="1030" creationId="{9035E14E-64B8-EF8B-54EE-D053FBDEC789}"/>
+          </ac:picMkLst>
+        </pc:picChg>
+        <pc:picChg chg="add del mod">
+          <ac:chgData name="טליה סעדה" userId="056dd30a-a99a-408d-81a5-680e044369be" providerId="ADAL" clId="{83EF2845-D27A-424A-8AEB-A54B59012B0A}" dt="2023-01-13T10:38:10.610" v="28" actId="21"/>
+          <ac:picMkLst>
+            <pc:docMk/>
+            <pc:sldMk cId="680796784" sldId="263"/>
+            <ac:picMk id="1032" creationId="{8E3DFB74-9EE1-7F99-C159-DF23CAA67737}"/>
+          </ac:picMkLst>
+        </pc:picChg>
+        <pc:picChg chg="add del mod">
+          <ac:chgData name="טליה סעדה" userId="056dd30a-a99a-408d-81a5-680e044369be" providerId="ADAL" clId="{83EF2845-D27A-424A-8AEB-A54B59012B0A}" dt="2023-01-13T10:40:31.654" v="45" actId="21"/>
+          <ac:picMkLst>
+            <pc:docMk/>
+            <pc:sldMk cId="680796784" sldId="263"/>
+            <ac:picMk id="1034" creationId="{20C4812D-93AC-EE7F-1107-72FC07C2B061}"/>
+          </ac:picMkLst>
+        </pc:picChg>
+        <pc:picChg chg="add del mod">
+          <ac:chgData name="טליה סעדה" userId="056dd30a-a99a-408d-81a5-680e044369be" providerId="ADAL" clId="{83EF2845-D27A-424A-8AEB-A54B59012B0A}" dt="2023-01-15T13:34:04.129" v="1197" actId="478"/>
+          <ac:picMkLst>
+            <pc:docMk/>
+            <pc:sldMk cId="680796784" sldId="263"/>
+            <ac:picMk id="1036" creationId="{83A10406-2F9B-CEBB-D09B-B29A37F9FAC7}"/>
+          </ac:picMkLst>
+        </pc:picChg>
+        <pc:picChg chg="add del mod">
+          <ac:chgData name="טליה סעדה" userId="056dd30a-a99a-408d-81a5-680e044369be" providerId="ADAL" clId="{83EF2845-D27A-424A-8AEB-A54B59012B0A}" dt="2023-01-15T14:26:20.236" v="1265" actId="21"/>
+          <ac:picMkLst>
+            <pc:docMk/>
+            <pc:sldMk cId="680796784" sldId="263"/>
+            <ac:picMk id="1038" creationId="{7F8E9229-0B3D-F6A5-9590-A91118081CED}"/>
+          </ac:picMkLst>
+        </pc:picChg>
+        <pc:picChg chg="add del mod">
+          <ac:chgData name="טליה סעדה" userId="056dd30a-a99a-408d-81a5-680e044369be" providerId="ADAL" clId="{83EF2845-D27A-424A-8AEB-A54B59012B0A}" dt="2023-01-15T14:26:20.236" v="1265" actId="21"/>
+          <ac:picMkLst>
+            <pc:docMk/>
+            <pc:sldMk cId="680796784" sldId="263"/>
+            <ac:picMk id="1040" creationId="{6D70405B-0430-EAB1-DB56-51F6D9478CBC}"/>
+          </ac:picMkLst>
+        </pc:picChg>
+      </pc:sldChg>
+      <pc:sldChg chg="addSp delSp modSp new del mod">
+        <pc:chgData name="טליה סעדה" userId="056dd30a-a99a-408d-81a5-680e044369be" providerId="ADAL" clId="{83EF2845-D27A-424A-8AEB-A54B59012B0A}" dt="2023-01-15T14:25:56.413" v="1255" actId="680"/>
+        <pc:sldMkLst>
+          <pc:docMk/>
+          <pc:sldMk cId="596219037" sldId="264"/>
+        </pc:sldMkLst>
+        <pc:spChg chg="add del">
+          <ac:chgData name="טליה סעדה" userId="056dd30a-a99a-408d-81a5-680e044369be" providerId="ADAL" clId="{83EF2845-D27A-424A-8AEB-A54B59012B0A}" dt="2023-01-15T14:25:55.896" v="1254" actId="478"/>
+          <ac:spMkLst>
+            <pc:docMk/>
+            <pc:sldMk cId="596219037" sldId="264"/>
+            <ac:spMk id="2" creationId="{8300CA86-12C4-488D-C561-2A56904BEACC}"/>
+          </ac:spMkLst>
+        </pc:spChg>
+        <pc:spChg chg="add del">
+          <ac:chgData name="טליה סעדה" userId="056dd30a-a99a-408d-81a5-680e044369be" providerId="ADAL" clId="{83EF2845-D27A-424A-8AEB-A54B59012B0A}" dt="2023-01-15T14:25:55.896" v="1254" actId="478"/>
+          <ac:spMkLst>
+            <pc:docMk/>
+            <pc:sldMk cId="596219037" sldId="264"/>
+            <ac:spMk id="3" creationId="{1043318C-15D0-2B99-8686-1A4590CAF6B7}"/>
+          </ac:spMkLst>
+        </pc:spChg>
+        <pc:spChg chg="add del mod">
+          <ac:chgData name="טליה סעדה" userId="056dd30a-a99a-408d-81a5-680e044369be" providerId="ADAL" clId="{83EF2845-D27A-424A-8AEB-A54B59012B0A}" dt="2023-01-15T14:25:55.219" v="1253"/>
+          <ac:spMkLst>
+            <pc:docMk/>
+            <pc:sldMk cId="596219037" sldId="264"/>
+            <ac:spMk id="4" creationId="{97B09077-ED6A-A5C1-8543-2AFED62BAEF3}"/>
+          </ac:spMkLst>
+        </pc:spChg>
+        <pc:picChg chg="add del mod">
+          <ac:chgData name="טליה סעדה" userId="056dd30a-a99a-408d-81a5-680e044369be" providerId="ADAL" clId="{83EF2845-D27A-424A-8AEB-A54B59012B0A}" dt="2023-01-15T14:25:55.219" v="1253"/>
+          <ac:picMkLst>
+            <pc:docMk/>
+            <pc:sldMk cId="596219037" sldId="264"/>
+            <ac:picMk id="5" creationId="{1CD10527-4160-97E1-61E6-B5932D1342BD}"/>
+          </ac:picMkLst>
+        </pc:picChg>
+        <pc:picChg chg="add del mod">
+          <ac:chgData name="טליה סעדה" userId="056dd30a-a99a-408d-81a5-680e044369be" providerId="ADAL" clId="{83EF2845-D27A-424A-8AEB-A54B59012B0A}" dt="2023-01-15T14:25:55.219" v="1253"/>
+          <ac:picMkLst>
+            <pc:docMk/>
+            <pc:sldMk cId="596219037" sldId="264"/>
+            <ac:picMk id="6" creationId="{482940D1-4F85-4AB3-EA0C-435C348A13DA}"/>
+          </ac:picMkLst>
+        </pc:picChg>
+      </pc:sldChg>
+      <pc:sldChg chg="addSp delSp modSp new mod">
+        <pc:chgData name="טליה סעדה" userId="056dd30a-a99a-408d-81a5-680e044369be" providerId="ADAL" clId="{83EF2845-D27A-424A-8AEB-A54B59012B0A}" dt="2023-01-15T17:36:55.104" v="1551" actId="14100"/>
+        <pc:sldMkLst>
+          <pc:docMk/>
+          <pc:sldMk cId="2186742612" sldId="264"/>
+        </pc:sldMkLst>
+        <pc:spChg chg="add del mod">
+          <ac:chgData name="טליה סעדה" userId="056dd30a-a99a-408d-81a5-680e044369be" providerId="ADAL" clId="{83EF2845-D27A-424A-8AEB-A54B59012B0A}" dt="2023-01-15T16:32:13.307" v="1466" actId="21"/>
+          <ac:spMkLst>
+            <pc:docMk/>
+            <pc:sldMk cId="2186742612" sldId="264"/>
+            <ac:spMk id="2" creationId="{7C6D3166-2938-4371-949A-74986790D017}"/>
+          </ac:spMkLst>
+        </pc:spChg>
+        <pc:spChg chg="del">
+          <ac:chgData name="טליה סעדה" userId="056dd30a-a99a-408d-81a5-680e044369be" providerId="ADAL" clId="{83EF2845-D27A-424A-8AEB-A54B59012B0A}" dt="2023-01-15T14:26:15.604" v="1264" actId="478"/>
+          <ac:spMkLst>
+            <pc:docMk/>
+            <pc:sldMk cId="2186742612" sldId="264"/>
+            <ac:spMk id="2" creationId="{CA9ED9AB-88AC-18B7-E2B2-61411D7026E1}"/>
+          </ac:spMkLst>
+        </pc:spChg>
+        <pc:spChg chg="del">
+          <ac:chgData name="טליה סעדה" userId="056dd30a-a99a-408d-81a5-680e044369be" providerId="ADAL" clId="{83EF2845-D27A-424A-8AEB-A54B59012B0A}" dt="2023-01-15T14:26:15.604" v="1264" actId="478"/>
+          <ac:spMkLst>
+            <pc:docMk/>
+            <pc:sldMk cId="2186742612" sldId="264"/>
+            <ac:spMk id="3" creationId="{0C96657B-00CC-488C-B4F6-40EB67DFD249}"/>
+          </ac:spMkLst>
+        </pc:spChg>
+        <pc:spChg chg="add mod">
+          <ac:chgData name="טליה סעדה" userId="056dd30a-a99a-408d-81a5-680e044369be" providerId="ADAL" clId="{83EF2845-D27A-424A-8AEB-A54B59012B0A}" dt="2023-01-15T16:32:47.668" v="1475" actId="1076"/>
+          <ac:spMkLst>
+            <pc:docMk/>
+            <pc:sldMk cId="2186742612" sldId="264"/>
+            <ac:spMk id="3" creationId="{D5761BD9-5890-6926-DF16-F49732631127}"/>
+          </ac:spMkLst>
+        </pc:spChg>
+        <pc:spChg chg="add del mod">
+          <ac:chgData name="טליה סעדה" userId="056dd30a-a99a-408d-81a5-680e044369be" providerId="ADAL" clId="{83EF2845-D27A-424A-8AEB-A54B59012B0A}" dt="2023-01-15T16:31:56.453" v="1460" actId="21"/>
+          <ac:spMkLst>
+            <pc:docMk/>
+            <pc:sldMk cId="2186742612" sldId="264"/>
+            <ac:spMk id="4" creationId="{C94A6A60-9B71-0971-7DE0-1B7AE875DE40}"/>
+          </ac:spMkLst>
+        </pc:spChg>
+        <pc:spChg chg="add mod">
+          <ac:chgData name="טליה סעדה" userId="056dd30a-a99a-408d-81a5-680e044369be" providerId="ADAL" clId="{83EF2845-D27A-424A-8AEB-A54B59012B0A}" dt="2023-01-15T17:30:37.147" v="1533" actId="14100"/>
+          <ac:spMkLst>
+            <pc:docMk/>
+            <pc:sldMk cId="2186742612" sldId="264"/>
+            <ac:spMk id="7" creationId="{705B91A8-DCF3-5CA1-CEEC-E70940D490C1}"/>
+          </ac:spMkLst>
+        </pc:spChg>
+        <pc:spChg chg="add del mod">
+          <ac:chgData name="טליה סעדה" userId="056dd30a-a99a-408d-81a5-680e044369be" providerId="ADAL" clId="{83EF2845-D27A-424A-8AEB-A54B59012B0A}" dt="2023-01-15T16:32:54.926" v="1476" actId="1076"/>
+          <ac:spMkLst>
+            <pc:docMk/>
+            <pc:sldMk cId="2186742612" sldId="264"/>
+            <ac:spMk id="12" creationId="{55F6E419-1FB9-FF77-8CCC-4CFC10D8D626}"/>
+          </ac:spMkLst>
+        </pc:spChg>
+        <pc:spChg chg="add del mod">
+          <ac:chgData name="טליה סעדה" userId="056dd30a-a99a-408d-81a5-680e044369be" providerId="ADAL" clId="{83EF2845-D27A-424A-8AEB-A54B59012B0A}" dt="2023-01-15T16:32:58.250" v="1477" actId="478"/>
+          <ac:spMkLst>
+            <pc:docMk/>
+            <pc:sldMk cId="2186742612" sldId="264"/>
+            <ac:spMk id="15" creationId="{C77D1D74-3F91-15DB-1F63-B36D8072C488}"/>
+          </ac:spMkLst>
+        </pc:spChg>
+        <pc:picChg chg="add del mod">
+          <ac:chgData name="טליה סעדה" userId="056dd30a-a99a-408d-81a5-680e044369be" providerId="ADAL" clId="{83EF2845-D27A-424A-8AEB-A54B59012B0A}" dt="2023-01-15T16:31:56.453" v="1460" actId="21"/>
+          <ac:picMkLst>
+            <pc:docMk/>
+            <pc:sldMk cId="2186742612" sldId="264"/>
+            <ac:picMk id="5" creationId="{178F97A5-8F80-A89E-C1A1-A1FBF0D1B90E}"/>
+          </ac:picMkLst>
+        </pc:picChg>
+        <pc:picChg chg="add del mod">
+          <ac:chgData name="טליה סעדה" userId="056dd30a-a99a-408d-81a5-680e044369be" providerId="ADAL" clId="{83EF2845-D27A-424A-8AEB-A54B59012B0A}" dt="2023-01-15T16:31:56.453" v="1460" actId="21"/>
+          <ac:picMkLst>
+            <pc:docMk/>
+            <pc:sldMk cId="2186742612" sldId="264"/>
+            <ac:picMk id="6" creationId="{10F90E6A-F625-CCE6-12BE-F64505C087FB}"/>
+          </ac:picMkLst>
+        </pc:picChg>
+        <pc:picChg chg="add del mod">
+          <ac:chgData name="טליה סעדה" userId="056dd30a-a99a-408d-81a5-680e044369be" providerId="ADAL" clId="{83EF2845-D27A-424A-8AEB-A54B59012B0A}" dt="2023-01-15T17:35:52.013" v="1541" actId="478"/>
+          <ac:picMkLst>
+            <pc:docMk/>
+            <pc:sldMk cId="2186742612" sldId="264"/>
+            <ac:picMk id="8" creationId="{0DDACEDF-9D49-2B82-F9D0-EF8B82EF647E}"/>
+          </ac:picMkLst>
+        </pc:picChg>
+        <pc:picChg chg="add del mod">
+          <ac:chgData name="טליה סעדה" userId="056dd30a-a99a-408d-81a5-680e044369be" providerId="ADAL" clId="{83EF2845-D27A-424A-8AEB-A54B59012B0A}" dt="2023-01-15T17:36:32.299" v="1547" actId="478"/>
+          <ac:picMkLst>
+            <pc:docMk/>
+            <pc:sldMk cId="2186742612" sldId="264"/>
+            <ac:picMk id="9" creationId="{3380DDB5-937E-2544-D60B-99E434E98AB3}"/>
+          </ac:picMkLst>
+        </pc:picChg>
+        <pc:picChg chg="add del mod">
+          <ac:chgData name="טליה סעדה" userId="056dd30a-a99a-408d-81a5-680e044369be" providerId="ADAL" clId="{83EF2845-D27A-424A-8AEB-A54B59012B0A}" dt="2023-01-15T16:32:54.926" v="1476" actId="1076"/>
+          <ac:picMkLst>
+            <pc:docMk/>
+            <pc:sldMk cId="2186742612" sldId="264"/>
+            <ac:picMk id="10" creationId="{586CE276-AF42-94B4-BD22-29BB41A94E0F}"/>
+          </ac:picMkLst>
+        </pc:picChg>
+        <pc:picChg chg="add del mod">
+          <ac:chgData name="טליה סעדה" userId="056dd30a-a99a-408d-81a5-680e044369be" providerId="ADAL" clId="{83EF2845-D27A-424A-8AEB-A54B59012B0A}" dt="2023-01-15T17:36:55.104" v="1551" actId="14100"/>
+          <ac:picMkLst>
+            <pc:docMk/>
+            <pc:sldMk cId="2186742612" sldId="264"/>
+            <ac:picMk id="11" creationId="{6622DB4B-2006-3DD4-94E0-7E86F4AEDC14}"/>
+          </ac:picMkLst>
+        </pc:picChg>
+        <pc:picChg chg="add del mod">
+          <ac:chgData name="טליה סעדה" userId="056dd30a-a99a-408d-81a5-680e044369be" providerId="ADAL" clId="{83EF2845-D27A-424A-8AEB-A54B59012B0A}" dt="2023-01-15T16:32:58.250" v="1477" actId="478"/>
+          <ac:picMkLst>
+            <pc:docMk/>
+            <pc:sldMk cId="2186742612" sldId="264"/>
+            <ac:picMk id="13" creationId="{D64AF5D3-AF0B-6421-9AAE-D76D5EF668C4}"/>
+          </ac:picMkLst>
+        </pc:picChg>
+        <pc:picChg chg="add del mod">
+          <ac:chgData name="טליה סעדה" userId="056dd30a-a99a-408d-81a5-680e044369be" providerId="ADAL" clId="{83EF2845-D27A-424A-8AEB-A54B59012B0A}" dt="2023-01-15T16:32:58.250" v="1477" actId="478"/>
+          <ac:picMkLst>
+            <pc:docMk/>
+            <pc:sldMk cId="2186742612" sldId="264"/>
+            <ac:picMk id="14" creationId="{5B043D9C-43B0-76CC-A3F3-E0E6B2ACB27C}"/>
+          </ac:picMkLst>
+        </pc:picChg>
+        <pc:picChg chg="add del mod">
+          <ac:chgData name="טליה סעדה" userId="056dd30a-a99a-408d-81a5-680e044369be" providerId="ADAL" clId="{83EF2845-D27A-424A-8AEB-A54B59012B0A}" dt="2023-01-15T16:32:13.307" v="1466" actId="21"/>
+          <ac:picMkLst>
+            <pc:docMk/>
+            <pc:sldMk cId="2186742612" sldId="264"/>
+            <ac:picMk id="1026" creationId="{FAEEE3E7-D9D6-9268-5253-1D20DBB2597E}"/>
+          </ac:picMkLst>
+        </pc:picChg>
+        <pc:picChg chg="add del mod">
+          <ac:chgData name="טליה סעדה" userId="056dd30a-a99a-408d-81a5-680e044369be" providerId="ADAL" clId="{83EF2845-D27A-424A-8AEB-A54B59012B0A}" dt="2023-01-15T16:32:13.307" v="1466" actId="21"/>
+          <ac:picMkLst>
+            <pc:docMk/>
+            <pc:sldMk cId="2186742612" sldId="264"/>
+            <ac:picMk id="1028" creationId="{8828418E-6D89-37C7-518E-D4A6DDCF7492}"/>
+          </ac:picMkLst>
+        </pc:picChg>
+        <pc:picChg chg="add mod">
+          <ac:chgData name="טליה סעדה" userId="056dd30a-a99a-408d-81a5-680e044369be" providerId="ADAL" clId="{83EF2845-D27A-424A-8AEB-A54B59012B0A}" dt="2023-01-15T17:36:49.934" v="1550" actId="14100"/>
+          <ac:picMkLst>
+            <pc:docMk/>
+            <pc:sldMk cId="2186742612" sldId="264"/>
+            <ac:picMk id="1030" creationId="{F67B69C7-010F-E46E-2736-C491CABD2040}"/>
+          </ac:picMkLst>
+        </pc:picChg>
+        <pc:picChg chg="add mod">
+          <ac:chgData name="טליה סעדה" userId="056dd30a-a99a-408d-81a5-680e044369be" providerId="ADAL" clId="{83EF2845-D27A-424A-8AEB-A54B59012B0A}" dt="2023-01-15T17:36:45.180" v="1549" actId="14100"/>
+          <ac:picMkLst>
+            <pc:docMk/>
+            <pc:sldMk cId="2186742612" sldId="264"/>
+            <ac:picMk id="1032" creationId="{D9C730F4-8C63-3903-852C-91A7EEAF3B2D}"/>
+          </ac:picMkLst>
+        </pc:picChg>
+      </pc:sldChg>
+      <pc:sldChg chg="addSp delSp modSp new mod setBg setClrOvrMap">
+        <pc:chgData name="טליה סעדה" userId="056dd30a-a99a-408d-81a5-680e044369be" providerId="ADAL" clId="{83EF2845-D27A-424A-8AEB-A54B59012B0A}" dt="2023-01-15T17:24:49.140" v="1504" actId="1076"/>
+        <pc:sldMkLst>
+          <pc:docMk/>
+          <pc:sldMk cId="1345553927" sldId="265"/>
+        </pc:sldMkLst>
+        <pc:spChg chg="del">
+          <ac:chgData name="טליה סעדה" userId="056dd30a-a99a-408d-81a5-680e044369be" providerId="ADAL" clId="{83EF2845-D27A-424A-8AEB-A54B59012B0A}" dt="2023-01-15T15:07:46.187" v="1326" actId="478"/>
+          <ac:spMkLst>
+            <pc:docMk/>
+            <pc:sldMk cId="1345553927" sldId="265"/>
+            <ac:spMk id="2" creationId="{023175B3-2FD3-BC5E-EB01-4A8C3C16D6EE}"/>
+          </ac:spMkLst>
+        </pc:spChg>
+        <pc:spChg chg="add del mod">
+          <ac:chgData name="טליה סעדה" userId="056dd30a-a99a-408d-81a5-680e044369be" providerId="ADAL" clId="{83EF2845-D27A-424A-8AEB-A54B59012B0A}" dt="2023-01-15T15:22:00.160" v="1362"/>
+          <ac:spMkLst>
+            <pc:docMk/>
+            <pc:sldMk cId="1345553927" sldId="265"/>
+            <ac:spMk id="2" creationId="{FC183955-6FEB-20DC-5F88-826DD87FE5DC}"/>
+          </ac:spMkLst>
+        </pc:spChg>
+        <pc:spChg chg="del">
+          <ac:chgData name="טליה סעדה" userId="056dd30a-a99a-408d-81a5-680e044369be" providerId="ADAL" clId="{83EF2845-D27A-424A-8AEB-A54B59012B0A}" dt="2023-01-15T15:07:46.187" v="1326" actId="478"/>
+          <ac:spMkLst>
+            <pc:docMk/>
+            <pc:sldMk cId="1345553927" sldId="265"/>
+            <ac:spMk id="3" creationId="{064CC272-1B7D-1D30-D4B2-042A972FB33C}"/>
+          </ac:spMkLst>
+        </pc:spChg>
+        <pc:spChg chg="add mod ord">
+          <ac:chgData name="טליה סעדה" userId="056dd30a-a99a-408d-81a5-680e044369be" providerId="ADAL" clId="{83EF2845-D27A-424A-8AEB-A54B59012B0A}" dt="2023-01-15T17:23:52.848" v="1494" actId="26606"/>
+          <ac:spMkLst>
+            <pc:docMk/>
+            <pc:sldMk cId="1345553927" sldId="265"/>
+            <ac:spMk id="3" creationId="{4F92A312-9CF0-468A-D2CB-2176B404B89F}"/>
+          </ac:spMkLst>
+        </pc:spChg>
+        <pc:spChg chg="add mod">
+          <ac:chgData name="טליה סעדה" userId="056dd30a-a99a-408d-81a5-680e044369be" providerId="ADAL" clId="{83EF2845-D27A-424A-8AEB-A54B59012B0A}" dt="2023-01-15T17:24:33.390" v="1503" actId="26606"/>
+          <ac:spMkLst>
+            <pc:docMk/>
+            <pc:sldMk cId="1345553927" sldId="265"/>
+            <ac:spMk id="4" creationId="{2585FD62-BECE-AEB5-42BC-97A71395F6BC}"/>
+          </ac:spMkLst>
+        </pc:spChg>
+        <pc:spChg chg="add del mod">
+          <ac:chgData name="טליה סעדה" userId="056dd30a-a99a-408d-81a5-680e044369be" providerId="ADAL" clId="{83EF2845-D27A-424A-8AEB-A54B59012B0A}" dt="2023-01-15T15:22:20.015" v="1368"/>
+          <ac:spMkLst>
+            <pc:docMk/>
+            <pc:sldMk cId="1345553927" sldId="265"/>
+            <ac:spMk id="5" creationId="{780D0C32-28D2-E49B-D2AD-723CB2B041A4}"/>
+          </ac:spMkLst>
+        </pc:spChg>
+        <pc:spChg chg="add del mod">
+          <ac:chgData name="טליה סעדה" userId="056dd30a-a99a-408d-81a5-680e044369be" providerId="ADAL" clId="{83EF2845-D27A-424A-8AEB-A54B59012B0A}" dt="2023-01-15T17:24:33.390" v="1503" actId="26606"/>
+          <ac:spMkLst>
+            <pc:docMk/>
+            <pc:sldMk cId="1345553927" sldId="265"/>
+            <ac:spMk id="7" creationId="{2DCDE504-A267-D140-48C6-F99627BF511B}"/>
+          </ac:spMkLst>
+        </pc:spChg>
+        <pc:spChg chg="add del">
+          <ac:chgData name="טליה סעדה" userId="056dd30a-a99a-408d-81a5-680e044369be" providerId="ADAL" clId="{83EF2845-D27A-424A-8AEB-A54B59012B0A}" dt="2023-01-15T17:23:52.848" v="1494" actId="26606"/>
+          <ac:spMkLst>
+            <pc:docMk/>
+            <pc:sldMk cId="1345553927" sldId="265"/>
+            <ac:spMk id="12" creationId="{E978A47D-4F17-40FE-AB70-7AF78A9575EB}"/>
+          </ac:spMkLst>
+        </pc:spChg>
+        <pc:spChg chg="add del">
+          <ac:chgData name="טליה סעדה" userId="056dd30a-a99a-408d-81a5-680e044369be" providerId="ADAL" clId="{83EF2845-D27A-424A-8AEB-A54B59012B0A}" dt="2023-01-15T17:24:33.352" v="1502" actId="26606"/>
+          <ac:spMkLst>
+            <pc:docMk/>
+            <pc:sldMk cId="1345553927" sldId="265"/>
+            <ac:spMk id="42" creationId="{6D29BE04-4454-4832-B83F-10D001BFF94D}"/>
+          </ac:spMkLst>
+        </pc:spChg>
+        <pc:spChg chg="add del">
+          <ac:chgData name="טליה סעדה" userId="056dd30a-a99a-408d-81a5-680e044369be" providerId="ADAL" clId="{83EF2845-D27A-424A-8AEB-A54B59012B0A}" dt="2023-01-15T17:24:11.791" v="1500" actId="26606"/>
+          <ac:spMkLst>
+            <pc:docMk/>
+            <pc:sldMk cId="1345553927" sldId="265"/>
+            <ac:spMk id="46" creationId="{B53044DC-4918-43DA-B49D-91673C6C9485}"/>
+          </ac:spMkLst>
+        </pc:spChg>
+        <pc:spChg chg="add del">
+          <ac:chgData name="טליה סעדה" userId="056dd30a-a99a-408d-81a5-680e044369be" providerId="ADAL" clId="{83EF2845-D27A-424A-8AEB-A54B59012B0A}" dt="2023-01-15T17:23:57.416" v="1496" actId="26606"/>
+          <ac:spMkLst>
+            <pc:docMk/>
+            <pc:sldMk cId="1345553927" sldId="265"/>
+            <ac:spMk id="76" creationId="{2EEF4763-EB4A-4A35-89EB-AD2763B48C3B}"/>
+          </ac:spMkLst>
+        </pc:spChg>
+        <pc:spChg chg="add del">
+          <ac:chgData name="טליה סעדה" userId="056dd30a-a99a-408d-81a5-680e044369be" providerId="ADAL" clId="{83EF2845-D27A-424A-8AEB-A54B59012B0A}" dt="2023-01-15T17:24:07.713" v="1498" actId="26606"/>
+          <ac:spMkLst>
+            <pc:docMk/>
+            <pc:sldMk cId="1345553927" sldId="265"/>
+            <ac:spMk id="79" creationId="{6BFC9644-673A-459F-B3C5-9310A4E50E3B}"/>
+          </ac:spMkLst>
+        </pc:spChg>
+        <pc:spChg chg="add del">
+          <ac:chgData name="טליה סעדה" userId="056dd30a-a99a-408d-81a5-680e044369be" providerId="ADAL" clId="{83EF2845-D27A-424A-8AEB-A54B59012B0A}" dt="2023-01-15T17:24:07.713" v="1498" actId="26606"/>
+          <ac:spMkLst>
+            <pc:docMk/>
+            <pc:sldMk cId="1345553927" sldId="265"/>
+            <ac:spMk id="81" creationId="{7D1C411D-0818-4640-8657-2AF78250C802}"/>
+          </ac:spMkLst>
+        </pc:spChg>
+        <pc:spChg chg="add del">
+          <ac:chgData name="טליה סעדה" userId="056dd30a-a99a-408d-81a5-680e044369be" providerId="ADAL" clId="{83EF2845-D27A-424A-8AEB-A54B59012B0A}" dt="2023-01-15T17:24:07.713" v="1498" actId="26606"/>
+          <ac:spMkLst>
+            <pc:docMk/>
+            <pc:sldMk cId="1345553927" sldId="265"/>
+            <ac:spMk id="82" creationId="{2DCDE504-A267-D140-48C6-F99627BF511B}"/>
+          </ac:spMkLst>
+        </pc:spChg>
+        <pc:spChg chg="add del">
+          <ac:chgData name="טליה סעדה" userId="056dd30a-a99a-408d-81a5-680e044369be" providerId="ADAL" clId="{83EF2845-D27A-424A-8AEB-A54B59012B0A}" dt="2023-01-15T17:24:11.791" v="1500" actId="26606"/>
+          <ac:spMkLst>
+            <pc:docMk/>
+            <pc:sldMk cId="1345553927" sldId="265"/>
+            <ac:spMk id="84" creationId="{54B9C16B-AC4A-44ED-9075-F76549B46E7C}"/>
+          </ac:spMkLst>
+        </pc:spChg>
+        <pc:spChg chg="add del">
+          <ac:chgData name="טליה סעדה" userId="056dd30a-a99a-408d-81a5-680e044369be" providerId="ADAL" clId="{83EF2845-D27A-424A-8AEB-A54B59012B0A}" dt="2023-01-15T17:24:33.352" v="1502" actId="26606"/>
+          <ac:spMkLst>
+            <pc:docMk/>
+            <pc:sldMk cId="1345553927" sldId="265"/>
+            <ac:spMk id="90" creationId="{CC892AB0-7D6D-4FC9-9105-0CB427161889}"/>
+          </ac:spMkLst>
+        </pc:spChg>
+        <pc:spChg chg="add del">
+          <ac:chgData name="טליה סעדה" userId="056dd30a-a99a-408d-81a5-680e044369be" providerId="ADAL" clId="{83EF2845-D27A-424A-8AEB-A54B59012B0A}" dt="2023-01-15T17:24:33.352" v="1502" actId="26606"/>
+          <ac:spMkLst>
+            <pc:docMk/>
+            <pc:sldMk cId="1345553927" sldId="265"/>
+            <ac:spMk id="94" creationId="{98714CE9-3C2C-48E1-8B8F-CFB7735C43D7}"/>
+          </ac:spMkLst>
+        </pc:spChg>
+        <pc:spChg chg="add del">
+          <ac:chgData name="טליה סעדה" userId="056dd30a-a99a-408d-81a5-680e044369be" providerId="ADAL" clId="{83EF2845-D27A-424A-8AEB-A54B59012B0A}" dt="2023-01-15T17:24:33.352" v="1502" actId="26606"/>
+          <ac:spMkLst>
+            <pc:docMk/>
+            <pc:sldMk cId="1345553927" sldId="265"/>
+            <ac:spMk id="95" creationId="{2DCDE504-A267-D140-48C6-F99627BF511B}"/>
+          </ac:spMkLst>
+        </pc:spChg>
+        <pc:spChg chg="add">
+          <ac:chgData name="טליה סעדה" userId="056dd30a-a99a-408d-81a5-680e044369be" providerId="ADAL" clId="{83EF2845-D27A-424A-8AEB-A54B59012B0A}" dt="2023-01-15T17:24:33.390" v="1503" actId="26606"/>
+          <ac:spMkLst>
+            <pc:docMk/>
+            <pc:sldMk cId="1345553927" sldId="265"/>
+            <ac:spMk id="97" creationId="{6BFC9644-673A-459F-B3C5-9310A4E50E3B}"/>
+          </ac:spMkLst>
+        </pc:spChg>
+        <pc:spChg chg="add">
+          <ac:chgData name="טליה סעדה" userId="056dd30a-a99a-408d-81a5-680e044369be" providerId="ADAL" clId="{83EF2845-D27A-424A-8AEB-A54B59012B0A}" dt="2023-01-15T17:24:33.390" v="1503" actId="26606"/>
+          <ac:spMkLst>
+            <pc:docMk/>
+            <pc:sldMk cId="1345553927" sldId="265"/>
+            <ac:spMk id="104" creationId="{7D1C411D-0818-4640-8657-2AF78250C802}"/>
+          </ac:spMkLst>
+        </pc:spChg>
+        <pc:spChg chg="add mod">
+          <ac:chgData name="טליה סעדה" userId="056dd30a-a99a-408d-81a5-680e044369be" providerId="ADAL" clId="{83EF2845-D27A-424A-8AEB-A54B59012B0A}" dt="2023-01-15T17:24:49.140" v="1504" actId="1076"/>
+          <ac:spMkLst>
+            <pc:docMk/>
+            <pc:sldMk cId="1345553927" sldId="265"/>
+            <ac:spMk id="105" creationId="{2DCDE504-A267-D140-48C6-F99627BF511B}"/>
+          </ac:spMkLst>
+        </pc:spChg>
+        <pc:grpChg chg="add del">
+          <ac:chgData name="טליה סעדה" userId="056dd30a-a99a-408d-81a5-680e044369be" providerId="ADAL" clId="{83EF2845-D27A-424A-8AEB-A54B59012B0A}" dt="2023-01-15T17:23:46.817" v="1492" actId="26606"/>
+          <ac:grpSpMkLst>
+            <pc:docMk/>
+            <pc:sldMk cId="1345553927" sldId="265"/>
+            <ac:grpSpMk id="13" creationId="{9AE4726C-1831-4FE3-9A11-227F0DC2F0BC}"/>
+          </ac:grpSpMkLst>
+        </pc:grpChg>
+        <pc:grpChg chg="add del">
+          <ac:chgData name="טליה סעדה" userId="056dd30a-a99a-408d-81a5-680e044369be" providerId="ADAL" clId="{83EF2845-D27A-424A-8AEB-A54B59012B0A}" dt="2023-01-15T17:24:07.713" v="1498" actId="26606"/>
+          <ac:grpSpMkLst>
+            <pc:docMk/>
+            <pc:sldMk cId="1345553927" sldId="265"/>
+            <ac:grpSpMk id="14" creationId="{4ADB9295-9645-4BF2-ADFD-75800B7FAD06}"/>
+          </ac:grpSpMkLst>
+        </pc:grpChg>
+        <pc:grpChg chg="add del">
+          <ac:chgData name="טליה סעדה" userId="056dd30a-a99a-408d-81a5-680e044369be" providerId="ADAL" clId="{83EF2845-D27A-424A-8AEB-A54B59012B0A}" dt="2023-01-15T17:24:11.791" v="1500" actId="26606"/>
+          <ac:grpSpMkLst>
+            <pc:docMk/>
+            <pc:sldMk cId="1345553927" sldId="265"/>
+            <ac:grpSpMk id="15" creationId="{62A2FEB6-F419-4684-9ABC-9E32E012E8B7}"/>
+          </ac:grpSpMkLst>
+        </pc:grpChg>
+        <pc:grpChg chg="add del">
+          <ac:chgData name="טליה סעדה" userId="056dd30a-a99a-408d-81a5-680e044369be" providerId="ADAL" clId="{83EF2845-D27A-424A-8AEB-A54B59012B0A}" dt="2023-01-15T17:23:46.817" v="1492" actId="26606"/>
+          <ac:grpSpMkLst>
+            <pc:docMk/>
+            <pc:sldMk cId="1345553927" sldId="265"/>
+            <ac:grpSpMk id="17" creationId="{E916825F-759B-4F1A-BA80-AF7137691EC5}"/>
+          </ac:grpSpMkLst>
+        </pc:grpChg>
+        <pc:grpChg chg="add del">
+          <ac:chgData name="טליה סעדה" userId="056dd30a-a99a-408d-81a5-680e044369be" providerId="ADAL" clId="{83EF2845-D27A-424A-8AEB-A54B59012B0A}" dt="2023-01-15T17:24:33.352" v="1502" actId="26606"/>
+          <ac:grpSpMkLst>
+            <pc:docMk/>
+            <pc:sldMk cId="1345553927" sldId="265"/>
+            <ac:grpSpMk id="22" creationId="{0328E69E-CE3D-4110-8BF7-AD3C0C10CB1C}"/>
+          </ac:grpSpMkLst>
+        </pc:grpChg>
+        <pc:grpChg chg="add del">
+          <ac:chgData name="טליה סעדה" userId="056dd30a-a99a-408d-81a5-680e044369be" providerId="ADAL" clId="{83EF2845-D27A-424A-8AEB-A54B59012B0A}" dt="2023-01-15T17:24:33.352" v="1502" actId="26606"/>
+          <ac:grpSpMkLst>
+            <pc:docMk/>
+            <pc:sldMk cId="1345553927" sldId="265"/>
+            <ac:grpSpMk id="28" creationId="{F64806C9-3599-45A7-BCFF-F762C54276F8}"/>
+          </ac:grpSpMkLst>
+        </pc:grpChg>
+        <pc:grpChg chg="add del">
+          <ac:chgData name="טליה סעדה" userId="056dd30a-a99a-408d-81a5-680e044369be" providerId="ADAL" clId="{83EF2845-D27A-424A-8AEB-A54B59012B0A}" dt="2023-01-15T17:24:33.352" v="1502" actId="26606"/>
+          <ac:grpSpMkLst>
+            <pc:docMk/>
+            <pc:sldMk cId="1345553927" sldId="265"/>
+            <ac:grpSpMk id="34" creationId="{1287AC97-A8E8-4B45-A50A-3057A88B4088}"/>
+          </ac:grpSpMkLst>
+        </pc:grpChg>
+        <pc:grpChg chg="add del">
+          <ac:chgData name="טליה סעדה" userId="056dd30a-a99a-408d-81a5-680e044369be" providerId="ADAL" clId="{83EF2845-D27A-424A-8AEB-A54B59012B0A}" dt="2023-01-15T17:23:52.848" v="1494" actId="26606"/>
+          <ac:grpSpMkLst>
+            <pc:docMk/>
+            <pc:sldMk cId="1345553927" sldId="265"/>
+            <ac:grpSpMk id="45" creationId="{F4E035BE-9FF4-43D3-BC25-CF582D7FF85E}"/>
+          </ac:grpSpMkLst>
+        </pc:grpChg>
+        <pc:grpChg chg="add del">
+          <ac:chgData name="טליה סעדה" userId="056dd30a-a99a-408d-81a5-680e044369be" providerId="ADAL" clId="{83EF2845-D27A-424A-8AEB-A54B59012B0A}" dt="2023-01-15T17:24:11.791" v="1500" actId="26606"/>
+          <ac:grpSpMkLst>
+            <pc:docMk/>
+            <pc:sldMk cId="1345553927" sldId="265"/>
+            <ac:grpSpMk id="48" creationId="{1DCE6B36-1420-43AB-86CF-4E653A517B9C}"/>
+          </ac:grpSpMkLst>
+        </pc:grpChg>
+        <pc:grpChg chg="add del">
+          <ac:chgData name="טליה סעדה" userId="056dd30a-a99a-408d-81a5-680e044369be" providerId="ADAL" clId="{83EF2845-D27A-424A-8AEB-A54B59012B0A}" dt="2023-01-15T17:23:52.848" v="1494" actId="26606"/>
+          <ac:grpSpMkLst>
+            <pc:docMk/>
+            <pc:sldMk cId="1345553927" sldId="265"/>
+            <ac:grpSpMk id="73" creationId="{85BE3A7E-6A3F-401E-A025-BBB8FDB8DD30}"/>
+          </ac:grpSpMkLst>
+        </pc:grpChg>
+        <pc:grpChg chg="add del">
+          <ac:chgData name="טליה סעדה" userId="056dd30a-a99a-408d-81a5-680e044369be" providerId="ADAL" clId="{83EF2845-D27A-424A-8AEB-A54B59012B0A}" dt="2023-01-15T17:24:33.352" v="1502" actId="26606"/>
+          <ac:grpSpMkLst>
+            <pc:docMk/>
+            <pc:sldMk cId="1345553927" sldId="265"/>
+            <ac:grpSpMk id="91" creationId="{807353E4-FA19-40CB-8AF8-3A8E6704BE09}"/>
+          </ac:grpSpMkLst>
+        </pc:grpChg>
+        <pc:grpChg chg="add">
+          <ac:chgData name="טליה סעדה" userId="056dd30a-a99a-408d-81a5-680e044369be" providerId="ADAL" clId="{83EF2845-D27A-424A-8AEB-A54B59012B0A}" dt="2023-01-15T17:24:33.390" v="1503" actId="26606"/>
+          <ac:grpSpMkLst>
+            <pc:docMk/>
+            <pc:sldMk cId="1345553927" sldId="265"/>
+            <ac:grpSpMk id="98" creationId="{4ADB9295-9645-4BF2-ADFD-75800B7FAD06}"/>
+          </ac:grpSpMkLst>
+        </pc:grpChg>
+        <pc:graphicFrameChg chg="add del">
+          <ac:chgData name="טליה סעדה" userId="056dd30a-a99a-408d-81a5-680e044369be" providerId="ADAL" clId="{83EF2845-D27A-424A-8AEB-A54B59012B0A}" dt="2023-01-15T17:23:57.416" v="1496" actId="26606"/>
+          <ac:graphicFrameMkLst>
+            <pc:docMk/>
+            <pc:sldMk cId="1345553927" sldId="265"/>
+            <ac:graphicFrameMk id="77" creationId="{E1794C37-9D8B-1F1A-C6A3-D8AC22E3ABC0}"/>
+          </ac:graphicFrameMkLst>
+        </pc:graphicFrameChg>
+        <pc:graphicFrameChg chg="add del">
+          <ac:chgData name="טליה סעדה" userId="056dd30a-a99a-408d-81a5-680e044369be" providerId="ADAL" clId="{83EF2845-D27A-424A-8AEB-A54B59012B0A}" dt="2023-01-15T17:24:11.791" v="1500" actId="26606"/>
+          <ac:graphicFrameMkLst>
+            <pc:docMk/>
+            <pc:sldMk cId="1345553927" sldId="265"/>
+            <ac:graphicFrameMk id="88" creationId="{FDB744EA-DF81-91B3-3C59-EF0414AF2FBB}"/>
+          </ac:graphicFrameMkLst>
+        </pc:graphicFrameChg>
+        <pc:picChg chg="add del">
+          <ac:chgData name="טליה סעדה" userId="056dd30a-a99a-408d-81a5-680e044369be" providerId="ADAL" clId="{83EF2845-D27A-424A-8AEB-A54B59012B0A}" dt="2023-01-15T17:23:46.817" v="1492" actId="26606"/>
+          <ac:picMkLst>
+            <pc:docMk/>
+            <pc:sldMk cId="1345553927" sldId="265"/>
+            <ac:picMk id="9" creationId="{FD6DBECE-021C-4844-AF27-A546925DF701}"/>
+          </ac:picMkLst>
+        </pc:picChg>
+        <pc:picChg chg="add del">
+          <ac:chgData name="טליה סעדה" userId="056dd30a-a99a-408d-81a5-680e044369be" providerId="ADAL" clId="{83EF2845-D27A-424A-8AEB-A54B59012B0A}" dt="2023-01-15T17:24:11.791" v="1500" actId="26606"/>
+          <ac:picMkLst>
+            <pc:docMk/>
+            <pc:sldMk cId="1345553927" sldId="265"/>
+            <ac:picMk id="44" creationId="{3E94A106-9341-485C-9057-9D62B2BD083F}"/>
+          </ac:picMkLst>
+        </pc:picChg>
+        <pc:picChg chg="add del">
+          <ac:chgData name="טליה סעדה" userId="056dd30a-a99a-408d-81a5-680e044369be" providerId="ADAL" clId="{83EF2845-D27A-424A-8AEB-A54B59012B0A}" dt="2023-01-15T17:24:11.791" v="1500" actId="26606"/>
+          <ac:picMkLst>
+            <pc:docMk/>
+            <pc:sldMk cId="1345553927" sldId="265"/>
+            <ac:picMk id="87" creationId="{9BE36DBF-0333-4D36-A5BF-81FDA2406FE9}"/>
+          </ac:picMkLst>
+        </pc:picChg>
+        <pc:cxnChg chg="add del">
+          <ac:chgData name="טליה סעדה" userId="056dd30a-a99a-408d-81a5-680e044369be" providerId="ADAL" clId="{83EF2845-D27A-424A-8AEB-A54B59012B0A}" dt="2023-01-15T17:23:52.848" v="1494" actId="26606"/>
+          <ac:cxnSpMkLst>
+            <pc:docMk/>
+            <pc:sldMk cId="1345553927" sldId="265"/>
+            <ac:cxnSpMk id="43" creationId="{085ECEC0-FF5D-4348-92C7-1EA7C61E770C}"/>
+          </ac:cxnSpMkLst>
+        </pc:cxnChg>
+      </pc:sldChg>
+    </pc:docChg>
+  </pc:docChgLst>
+</pc:chgInfo>
 </file>
 
 <file path=ppt/diagrams/colors1.xml><?xml version="1.0" encoding="utf-8"?>
@@ -979,7 +2009,7 @@
         <a:p>
           <a:r>
             <a:rPr lang="en-US" dirty="0"/>
-            <a:t>Preprocessing the data: normalizing, cross correlation and balancing</a:t>
+            <a:t>Preprocessing the data: normalizing and balancing</a:t>
           </a:r>
           <a:endParaRPr lang="en-IL" dirty="0"/>
         </a:p>
@@ -1486,7 +2516,7 @@
           </a:pPr>
           <a:r>
             <a:rPr lang="en-US" sz="2300" kern="1200" dirty="0"/>
-            <a:t>Preprocessing the data: normalizing, cross correlation and balancing</a:t>
+            <a:t>Preprocessing the data: normalizing and balancing</a:t>
           </a:r>
           <a:endParaRPr lang="en-IL" sz="2300" kern="1200" dirty="0"/>
         </a:p>
@@ -8639,7 +9669,7 @@
           <a:p>
             <a:fld id="{1705C0F0-5913-482F-9704-1EE51FB65537}" type="datetimeFigureOut">
               <a:rPr lang="en-IL" smtClean="0"/>
-              <a:t>01/10/2023</a:t>
+              <a:t>01/15/2023</a:t>
             </a:fld>
             <a:endParaRPr lang="en-IL"/>
           </a:p>
@@ -8906,7 +9936,7 @@
           <a:p>
             <a:fld id="{1705C0F0-5913-482F-9704-1EE51FB65537}" type="datetimeFigureOut">
               <a:rPr lang="en-IL" smtClean="0"/>
-              <a:t>01/10/2023</a:t>
+              <a:t>01/15/2023</a:t>
             </a:fld>
             <a:endParaRPr lang="en-IL"/>
           </a:p>
@@ -9102,7 +10132,7 @@
           <a:p>
             <a:fld id="{1705C0F0-5913-482F-9704-1EE51FB65537}" type="datetimeFigureOut">
               <a:rPr lang="en-IL" smtClean="0"/>
-              <a:t>01/10/2023</a:t>
+              <a:t>01/15/2023</a:t>
             </a:fld>
             <a:endParaRPr lang="en-IL"/>
           </a:p>
@@ -9365,7 +10395,7 @@
           <a:p>
             <a:fld id="{1705C0F0-5913-482F-9704-1EE51FB65537}" type="datetimeFigureOut">
               <a:rPr lang="en-IL" smtClean="0"/>
-              <a:t>01/10/2023</a:t>
+              <a:t>01/15/2023</a:t>
             </a:fld>
             <a:endParaRPr lang="en-IL"/>
           </a:p>
@@ -9799,7 +10829,7 @@
           <a:p>
             <a:fld id="{1705C0F0-5913-482F-9704-1EE51FB65537}" type="datetimeFigureOut">
               <a:rPr lang="en-IL" smtClean="0"/>
-              <a:t>01/10/2023</a:t>
+              <a:t>01/15/2023</a:t>
             </a:fld>
             <a:endParaRPr lang="en-IL"/>
           </a:p>
@@ -10345,7 +11375,7 @@
           <a:p>
             <a:fld id="{1705C0F0-5913-482F-9704-1EE51FB65537}" type="datetimeFigureOut">
               <a:rPr lang="en-IL" smtClean="0"/>
-              <a:t>01/10/2023</a:t>
+              <a:t>01/15/2023</a:t>
             </a:fld>
             <a:endParaRPr lang="en-IL"/>
           </a:p>
@@ -11065,7 +12095,7 @@
           <a:p>
             <a:fld id="{1705C0F0-5913-482F-9704-1EE51FB65537}" type="datetimeFigureOut">
               <a:rPr lang="en-IL" smtClean="0"/>
-              <a:t>01/10/2023</a:t>
+              <a:t>01/15/2023</a:t>
             </a:fld>
             <a:endParaRPr lang="en-IL"/>
           </a:p>
@@ -11235,7 +12265,7 @@
           <a:p>
             <a:fld id="{1705C0F0-5913-482F-9704-1EE51FB65537}" type="datetimeFigureOut">
               <a:rPr lang="en-IL" smtClean="0"/>
-              <a:t>01/10/2023</a:t>
+              <a:t>01/15/2023</a:t>
             </a:fld>
             <a:endParaRPr lang="en-IL"/>
           </a:p>
@@ -11415,7 +12445,7 @@
           <a:p>
             <a:fld id="{1705C0F0-5913-482F-9704-1EE51FB65537}" type="datetimeFigureOut">
               <a:rPr lang="en-IL" smtClean="0"/>
-              <a:t>01/10/2023</a:t>
+              <a:t>01/15/2023</a:t>
             </a:fld>
             <a:endParaRPr lang="en-IL"/>
           </a:p>
@@ -11585,7 +12615,7 @@
           <a:p>
             <a:fld id="{1705C0F0-5913-482F-9704-1EE51FB65537}" type="datetimeFigureOut">
               <a:rPr lang="en-IL" smtClean="0"/>
-              <a:t>01/10/2023</a:t>
+              <a:t>01/15/2023</a:t>
             </a:fld>
             <a:endParaRPr lang="en-IL"/>
           </a:p>
@@ -11835,7 +12865,7 @@
           <a:p>
             <a:fld id="{1705C0F0-5913-482F-9704-1EE51FB65537}" type="datetimeFigureOut">
               <a:rPr lang="en-IL" smtClean="0"/>
-              <a:t>01/10/2023</a:t>
+              <a:t>01/15/2023</a:t>
             </a:fld>
             <a:endParaRPr lang="en-IL"/>
           </a:p>
@@ -12067,7 +13097,7 @@
           <a:p>
             <a:fld id="{1705C0F0-5913-482F-9704-1EE51FB65537}" type="datetimeFigureOut">
               <a:rPr lang="en-IL" smtClean="0"/>
-              <a:t>01/10/2023</a:t>
+              <a:t>01/15/2023</a:t>
             </a:fld>
             <a:endParaRPr lang="en-IL"/>
           </a:p>
@@ -12448,7 +13478,7 @@
           <a:p>
             <a:fld id="{1705C0F0-5913-482F-9704-1EE51FB65537}" type="datetimeFigureOut">
               <a:rPr lang="en-IL" smtClean="0"/>
-              <a:t>01/10/2023</a:t>
+              <a:t>01/15/2023</a:t>
             </a:fld>
             <a:endParaRPr lang="en-IL"/>
           </a:p>
@@ -12566,7 +13596,7 @@
           <a:p>
             <a:fld id="{1705C0F0-5913-482F-9704-1EE51FB65537}" type="datetimeFigureOut">
               <a:rPr lang="en-IL" smtClean="0"/>
-              <a:t>01/10/2023</a:t>
+              <a:t>01/15/2023</a:t>
             </a:fld>
             <a:endParaRPr lang="en-IL"/>
           </a:p>
@@ -12661,7 +13691,7 @@
           <a:p>
             <a:fld id="{1705C0F0-5913-482F-9704-1EE51FB65537}" type="datetimeFigureOut">
               <a:rPr lang="en-IL" smtClean="0"/>
-              <a:t>01/10/2023</a:t>
+              <a:t>01/15/2023</a:t>
             </a:fld>
             <a:endParaRPr lang="en-IL"/>
           </a:p>
@@ -12910,7 +13940,7 @@
           <a:p>
             <a:fld id="{1705C0F0-5913-482F-9704-1EE51FB65537}" type="datetimeFigureOut">
               <a:rPr lang="en-IL" smtClean="0"/>
-              <a:t>01/10/2023</a:t>
+              <a:t>01/15/2023</a:t>
             </a:fld>
             <a:endParaRPr lang="en-IL"/>
           </a:p>
@@ -13190,7 +14220,7 @@
           <a:p>
             <a:fld id="{1705C0F0-5913-482F-9704-1EE51FB65537}" type="datetimeFigureOut">
               <a:rPr lang="en-IL" smtClean="0"/>
-              <a:t>01/10/2023</a:t>
+              <a:t>01/15/2023</a:t>
             </a:fld>
             <a:endParaRPr lang="en-IL"/>
           </a:p>
@@ -16267,7 +17297,7 @@
           <a:p>
             <a:fld id="{1705C0F0-5913-482F-9704-1EE51FB65537}" type="datetimeFigureOut">
               <a:rPr lang="en-IL" smtClean="0"/>
-              <a:t>01/10/2023</a:t>
+              <a:t>01/15/2023</a:t>
             </a:fld>
             <a:endParaRPr lang="en-IL"/>
           </a:p>
@@ -16904,6 +17934,2792 @@
 </p:sld>
 </file>
 
+<file path=ppt/slides/slide10.xml><?xml version="1.0" encoding="utf-8"?>
+<p:sld xmlns:a="http://schemas.openxmlformats.org/drawingml/2006/main" xmlns:r="http://schemas.openxmlformats.org/officeDocument/2006/relationships" xmlns:p="http://schemas.openxmlformats.org/presentationml/2006/main">
+  <p:cSld>
+    <p:bg>
+      <p:bgPr>
+        <a:solidFill>
+          <a:schemeClr val="bg2"/>
+        </a:solidFill>
+        <a:effectLst/>
+      </p:bgPr>
+    </p:bg>
+    <p:spTree>
+      <p:nvGrpSpPr>
+        <p:cNvPr id="1" name=""/>
+        <p:cNvGrpSpPr/>
+        <p:nvPr/>
+      </p:nvGrpSpPr>
+      <p:grpSpPr>
+        <a:xfrm>
+          <a:off x="0" y="0"/>
+          <a:ext cx="0" cy="0"/>
+          <a:chOff x="0" y="0"/>
+          <a:chExt cx="0" cy="0"/>
+        </a:xfrm>
+      </p:grpSpPr>
+      <p:sp>
+        <p:nvSpPr>
+          <p:cNvPr id="97" name="Rectangle 11">
+            <a:extLst>
+              <a:ext uri="{FF2B5EF4-FFF2-40B4-BE49-F238E27FC236}">
+                <a16:creationId xmlns:a16="http://schemas.microsoft.com/office/drawing/2014/main" id="{6BFC9644-673A-459F-B3C5-9310A4E50E3B}"/>
+              </a:ext>
+              <a:ext uri="{C183D7F6-B498-43B3-948B-1728B52AA6E4}">
+                <adec:decorative xmlns:adec="http://schemas.microsoft.com/office/drawing/2017/decorative" val="1"/>
+              </a:ext>
+            </a:extLst>
+          </p:cNvPr>
+          <p:cNvSpPr>
+            <a:spLocks noGrp="1" noRot="1" noChangeAspect="1" noMove="1" noResize="1" noEditPoints="1" noAdjustHandles="1" noChangeArrowheads="1" noChangeShapeType="1" noTextEdit="1"/>
+          </p:cNvSpPr>
+          <p:nvPr>
+            <p:extLst>
+              <p:ext uri="{386F3935-93C4-4BCD-93E2-E3B085C9AB24}">
+                <p16:designElem xmlns:p16="http://schemas.microsoft.com/office/powerpoint/2015/main" val="1"/>
+              </p:ext>
+            </p:extLst>
+          </p:nvPr>
+        </p:nvSpPr>
+        <p:spPr>
+          <a:xfrm>
+            <a:off x="0" y="0"/>
+            <a:ext cx="12192000" cy="6858000"/>
+          </a:xfrm>
+          <a:prstGeom prst="rect">
+            <a:avLst/>
+          </a:prstGeom>
+          <a:solidFill>
+            <a:schemeClr val="bg1">
+              <a:lumMod val="85000"/>
+              <a:lumOff val="15000"/>
+            </a:schemeClr>
+          </a:solidFill>
+          <a:ln>
+            <a:noFill/>
+          </a:ln>
+        </p:spPr>
+        <p:style>
+          <a:lnRef idx="2">
+            <a:schemeClr val="accent1">
+              <a:shade val="50000"/>
+            </a:schemeClr>
+          </a:lnRef>
+          <a:fillRef idx="1">
+            <a:schemeClr val="accent1"/>
+          </a:fillRef>
+          <a:effectRef idx="0">
+            <a:schemeClr val="accent1"/>
+          </a:effectRef>
+          <a:fontRef idx="minor">
+            <a:schemeClr val="lt1"/>
+          </a:fontRef>
+        </p:style>
+        <p:txBody>
+          <a:bodyPr rtlCol="0" anchor="ctr"/>
+          <a:lstStyle/>
+          <a:p>
+            <a:pPr algn="ctr"/>
+            <a:endParaRPr lang="en-US"/>
+          </a:p>
+        </p:txBody>
+      </p:sp>
+      <p:grpSp>
+        <p:nvGrpSpPr>
+          <p:cNvPr id="98" name="Group 13">
+            <a:extLst>
+              <a:ext uri="{FF2B5EF4-FFF2-40B4-BE49-F238E27FC236}">
+                <a16:creationId xmlns:a16="http://schemas.microsoft.com/office/drawing/2014/main" id="{4ADB9295-9645-4BF2-ADFD-75800B7FAD06}"/>
+              </a:ext>
+              <a:ext uri="{C183D7F6-B498-43B3-948B-1728B52AA6E4}">
+                <adec:decorative xmlns:adec="http://schemas.microsoft.com/office/drawing/2017/decorative" val="1"/>
+              </a:ext>
+            </a:extLst>
+          </p:cNvPr>
+          <p:cNvGrpSpPr>
+            <a:grpSpLocks noGrp="1" noUngrp="1" noRot="1" noChangeAspect="1" noMove="1" noResize="1"/>
+          </p:cNvGrpSpPr>
+          <p:nvPr>
+            <p:extLst>
+              <p:ext uri="{386F3935-93C4-4BCD-93E2-E3B085C9AB24}">
+                <p16:designElem xmlns:p16="http://schemas.microsoft.com/office/powerpoint/2015/main" val="1"/>
+              </p:ext>
+            </p:extLst>
+          </p:nvPr>
+        </p:nvGrpSpPr>
+        <p:grpSpPr>
+          <a:xfrm>
+            <a:off x="-14288" y="0"/>
+            <a:ext cx="1220788" cy="6858001"/>
+            <a:chOff x="-14288" y="0"/>
+            <a:chExt cx="1220788" cy="6858001"/>
+          </a:xfrm>
+          <a:solidFill>
+            <a:schemeClr val="bg2">
+              <a:lumMod val="60000"/>
+              <a:lumOff val="40000"/>
+              <a:alpha val="60000"/>
+            </a:schemeClr>
+          </a:solidFill>
+        </p:grpSpPr>
+        <p:sp>
+          <p:nvSpPr>
+            <p:cNvPr id="99" name="Rectangle 5">
+              <a:extLst>
+                <a:ext uri="{FF2B5EF4-FFF2-40B4-BE49-F238E27FC236}">
+                  <a16:creationId xmlns:a16="http://schemas.microsoft.com/office/drawing/2014/main" id="{95B061E9-E435-4E1B-B160-96584A116691}"/>
+                </a:ext>
+                <a:ext uri="{C183D7F6-B498-43B3-948B-1728B52AA6E4}">
+                  <adec:decorative xmlns:adec="http://schemas.microsoft.com/office/drawing/2017/decorative" val="1"/>
+                </a:ext>
+              </a:extLst>
+            </p:cNvPr>
+            <p:cNvSpPr>
+              <a:spLocks noChangeArrowheads="1"/>
+            </p:cNvSpPr>
+            <p:nvPr>
+              <p:extLst>
+                <p:ext uri="{386F3935-93C4-4BCD-93E2-E3B085C9AB24}">
+                  <p16:designElem xmlns:p16="http://schemas.microsoft.com/office/powerpoint/2015/main" val="1"/>
+                </p:ext>
+              </p:extLst>
+            </p:nvPr>
+          </p:nvSpPr>
+          <p:spPr bwMode="auto">
+            <a:xfrm>
+              <a:off x="114300" y="4763"/>
+              <a:ext cx="23813" cy="2181225"/>
+            </a:xfrm>
+            <a:prstGeom prst="rect">
+              <a:avLst/>
+            </a:prstGeom>
+            <a:grpFill/>
+            <a:ln>
+              <a:noFill/>
+            </a:ln>
+            <a:extLst>
+              <a:ext uri="{91240B29-F687-4f45-9708-019B960494DF}">
+                <a14:hiddenLine xmlns="" xmlns:a16="http://schemas.microsoft.com/office/drawing/2014/main" xmlns:p14="http://schemas.microsoft.com/office/powerpoint/2010/main" xmlns:a14="http://schemas.microsoft.com/office/drawing/2010/main" w="9525">
+                  <a:solidFill>
+                    <a:srgbClr val="000000"/>
+                  </a:solidFill>
+                  <a:miter lim="800000"/>
+                  <a:headEnd/>
+                  <a:tailEnd/>
+                </a14:hiddenLine>
+              </a:ext>
+            </a:extLst>
+          </p:spPr>
+        </p:sp>
+        <p:sp>
+          <p:nvSpPr>
+            <p:cNvPr id="16" name="Freeform 6">
+              <a:extLst>
+                <a:ext uri="{FF2B5EF4-FFF2-40B4-BE49-F238E27FC236}">
+                  <a16:creationId xmlns:a16="http://schemas.microsoft.com/office/drawing/2014/main" id="{3CD7972E-7D38-40EE-A80B-E2A848811EDD}"/>
+                </a:ext>
+                <a:ext uri="{C183D7F6-B498-43B3-948B-1728B52AA6E4}">
+                  <adec:decorative xmlns:adec="http://schemas.microsoft.com/office/drawing/2017/decorative" val="1"/>
+                </a:ext>
+              </a:extLst>
+            </p:cNvPr>
+            <p:cNvSpPr>
+              <a:spLocks noEditPoints="1"/>
+            </p:cNvSpPr>
+            <p:nvPr>
+              <p:extLst>
+                <p:ext uri="{386F3935-93C4-4BCD-93E2-E3B085C9AB24}">
+                  <p16:designElem xmlns:p16="http://schemas.microsoft.com/office/powerpoint/2015/main" val="1"/>
+                </p:ext>
+              </p:extLst>
+            </p:nvPr>
+          </p:nvSpPr>
+          <p:spPr bwMode="auto">
+            <a:xfrm>
+              <a:off x="33337" y="2176463"/>
+              <a:ext cx="190500" cy="190500"/>
+            </a:xfrm>
+            <a:custGeom>
+              <a:avLst/>
+              <a:gdLst/>
+              <a:ahLst/>
+              <a:cxnLst/>
+              <a:rect l="0" t="0" r="r" b="b"/>
+              <a:pathLst>
+                <a:path w="40" h="40">
+                  <a:moveTo>
+                    <a:pt x="20" y="40"/>
+                  </a:moveTo>
+                  <a:cubicBezTo>
+                    <a:pt x="9" y="40"/>
+                    <a:pt x="0" y="31"/>
+                    <a:pt x="0" y="20"/>
+                  </a:cubicBezTo>
+                  <a:cubicBezTo>
+                    <a:pt x="0" y="9"/>
+                    <a:pt x="9" y="0"/>
+                    <a:pt x="20" y="0"/>
+                  </a:cubicBezTo>
+                  <a:cubicBezTo>
+                    <a:pt x="31" y="0"/>
+                    <a:pt x="40" y="9"/>
+                    <a:pt x="40" y="20"/>
+                  </a:cubicBezTo>
+                  <a:cubicBezTo>
+                    <a:pt x="40" y="31"/>
+                    <a:pt x="31" y="40"/>
+                    <a:pt x="20" y="40"/>
+                  </a:cubicBezTo>
+                  <a:close/>
+                  <a:moveTo>
+                    <a:pt x="20" y="4"/>
+                  </a:moveTo>
+                  <a:cubicBezTo>
+                    <a:pt x="11" y="4"/>
+                    <a:pt x="4" y="11"/>
+                    <a:pt x="4" y="20"/>
+                  </a:cubicBezTo>
+                  <a:cubicBezTo>
+                    <a:pt x="4" y="29"/>
+                    <a:pt x="11" y="36"/>
+                    <a:pt x="20" y="36"/>
+                  </a:cubicBezTo>
+                  <a:cubicBezTo>
+                    <a:pt x="28" y="36"/>
+                    <a:pt x="36" y="29"/>
+                    <a:pt x="36" y="20"/>
+                  </a:cubicBezTo>
+                  <a:cubicBezTo>
+                    <a:pt x="36" y="11"/>
+                    <a:pt x="28" y="4"/>
+                    <a:pt x="20" y="4"/>
+                  </a:cubicBezTo>
+                  <a:close/>
+                </a:path>
+              </a:pathLst>
+            </a:custGeom>
+            <a:grpFill/>
+            <a:ln>
+              <a:noFill/>
+            </a:ln>
+            <a:extLst>
+              <a:ext uri="{91240B29-F687-4f45-9708-019B960494DF}">
+                <a14:hiddenLine xmlns="" xmlns:a16="http://schemas.microsoft.com/office/drawing/2014/main" xmlns:p14="http://schemas.microsoft.com/office/powerpoint/2010/main" xmlns:a14="http://schemas.microsoft.com/office/drawing/2010/main" w="9525">
+                  <a:solidFill>
+                    <a:srgbClr val="000000"/>
+                  </a:solidFill>
+                  <a:round/>
+                  <a:headEnd/>
+                  <a:tailEnd/>
+                </a14:hiddenLine>
+              </a:ext>
+            </a:extLst>
+          </p:spPr>
+        </p:sp>
+        <p:sp>
+          <p:nvSpPr>
+            <p:cNvPr id="100" name="Freeform 7">
+              <a:extLst>
+                <a:ext uri="{FF2B5EF4-FFF2-40B4-BE49-F238E27FC236}">
+                  <a16:creationId xmlns:a16="http://schemas.microsoft.com/office/drawing/2014/main" id="{524A3B55-746F-419F-8CFF-5F3A4BE14345}"/>
+                </a:ext>
+                <a:ext uri="{C183D7F6-B498-43B3-948B-1728B52AA6E4}">
+                  <adec:decorative xmlns:adec="http://schemas.microsoft.com/office/drawing/2017/decorative" val="1"/>
+                </a:ext>
+              </a:extLst>
+            </p:cNvPr>
+            <p:cNvSpPr>
+              <a:spLocks noEditPoints="1"/>
+            </p:cNvSpPr>
+            <p:nvPr>
+              <p:extLst>
+                <p:ext uri="{386F3935-93C4-4BCD-93E2-E3B085C9AB24}">
+                  <p16:designElem xmlns:p16="http://schemas.microsoft.com/office/powerpoint/2015/main" val="1"/>
+                </p:ext>
+              </p:extLst>
+            </p:nvPr>
+          </p:nvSpPr>
+          <p:spPr bwMode="auto">
+            <a:xfrm>
+              <a:off x="28575" y="4021138"/>
+              <a:ext cx="190500" cy="188913"/>
+            </a:xfrm>
+            <a:custGeom>
+              <a:avLst/>
+              <a:gdLst/>
+              <a:ahLst/>
+              <a:cxnLst/>
+              <a:rect l="0" t="0" r="r" b="b"/>
+              <a:pathLst>
+                <a:path w="40" h="40">
+                  <a:moveTo>
+                    <a:pt x="20" y="40"/>
+                  </a:moveTo>
+                  <a:cubicBezTo>
+                    <a:pt x="9" y="40"/>
+                    <a:pt x="0" y="31"/>
+                    <a:pt x="0" y="20"/>
+                  </a:cubicBezTo>
+                  <a:cubicBezTo>
+                    <a:pt x="0" y="9"/>
+                    <a:pt x="9" y="0"/>
+                    <a:pt x="20" y="0"/>
+                  </a:cubicBezTo>
+                  <a:cubicBezTo>
+                    <a:pt x="31" y="0"/>
+                    <a:pt x="40" y="9"/>
+                    <a:pt x="40" y="20"/>
+                  </a:cubicBezTo>
+                  <a:cubicBezTo>
+                    <a:pt x="40" y="31"/>
+                    <a:pt x="31" y="40"/>
+                    <a:pt x="20" y="40"/>
+                  </a:cubicBezTo>
+                  <a:close/>
+                  <a:moveTo>
+                    <a:pt x="20" y="4"/>
+                  </a:moveTo>
+                  <a:cubicBezTo>
+                    <a:pt x="12" y="4"/>
+                    <a:pt x="4" y="11"/>
+                    <a:pt x="4" y="20"/>
+                  </a:cubicBezTo>
+                  <a:cubicBezTo>
+                    <a:pt x="4" y="29"/>
+                    <a:pt x="12" y="36"/>
+                    <a:pt x="20" y="36"/>
+                  </a:cubicBezTo>
+                  <a:cubicBezTo>
+                    <a:pt x="29" y="36"/>
+                    <a:pt x="36" y="29"/>
+                    <a:pt x="36" y="20"/>
+                  </a:cubicBezTo>
+                  <a:cubicBezTo>
+                    <a:pt x="36" y="11"/>
+                    <a:pt x="29" y="4"/>
+                    <a:pt x="20" y="4"/>
+                  </a:cubicBezTo>
+                  <a:close/>
+                </a:path>
+              </a:pathLst>
+            </a:custGeom>
+            <a:grpFill/>
+            <a:ln>
+              <a:noFill/>
+            </a:ln>
+            <a:extLst>
+              <a:ext uri="{91240B29-F687-4f45-9708-019B960494DF}">
+                <a14:hiddenLine xmlns="" xmlns:a16="http://schemas.microsoft.com/office/drawing/2014/main" xmlns:p14="http://schemas.microsoft.com/office/powerpoint/2010/main" xmlns:a14="http://schemas.microsoft.com/office/drawing/2010/main" w="9525">
+                  <a:solidFill>
+                    <a:srgbClr val="000000"/>
+                  </a:solidFill>
+                  <a:round/>
+                  <a:headEnd/>
+                  <a:tailEnd/>
+                </a14:hiddenLine>
+              </a:ext>
+            </a:extLst>
+          </p:spPr>
+        </p:sp>
+        <p:sp>
+          <p:nvSpPr>
+            <p:cNvPr id="18" name="Freeform 8">
+              <a:extLst>
+                <a:ext uri="{FF2B5EF4-FFF2-40B4-BE49-F238E27FC236}">
+                  <a16:creationId xmlns:a16="http://schemas.microsoft.com/office/drawing/2014/main" id="{9C63219B-AD72-4494-935E-F5C70DB5497C}"/>
+                </a:ext>
+                <a:ext uri="{C183D7F6-B498-43B3-948B-1728B52AA6E4}">
+                  <adec:decorative xmlns:adec="http://schemas.microsoft.com/office/drawing/2017/decorative" val="1"/>
+                </a:ext>
+              </a:extLst>
+            </p:cNvPr>
+            <p:cNvSpPr/>
+            <p:nvPr>
+              <p:extLst>
+                <p:ext uri="{386F3935-93C4-4BCD-93E2-E3B085C9AB24}">
+                  <p16:designElem xmlns:p16="http://schemas.microsoft.com/office/powerpoint/2015/main" val="1"/>
+                </p:ext>
+              </p:extLst>
+            </p:nvPr>
+          </p:nvSpPr>
+          <p:spPr bwMode="auto">
+            <a:xfrm>
+              <a:off x="200025" y="4763"/>
+              <a:ext cx="369888" cy="1811338"/>
+            </a:xfrm>
+            <a:custGeom>
+              <a:avLst/>
+              <a:gdLst/>
+              <a:ahLst/>
+              <a:cxnLst/>
+              <a:rect l="0" t="0" r="r" b="b"/>
+              <a:pathLst>
+                <a:path w="233" h="1141">
+                  <a:moveTo>
+                    <a:pt x="218" y="1141"/>
+                  </a:moveTo>
+                  <a:lnTo>
+                    <a:pt x="0" y="626"/>
+                  </a:lnTo>
+                  <a:lnTo>
+                    <a:pt x="0" y="0"/>
+                  </a:lnTo>
+                  <a:lnTo>
+                    <a:pt x="15" y="0"/>
+                  </a:lnTo>
+                  <a:lnTo>
+                    <a:pt x="15" y="623"/>
+                  </a:lnTo>
+                  <a:lnTo>
+                    <a:pt x="233" y="1135"/>
+                  </a:lnTo>
+                  <a:lnTo>
+                    <a:pt x="218" y="1141"/>
+                  </a:lnTo>
+                  <a:close/>
+                </a:path>
+              </a:pathLst>
+            </a:custGeom>
+            <a:grpFill/>
+            <a:ln>
+              <a:noFill/>
+            </a:ln>
+            <a:extLst>
+              <a:ext uri="{91240B29-F687-4f45-9708-019B960494DF}">
+                <a14:hiddenLine xmlns="" xmlns:a16="http://schemas.microsoft.com/office/drawing/2014/main" xmlns:p14="http://schemas.microsoft.com/office/powerpoint/2010/main" xmlns:a14="http://schemas.microsoft.com/office/drawing/2010/main" w="9525">
+                  <a:solidFill>
+                    <a:srgbClr val="000000"/>
+                  </a:solidFill>
+                  <a:round/>
+                  <a:headEnd/>
+                  <a:tailEnd/>
+                </a14:hiddenLine>
+              </a:ext>
+            </a:extLst>
+          </p:spPr>
+        </p:sp>
+        <p:sp>
+          <p:nvSpPr>
+            <p:cNvPr id="19" name="Freeform 9">
+              <a:extLst>
+                <a:ext uri="{FF2B5EF4-FFF2-40B4-BE49-F238E27FC236}">
+                  <a16:creationId xmlns:a16="http://schemas.microsoft.com/office/drawing/2014/main" id="{15B41FD2-05E2-44E7-8760-09E65D1C6034}"/>
+                </a:ext>
+                <a:ext uri="{C183D7F6-B498-43B3-948B-1728B52AA6E4}">
+                  <adec:decorative xmlns:adec="http://schemas.microsoft.com/office/drawing/2017/decorative" val="1"/>
+                </a:ext>
+              </a:extLst>
+            </p:cNvPr>
+            <p:cNvSpPr>
+              <a:spLocks noEditPoints="1"/>
+            </p:cNvSpPr>
+            <p:nvPr>
+              <p:extLst>
+                <p:ext uri="{386F3935-93C4-4BCD-93E2-E3B085C9AB24}">
+                  <p16:designElem xmlns:p16="http://schemas.microsoft.com/office/powerpoint/2015/main" val="1"/>
+                </p:ext>
+              </p:extLst>
+            </p:nvPr>
+          </p:nvSpPr>
+          <p:spPr bwMode="auto">
+            <a:xfrm>
+              <a:off x="503237" y="1801813"/>
+              <a:ext cx="190500" cy="188913"/>
+            </a:xfrm>
+            <a:custGeom>
+              <a:avLst/>
+              <a:gdLst/>
+              <a:ahLst/>
+              <a:cxnLst/>
+              <a:rect l="0" t="0" r="r" b="b"/>
+              <a:pathLst>
+                <a:path w="40" h="40">
+                  <a:moveTo>
+                    <a:pt x="20" y="40"/>
+                  </a:moveTo>
+                  <a:cubicBezTo>
+                    <a:pt x="9" y="40"/>
+                    <a:pt x="0" y="31"/>
+                    <a:pt x="0" y="20"/>
+                  </a:cubicBezTo>
+                  <a:cubicBezTo>
+                    <a:pt x="0" y="9"/>
+                    <a:pt x="9" y="0"/>
+                    <a:pt x="20" y="0"/>
+                  </a:cubicBezTo>
+                  <a:cubicBezTo>
+                    <a:pt x="33" y="0"/>
+                    <a:pt x="40" y="6"/>
+                    <a:pt x="40" y="20"/>
+                  </a:cubicBezTo>
+                  <a:cubicBezTo>
+                    <a:pt x="40" y="31"/>
+                    <a:pt x="31" y="40"/>
+                    <a:pt x="20" y="40"/>
+                  </a:cubicBezTo>
+                  <a:close/>
+                  <a:moveTo>
+                    <a:pt x="20" y="4"/>
+                  </a:moveTo>
+                  <a:cubicBezTo>
+                    <a:pt x="11" y="4"/>
+                    <a:pt x="4" y="11"/>
+                    <a:pt x="4" y="20"/>
+                  </a:cubicBezTo>
+                  <a:cubicBezTo>
+                    <a:pt x="4" y="29"/>
+                    <a:pt x="11" y="36"/>
+                    <a:pt x="20" y="36"/>
+                  </a:cubicBezTo>
+                  <a:cubicBezTo>
+                    <a:pt x="28" y="36"/>
+                    <a:pt x="36" y="29"/>
+                    <a:pt x="36" y="20"/>
+                  </a:cubicBezTo>
+                  <a:cubicBezTo>
+                    <a:pt x="36" y="9"/>
+                    <a:pt x="31" y="4"/>
+                    <a:pt x="20" y="4"/>
+                  </a:cubicBezTo>
+                  <a:close/>
+                </a:path>
+              </a:pathLst>
+            </a:custGeom>
+            <a:grpFill/>
+            <a:ln>
+              <a:noFill/>
+            </a:ln>
+            <a:extLst>
+              <a:ext uri="{91240B29-F687-4f45-9708-019B960494DF}">
+                <a14:hiddenLine xmlns="" xmlns:a16="http://schemas.microsoft.com/office/drawing/2014/main" xmlns:p14="http://schemas.microsoft.com/office/powerpoint/2010/main" xmlns:a14="http://schemas.microsoft.com/office/drawing/2010/main" w="9525">
+                  <a:solidFill>
+                    <a:srgbClr val="000000"/>
+                  </a:solidFill>
+                  <a:round/>
+                  <a:headEnd/>
+                  <a:tailEnd/>
+                </a14:hiddenLine>
+              </a:ext>
+            </a:extLst>
+          </p:spPr>
+        </p:sp>
+        <p:sp>
+          <p:nvSpPr>
+            <p:cNvPr id="20" name="Freeform 10">
+              <a:extLst>
+                <a:ext uri="{FF2B5EF4-FFF2-40B4-BE49-F238E27FC236}">
+                  <a16:creationId xmlns:a16="http://schemas.microsoft.com/office/drawing/2014/main" id="{FE6D63D0-3347-4EE2-8F65-F1C32168FA22}"/>
+                </a:ext>
+                <a:ext uri="{C183D7F6-B498-43B3-948B-1728B52AA6E4}">
+                  <adec:decorative xmlns:adec="http://schemas.microsoft.com/office/drawing/2017/decorative" val="1"/>
+                </a:ext>
+              </a:extLst>
+            </p:cNvPr>
+            <p:cNvSpPr/>
+            <p:nvPr>
+              <p:extLst>
+                <p:ext uri="{386F3935-93C4-4BCD-93E2-E3B085C9AB24}">
+                  <p16:designElem xmlns:p16="http://schemas.microsoft.com/office/powerpoint/2015/main" val="1"/>
+                </p:ext>
+              </p:extLst>
+            </p:nvPr>
+          </p:nvSpPr>
+          <p:spPr bwMode="auto">
+            <a:xfrm>
+              <a:off x="285750" y="4763"/>
+              <a:ext cx="369888" cy="1430338"/>
+            </a:xfrm>
+            <a:custGeom>
+              <a:avLst/>
+              <a:gdLst/>
+              <a:ahLst/>
+              <a:cxnLst/>
+              <a:rect l="0" t="0" r="r" b="b"/>
+              <a:pathLst>
+                <a:path w="233" h="901">
+                  <a:moveTo>
+                    <a:pt x="221" y="901"/>
+                  </a:moveTo>
+                  <a:lnTo>
+                    <a:pt x="0" y="383"/>
+                  </a:lnTo>
+                  <a:lnTo>
+                    <a:pt x="0" y="0"/>
+                  </a:lnTo>
+                  <a:lnTo>
+                    <a:pt x="18" y="0"/>
+                  </a:lnTo>
+                  <a:lnTo>
+                    <a:pt x="18" y="380"/>
+                  </a:lnTo>
+                  <a:lnTo>
+                    <a:pt x="233" y="895"/>
+                  </a:lnTo>
+                  <a:lnTo>
+                    <a:pt x="221" y="901"/>
+                  </a:lnTo>
+                  <a:close/>
+                </a:path>
+              </a:pathLst>
+            </a:custGeom>
+            <a:grpFill/>
+            <a:ln>
+              <a:noFill/>
+            </a:ln>
+            <a:extLst>
+              <a:ext uri="{91240B29-F687-4f45-9708-019B960494DF}">
+                <a14:hiddenLine xmlns="" xmlns:a16="http://schemas.microsoft.com/office/drawing/2014/main" xmlns:p14="http://schemas.microsoft.com/office/powerpoint/2010/main" xmlns:a14="http://schemas.microsoft.com/office/drawing/2010/main" w="9525">
+                  <a:solidFill>
+                    <a:srgbClr val="000000"/>
+                  </a:solidFill>
+                  <a:round/>
+                  <a:headEnd/>
+                  <a:tailEnd/>
+                </a14:hiddenLine>
+              </a:ext>
+            </a:extLst>
+          </p:spPr>
+        </p:sp>
+        <p:sp>
+          <p:nvSpPr>
+            <p:cNvPr id="21" name="Freeform 11">
+              <a:extLst>
+                <a:ext uri="{FF2B5EF4-FFF2-40B4-BE49-F238E27FC236}">
+                  <a16:creationId xmlns:a16="http://schemas.microsoft.com/office/drawing/2014/main" id="{538A46A3-DB16-45D5-B636-03EFE39FE96C}"/>
+                </a:ext>
+                <a:ext uri="{C183D7F6-B498-43B3-948B-1728B52AA6E4}">
+                  <adec:decorative xmlns:adec="http://schemas.microsoft.com/office/drawing/2017/decorative" val="1"/>
+                </a:ext>
+              </a:extLst>
+            </p:cNvPr>
+            <p:cNvSpPr/>
+            <p:nvPr>
+              <p:extLst>
+                <p:ext uri="{386F3935-93C4-4BCD-93E2-E3B085C9AB24}">
+                  <p16:designElem xmlns:p16="http://schemas.microsoft.com/office/powerpoint/2015/main" val="1"/>
+                </p:ext>
+              </p:extLst>
+            </p:nvPr>
+          </p:nvSpPr>
+          <p:spPr bwMode="auto">
+            <a:xfrm>
+              <a:off x="546100" y="0"/>
+              <a:ext cx="152400" cy="912813"/>
+            </a:xfrm>
+            <a:custGeom>
+              <a:avLst/>
+              <a:gdLst/>
+              <a:ahLst/>
+              <a:cxnLst/>
+              <a:rect l="0" t="0" r="r" b="b"/>
+              <a:pathLst>
+                <a:path w="96" h="575">
+                  <a:moveTo>
+                    <a:pt x="96" y="575"/>
+                  </a:moveTo>
+                  <a:lnTo>
+                    <a:pt x="78" y="575"/>
+                  </a:lnTo>
+                  <a:lnTo>
+                    <a:pt x="78" y="192"/>
+                  </a:lnTo>
+                  <a:lnTo>
+                    <a:pt x="0" y="6"/>
+                  </a:lnTo>
+                  <a:lnTo>
+                    <a:pt x="15" y="0"/>
+                  </a:lnTo>
+                  <a:lnTo>
+                    <a:pt x="96" y="189"/>
+                  </a:lnTo>
+                  <a:lnTo>
+                    <a:pt x="96" y="575"/>
+                  </a:lnTo>
+                  <a:close/>
+                </a:path>
+              </a:pathLst>
+            </a:custGeom>
+            <a:grpFill/>
+            <a:ln>
+              <a:noFill/>
+            </a:ln>
+            <a:extLst>
+              <a:ext uri="{91240B29-F687-4f45-9708-019B960494DF}">
+                <a14:hiddenLine xmlns="" xmlns:a16="http://schemas.microsoft.com/office/drawing/2014/main" xmlns:p14="http://schemas.microsoft.com/office/powerpoint/2010/main" xmlns:a14="http://schemas.microsoft.com/office/drawing/2010/main" w="9525">
+                  <a:solidFill>
+                    <a:srgbClr val="000000"/>
+                  </a:solidFill>
+                  <a:round/>
+                  <a:headEnd/>
+                  <a:tailEnd/>
+                </a14:hiddenLine>
+              </a:ext>
+            </a:extLst>
+          </p:spPr>
+        </p:sp>
+        <p:sp>
+          <p:nvSpPr>
+            <p:cNvPr id="101" name="Freeform 12">
+              <a:extLst>
+                <a:ext uri="{FF2B5EF4-FFF2-40B4-BE49-F238E27FC236}">
+                  <a16:creationId xmlns:a16="http://schemas.microsoft.com/office/drawing/2014/main" id="{0B8A2B0E-823F-4BE8-9359-45143BB1248E}"/>
+                </a:ext>
+                <a:ext uri="{C183D7F6-B498-43B3-948B-1728B52AA6E4}">
+                  <adec:decorative xmlns:adec="http://schemas.microsoft.com/office/drawing/2017/decorative" val="1"/>
+                </a:ext>
+              </a:extLst>
+            </p:cNvPr>
+            <p:cNvSpPr>
+              <a:spLocks noEditPoints="1"/>
+            </p:cNvSpPr>
+            <p:nvPr>
+              <p:extLst>
+                <p:ext uri="{386F3935-93C4-4BCD-93E2-E3B085C9AB24}">
+                  <p16:designElem xmlns:p16="http://schemas.microsoft.com/office/powerpoint/2015/main" val="1"/>
+                </p:ext>
+              </p:extLst>
+            </p:nvPr>
+          </p:nvSpPr>
+          <p:spPr bwMode="auto">
+            <a:xfrm>
+              <a:off x="588962" y="1420813"/>
+              <a:ext cx="190500" cy="190500"/>
+            </a:xfrm>
+            <a:custGeom>
+              <a:avLst/>
+              <a:gdLst/>
+              <a:ahLst/>
+              <a:cxnLst/>
+              <a:rect l="0" t="0" r="r" b="b"/>
+              <a:pathLst>
+                <a:path w="40" h="40">
+                  <a:moveTo>
+                    <a:pt x="20" y="40"/>
+                  </a:moveTo>
+                  <a:cubicBezTo>
+                    <a:pt x="9" y="40"/>
+                    <a:pt x="0" y="31"/>
+                    <a:pt x="0" y="20"/>
+                  </a:cubicBezTo>
+                  <a:cubicBezTo>
+                    <a:pt x="0" y="9"/>
+                    <a:pt x="9" y="0"/>
+                    <a:pt x="20" y="0"/>
+                  </a:cubicBezTo>
+                  <a:cubicBezTo>
+                    <a:pt x="33" y="0"/>
+                    <a:pt x="40" y="7"/>
+                    <a:pt x="40" y="20"/>
+                  </a:cubicBezTo>
+                  <a:cubicBezTo>
+                    <a:pt x="40" y="31"/>
+                    <a:pt x="31" y="40"/>
+                    <a:pt x="20" y="40"/>
+                  </a:cubicBezTo>
+                  <a:close/>
+                  <a:moveTo>
+                    <a:pt x="20" y="4"/>
+                  </a:moveTo>
+                  <a:cubicBezTo>
+                    <a:pt x="11" y="4"/>
+                    <a:pt x="4" y="11"/>
+                    <a:pt x="4" y="20"/>
+                  </a:cubicBezTo>
+                  <a:cubicBezTo>
+                    <a:pt x="4" y="29"/>
+                    <a:pt x="11" y="36"/>
+                    <a:pt x="20" y="36"/>
+                  </a:cubicBezTo>
+                  <a:cubicBezTo>
+                    <a:pt x="29" y="36"/>
+                    <a:pt x="36" y="29"/>
+                    <a:pt x="36" y="20"/>
+                  </a:cubicBezTo>
+                  <a:cubicBezTo>
+                    <a:pt x="36" y="9"/>
+                    <a:pt x="31" y="4"/>
+                    <a:pt x="20" y="4"/>
+                  </a:cubicBezTo>
+                  <a:close/>
+                </a:path>
+              </a:pathLst>
+            </a:custGeom>
+            <a:grpFill/>
+            <a:ln>
+              <a:noFill/>
+            </a:ln>
+            <a:extLst>
+              <a:ext uri="{91240B29-F687-4f45-9708-019B960494DF}">
+                <a14:hiddenLine xmlns="" xmlns:a16="http://schemas.microsoft.com/office/drawing/2014/main" xmlns:p14="http://schemas.microsoft.com/office/powerpoint/2010/main" xmlns:a14="http://schemas.microsoft.com/office/drawing/2010/main" w="9525">
+                  <a:solidFill>
+                    <a:srgbClr val="000000"/>
+                  </a:solidFill>
+                  <a:round/>
+                  <a:headEnd/>
+                  <a:tailEnd/>
+                </a14:hiddenLine>
+              </a:ext>
+            </a:extLst>
+          </p:spPr>
+        </p:sp>
+        <p:sp>
+          <p:nvSpPr>
+            <p:cNvPr id="23" name="Freeform 13">
+              <a:extLst>
+                <a:ext uri="{FF2B5EF4-FFF2-40B4-BE49-F238E27FC236}">
+                  <a16:creationId xmlns:a16="http://schemas.microsoft.com/office/drawing/2014/main" id="{44516B3C-A8BE-46FC-B643-3DFEB7F28386}"/>
+                </a:ext>
+                <a:ext uri="{C183D7F6-B498-43B3-948B-1728B52AA6E4}">
+                  <adec:decorative xmlns:adec="http://schemas.microsoft.com/office/drawing/2017/decorative" val="1"/>
+                </a:ext>
+              </a:extLst>
+            </p:cNvPr>
+            <p:cNvSpPr>
+              <a:spLocks noEditPoints="1"/>
+            </p:cNvSpPr>
+            <p:nvPr>
+              <p:extLst>
+                <p:ext uri="{386F3935-93C4-4BCD-93E2-E3B085C9AB24}">
+                  <p16:designElem xmlns:p16="http://schemas.microsoft.com/office/powerpoint/2015/main" val="1"/>
+                </p:ext>
+              </p:extLst>
+            </p:nvPr>
+          </p:nvSpPr>
+          <p:spPr bwMode="auto">
+            <a:xfrm>
+              <a:off x="588962" y="903288"/>
+              <a:ext cx="190500" cy="190500"/>
+            </a:xfrm>
+            <a:custGeom>
+              <a:avLst/>
+              <a:gdLst/>
+              <a:ahLst/>
+              <a:cxnLst/>
+              <a:rect l="0" t="0" r="r" b="b"/>
+              <a:pathLst>
+                <a:path w="40" h="40">
+                  <a:moveTo>
+                    <a:pt x="20" y="40"/>
+                  </a:moveTo>
+                  <a:cubicBezTo>
+                    <a:pt x="9" y="40"/>
+                    <a:pt x="0" y="31"/>
+                    <a:pt x="0" y="20"/>
+                  </a:cubicBezTo>
+                  <a:cubicBezTo>
+                    <a:pt x="0" y="9"/>
+                    <a:pt x="9" y="0"/>
+                    <a:pt x="20" y="0"/>
+                  </a:cubicBezTo>
+                  <a:cubicBezTo>
+                    <a:pt x="31" y="0"/>
+                    <a:pt x="40" y="9"/>
+                    <a:pt x="40" y="20"/>
+                  </a:cubicBezTo>
+                  <a:cubicBezTo>
+                    <a:pt x="40" y="31"/>
+                    <a:pt x="31" y="40"/>
+                    <a:pt x="20" y="40"/>
+                  </a:cubicBezTo>
+                  <a:close/>
+                  <a:moveTo>
+                    <a:pt x="20" y="4"/>
+                  </a:moveTo>
+                  <a:cubicBezTo>
+                    <a:pt x="11" y="4"/>
+                    <a:pt x="4" y="11"/>
+                    <a:pt x="4" y="20"/>
+                  </a:cubicBezTo>
+                  <a:cubicBezTo>
+                    <a:pt x="4" y="29"/>
+                    <a:pt x="11" y="36"/>
+                    <a:pt x="20" y="36"/>
+                  </a:cubicBezTo>
+                  <a:cubicBezTo>
+                    <a:pt x="29" y="36"/>
+                    <a:pt x="36" y="29"/>
+                    <a:pt x="36" y="20"/>
+                  </a:cubicBezTo>
+                  <a:cubicBezTo>
+                    <a:pt x="36" y="11"/>
+                    <a:pt x="29" y="4"/>
+                    <a:pt x="20" y="4"/>
+                  </a:cubicBezTo>
+                  <a:close/>
+                </a:path>
+              </a:pathLst>
+            </a:custGeom>
+            <a:grpFill/>
+            <a:ln>
+              <a:noFill/>
+            </a:ln>
+            <a:extLst>
+              <a:ext uri="{91240B29-F687-4f45-9708-019B960494DF}">
+                <a14:hiddenLine xmlns="" xmlns:a16="http://schemas.microsoft.com/office/drawing/2014/main" xmlns:p14="http://schemas.microsoft.com/office/powerpoint/2010/main" xmlns:a14="http://schemas.microsoft.com/office/drawing/2010/main" w="9525">
+                  <a:solidFill>
+                    <a:srgbClr val="000000"/>
+                  </a:solidFill>
+                  <a:round/>
+                  <a:headEnd/>
+                  <a:tailEnd/>
+                </a14:hiddenLine>
+              </a:ext>
+            </a:extLst>
+          </p:spPr>
+        </p:sp>
+        <p:sp>
+          <p:nvSpPr>
+            <p:cNvPr id="24" name="Freeform 14">
+              <a:extLst>
+                <a:ext uri="{FF2B5EF4-FFF2-40B4-BE49-F238E27FC236}">
+                  <a16:creationId xmlns:a16="http://schemas.microsoft.com/office/drawing/2014/main" id="{59FD699C-3920-4E57-BE27-165A3F036C20}"/>
+                </a:ext>
+                <a:ext uri="{C183D7F6-B498-43B3-948B-1728B52AA6E4}">
+                  <adec:decorative xmlns:adec="http://schemas.microsoft.com/office/drawing/2017/decorative" val="1"/>
+                </a:ext>
+              </a:extLst>
+            </p:cNvPr>
+            <p:cNvSpPr/>
+            <p:nvPr>
+              <p:extLst>
+                <p:ext uri="{386F3935-93C4-4BCD-93E2-E3B085C9AB24}">
+                  <p16:designElem xmlns:p16="http://schemas.microsoft.com/office/powerpoint/2015/main" val="1"/>
+                </p:ext>
+              </p:extLst>
+            </p:nvPr>
+          </p:nvSpPr>
+          <p:spPr bwMode="auto">
+            <a:xfrm>
+              <a:off x="641350" y="0"/>
+              <a:ext cx="422275" cy="527050"/>
+            </a:xfrm>
+            <a:custGeom>
+              <a:avLst/>
+              <a:gdLst/>
+              <a:ahLst/>
+              <a:cxnLst/>
+              <a:rect l="0" t="0" r="r" b="b"/>
+              <a:pathLst>
+                <a:path w="266" h="332">
+                  <a:moveTo>
+                    <a:pt x="257" y="332"/>
+                  </a:moveTo>
+                  <a:lnTo>
+                    <a:pt x="48" y="123"/>
+                  </a:lnTo>
+                  <a:lnTo>
+                    <a:pt x="0" y="6"/>
+                  </a:lnTo>
+                  <a:lnTo>
+                    <a:pt x="15" y="0"/>
+                  </a:lnTo>
+                  <a:lnTo>
+                    <a:pt x="63" y="114"/>
+                  </a:lnTo>
+                  <a:lnTo>
+                    <a:pt x="266" y="320"/>
+                  </a:lnTo>
+                  <a:lnTo>
+                    <a:pt x="257" y="332"/>
+                  </a:lnTo>
+                  <a:close/>
+                </a:path>
+              </a:pathLst>
+            </a:custGeom>
+            <a:grpFill/>
+            <a:ln>
+              <a:noFill/>
+            </a:ln>
+            <a:extLst>
+              <a:ext uri="{91240B29-F687-4f45-9708-019B960494DF}">
+                <a14:hiddenLine xmlns="" xmlns:a16="http://schemas.microsoft.com/office/drawing/2014/main" xmlns:p14="http://schemas.microsoft.com/office/powerpoint/2010/main" xmlns:a14="http://schemas.microsoft.com/office/drawing/2010/main" w="9525">
+                  <a:solidFill>
+                    <a:srgbClr val="000000"/>
+                  </a:solidFill>
+                  <a:round/>
+                  <a:headEnd/>
+                  <a:tailEnd/>
+                </a14:hiddenLine>
+              </a:ext>
+            </a:extLst>
+          </p:spPr>
+        </p:sp>
+        <p:sp>
+          <p:nvSpPr>
+            <p:cNvPr id="25" name="Freeform 15">
+              <a:extLst>
+                <a:ext uri="{FF2B5EF4-FFF2-40B4-BE49-F238E27FC236}">
+                  <a16:creationId xmlns:a16="http://schemas.microsoft.com/office/drawing/2014/main" id="{0FB0C02E-3F53-4889-8ADF-80DBC43F693C}"/>
+                </a:ext>
+                <a:ext uri="{C183D7F6-B498-43B3-948B-1728B52AA6E4}">
+                  <adec:decorative xmlns:adec="http://schemas.microsoft.com/office/drawing/2017/decorative" val="1"/>
+                </a:ext>
+              </a:extLst>
+            </p:cNvPr>
+            <p:cNvSpPr>
+              <a:spLocks noEditPoints="1"/>
+            </p:cNvSpPr>
+            <p:nvPr>
+              <p:extLst>
+                <p:ext uri="{386F3935-93C4-4BCD-93E2-E3B085C9AB24}">
+                  <p16:designElem xmlns:p16="http://schemas.microsoft.com/office/powerpoint/2015/main" val="1"/>
+                </p:ext>
+              </p:extLst>
+            </p:nvPr>
+          </p:nvSpPr>
+          <p:spPr bwMode="auto">
+            <a:xfrm>
+              <a:off x="1020762" y="488950"/>
+              <a:ext cx="161925" cy="147638"/>
+            </a:xfrm>
+            <a:custGeom>
+              <a:avLst/>
+              <a:gdLst/>
+              <a:ahLst/>
+              <a:cxnLst/>
+              <a:rect l="0" t="0" r="r" b="b"/>
+              <a:pathLst>
+                <a:path w="34" h="31">
+                  <a:moveTo>
+                    <a:pt x="17" y="31"/>
+                  </a:moveTo>
+                  <a:cubicBezTo>
+                    <a:pt x="13" y="31"/>
+                    <a:pt x="9" y="30"/>
+                    <a:pt x="6" y="27"/>
+                  </a:cubicBezTo>
+                  <a:cubicBezTo>
+                    <a:pt x="0" y="20"/>
+                    <a:pt x="0" y="10"/>
+                    <a:pt x="6" y="4"/>
+                  </a:cubicBezTo>
+                  <a:cubicBezTo>
+                    <a:pt x="9" y="1"/>
+                    <a:pt x="13" y="0"/>
+                    <a:pt x="17" y="0"/>
+                  </a:cubicBezTo>
+                  <a:cubicBezTo>
+                    <a:pt x="21" y="0"/>
+                    <a:pt x="25" y="1"/>
+                    <a:pt x="28" y="4"/>
+                  </a:cubicBezTo>
+                  <a:cubicBezTo>
+                    <a:pt x="34" y="10"/>
+                    <a:pt x="34" y="20"/>
+                    <a:pt x="28" y="27"/>
+                  </a:cubicBezTo>
+                  <a:cubicBezTo>
+                    <a:pt x="25" y="30"/>
+                    <a:pt x="21" y="31"/>
+                    <a:pt x="17" y="31"/>
+                  </a:cubicBezTo>
+                  <a:close/>
+                  <a:moveTo>
+                    <a:pt x="17" y="4"/>
+                  </a:moveTo>
+                  <a:cubicBezTo>
+                    <a:pt x="14" y="4"/>
+                    <a:pt x="11" y="5"/>
+                    <a:pt x="9" y="7"/>
+                  </a:cubicBezTo>
+                  <a:cubicBezTo>
+                    <a:pt x="4" y="12"/>
+                    <a:pt x="4" y="19"/>
+                    <a:pt x="9" y="24"/>
+                  </a:cubicBezTo>
+                  <a:cubicBezTo>
+                    <a:pt x="11" y="26"/>
+                    <a:pt x="14" y="27"/>
+                    <a:pt x="17" y="27"/>
+                  </a:cubicBezTo>
+                  <a:cubicBezTo>
+                    <a:pt x="20" y="27"/>
+                    <a:pt x="23" y="26"/>
+                    <a:pt x="25" y="24"/>
+                  </a:cubicBezTo>
+                  <a:cubicBezTo>
+                    <a:pt x="30" y="19"/>
+                    <a:pt x="30" y="12"/>
+                    <a:pt x="25" y="7"/>
+                  </a:cubicBezTo>
+                  <a:cubicBezTo>
+                    <a:pt x="23" y="5"/>
+                    <a:pt x="20" y="4"/>
+                    <a:pt x="17" y="4"/>
+                  </a:cubicBezTo>
+                  <a:close/>
+                </a:path>
+              </a:pathLst>
+            </a:custGeom>
+            <a:grpFill/>
+            <a:ln>
+              <a:noFill/>
+            </a:ln>
+            <a:extLst>
+              <a:ext uri="{91240B29-F687-4f45-9708-019B960494DF}">
+                <a14:hiddenLine xmlns="" xmlns:a16="http://schemas.microsoft.com/office/drawing/2014/main" xmlns:p14="http://schemas.microsoft.com/office/powerpoint/2010/main" xmlns:a14="http://schemas.microsoft.com/office/drawing/2010/main" w="9525">
+                  <a:solidFill>
+                    <a:srgbClr val="000000"/>
+                  </a:solidFill>
+                  <a:round/>
+                  <a:headEnd/>
+                  <a:tailEnd/>
+                </a14:hiddenLine>
+              </a:ext>
+            </a:extLst>
+          </p:spPr>
+        </p:sp>
+        <p:sp>
+          <p:nvSpPr>
+            <p:cNvPr id="26" name="Line 16">
+              <a:extLst>
+                <a:ext uri="{FF2B5EF4-FFF2-40B4-BE49-F238E27FC236}">
+                  <a16:creationId xmlns:a16="http://schemas.microsoft.com/office/drawing/2014/main" id="{F8A0C89C-946F-4BCD-8A27-BB73E37FE525}"/>
+                </a:ext>
+                <a:ext uri="{C183D7F6-B498-43B3-948B-1728B52AA6E4}">
+                  <adec:decorative xmlns:adec="http://schemas.microsoft.com/office/drawing/2017/decorative" val="1"/>
+                </a:ext>
+              </a:extLst>
+            </p:cNvPr>
+            <p:cNvSpPr>
+              <a:spLocks noChangeShapeType="1"/>
+            </p:cNvSpPr>
+            <p:nvPr>
+              <p:extLst>
+                <p:ext uri="{386F3935-93C4-4BCD-93E2-E3B085C9AB24}">
+                  <p16:designElem xmlns:p16="http://schemas.microsoft.com/office/powerpoint/2015/main" val="1"/>
+                </p:ext>
+              </p:extLst>
+            </p:nvPr>
+          </p:nvSpPr>
+          <p:spPr bwMode="auto">
+            <a:xfrm>
+              <a:off x="-4763" y="9525"/>
+              <a:ext cx="0" cy="0"/>
+            </a:xfrm>
+            <a:prstGeom prst="line">
+              <a:avLst/>
+            </a:prstGeom>
+            <a:grpFill/>
+            <a:ln w="15" cap="flat">
+              <a:solidFill>
+                <a:srgbClr val="FFFFFF"/>
+              </a:solidFill>
+              <a:prstDash val="solid"/>
+              <a:miter lim="800000"/>
+              <a:headEnd/>
+              <a:tailEnd/>
+            </a:ln>
+          </p:spPr>
+        </p:sp>
+        <p:sp>
+          <p:nvSpPr>
+            <p:cNvPr id="27" name="Freeform 17">
+              <a:extLst>
+                <a:ext uri="{FF2B5EF4-FFF2-40B4-BE49-F238E27FC236}">
+                  <a16:creationId xmlns:a16="http://schemas.microsoft.com/office/drawing/2014/main" id="{70C83EAF-4E92-4849-A240-B257871DC033}"/>
+                </a:ext>
+                <a:ext uri="{C183D7F6-B498-43B3-948B-1728B52AA6E4}">
+                  <adec:decorative xmlns:adec="http://schemas.microsoft.com/office/drawing/2017/decorative" val="1"/>
+                </a:ext>
+              </a:extLst>
+            </p:cNvPr>
+            <p:cNvSpPr/>
+            <p:nvPr>
+              <p:extLst>
+                <p:ext uri="{386F3935-93C4-4BCD-93E2-E3B085C9AB24}">
+                  <p16:designElem xmlns:p16="http://schemas.microsoft.com/office/powerpoint/2015/main" val="1"/>
+                </p:ext>
+              </p:extLst>
+            </p:nvPr>
+          </p:nvSpPr>
+          <p:spPr bwMode="auto">
+            <a:xfrm>
+              <a:off x="9525" y="1801813"/>
+              <a:ext cx="123825" cy="127000"/>
+            </a:xfrm>
+            <a:custGeom>
+              <a:avLst/>
+              <a:gdLst/>
+              <a:ahLst/>
+              <a:cxnLst/>
+              <a:rect l="0" t="0" r="r" b="b"/>
+              <a:pathLst>
+                <a:path w="78" h="80">
+                  <a:moveTo>
+                    <a:pt x="6" y="80"/>
+                  </a:moveTo>
+                  <a:lnTo>
+                    <a:pt x="0" y="71"/>
+                  </a:lnTo>
+                  <a:lnTo>
+                    <a:pt x="69" y="0"/>
+                  </a:lnTo>
+                  <a:lnTo>
+                    <a:pt x="78" y="9"/>
+                  </a:lnTo>
+                  <a:lnTo>
+                    <a:pt x="6" y="80"/>
+                  </a:lnTo>
+                  <a:close/>
+                </a:path>
+              </a:pathLst>
+            </a:custGeom>
+            <a:grpFill/>
+            <a:ln>
+              <a:noFill/>
+            </a:ln>
+            <a:extLst>
+              <a:ext uri="{91240B29-F687-4f45-9708-019B960494DF}">
+                <a14:hiddenLine xmlns="" xmlns:a16="http://schemas.microsoft.com/office/drawing/2014/main" xmlns:p14="http://schemas.microsoft.com/office/powerpoint/2010/main" xmlns:a14="http://schemas.microsoft.com/office/drawing/2010/main" w="9525">
+                  <a:solidFill>
+                    <a:srgbClr val="000000"/>
+                  </a:solidFill>
+                  <a:round/>
+                  <a:headEnd/>
+                  <a:tailEnd/>
+                </a14:hiddenLine>
+              </a:ext>
+            </a:extLst>
+          </p:spPr>
+        </p:sp>
+        <p:sp>
+          <p:nvSpPr>
+            <p:cNvPr id="102" name="Freeform 18">
+              <a:extLst>
+                <a:ext uri="{FF2B5EF4-FFF2-40B4-BE49-F238E27FC236}">
+                  <a16:creationId xmlns:a16="http://schemas.microsoft.com/office/drawing/2014/main" id="{320FD164-4D7A-469C-B3F4-B926BFACF53D}"/>
+                </a:ext>
+                <a:ext uri="{C183D7F6-B498-43B3-948B-1728B52AA6E4}">
+                  <adec:decorative xmlns:adec="http://schemas.microsoft.com/office/drawing/2017/decorative" val="1"/>
+                </a:ext>
+              </a:extLst>
+            </p:cNvPr>
+            <p:cNvSpPr/>
+            <p:nvPr>
+              <p:extLst>
+                <p:ext uri="{386F3935-93C4-4BCD-93E2-E3B085C9AB24}">
+                  <p16:designElem xmlns:p16="http://schemas.microsoft.com/office/powerpoint/2015/main" val="1"/>
+                </p:ext>
+              </p:extLst>
+            </p:nvPr>
+          </p:nvSpPr>
+          <p:spPr bwMode="auto">
+            <a:xfrm>
+              <a:off x="-9525" y="3549650"/>
+              <a:ext cx="147638" cy="481013"/>
+            </a:xfrm>
+            <a:custGeom>
+              <a:avLst/>
+              <a:gdLst/>
+              <a:ahLst/>
+              <a:cxnLst/>
+              <a:rect l="0" t="0" r="r" b="b"/>
+              <a:pathLst>
+                <a:path w="93" h="303">
+                  <a:moveTo>
+                    <a:pt x="93" y="303"/>
+                  </a:moveTo>
+                  <a:lnTo>
+                    <a:pt x="78" y="303"/>
+                  </a:lnTo>
+                  <a:lnTo>
+                    <a:pt x="78" y="78"/>
+                  </a:lnTo>
+                  <a:lnTo>
+                    <a:pt x="0" y="12"/>
+                  </a:lnTo>
+                  <a:lnTo>
+                    <a:pt x="12" y="0"/>
+                  </a:lnTo>
+                  <a:lnTo>
+                    <a:pt x="93" y="69"/>
+                  </a:lnTo>
+                  <a:lnTo>
+                    <a:pt x="93" y="303"/>
+                  </a:lnTo>
+                  <a:close/>
+                </a:path>
+              </a:pathLst>
+            </a:custGeom>
+            <a:grpFill/>
+            <a:ln>
+              <a:noFill/>
+            </a:ln>
+            <a:extLst>
+              <a:ext uri="{91240B29-F687-4f45-9708-019B960494DF}">
+                <a14:hiddenLine xmlns="" xmlns:a16="http://schemas.microsoft.com/office/drawing/2014/main" xmlns:p14="http://schemas.microsoft.com/office/powerpoint/2010/main" xmlns:a14="http://schemas.microsoft.com/office/drawing/2010/main" w="9525">
+                  <a:solidFill>
+                    <a:srgbClr val="000000"/>
+                  </a:solidFill>
+                  <a:round/>
+                  <a:headEnd/>
+                  <a:tailEnd/>
+                </a14:hiddenLine>
+              </a:ext>
+            </a:extLst>
+          </p:spPr>
+        </p:sp>
+        <p:sp>
+          <p:nvSpPr>
+            <p:cNvPr id="29" name="Freeform 19">
+              <a:extLst>
+                <a:ext uri="{FF2B5EF4-FFF2-40B4-BE49-F238E27FC236}">
+                  <a16:creationId xmlns:a16="http://schemas.microsoft.com/office/drawing/2014/main" id="{F6E14D9A-4E63-48FF-95C5-9E8DDFF86C45}"/>
+                </a:ext>
+                <a:ext uri="{C183D7F6-B498-43B3-948B-1728B52AA6E4}">
+                  <adec:decorative xmlns:adec="http://schemas.microsoft.com/office/drawing/2017/decorative" val="1"/>
+                </a:ext>
+              </a:extLst>
+            </p:cNvPr>
+            <p:cNvSpPr/>
+            <p:nvPr>
+              <p:extLst>
+                <p:ext uri="{386F3935-93C4-4BCD-93E2-E3B085C9AB24}">
+                  <p16:designElem xmlns:p16="http://schemas.microsoft.com/office/powerpoint/2015/main" val="1"/>
+                </p:ext>
+              </p:extLst>
+            </p:nvPr>
+          </p:nvSpPr>
+          <p:spPr bwMode="auto">
+            <a:xfrm>
+              <a:off x="128587" y="1382713"/>
+              <a:ext cx="142875" cy="476250"/>
+            </a:xfrm>
+            <a:custGeom>
+              <a:avLst/>
+              <a:gdLst/>
+              <a:ahLst/>
+              <a:cxnLst/>
+              <a:rect l="0" t="0" r="r" b="b"/>
+              <a:pathLst>
+                <a:path w="90" h="300">
+                  <a:moveTo>
+                    <a:pt x="90" y="300"/>
+                  </a:moveTo>
+                  <a:lnTo>
+                    <a:pt x="78" y="300"/>
+                  </a:lnTo>
+                  <a:lnTo>
+                    <a:pt x="78" y="84"/>
+                  </a:lnTo>
+                  <a:lnTo>
+                    <a:pt x="0" y="9"/>
+                  </a:lnTo>
+                  <a:lnTo>
+                    <a:pt x="9" y="0"/>
+                  </a:lnTo>
+                  <a:lnTo>
+                    <a:pt x="90" y="81"/>
+                  </a:lnTo>
+                  <a:lnTo>
+                    <a:pt x="90" y="300"/>
+                  </a:lnTo>
+                  <a:close/>
+                </a:path>
+              </a:pathLst>
+            </a:custGeom>
+            <a:grpFill/>
+            <a:ln>
+              <a:noFill/>
+            </a:ln>
+            <a:extLst>
+              <a:ext uri="{91240B29-F687-4f45-9708-019B960494DF}">
+                <a14:hiddenLine xmlns="" xmlns:a16="http://schemas.microsoft.com/office/drawing/2014/main" xmlns:p14="http://schemas.microsoft.com/office/powerpoint/2010/main" xmlns:a14="http://schemas.microsoft.com/office/drawing/2010/main" w="9525">
+                  <a:solidFill>
+                    <a:srgbClr val="000000"/>
+                  </a:solidFill>
+                  <a:round/>
+                  <a:headEnd/>
+                  <a:tailEnd/>
+                </a14:hiddenLine>
+              </a:ext>
+            </a:extLst>
+          </p:spPr>
+        </p:sp>
+        <p:sp>
+          <p:nvSpPr>
+            <p:cNvPr id="30" name="Freeform 20">
+              <a:extLst>
+                <a:ext uri="{FF2B5EF4-FFF2-40B4-BE49-F238E27FC236}">
+                  <a16:creationId xmlns:a16="http://schemas.microsoft.com/office/drawing/2014/main" id="{F3DCD24F-3CA8-4404-B22C-E4C928995F3B}"/>
+                </a:ext>
+                <a:ext uri="{C183D7F6-B498-43B3-948B-1728B52AA6E4}">
+                  <adec:decorative xmlns:adec="http://schemas.microsoft.com/office/drawing/2017/decorative" val="1"/>
+                </a:ext>
+              </a:extLst>
+            </p:cNvPr>
+            <p:cNvSpPr>
+              <a:spLocks noEditPoints="1"/>
+            </p:cNvSpPr>
+            <p:nvPr>
+              <p:extLst>
+                <p:ext uri="{386F3935-93C4-4BCD-93E2-E3B085C9AB24}">
+                  <p16:designElem xmlns:p16="http://schemas.microsoft.com/office/powerpoint/2015/main" val="1"/>
+                </p:ext>
+              </p:extLst>
+            </p:nvPr>
+          </p:nvSpPr>
+          <p:spPr bwMode="auto">
+            <a:xfrm>
+              <a:off x="204787" y="1849438"/>
+              <a:ext cx="114300" cy="107950"/>
+            </a:xfrm>
+            <a:custGeom>
+              <a:avLst/>
+              <a:gdLst/>
+              <a:ahLst/>
+              <a:cxnLst/>
+              <a:rect l="0" t="0" r="r" b="b"/>
+              <a:pathLst>
+                <a:path w="24" h="23">
+                  <a:moveTo>
+                    <a:pt x="12" y="23"/>
+                  </a:moveTo>
+                  <a:cubicBezTo>
+                    <a:pt x="6" y="23"/>
+                    <a:pt x="0" y="18"/>
+                    <a:pt x="0" y="12"/>
+                  </a:cubicBezTo>
+                  <a:cubicBezTo>
+                    <a:pt x="0" y="5"/>
+                    <a:pt x="6" y="0"/>
+                    <a:pt x="12" y="0"/>
+                  </a:cubicBezTo>
+                  <a:cubicBezTo>
+                    <a:pt x="18" y="0"/>
+                    <a:pt x="24" y="5"/>
+                    <a:pt x="24" y="12"/>
+                  </a:cubicBezTo>
+                  <a:cubicBezTo>
+                    <a:pt x="24" y="18"/>
+                    <a:pt x="18" y="23"/>
+                    <a:pt x="12" y="23"/>
+                  </a:cubicBezTo>
+                  <a:close/>
+                  <a:moveTo>
+                    <a:pt x="12" y="4"/>
+                  </a:moveTo>
+                  <a:cubicBezTo>
+                    <a:pt x="8" y="4"/>
+                    <a:pt x="4" y="8"/>
+                    <a:pt x="4" y="12"/>
+                  </a:cubicBezTo>
+                  <a:cubicBezTo>
+                    <a:pt x="4" y="16"/>
+                    <a:pt x="8" y="19"/>
+                    <a:pt x="12" y="19"/>
+                  </a:cubicBezTo>
+                  <a:cubicBezTo>
+                    <a:pt x="16" y="19"/>
+                    <a:pt x="20" y="16"/>
+                    <a:pt x="20" y="12"/>
+                  </a:cubicBezTo>
+                  <a:cubicBezTo>
+                    <a:pt x="20" y="8"/>
+                    <a:pt x="16" y="4"/>
+                    <a:pt x="12" y="4"/>
+                  </a:cubicBezTo>
+                  <a:close/>
+                </a:path>
+              </a:pathLst>
+            </a:custGeom>
+            <a:grpFill/>
+            <a:ln>
+              <a:noFill/>
+            </a:ln>
+            <a:extLst>
+              <a:ext uri="{91240B29-F687-4f45-9708-019B960494DF}">
+                <a14:hiddenLine xmlns="" xmlns:a16="http://schemas.microsoft.com/office/drawing/2014/main" xmlns:p14="http://schemas.microsoft.com/office/powerpoint/2010/main" xmlns:a14="http://schemas.microsoft.com/office/drawing/2010/main" w="9525">
+                  <a:solidFill>
+                    <a:srgbClr val="000000"/>
+                  </a:solidFill>
+                  <a:round/>
+                  <a:headEnd/>
+                  <a:tailEnd/>
+                </a14:hiddenLine>
+              </a:ext>
+            </a:extLst>
+          </p:spPr>
+        </p:sp>
+        <p:sp>
+          <p:nvSpPr>
+            <p:cNvPr id="31" name="Rectangle 21">
+              <a:extLst>
+                <a:ext uri="{FF2B5EF4-FFF2-40B4-BE49-F238E27FC236}">
+                  <a16:creationId xmlns:a16="http://schemas.microsoft.com/office/drawing/2014/main" id="{8AD2E827-32A3-4BE4-9CC6-8315629177AE}"/>
+                </a:ext>
+                <a:ext uri="{C183D7F6-B498-43B3-948B-1728B52AA6E4}">
+                  <adec:decorative xmlns:adec="http://schemas.microsoft.com/office/drawing/2017/decorative" val="1"/>
+                </a:ext>
+              </a:extLst>
+            </p:cNvPr>
+            <p:cNvSpPr>
+              <a:spLocks noChangeArrowheads="1"/>
+            </p:cNvSpPr>
+            <p:nvPr>
+              <p:extLst>
+                <p:ext uri="{386F3935-93C4-4BCD-93E2-E3B085C9AB24}">
+                  <p16:designElem xmlns:p16="http://schemas.microsoft.com/office/powerpoint/2015/main" val="1"/>
+                </p:ext>
+              </p:extLst>
+            </p:nvPr>
+          </p:nvSpPr>
+          <p:spPr bwMode="auto">
+            <a:xfrm>
+              <a:off x="133350" y="4662488"/>
+              <a:ext cx="23813" cy="2181225"/>
+            </a:xfrm>
+            <a:prstGeom prst="rect">
+              <a:avLst/>
+            </a:prstGeom>
+            <a:grpFill/>
+            <a:ln>
+              <a:noFill/>
+            </a:ln>
+            <a:extLst>
+              <a:ext uri="{91240B29-F687-4f45-9708-019B960494DF}">
+                <a14:hiddenLine xmlns="" xmlns:a16="http://schemas.microsoft.com/office/drawing/2014/main" xmlns:p14="http://schemas.microsoft.com/office/powerpoint/2010/main" xmlns:a14="http://schemas.microsoft.com/office/drawing/2010/main" w="9525">
+                  <a:solidFill>
+                    <a:srgbClr val="000000"/>
+                  </a:solidFill>
+                  <a:miter lim="800000"/>
+                  <a:headEnd/>
+                  <a:tailEnd/>
+                </a14:hiddenLine>
+              </a:ext>
+            </a:extLst>
+          </p:spPr>
+        </p:sp>
+        <p:sp>
+          <p:nvSpPr>
+            <p:cNvPr id="32" name="Freeform 22">
+              <a:extLst>
+                <a:ext uri="{FF2B5EF4-FFF2-40B4-BE49-F238E27FC236}">
+                  <a16:creationId xmlns:a16="http://schemas.microsoft.com/office/drawing/2014/main" id="{47FB2CCC-1230-494F-B2D1-F05E5B8EDF55}"/>
+                </a:ext>
+                <a:ext uri="{C183D7F6-B498-43B3-948B-1728B52AA6E4}">
+                  <adec:decorative xmlns:adec="http://schemas.microsoft.com/office/drawing/2017/decorative" val="1"/>
+                </a:ext>
+              </a:extLst>
+            </p:cNvPr>
+            <p:cNvSpPr/>
+            <p:nvPr>
+              <p:extLst>
+                <p:ext uri="{386F3935-93C4-4BCD-93E2-E3B085C9AB24}">
+                  <p16:designElem xmlns:p16="http://schemas.microsoft.com/office/powerpoint/2015/main" val="1"/>
+                </p:ext>
+              </p:extLst>
+            </p:nvPr>
+          </p:nvSpPr>
+          <p:spPr bwMode="auto">
+            <a:xfrm>
+              <a:off x="223837" y="5041900"/>
+              <a:ext cx="369888" cy="1801813"/>
+            </a:xfrm>
+            <a:custGeom>
+              <a:avLst/>
+              <a:gdLst/>
+              <a:ahLst/>
+              <a:cxnLst/>
+              <a:rect l="0" t="0" r="r" b="b"/>
+              <a:pathLst>
+                <a:path w="233" h="1135">
+                  <a:moveTo>
+                    <a:pt x="15" y="1135"/>
+                  </a:moveTo>
+                  <a:lnTo>
+                    <a:pt x="0" y="1135"/>
+                  </a:lnTo>
+                  <a:lnTo>
+                    <a:pt x="0" y="515"/>
+                  </a:lnTo>
+                  <a:lnTo>
+                    <a:pt x="0" y="512"/>
+                  </a:lnTo>
+                  <a:lnTo>
+                    <a:pt x="218" y="0"/>
+                  </a:lnTo>
+                  <a:lnTo>
+                    <a:pt x="233" y="6"/>
+                  </a:lnTo>
+                  <a:lnTo>
+                    <a:pt x="15" y="518"/>
+                  </a:lnTo>
+                  <a:lnTo>
+                    <a:pt x="15" y="1135"/>
+                  </a:lnTo>
+                  <a:close/>
+                </a:path>
+              </a:pathLst>
+            </a:custGeom>
+            <a:grpFill/>
+            <a:ln>
+              <a:noFill/>
+            </a:ln>
+            <a:extLst>
+              <a:ext uri="{91240B29-F687-4f45-9708-019B960494DF}">
+                <a14:hiddenLine xmlns="" xmlns:a16="http://schemas.microsoft.com/office/drawing/2014/main" xmlns:p14="http://schemas.microsoft.com/office/powerpoint/2010/main" xmlns:a14="http://schemas.microsoft.com/office/drawing/2010/main" w="9525">
+                  <a:solidFill>
+                    <a:srgbClr val="000000"/>
+                  </a:solidFill>
+                  <a:round/>
+                  <a:headEnd/>
+                  <a:tailEnd/>
+                </a14:hiddenLine>
+              </a:ext>
+            </a:extLst>
+          </p:spPr>
+        </p:sp>
+        <p:sp>
+          <p:nvSpPr>
+            <p:cNvPr id="33" name="Freeform 23">
+              <a:extLst>
+                <a:ext uri="{FF2B5EF4-FFF2-40B4-BE49-F238E27FC236}">
+                  <a16:creationId xmlns:a16="http://schemas.microsoft.com/office/drawing/2014/main" id="{A5F44514-9274-47E3-9243-CA9356C166B5}"/>
+                </a:ext>
+                <a:ext uri="{C183D7F6-B498-43B3-948B-1728B52AA6E4}">
+                  <adec:decorative xmlns:adec="http://schemas.microsoft.com/office/drawing/2017/decorative" val="1"/>
+                </a:ext>
+              </a:extLst>
+            </p:cNvPr>
+            <p:cNvSpPr>
+              <a:spLocks noEditPoints="1"/>
+            </p:cNvSpPr>
+            <p:nvPr>
+              <p:extLst>
+                <p:ext uri="{386F3935-93C4-4BCD-93E2-E3B085C9AB24}">
+                  <p16:designElem xmlns:p16="http://schemas.microsoft.com/office/powerpoint/2015/main" val="1"/>
+                </p:ext>
+              </p:extLst>
+            </p:nvPr>
+          </p:nvSpPr>
+          <p:spPr bwMode="auto">
+            <a:xfrm>
+              <a:off x="52387" y="4481513"/>
+              <a:ext cx="190500" cy="190500"/>
+            </a:xfrm>
+            <a:custGeom>
+              <a:avLst/>
+              <a:gdLst/>
+              <a:ahLst/>
+              <a:cxnLst/>
+              <a:rect l="0" t="0" r="r" b="b"/>
+              <a:pathLst>
+                <a:path w="40" h="40">
+                  <a:moveTo>
+                    <a:pt x="20" y="40"/>
+                  </a:moveTo>
+                  <a:cubicBezTo>
+                    <a:pt x="9" y="40"/>
+                    <a:pt x="0" y="31"/>
+                    <a:pt x="0" y="20"/>
+                  </a:cubicBezTo>
+                  <a:cubicBezTo>
+                    <a:pt x="0" y="9"/>
+                    <a:pt x="9" y="0"/>
+                    <a:pt x="20" y="0"/>
+                  </a:cubicBezTo>
+                  <a:cubicBezTo>
+                    <a:pt x="31" y="0"/>
+                    <a:pt x="40" y="9"/>
+                    <a:pt x="40" y="20"/>
+                  </a:cubicBezTo>
+                  <a:cubicBezTo>
+                    <a:pt x="40" y="31"/>
+                    <a:pt x="31" y="40"/>
+                    <a:pt x="20" y="40"/>
+                  </a:cubicBezTo>
+                  <a:close/>
+                  <a:moveTo>
+                    <a:pt x="20" y="4"/>
+                  </a:moveTo>
+                  <a:cubicBezTo>
+                    <a:pt x="11" y="4"/>
+                    <a:pt x="4" y="11"/>
+                    <a:pt x="4" y="20"/>
+                  </a:cubicBezTo>
+                  <a:cubicBezTo>
+                    <a:pt x="4" y="29"/>
+                    <a:pt x="11" y="36"/>
+                    <a:pt x="20" y="36"/>
+                  </a:cubicBezTo>
+                  <a:cubicBezTo>
+                    <a:pt x="28" y="36"/>
+                    <a:pt x="36" y="29"/>
+                    <a:pt x="36" y="20"/>
+                  </a:cubicBezTo>
+                  <a:cubicBezTo>
+                    <a:pt x="36" y="11"/>
+                    <a:pt x="28" y="4"/>
+                    <a:pt x="20" y="4"/>
+                  </a:cubicBezTo>
+                  <a:close/>
+                </a:path>
+              </a:pathLst>
+            </a:custGeom>
+            <a:grpFill/>
+            <a:ln>
+              <a:noFill/>
+            </a:ln>
+            <a:extLst>
+              <a:ext uri="{91240B29-F687-4f45-9708-019B960494DF}">
+                <a14:hiddenLine xmlns="" xmlns:a16="http://schemas.microsoft.com/office/drawing/2014/main" xmlns:p14="http://schemas.microsoft.com/office/powerpoint/2010/main" xmlns:a14="http://schemas.microsoft.com/office/drawing/2010/main" w="9525">
+                  <a:solidFill>
+                    <a:srgbClr val="000000"/>
+                  </a:solidFill>
+                  <a:round/>
+                  <a:headEnd/>
+                  <a:tailEnd/>
+                </a14:hiddenLine>
+              </a:ext>
+            </a:extLst>
+          </p:spPr>
+        </p:sp>
+        <p:sp>
+          <p:nvSpPr>
+            <p:cNvPr id="103" name="Freeform 24">
+              <a:extLst>
+                <a:ext uri="{FF2B5EF4-FFF2-40B4-BE49-F238E27FC236}">
+                  <a16:creationId xmlns:a16="http://schemas.microsoft.com/office/drawing/2014/main" id="{D06192CD-AD86-4DCA-8B53-4ACCA46583A9}"/>
+                </a:ext>
+                <a:ext uri="{C183D7F6-B498-43B3-948B-1728B52AA6E4}">
+                  <adec:decorative xmlns:adec="http://schemas.microsoft.com/office/drawing/2017/decorative" val="1"/>
+                </a:ext>
+              </a:extLst>
+            </p:cNvPr>
+            <p:cNvSpPr/>
+            <p:nvPr>
+              <p:extLst>
+                <p:ext uri="{386F3935-93C4-4BCD-93E2-E3B085C9AB24}">
+                  <p16:designElem xmlns:p16="http://schemas.microsoft.com/office/powerpoint/2015/main" val="1"/>
+                </p:ext>
+              </p:extLst>
+            </p:nvPr>
+          </p:nvSpPr>
+          <p:spPr bwMode="auto">
+            <a:xfrm>
+              <a:off x="-14288" y="5627688"/>
+              <a:ext cx="85725" cy="1216025"/>
+            </a:xfrm>
+            <a:custGeom>
+              <a:avLst/>
+              <a:gdLst/>
+              <a:ahLst/>
+              <a:cxnLst/>
+              <a:rect l="0" t="0" r="r" b="b"/>
+              <a:pathLst>
+                <a:path w="54" h="766">
+                  <a:moveTo>
+                    <a:pt x="54" y="766"/>
+                  </a:moveTo>
+                  <a:lnTo>
+                    <a:pt x="36" y="766"/>
+                  </a:lnTo>
+                  <a:lnTo>
+                    <a:pt x="36" y="149"/>
+                  </a:lnTo>
+                  <a:lnTo>
+                    <a:pt x="0" y="3"/>
+                  </a:lnTo>
+                  <a:lnTo>
+                    <a:pt x="18" y="0"/>
+                  </a:lnTo>
+                  <a:lnTo>
+                    <a:pt x="54" y="146"/>
+                  </a:lnTo>
+                  <a:lnTo>
+                    <a:pt x="54" y="766"/>
+                  </a:lnTo>
+                  <a:close/>
+                </a:path>
+              </a:pathLst>
+            </a:custGeom>
+            <a:grpFill/>
+            <a:ln>
+              <a:noFill/>
+            </a:ln>
+            <a:extLst>
+              <a:ext uri="{91240B29-F687-4f45-9708-019B960494DF}">
+                <a14:hiddenLine xmlns="" xmlns:a16="http://schemas.microsoft.com/office/drawing/2014/main" xmlns:p14="http://schemas.microsoft.com/office/powerpoint/2010/main" xmlns:a14="http://schemas.microsoft.com/office/drawing/2010/main" w="9525">
+                  <a:solidFill>
+                    <a:srgbClr val="000000"/>
+                  </a:solidFill>
+                  <a:round/>
+                  <a:headEnd/>
+                  <a:tailEnd/>
+                </a14:hiddenLine>
+              </a:ext>
+            </a:extLst>
+          </p:spPr>
+        </p:sp>
+        <p:sp>
+          <p:nvSpPr>
+            <p:cNvPr id="35" name="Freeform 25">
+              <a:extLst>
+                <a:ext uri="{FF2B5EF4-FFF2-40B4-BE49-F238E27FC236}">
+                  <a16:creationId xmlns:a16="http://schemas.microsoft.com/office/drawing/2014/main" id="{99E9203A-21E4-46D8-981A-4B28CA320A69}"/>
+                </a:ext>
+                <a:ext uri="{C183D7F6-B498-43B3-948B-1728B52AA6E4}">
+                  <adec:decorative xmlns:adec="http://schemas.microsoft.com/office/drawing/2017/decorative" val="1"/>
+                </a:ext>
+              </a:extLst>
+            </p:cNvPr>
+            <p:cNvSpPr>
+              <a:spLocks noEditPoints="1"/>
+            </p:cNvSpPr>
+            <p:nvPr>
+              <p:extLst>
+                <p:ext uri="{386F3935-93C4-4BCD-93E2-E3B085C9AB24}">
+                  <p16:designElem xmlns:p16="http://schemas.microsoft.com/office/powerpoint/2015/main" val="1"/>
+                </p:ext>
+              </p:extLst>
+            </p:nvPr>
+          </p:nvSpPr>
+          <p:spPr bwMode="auto">
+            <a:xfrm>
+              <a:off x="527050" y="4867275"/>
+              <a:ext cx="190500" cy="188913"/>
+            </a:xfrm>
+            <a:custGeom>
+              <a:avLst/>
+              <a:gdLst/>
+              <a:ahLst/>
+              <a:cxnLst/>
+              <a:rect l="0" t="0" r="r" b="b"/>
+              <a:pathLst>
+                <a:path w="40" h="40">
+                  <a:moveTo>
+                    <a:pt x="20" y="40"/>
+                  </a:moveTo>
+                  <a:cubicBezTo>
+                    <a:pt x="9" y="40"/>
+                    <a:pt x="0" y="31"/>
+                    <a:pt x="0" y="20"/>
+                  </a:cubicBezTo>
+                  <a:cubicBezTo>
+                    <a:pt x="0" y="9"/>
+                    <a:pt x="9" y="0"/>
+                    <a:pt x="20" y="0"/>
+                  </a:cubicBezTo>
+                  <a:cubicBezTo>
+                    <a:pt x="31" y="0"/>
+                    <a:pt x="40" y="9"/>
+                    <a:pt x="40" y="20"/>
+                  </a:cubicBezTo>
+                  <a:cubicBezTo>
+                    <a:pt x="40" y="31"/>
+                    <a:pt x="31" y="40"/>
+                    <a:pt x="20" y="40"/>
+                  </a:cubicBezTo>
+                  <a:close/>
+                  <a:moveTo>
+                    <a:pt x="20" y="4"/>
+                  </a:moveTo>
+                  <a:cubicBezTo>
+                    <a:pt x="11" y="4"/>
+                    <a:pt x="4" y="11"/>
+                    <a:pt x="4" y="20"/>
+                  </a:cubicBezTo>
+                  <a:cubicBezTo>
+                    <a:pt x="4" y="29"/>
+                    <a:pt x="11" y="36"/>
+                    <a:pt x="20" y="36"/>
+                  </a:cubicBezTo>
+                  <a:cubicBezTo>
+                    <a:pt x="29" y="36"/>
+                    <a:pt x="36" y="29"/>
+                    <a:pt x="36" y="20"/>
+                  </a:cubicBezTo>
+                  <a:cubicBezTo>
+                    <a:pt x="36" y="11"/>
+                    <a:pt x="29" y="4"/>
+                    <a:pt x="20" y="4"/>
+                  </a:cubicBezTo>
+                  <a:close/>
+                </a:path>
+              </a:pathLst>
+            </a:custGeom>
+            <a:grpFill/>
+            <a:ln>
+              <a:noFill/>
+            </a:ln>
+            <a:extLst>
+              <a:ext uri="{91240B29-F687-4f45-9708-019B960494DF}">
+                <a14:hiddenLine xmlns="" xmlns:a16="http://schemas.microsoft.com/office/drawing/2014/main" xmlns:p14="http://schemas.microsoft.com/office/powerpoint/2010/main" xmlns:a14="http://schemas.microsoft.com/office/drawing/2010/main" w="9525">
+                  <a:solidFill>
+                    <a:srgbClr val="000000"/>
+                  </a:solidFill>
+                  <a:round/>
+                  <a:headEnd/>
+                  <a:tailEnd/>
+                </a14:hiddenLine>
+              </a:ext>
+            </a:extLst>
+          </p:spPr>
+        </p:sp>
+        <p:sp>
+          <p:nvSpPr>
+            <p:cNvPr id="36" name="Freeform 26">
+              <a:extLst>
+                <a:ext uri="{FF2B5EF4-FFF2-40B4-BE49-F238E27FC236}">
+                  <a16:creationId xmlns:a16="http://schemas.microsoft.com/office/drawing/2014/main" id="{32FCE9B6-FB52-4045-8DCC-E5959B9A403B}"/>
+                </a:ext>
+                <a:ext uri="{C183D7F6-B498-43B3-948B-1728B52AA6E4}">
+                  <adec:decorative xmlns:adec="http://schemas.microsoft.com/office/drawing/2017/decorative" val="1"/>
+                </a:ext>
+              </a:extLst>
+            </p:cNvPr>
+            <p:cNvSpPr/>
+            <p:nvPr>
+              <p:extLst>
+                <p:ext uri="{386F3935-93C4-4BCD-93E2-E3B085C9AB24}">
+                  <p16:designElem xmlns:p16="http://schemas.microsoft.com/office/powerpoint/2015/main" val="1"/>
+                </p:ext>
+              </p:extLst>
+            </p:nvPr>
+          </p:nvSpPr>
+          <p:spPr bwMode="auto">
+            <a:xfrm>
+              <a:off x="309562" y="5422900"/>
+              <a:ext cx="374650" cy="1425575"/>
+            </a:xfrm>
+            <a:custGeom>
+              <a:avLst/>
+              <a:gdLst/>
+              <a:ahLst/>
+              <a:cxnLst/>
+              <a:rect l="0" t="0" r="r" b="b"/>
+              <a:pathLst>
+                <a:path w="236" h="898">
+                  <a:moveTo>
+                    <a:pt x="18" y="898"/>
+                  </a:moveTo>
+                  <a:lnTo>
+                    <a:pt x="0" y="898"/>
+                  </a:lnTo>
+                  <a:lnTo>
+                    <a:pt x="0" y="515"/>
+                  </a:lnTo>
+                  <a:lnTo>
+                    <a:pt x="3" y="512"/>
+                  </a:lnTo>
+                  <a:lnTo>
+                    <a:pt x="221" y="0"/>
+                  </a:lnTo>
+                  <a:lnTo>
+                    <a:pt x="236" y="6"/>
+                  </a:lnTo>
+                  <a:lnTo>
+                    <a:pt x="18" y="518"/>
+                  </a:lnTo>
+                  <a:lnTo>
+                    <a:pt x="18" y="898"/>
+                  </a:lnTo>
+                  <a:close/>
+                </a:path>
+              </a:pathLst>
+            </a:custGeom>
+            <a:grpFill/>
+            <a:ln>
+              <a:noFill/>
+            </a:ln>
+            <a:extLst>
+              <a:ext uri="{91240B29-F687-4f45-9708-019B960494DF}">
+                <a14:hiddenLine xmlns="" xmlns:a16="http://schemas.microsoft.com/office/drawing/2014/main" xmlns:p14="http://schemas.microsoft.com/office/powerpoint/2010/main" xmlns:a14="http://schemas.microsoft.com/office/drawing/2010/main" w="9525">
+                  <a:solidFill>
+                    <a:srgbClr val="000000"/>
+                  </a:solidFill>
+                  <a:round/>
+                  <a:headEnd/>
+                  <a:tailEnd/>
+                </a14:hiddenLine>
+              </a:ext>
+            </a:extLst>
+          </p:spPr>
+        </p:sp>
+        <p:sp>
+          <p:nvSpPr>
+            <p:cNvPr id="37" name="Freeform 27">
+              <a:extLst>
+                <a:ext uri="{FF2B5EF4-FFF2-40B4-BE49-F238E27FC236}">
+                  <a16:creationId xmlns:a16="http://schemas.microsoft.com/office/drawing/2014/main" id="{E4A7025C-CDE8-429A-BBB9-E7380C962388}"/>
+                </a:ext>
+                <a:ext uri="{C183D7F6-B498-43B3-948B-1728B52AA6E4}">
+                  <adec:decorative xmlns:adec="http://schemas.microsoft.com/office/drawing/2017/decorative" val="1"/>
+                </a:ext>
+              </a:extLst>
+            </p:cNvPr>
+            <p:cNvSpPr/>
+            <p:nvPr>
+              <p:extLst>
+                <p:ext uri="{386F3935-93C4-4BCD-93E2-E3B085C9AB24}">
+                  <p16:designElem xmlns:p16="http://schemas.microsoft.com/office/powerpoint/2015/main" val="1"/>
+                </p:ext>
+              </p:extLst>
+            </p:nvPr>
+          </p:nvSpPr>
+          <p:spPr bwMode="auto">
+            <a:xfrm>
+              <a:off x="569912" y="5945188"/>
+              <a:ext cx="152400" cy="912813"/>
+            </a:xfrm>
+            <a:custGeom>
+              <a:avLst/>
+              <a:gdLst/>
+              <a:ahLst/>
+              <a:cxnLst/>
+              <a:rect l="0" t="0" r="r" b="b"/>
+              <a:pathLst>
+                <a:path w="96" h="575">
+                  <a:moveTo>
+                    <a:pt x="15" y="575"/>
+                  </a:moveTo>
+                  <a:lnTo>
+                    <a:pt x="0" y="569"/>
+                  </a:lnTo>
+                  <a:lnTo>
+                    <a:pt x="81" y="383"/>
+                  </a:lnTo>
+                  <a:lnTo>
+                    <a:pt x="81" y="0"/>
+                  </a:lnTo>
+                  <a:lnTo>
+                    <a:pt x="96" y="0"/>
+                  </a:lnTo>
+                  <a:lnTo>
+                    <a:pt x="96" y="386"/>
+                  </a:lnTo>
+                  <a:lnTo>
+                    <a:pt x="15" y="575"/>
+                  </a:lnTo>
+                  <a:close/>
+                </a:path>
+              </a:pathLst>
+            </a:custGeom>
+            <a:grpFill/>
+            <a:ln>
+              <a:noFill/>
+            </a:ln>
+            <a:extLst>
+              <a:ext uri="{91240B29-F687-4f45-9708-019B960494DF}">
+                <a14:hiddenLine xmlns="" xmlns:a16="http://schemas.microsoft.com/office/drawing/2014/main" xmlns:p14="http://schemas.microsoft.com/office/powerpoint/2010/main" xmlns:a14="http://schemas.microsoft.com/office/drawing/2010/main" w="9525">
+                  <a:solidFill>
+                    <a:srgbClr val="000000"/>
+                  </a:solidFill>
+                  <a:round/>
+                  <a:headEnd/>
+                  <a:tailEnd/>
+                </a14:hiddenLine>
+              </a:ext>
+            </a:extLst>
+          </p:spPr>
+        </p:sp>
+        <p:sp>
+          <p:nvSpPr>
+            <p:cNvPr id="38" name="Freeform 28">
+              <a:extLst>
+                <a:ext uri="{FF2B5EF4-FFF2-40B4-BE49-F238E27FC236}">
+                  <a16:creationId xmlns:a16="http://schemas.microsoft.com/office/drawing/2014/main" id="{A4EA0256-5DF5-437A-98A7-B79F3E6BB89A}"/>
+                </a:ext>
+                <a:ext uri="{C183D7F6-B498-43B3-948B-1728B52AA6E4}">
+                  <adec:decorative xmlns:adec="http://schemas.microsoft.com/office/drawing/2017/decorative" val="1"/>
+                </a:ext>
+              </a:extLst>
+            </p:cNvPr>
+            <p:cNvSpPr>
+              <a:spLocks noEditPoints="1"/>
+            </p:cNvSpPr>
+            <p:nvPr>
+              <p:extLst>
+                <p:ext uri="{386F3935-93C4-4BCD-93E2-E3B085C9AB24}">
+                  <p16:designElem xmlns:p16="http://schemas.microsoft.com/office/powerpoint/2015/main" val="1"/>
+                </p:ext>
+              </p:extLst>
+            </p:nvPr>
+          </p:nvSpPr>
+          <p:spPr bwMode="auto">
+            <a:xfrm>
+              <a:off x="612775" y="5246688"/>
+              <a:ext cx="190500" cy="190500"/>
+            </a:xfrm>
+            <a:custGeom>
+              <a:avLst/>
+              <a:gdLst/>
+              <a:ahLst/>
+              <a:cxnLst/>
+              <a:rect l="0" t="0" r="r" b="b"/>
+              <a:pathLst>
+                <a:path w="40" h="40">
+                  <a:moveTo>
+                    <a:pt x="20" y="40"/>
+                  </a:moveTo>
+                  <a:cubicBezTo>
+                    <a:pt x="9" y="40"/>
+                    <a:pt x="0" y="31"/>
+                    <a:pt x="0" y="20"/>
+                  </a:cubicBezTo>
+                  <a:cubicBezTo>
+                    <a:pt x="0" y="9"/>
+                    <a:pt x="9" y="0"/>
+                    <a:pt x="20" y="0"/>
+                  </a:cubicBezTo>
+                  <a:cubicBezTo>
+                    <a:pt x="31" y="0"/>
+                    <a:pt x="40" y="9"/>
+                    <a:pt x="40" y="20"/>
+                  </a:cubicBezTo>
+                  <a:cubicBezTo>
+                    <a:pt x="40" y="31"/>
+                    <a:pt x="31" y="40"/>
+                    <a:pt x="20" y="40"/>
+                  </a:cubicBezTo>
+                  <a:close/>
+                  <a:moveTo>
+                    <a:pt x="20" y="4"/>
+                  </a:moveTo>
+                  <a:cubicBezTo>
+                    <a:pt x="12" y="4"/>
+                    <a:pt x="4" y="11"/>
+                    <a:pt x="4" y="20"/>
+                  </a:cubicBezTo>
+                  <a:cubicBezTo>
+                    <a:pt x="4" y="29"/>
+                    <a:pt x="12" y="36"/>
+                    <a:pt x="20" y="36"/>
+                  </a:cubicBezTo>
+                  <a:cubicBezTo>
+                    <a:pt x="29" y="36"/>
+                    <a:pt x="36" y="29"/>
+                    <a:pt x="36" y="20"/>
+                  </a:cubicBezTo>
+                  <a:cubicBezTo>
+                    <a:pt x="36" y="11"/>
+                    <a:pt x="29" y="4"/>
+                    <a:pt x="20" y="4"/>
+                  </a:cubicBezTo>
+                  <a:close/>
+                </a:path>
+              </a:pathLst>
+            </a:custGeom>
+            <a:grpFill/>
+            <a:ln>
+              <a:noFill/>
+            </a:ln>
+            <a:extLst>
+              <a:ext uri="{91240B29-F687-4f45-9708-019B960494DF}">
+                <a14:hiddenLine xmlns="" xmlns:a16="http://schemas.microsoft.com/office/drawing/2014/main" xmlns:p14="http://schemas.microsoft.com/office/powerpoint/2010/main" xmlns:a14="http://schemas.microsoft.com/office/drawing/2010/main" w="9525">
+                  <a:solidFill>
+                    <a:srgbClr val="000000"/>
+                  </a:solidFill>
+                  <a:round/>
+                  <a:headEnd/>
+                  <a:tailEnd/>
+                </a14:hiddenLine>
+              </a:ext>
+            </a:extLst>
+          </p:spPr>
+        </p:sp>
+        <p:sp>
+          <p:nvSpPr>
+            <p:cNvPr id="39" name="Freeform 29">
+              <a:extLst>
+                <a:ext uri="{FF2B5EF4-FFF2-40B4-BE49-F238E27FC236}">
+                  <a16:creationId xmlns:a16="http://schemas.microsoft.com/office/drawing/2014/main" id="{90C9433D-9E1C-493B-BEBD-C3081FFA328F}"/>
+                </a:ext>
+                <a:ext uri="{C183D7F6-B498-43B3-948B-1728B52AA6E4}">
+                  <adec:decorative xmlns:adec="http://schemas.microsoft.com/office/drawing/2017/decorative" val="1"/>
+                </a:ext>
+              </a:extLst>
+            </p:cNvPr>
+            <p:cNvSpPr>
+              <a:spLocks noEditPoints="1"/>
+            </p:cNvSpPr>
+            <p:nvPr>
+              <p:extLst>
+                <p:ext uri="{386F3935-93C4-4BCD-93E2-E3B085C9AB24}">
+                  <p16:designElem xmlns:p16="http://schemas.microsoft.com/office/powerpoint/2015/main" val="1"/>
+                </p:ext>
+              </p:extLst>
+            </p:nvPr>
+          </p:nvSpPr>
+          <p:spPr bwMode="auto">
+            <a:xfrm>
+              <a:off x="612775" y="5764213"/>
+              <a:ext cx="190500" cy="190500"/>
+            </a:xfrm>
+            <a:custGeom>
+              <a:avLst/>
+              <a:gdLst/>
+              <a:ahLst/>
+              <a:cxnLst/>
+              <a:rect l="0" t="0" r="r" b="b"/>
+              <a:pathLst>
+                <a:path w="40" h="40">
+                  <a:moveTo>
+                    <a:pt x="20" y="40"/>
+                  </a:moveTo>
+                  <a:cubicBezTo>
+                    <a:pt x="9" y="40"/>
+                    <a:pt x="0" y="31"/>
+                    <a:pt x="0" y="20"/>
+                  </a:cubicBezTo>
+                  <a:cubicBezTo>
+                    <a:pt x="0" y="9"/>
+                    <a:pt x="9" y="0"/>
+                    <a:pt x="20" y="0"/>
+                  </a:cubicBezTo>
+                  <a:cubicBezTo>
+                    <a:pt x="31" y="0"/>
+                    <a:pt x="40" y="9"/>
+                    <a:pt x="40" y="20"/>
+                  </a:cubicBezTo>
+                  <a:cubicBezTo>
+                    <a:pt x="40" y="31"/>
+                    <a:pt x="31" y="40"/>
+                    <a:pt x="20" y="40"/>
+                  </a:cubicBezTo>
+                  <a:close/>
+                  <a:moveTo>
+                    <a:pt x="20" y="4"/>
+                  </a:moveTo>
+                  <a:cubicBezTo>
+                    <a:pt x="12" y="4"/>
+                    <a:pt x="4" y="11"/>
+                    <a:pt x="4" y="20"/>
+                  </a:cubicBezTo>
+                  <a:cubicBezTo>
+                    <a:pt x="4" y="29"/>
+                    <a:pt x="12" y="36"/>
+                    <a:pt x="20" y="36"/>
+                  </a:cubicBezTo>
+                  <a:cubicBezTo>
+                    <a:pt x="29" y="36"/>
+                    <a:pt x="36" y="29"/>
+                    <a:pt x="36" y="20"/>
+                  </a:cubicBezTo>
+                  <a:cubicBezTo>
+                    <a:pt x="36" y="11"/>
+                    <a:pt x="29" y="4"/>
+                    <a:pt x="20" y="4"/>
+                  </a:cubicBezTo>
+                  <a:close/>
+                </a:path>
+              </a:pathLst>
+            </a:custGeom>
+            <a:grpFill/>
+            <a:ln>
+              <a:noFill/>
+            </a:ln>
+            <a:extLst>
+              <a:ext uri="{91240B29-F687-4f45-9708-019B960494DF}">
+                <a14:hiddenLine xmlns="" xmlns:a16="http://schemas.microsoft.com/office/drawing/2014/main" xmlns:p14="http://schemas.microsoft.com/office/powerpoint/2010/main" xmlns:a14="http://schemas.microsoft.com/office/drawing/2010/main" w="9525">
+                  <a:solidFill>
+                    <a:srgbClr val="000000"/>
+                  </a:solidFill>
+                  <a:round/>
+                  <a:headEnd/>
+                  <a:tailEnd/>
+                </a14:hiddenLine>
+              </a:ext>
+            </a:extLst>
+          </p:spPr>
+        </p:sp>
+        <p:sp>
+          <p:nvSpPr>
+            <p:cNvPr id="40" name="Freeform 30">
+              <a:extLst>
+                <a:ext uri="{FF2B5EF4-FFF2-40B4-BE49-F238E27FC236}">
+                  <a16:creationId xmlns:a16="http://schemas.microsoft.com/office/drawing/2014/main" id="{352B39BB-F298-4285-A709-1FBA0CB722C9}"/>
+                </a:ext>
+                <a:ext uri="{C183D7F6-B498-43B3-948B-1728B52AA6E4}">
+                  <adec:decorative xmlns:adec="http://schemas.microsoft.com/office/drawing/2017/decorative" val="1"/>
+                </a:ext>
+              </a:extLst>
+            </p:cNvPr>
+            <p:cNvSpPr/>
+            <p:nvPr>
+              <p:extLst>
+                <p:ext uri="{386F3935-93C4-4BCD-93E2-E3B085C9AB24}">
+                  <p16:designElem xmlns:p16="http://schemas.microsoft.com/office/powerpoint/2015/main" val="1"/>
+                </p:ext>
+              </p:extLst>
+            </p:nvPr>
+          </p:nvSpPr>
+          <p:spPr bwMode="auto">
+            <a:xfrm>
+              <a:off x="669925" y="6330950"/>
+              <a:ext cx="417513" cy="517525"/>
+            </a:xfrm>
+            <a:custGeom>
+              <a:avLst/>
+              <a:gdLst/>
+              <a:ahLst/>
+              <a:cxnLst/>
+              <a:rect l="0" t="0" r="r" b="b"/>
+              <a:pathLst>
+                <a:path w="263" h="326">
+                  <a:moveTo>
+                    <a:pt x="15" y="326"/>
+                  </a:moveTo>
+                  <a:lnTo>
+                    <a:pt x="0" y="320"/>
+                  </a:lnTo>
+                  <a:lnTo>
+                    <a:pt x="45" y="206"/>
+                  </a:lnTo>
+                  <a:lnTo>
+                    <a:pt x="48" y="206"/>
+                  </a:lnTo>
+                  <a:lnTo>
+                    <a:pt x="254" y="0"/>
+                  </a:lnTo>
+                  <a:lnTo>
+                    <a:pt x="263" y="12"/>
+                  </a:lnTo>
+                  <a:lnTo>
+                    <a:pt x="60" y="215"/>
+                  </a:lnTo>
+                  <a:lnTo>
+                    <a:pt x="15" y="326"/>
+                  </a:lnTo>
+                  <a:close/>
+                </a:path>
+              </a:pathLst>
+            </a:custGeom>
+            <a:grpFill/>
+            <a:ln>
+              <a:noFill/>
+            </a:ln>
+            <a:extLst>
+              <a:ext uri="{91240B29-F687-4f45-9708-019B960494DF}">
+                <a14:hiddenLine xmlns="" xmlns:a16="http://schemas.microsoft.com/office/drawing/2014/main" xmlns:p14="http://schemas.microsoft.com/office/powerpoint/2010/main" xmlns:a14="http://schemas.microsoft.com/office/drawing/2010/main" w="9525">
+                  <a:solidFill>
+                    <a:srgbClr val="000000"/>
+                  </a:solidFill>
+                  <a:round/>
+                  <a:headEnd/>
+                  <a:tailEnd/>
+                </a14:hiddenLine>
+              </a:ext>
+            </a:extLst>
+          </p:spPr>
+        </p:sp>
+        <p:sp>
+          <p:nvSpPr>
+            <p:cNvPr id="41" name="Freeform 31">
+              <a:extLst>
+                <a:ext uri="{FF2B5EF4-FFF2-40B4-BE49-F238E27FC236}">
+                  <a16:creationId xmlns:a16="http://schemas.microsoft.com/office/drawing/2014/main" id="{31CAF2A0-CBA0-4E86-AA87-8750EC1AFB2E}"/>
+                </a:ext>
+                <a:ext uri="{C183D7F6-B498-43B3-948B-1728B52AA6E4}">
+                  <adec:decorative xmlns:adec="http://schemas.microsoft.com/office/drawing/2017/decorative" val="1"/>
+                </a:ext>
+              </a:extLst>
+            </p:cNvPr>
+            <p:cNvSpPr>
+              <a:spLocks noEditPoints="1"/>
+            </p:cNvSpPr>
+            <p:nvPr>
+              <p:extLst>
+                <p:ext uri="{386F3935-93C4-4BCD-93E2-E3B085C9AB24}">
+                  <p16:designElem xmlns:p16="http://schemas.microsoft.com/office/powerpoint/2015/main" val="1"/>
+                </p:ext>
+              </p:extLst>
+            </p:nvPr>
+          </p:nvSpPr>
+          <p:spPr bwMode="auto">
+            <a:xfrm>
+              <a:off x="1049337" y="6221413"/>
+              <a:ext cx="157163" cy="147638"/>
+            </a:xfrm>
+            <a:custGeom>
+              <a:avLst/>
+              <a:gdLst/>
+              <a:ahLst/>
+              <a:cxnLst/>
+              <a:rect l="0" t="0" r="r" b="b"/>
+              <a:pathLst>
+                <a:path w="33" h="31">
+                  <a:moveTo>
+                    <a:pt x="16" y="31"/>
+                  </a:moveTo>
+                  <a:cubicBezTo>
+                    <a:pt x="12" y="31"/>
+                    <a:pt x="8" y="29"/>
+                    <a:pt x="5" y="26"/>
+                  </a:cubicBezTo>
+                  <a:cubicBezTo>
+                    <a:pt x="2" y="24"/>
+                    <a:pt x="0" y="20"/>
+                    <a:pt x="0" y="15"/>
+                  </a:cubicBezTo>
+                  <a:cubicBezTo>
+                    <a:pt x="0" y="11"/>
+                    <a:pt x="2" y="7"/>
+                    <a:pt x="5" y="4"/>
+                  </a:cubicBezTo>
+                  <a:cubicBezTo>
+                    <a:pt x="8" y="1"/>
+                    <a:pt x="12" y="0"/>
+                    <a:pt x="16" y="0"/>
+                  </a:cubicBezTo>
+                  <a:cubicBezTo>
+                    <a:pt x="20" y="0"/>
+                    <a:pt x="24" y="1"/>
+                    <a:pt x="27" y="4"/>
+                  </a:cubicBezTo>
+                  <a:cubicBezTo>
+                    <a:pt x="33" y="10"/>
+                    <a:pt x="33" y="20"/>
+                    <a:pt x="27" y="26"/>
+                  </a:cubicBezTo>
+                  <a:cubicBezTo>
+                    <a:pt x="24" y="29"/>
+                    <a:pt x="20" y="31"/>
+                    <a:pt x="16" y="31"/>
+                  </a:cubicBezTo>
+                  <a:close/>
+                  <a:moveTo>
+                    <a:pt x="16" y="4"/>
+                  </a:moveTo>
+                  <a:cubicBezTo>
+                    <a:pt x="13" y="4"/>
+                    <a:pt x="10" y="5"/>
+                    <a:pt x="8" y="7"/>
+                  </a:cubicBezTo>
+                  <a:cubicBezTo>
+                    <a:pt x="6" y="9"/>
+                    <a:pt x="4" y="12"/>
+                    <a:pt x="4" y="15"/>
+                  </a:cubicBezTo>
+                  <a:cubicBezTo>
+                    <a:pt x="4" y="19"/>
+                    <a:pt x="6" y="21"/>
+                    <a:pt x="8" y="24"/>
+                  </a:cubicBezTo>
+                  <a:cubicBezTo>
+                    <a:pt x="10" y="26"/>
+                    <a:pt x="13" y="27"/>
+                    <a:pt x="16" y="27"/>
+                  </a:cubicBezTo>
+                  <a:cubicBezTo>
+                    <a:pt x="19" y="27"/>
+                    <a:pt x="22" y="26"/>
+                    <a:pt x="24" y="24"/>
+                  </a:cubicBezTo>
+                  <a:cubicBezTo>
+                    <a:pt x="29" y="19"/>
+                    <a:pt x="29" y="12"/>
+                    <a:pt x="24" y="7"/>
+                  </a:cubicBezTo>
+                  <a:cubicBezTo>
+                    <a:pt x="22" y="5"/>
+                    <a:pt x="19" y="4"/>
+                    <a:pt x="16" y="4"/>
+                  </a:cubicBezTo>
+                  <a:close/>
+                </a:path>
+              </a:pathLst>
+            </a:custGeom>
+            <a:grpFill/>
+            <a:ln>
+              <a:noFill/>
+            </a:ln>
+            <a:extLst>
+              <a:ext uri="{91240B29-F687-4f45-9708-019B960494DF}">
+                <a14:hiddenLine xmlns="" xmlns:a16="http://schemas.microsoft.com/office/drawing/2014/main" xmlns:p14="http://schemas.microsoft.com/office/powerpoint/2010/main" xmlns:a14="http://schemas.microsoft.com/office/drawing/2010/main" w="9525">
+                  <a:solidFill>
+                    <a:srgbClr val="000000"/>
+                  </a:solidFill>
+                  <a:round/>
+                  <a:headEnd/>
+                  <a:tailEnd/>
+                </a14:hiddenLine>
+              </a:ext>
+            </a:extLst>
+          </p:spPr>
+        </p:sp>
+      </p:grpSp>
+      <p:sp>
+        <p:nvSpPr>
+          <p:cNvPr id="4" name="TextBox 3">
+            <a:extLst>
+              <a:ext uri="{FF2B5EF4-FFF2-40B4-BE49-F238E27FC236}">
+                <a16:creationId xmlns:a16="http://schemas.microsoft.com/office/drawing/2014/main" id="{2585FD62-BECE-AEB5-42BC-97A71395F6BC}"/>
+              </a:ext>
+            </a:extLst>
+          </p:cNvPr>
+          <p:cNvSpPr txBox="1"/>
+          <p:nvPr/>
+        </p:nvSpPr>
+        <p:spPr>
+          <a:xfrm>
+            <a:off x="1019015" y="1093787"/>
+            <a:ext cx="3059969" cy="4697413"/>
+          </a:xfrm>
+          <a:prstGeom prst="rect">
+            <a:avLst/>
+          </a:prstGeom>
+        </p:spPr>
+        <p:txBody>
+          <a:bodyPr vert="horz" lIns="91440" tIns="45720" rIns="91440" bIns="45720" rtlCol="0" anchor="ctr">
+            <a:normAutofit/>
+          </a:bodyPr>
+          <a:lstStyle/>
+          <a:p>
+            <a:pPr lvl="0" defTabSz="914400">
+              <a:lnSpc>
+                <a:spcPct val="90000"/>
+              </a:lnSpc>
+              <a:spcBef>
+                <a:spcPct val="0"/>
+              </a:spcBef>
+              <a:spcAft>
+                <a:spcPts val="600"/>
+              </a:spcAft>
+            </a:pPr>
+            <a:r>
+              <a:rPr lang="en-US" sz="3600" b="1" cap="all">
+                <a:latin typeface="+mj-lt"/>
+                <a:ea typeface="+mj-ea"/>
+                <a:cs typeface="+mj-cs"/>
+              </a:rPr>
+              <a:t>Conclusion and Insights</a:t>
+            </a:r>
+          </a:p>
+        </p:txBody>
+      </p:sp>
+      <p:sp useBgFill="1">
+        <p:nvSpPr>
+          <p:cNvPr id="104" name="Round Diagonal Corner Rectangle 7">
+            <a:extLst>
+              <a:ext uri="{FF2B5EF4-FFF2-40B4-BE49-F238E27FC236}">
+                <a16:creationId xmlns:a16="http://schemas.microsoft.com/office/drawing/2014/main" id="{7D1C411D-0818-4640-8657-2AF78250C802}"/>
+              </a:ext>
+              <a:ext uri="{C183D7F6-B498-43B3-948B-1728B52AA6E4}">
+                <adec:decorative xmlns:adec="http://schemas.microsoft.com/office/drawing/2017/decorative" val="1"/>
+              </a:ext>
+            </a:extLst>
+          </p:cNvPr>
+          <p:cNvSpPr>
+            <a:spLocks noGrp="1" noRot="1" noChangeAspect="1" noMove="1" noResize="1" noEditPoints="1" noAdjustHandles="1" noChangeArrowheads="1" noChangeShapeType="1" noTextEdit="1"/>
+          </p:cNvSpPr>
+          <p:nvPr>
+            <p:extLst>
+              <p:ext uri="{386F3935-93C4-4BCD-93E2-E3B085C9AB24}">
+                <p16:designElem xmlns:p16="http://schemas.microsoft.com/office/powerpoint/2015/main" val="1"/>
+              </p:ext>
+            </p:extLst>
+          </p:nvPr>
+        </p:nvSpPr>
+        <p:spPr>
+          <a:xfrm>
+            <a:off x="4625084" y="0"/>
+            <a:ext cx="7566916" cy="6848476"/>
+          </a:xfrm>
+          <a:prstGeom prst="round2DiagRect">
+            <a:avLst>
+              <a:gd name="adj1" fmla="val 0"/>
+              <a:gd name="adj2" fmla="val 0"/>
+            </a:avLst>
+          </a:prstGeom>
+          <a:ln w="19050" cap="sq">
+            <a:noFill/>
+            <a:miter lim="800000"/>
+          </a:ln>
+          <a:effectLst/>
+        </p:spPr>
+        <p:style>
+          <a:lnRef idx="1">
+            <a:schemeClr val="accent1"/>
+          </a:lnRef>
+          <a:fillRef idx="3">
+            <a:schemeClr val="accent1"/>
+          </a:fillRef>
+          <a:effectRef idx="2">
+            <a:schemeClr val="accent1"/>
+          </a:effectRef>
+          <a:fontRef idx="minor">
+            <a:schemeClr val="lt1"/>
+          </a:fontRef>
+        </p:style>
+        <p:txBody>
+          <a:bodyPr rtlCol="0" anchor="ctr"/>
+          <a:lstStyle/>
+          <a:p>
+            <a:pPr algn="ctr"/>
+            <a:endParaRPr lang="en-US"/>
+          </a:p>
+        </p:txBody>
+      </p:sp>
+      <p:sp>
+        <p:nvSpPr>
+          <p:cNvPr id="105" name="TextBox 6">
+            <a:extLst>
+              <a:ext uri="{FF2B5EF4-FFF2-40B4-BE49-F238E27FC236}">
+                <a16:creationId xmlns:a16="http://schemas.microsoft.com/office/drawing/2014/main" id="{2DCDE504-A267-D140-48C6-F99627BF511B}"/>
+              </a:ext>
+            </a:extLst>
+          </p:cNvPr>
+          <p:cNvSpPr txBox="1"/>
+          <p:nvPr/>
+        </p:nvSpPr>
+        <p:spPr>
+          <a:xfrm>
+            <a:off x="5341041" y="1422400"/>
+            <a:ext cx="5831944" cy="4697413"/>
+          </a:xfrm>
+          <a:prstGeom prst="rect">
+            <a:avLst/>
+          </a:prstGeom>
+        </p:spPr>
+        <p:txBody>
+          <a:bodyPr vert="horz" lIns="91440" tIns="45720" rIns="91440" bIns="45720" rtlCol="0">
+            <a:normAutofit/>
+          </a:bodyPr>
+          <a:lstStyle/>
+          <a:p>
+            <a:pPr marL="285750" indent="-228600" defTabSz="914400">
+              <a:lnSpc>
+                <a:spcPct val="120000"/>
+              </a:lnSpc>
+              <a:spcAft>
+                <a:spcPts val="600"/>
+              </a:spcAft>
+              <a:buSzPct val="125000"/>
+              <a:buFont typeface="Arial" panose="020B0604020202020204" pitchFamily="34" charset="0"/>
+              <a:buChar char="•"/>
+            </a:pPr>
+            <a:r>
+              <a:rPr lang="en-US" dirty="0"/>
+              <a:t>Deep learning methods yielded better results than traditional machine learning methods for this complex problem</a:t>
+            </a:r>
+          </a:p>
+          <a:p>
+            <a:pPr marL="285750" indent="-228600" defTabSz="914400">
+              <a:lnSpc>
+                <a:spcPct val="120000"/>
+              </a:lnSpc>
+              <a:spcAft>
+                <a:spcPts val="600"/>
+              </a:spcAft>
+              <a:buSzPct val="125000"/>
+              <a:buFont typeface="Arial" panose="020B0604020202020204" pitchFamily="34" charset="0"/>
+              <a:buChar char="•"/>
+            </a:pPr>
+            <a:r>
+              <a:rPr lang="en-US" dirty="0"/>
+              <a:t>Attempted to alter network structure by adding or removing layers during fine-tuning process</a:t>
+            </a:r>
+          </a:p>
+          <a:p>
+            <a:pPr marL="285750" indent="-228600" defTabSz="914400">
+              <a:lnSpc>
+                <a:spcPct val="120000"/>
+              </a:lnSpc>
+              <a:spcAft>
+                <a:spcPts val="600"/>
+              </a:spcAft>
+              <a:buSzPct val="125000"/>
+              <a:buFont typeface="Arial" panose="020B0604020202020204" pitchFamily="34" charset="0"/>
+              <a:buChar char="•"/>
+            </a:pPr>
+            <a:r>
+              <a:rPr lang="en-US" dirty="0"/>
+              <a:t>Observed that imbalanced data greatly impacted results</a:t>
+            </a:r>
+          </a:p>
+          <a:p>
+            <a:pPr marL="285750" indent="-228600" defTabSz="914400">
+              <a:lnSpc>
+                <a:spcPct val="120000"/>
+              </a:lnSpc>
+              <a:spcAft>
+                <a:spcPts val="600"/>
+              </a:spcAft>
+              <a:buSzPct val="125000"/>
+              <a:buFont typeface="Arial" panose="020B0604020202020204" pitchFamily="34" charset="0"/>
+              <a:buChar char="•"/>
+            </a:pPr>
+            <a:r>
+              <a:rPr lang="en-US" dirty="0"/>
+              <a:t>Attempted to balance data which significantly improved accuracy of networks</a:t>
+            </a:r>
+          </a:p>
+          <a:p>
+            <a:pPr marL="285750" indent="-228600" defTabSz="914400">
+              <a:lnSpc>
+                <a:spcPct val="120000"/>
+              </a:lnSpc>
+              <a:spcAft>
+                <a:spcPts val="600"/>
+              </a:spcAft>
+              <a:buSzPct val="125000"/>
+              <a:buFont typeface="Arial" panose="020B0604020202020204" pitchFamily="34" charset="0"/>
+              <a:buChar char="•"/>
+            </a:pPr>
+            <a:r>
+              <a:rPr lang="en-US" dirty="0"/>
+              <a:t>More data for under-represented genres may improve model performance without the need for manual data balancing.</a:t>
+            </a:r>
+          </a:p>
+        </p:txBody>
+      </p:sp>
+      <p:sp>
+        <p:nvSpPr>
+          <p:cNvPr id="3" name="TextBox 2">
+            <a:extLst>
+              <a:ext uri="{FF2B5EF4-FFF2-40B4-BE49-F238E27FC236}">
+                <a16:creationId xmlns:a16="http://schemas.microsoft.com/office/drawing/2014/main" id="{4F92A312-9CF0-468A-D2CB-2176B404B89F}"/>
+              </a:ext>
+            </a:extLst>
+          </p:cNvPr>
+          <p:cNvSpPr txBox="1"/>
+          <p:nvPr/>
+        </p:nvSpPr>
+        <p:spPr>
+          <a:xfrm>
+            <a:off x="1380354" y="1148201"/>
+            <a:ext cx="9875792" cy="4863663"/>
+          </a:xfrm>
+          <a:prstGeom prst="rect">
+            <a:avLst/>
+          </a:prstGeom>
+        </p:spPr>
+        <p:txBody>
+          <a:bodyPr vert="horz" lIns="91440" tIns="45720" rIns="91440" bIns="45720" rtlCol="0" anchor="ctr">
+            <a:normAutofit/>
+          </a:bodyPr>
+          <a:lstStyle/>
+          <a:p>
+            <a:pPr defTabSz="914400">
+              <a:lnSpc>
+                <a:spcPct val="120000"/>
+              </a:lnSpc>
+              <a:spcAft>
+                <a:spcPts val="600"/>
+              </a:spcAft>
+              <a:buSzPct val="125000"/>
+            </a:pPr>
+            <a:endParaRPr lang="en-US" dirty="0"/>
+          </a:p>
+        </p:txBody>
+      </p:sp>
+    </p:spTree>
+    <p:extLst>
+      <p:ext uri="{BB962C8B-B14F-4D97-AF65-F5344CB8AC3E}">
+        <p14:creationId xmlns:p14="http://schemas.microsoft.com/office/powerpoint/2010/main" val="1345553927"/>
+      </p:ext>
+    </p:extLst>
+  </p:cSld>
+  <p:clrMapOvr>
+    <a:masterClrMapping/>
+  </p:clrMapOvr>
+</p:sld>
+</file>
+
 <file path=ppt/slides/slide2.xml><?xml version="1.0" encoding="utf-8"?>
 <p:sld xmlns:a="http://schemas.openxmlformats.org/drawingml/2006/main" xmlns:r="http://schemas.openxmlformats.org/officeDocument/2006/relationships" xmlns:p="http://schemas.openxmlformats.org/presentationml/2006/main">
   <p:cSld>
@@ -22238,7 +26054,7 @@
           <p:nvPr>
             <p:extLst>
               <p:ext uri="{D42A27DB-BD31-4B8C-83A1-F6EECF244321}">
-                <p14:modId xmlns:p14="http://schemas.microsoft.com/office/powerpoint/2010/main" val="2636197735"/>
+                <p14:modId xmlns:p14="http://schemas.microsoft.com/office/powerpoint/2010/main" val="2296663586"/>
               </p:ext>
             </p:extLst>
           </p:nvPr>
@@ -24895,7 +28711,24 @@
             </a:pPr>
             <a:r>
               <a:rPr lang="en-US" dirty="0"/>
-              <a:t>As part of our preprocessing, we decided to reduce the number of classes by removing the classes that no song is belong to them.</a:t>
+              <a:t>As part of our preprocessing, we decided to reduce the number of classes by removing the classes that no song belongs to them.</a:t>
+            </a:r>
+          </a:p>
+          <a:p>
+            <a:pPr indent="-228600" defTabSz="914400">
+              <a:lnSpc>
+                <a:spcPct val="120000"/>
+              </a:lnSpc>
+              <a:spcAft>
+                <a:spcPts val="600"/>
+              </a:spcAft>
+              <a:buSzPct val="125000"/>
+              <a:buFont typeface="Arial" panose="020B0604020202020204" pitchFamily="34" charset="0"/>
+              <a:buChar char="•"/>
+            </a:pPr>
+            <a:r>
+              <a:rPr lang="en-US" dirty="0"/>
+              <a:t>This step left us with 16 genres.</a:t>
             </a:r>
           </a:p>
         </p:txBody>
@@ -25948,8 +29781,8 @@
         </p:nvSpPr>
         <p:spPr>
           <a:xfrm>
-            <a:off x="2097500" y="3171683"/>
-            <a:ext cx="883046" cy="369332"/>
+            <a:off x="1646338" y="3160527"/>
+            <a:ext cx="1775634" cy="369332"/>
           </a:xfrm>
           <a:prstGeom prst="rect">
             <a:avLst/>
@@ -25964,7 +29797,7 @@
           <a:p>
             <a:r>
               <a:rPr lang="en-US" dirty="0"/>
-              <a:t>Before</a:t>
+              <a:t>Before Balancing</a:t>
             </a:r>
           </a:p>
         </p:txBody>
@@ -25983,8 +29816,8 @@
         </p:nvSpPr>
         <p:spPr>
           <a:xfrm>
-            <a:off x="2108084" y="6188823"/>
-            <a:ext cx="883046" cy="369332"/>
+            <a:off x="1719647" y="6226731"/>
+            <a:ext cx="1629015" cy="369332"/>
           </a:xfrm>
           <a:prstGeom prst="rect">
             <a:avLst/>
@@ -25999,7 +29832,7 @@
           <a:p>
             <a:r>
               <a:rPr lang="en-US" dirty="0"/>
-              <a:t>After</a:t>
+              <a:t>After Balancing</a:t>
             </a:r>
           </a:p>
         </p:txBody>
@@ -26080,46 +29913,6 @@
       </p:grpSpPr>
       <p:sp>
         <p:nvSpPr>
-          <p:cNvPr id="4" name="TextBox 3">
-            <a:extLst>
-              <a:ext uri="{FF2B5EF4-FFF2-40B4-BE49-F238E27FC236}">
-                <a16:creationId xmlns:a16="http://schemas.microsoft.com/office/drawing/2014/main" id="{DB27843D-F995-053B-8E51-B78467D41E11}"/>
-              </a:ext>
-            </a:extLst>
-          </p:cNvPr>
-          <p:cNvSpPr txBox="1"/>
-          <p:nvPr/>
-        </p:nvSpPr>
-        <p:spPr>
-          <a:xfrm>
-            <a:off x="1503763" y="3125745"/>
-            <a:ext cx="6103398" cy="369332"/>
-          </a:xfrm>
-          <a:prstGeom prst="rect">
-            <a:avLst/>
-          </a:prstGeom>
-          <a:noFill/>
-        </p:spPr>
-        <p:txBody>
-          <a:bodyPr wrap="square">
-            <a:spAutoFit/>
-          </a:bodyPr>
-          <a:lstStyle/>
-          <a:p>
-            <a:pPr marL="285750" indent="-285750">
-              <a:buFont typeface="Arial" panose="020B0604020202020204" pitchFamily="34" charset="0"/>
-              <a:buChar char="•"/>
-            </a:pPr>
-            <a:r>
-              <a:rPr lang="en-US" sz="1800" dirty="0"/>
-              <a:t>Cross correlation - </a:t>
-            </a:r>
-            <a:endParaRPr lang="he-IL" dirty="0"/>
-          </a:p>
-        </p:txBody>
-      </p:sp>
-      <p:sp>
-        <p:nvSpPr>
           <p:cNvPr id="5" name="TextBox 4">
             <a:extLst>
               <a:ext uri="{FF2B5EF4-FFF2-40B4-BE49-F238E27FC236}">
@@ -26132,8 +29925,8 @@
         </p:nvSpPr>
         <p:spPr>
           <a:xfrm>
-            <a:off x="1503763" y="4819857"/>
-            <a:ext cx="6103398" cy="369332"/>
+            <a:off x="1503763" y="2505670"/>
+            <a:ext cx="6103398" cy="923330"/>
           </a:xfrm>
           <a:prstGeom prst="rect">
             <a:avLst/>
@@ -26156,7 +29949,11 @@
             </a:r>
             <a:r>
               <a:rPr lang="en-US" sz="1800" dirty="0"/>
-              <a:t>alancing - </a:t>
+              <a:t>alancing – We noticed that we have some </a:t>
+            </a:r>
+            <a:r>
+              <a:rPr lang="en-US" dirty="0"/>
+              <a:t>classes that have much less samples than other classes. We decided to use SMOTE to balance the data.</a:t>
             </a:r>
             <a:endParaRPr lang="he-IL" dirty="0"/>
           </a:p>
@@ -26230,27 +30027,25 @@
   <p:cSld>
     <p:bg>
       <p:bgPr>
-        <a:gradFill rotWithShape="1">
-          <a:gsLst>
-            <a:gs pos="0">
+        <a:blipFill>
+          <a:blip r:embed="rId2">
+            <a:duotone>
+              <a:schemeClr val="bg2">
+                <a:shade val="88000"/>
+                <a:hueMod val="106000"/>
+                <a:satMod val="140000"/>
+                <a:lumMod val="54000"/>
+              </a:schemeClr>
               <a:schemeClr val="bg2">
                 <a:tint val="98000"/>
-                <a:hueMod val="94000"/>
-                <a:satMod val="148000"/>
-                <a:lumMod val="150000"/>
+                <a:hueMod val="90000"/>
+                <a:satMod val="150000"/>
+                <a:lumMod val="160000"/>
               </a:schemeClr>
-            </a:gs>
-            <a:gs pos="100000">
-              <a:schemeClr val="bg2">
-                <a:shade val="92000"/>
-                <a:hueMod val="104000"/>
-                <a:satMod val="140000"/>
-                <a:lumMod val="68000"/>
-              </a:schemeClr>
-            </a:gs>
-          </a:gsLst>
-          <a:lin ang="5040000" scaled="0"/>
-        </a:gradFill>
+            </a:duotone>
+          </a:blip>
+          <a:stretch/>
+        </a:blipFill>
         <a:effectLst/>
       </p:bgPr>
     </p:bg>
@@ -26270,10 +30065,10 @@
       </p:grpSpPr>
       <p:sp useBgFill="1">
         <p:nvSpPr>
-          <p:cNvPr id="1084" name="Rectangle 1083">
+          <p:cNvPr id="1132" name="Rectangle 1131">
             <a:extLst>
               <a:ext uri="{FF2B5EF4-FFF2-40B4-BE49-F238E27FC236}">
-                <a16:creationId xmlns:a16="http://schemas.microsoft.com/office/drawing/2014/main" id="{E978A47D-4F17-40FE-AB70-7AF78A9575EB}"/>
+                <a16:creationId xmlns:a16="http://schemas.microsoft.com/office/drawing/2014/main" id="{C2E4E997-8672-4FFD-B8EC-9932A8E4714B}"/>
               </a:ext>
               <a:ext uri="{C183D7F6-B498-43B3-948B-1728B52AA6E4}">
                 <adec:decorative xmlns:adec="http://schemas.microsoft.com/office/drawing/2017/decorative" val="1"/>
@@ -26293,7 +30088,7 @@
         </p:nvSpPr>
         <p:spPr>
           <a:xfrm>
-            <a:off x="25400" y="-14287"/>
+            <a:off x="0" y="0"/>
             <a:ext cx="12192000" cy="6858000"/>
           </a:xfrm>
           <a:prstGeom prst="rect">
@@ -26309,8 +30104,8 @@
               <a:shade val="50000"/>
             </a:schemeClr>
           </a:lnRef>
-          <a:fillRef idx="1">
-            <a:schemeClr val="accent1"/>
+          <a:fillRef idx="1003">
+            <a:schemeClr val="dk2"/>
           </a:fillRef>
           <a:effectRef idx="0">
             <a:schemeClr val="accent1"/>
@@ -26328,12 +30123,323 @@
           </a:p>
         </p:txBody>
       </p:sp>
+      <p:pic>
+        <p:nvPicPr>
+          <p:cNvPr id="1134" name="Picture 2">
+            <a:extLst>
+              <a:ext uri="{FF2B5EF4-FFF2-40B4-BE49-F238E27FC236}">
+                <a16:creationId xmlns:a16="http://schemas.microsoft.com/office/drawing/2014/main" id="{FE6BA9E6-1D9E-4D30-B528-D49FA1342E4E}"/>
+              </a:ext>
+              <a:ext uri="{C183D7F6-B498-43B3-948B-1728B52AA6E4}">
+                <adec:decorative xmlns:adec="http://schemas.microsoft.com/office/drawing/2017/decorative" val="1"/>
+              </a:ext>
+            </a:extLst>
+          </p:cNvPr>
+          <p:cNvPicPr>
+            <a:picLocks noGrp="1" noRot="1" noChangeAspect="1" noMove="1" noResize="1" noEditPoints="1" noAdjustHandles="1" noChangeArrowheads="1" noChangeShapeType="1" noCrop="1"/>
+          </p:cNvPicPr>
+          <p:nvPr>
+            <p:extLst>
+              <p:ext uri="{386F3935-93C4-4BCD-93E2-E3B085C9AB24}">
+                <p16:designElem xmlns:p16="http://schemas.microsoft.com/office/powerpoint/2015/main" val="1"/>
+              </p:ext>
+            </p:extLst>
+          </p:nvPr>
+        </p:nvPicPr>
+        <p:blipFill>
+          <a:blip r:embed="rId3">
+            <a:alphaModFix amt="30000"/>
+            <a:extLst>
+              <a:ext uri="{28A0092B-C50C-407E-A947-70E740481C1C}">
+                <a14:useLocalDpi xmlns:a14="http://schemas.microsoft.com/office/drawing/2010/main" val="0"/>
+              </a:ext>
+            </a:extLst>
+          </a:blip>
+          <a:srcRect/>
+          <a:stretch>
+            <a:fillRect/>
+          </a:stretch>
+        </p:blipFill>
+        <p:spPr bwMode="auto">
+          <a:xfrm>
+            <a:off x="0" y="0"/>
+            <a:ext cx="12192003" cy="6858001"/>
+          </a:xfrm>
+          <a:prstGeom prst="rect">
+            <a:avLst/>
+          </a:prstGeom>
+          <a:noFill/>
+          <a:extLst>
+            <a:ext uri="{909E8E84-426E-40dd-AFC4-6F175D3DCCD1}">
+              <a14:hiddenFill xmlns="" xmlns:a16="http://schemas.microsoft.com/office/drawing/2014/main" xmlns:p14="http://schemas.microsoft.com/office/powerpoint/2010/main" xmlns:a14="http://schemas.microsoft.com/office/drawing/2010/main">
+                <a:solidFill>
+                  <a:srgbClr val="FFFFFF"/>
+                </a:solidFill>
+              </a14:hiddenFill>
+            </a:ext>
+          </a:extLst>
+        </p:spPr>
+      </p:pic>
+      <p:sp>
+        <p:nvSpPr>
+          <p:cNvPr id="5" name="TextBox 4">
+            <a:extLst>
+              <a:ext uri="{FF2B5EF4-FFF2-40B4-BE49-F238E27FC236}">
+                <a16:creationId xmlns:a16="http://schemas.microsoft.com/office/drawing/2014/main" id="{4232B5AD-89F0-ED5C-B734-15E6C52EDC2D}"/>
+              </a:ext>
+            </a:extLst>
+          </p:cNvPr>
+          <p:cNvSpPr txBox="1"/>
+          <p:nvPr/>
+        </p:nvSpPr>
+        <p:spPr>
+          <a:xfrm>
+            <a:off x="1141413" y="618518"/>
+            <a:ext cx="4459286" cy="1478570"/>
+          </a:xfrm>
+          <a:prstGeom prst="rect">
+            <a:avLst/>
+          </a:prstGeom>
+        </p:spPr>
+        <p:txBody>
+          <a:bodyPr vert="horz" lIns="91440" tIns="45720" rIns="91440" bIns="45720" rtlCol="0" anchor="ctr">
+            <a:normAutofit/>
+          </a:bodyPr>
+          <a:lstStyle/>
+          <a:p>
+            <a:pPr lvl="0" defTabSz="914400">
+              <a:lnSpc>
+                <a:spcPct val="90000"/>
+              </a:lnSpc>
+              <a:spcBef>
+                <a:spcPct val="0"/>
+              </a:spcBef>
+              <a:spcAft>
+                <a:spcPts val="600"/>
+              </a:spcAft>
+            </a:pPr>
+            <a:r>
+              <a:rPr lang="en-US" sz="3200" b="1" cap="all" dirty="0">
+                <a:latin typeface="+mj-lt"/>
+                <a:ea typeface="+mj-ea"/>
+                <a:cs typeface="+mj-cs"/>
+              </a:rPr>
+              <a:t>Creating the CNN</a:t>
+            </a:r>
+          </a:p>
+        </p:txBody>
+      </p:sp>
+      <p:sp>
+        <p:nvSpPr>
+          <p:cNvPr id="10" name="TextBox 9">
+            <a:extLst>
+              <a:ext uri="{FF2B5EF4-FFF2-40B4-BE49-F238E27FC236}">
+                <a16:creationId xmlns:a16="http://schemas.microsoft.com/office/drawing/2014/main" id="{9E8C23FA-514E-6695-3083-F345B8C5B5FA}"/>
+              </a:ext>
+            </a:extLst>
+          </p:cNvPr>
+          <p:cNvSpPr txBox="1"/>
+          <p:nvPr/>
+        </p:nvSpPr>
+        <p:spPr>
+          <a:xfrm>
+            <a:off x="1141412" y="1857376"/>
+            <a:ext cx="4459287" cy="3965046"/>
+          </a:xfrm>
+          <a:prstGeom prst="rect">
+            <a:avLst/>
+          </a:prstGeom>
+        </p:spPr>
+        <p:txBody>
+          <a:bodyPr vert="horz" lIns="91440" tIns="45720" rIns="91440" bIns="45720" rtlCol="0">
+            <a:normAutofit/>
+          </a:bodyPr>
+          <a:lstStyle/>
+          <a:p>
+            <a:pPr indent="-228600" defTabSz="914400">
+              <a:lnSpc>
+                <a:spcPct val="110000"/>
+              </a:lnSpc>
+              <a:spcAft>
+                <a:spcPts val="600"/>
+              </a:spcAft>
+              <a:buSzPct val="125000"/>
+              <a:buFont typeface="Arial" panose="020B0604020202020204" pitchFamily="34" charset="0"/>
+              <a:buChar char="•"/>
+            </a:pPr>
+            <a:r>
+              <a:rPr lang="en-US" sz="2000" dirty="0"/>
+              <a:t>We built the model dynamically, meaning we changed the amount and size of layers to try and get the best results.</a:t>
+            </a:r>
+          </a:p>
+          <a:p>
+            <a:pPr indent="-228600" defTabSz="914400">
+              <a:lnSpc>
+                <a:spcPct val="110000"/>
+              </a:lnSpc>
+              <a:spcAft>
+                <a:spcPts val="600"/>
+              </a:spcAft>
+              <a:buSzPct val="125000"/>
+              <a:buFont typeface="Arial" panose="020B0604020202020204" pitchFamily="34" charset="0"/>
+              <a:buChar char="•"/>
+            </a:pPr>
+            <a:r>
+              <a:rPr lang="en-US" sz="2000" dirty="0"/>
+              <a:t>The overall scheme was the following:</a:t>
+            </a:r>
+          </a:p>
+          <a:p>
+            <a:pPr lvl="1" indent="-228600" defTabSz="914400">
+              <a:lnSpc>
+                <a:spcPct val="110000"/>
+              </a:lnSpc>
+              <a:spcAft>
+                <a:spcPts val="600"/>
+              </a:spcAft>
+              <a:buSzPct val="125000"/>
+              <a:buFont typeface="Arial" panose="020B0604020202020204" pitchFamily="34" charset="0"/>
+              <a:buChar char="•"/>
+            </a:pPr>
+            <a:r>
+              <a:rPr lang="en-US" sz="2000" dirty="0"/>
+              <a:t>Convolution mixed with Max Pooling</a:t>
+            </a:r>
+          </a:p>
+          <a:p>
+            <a:pPr lvl="1" indent="-228600" defTabSz="914400">
+              <a:lnSpc>
+                <a:spcPct val="110000"/>
+              </a:lnSpc>
+              <a:spcAft>
+                <a:spcPts val="600"/>
+              </a:spcAft>
+              <a:buSzPct val="125000"/>
+              <a:buFont typeface="Arial" panose="020B0604020202020204" pitchFamily="34" charset="0"/>
+              <a:buChar char="•"/>
+            </a:pPr>
+            <a:r>
+              <a:rPr lang="en-US" sz="2000" dirty="0"/>
+              <a:t>Flatten the data</a:t>
+            </a:r>
+          </a:p>
+          <a:p>
+            <a:pPr lvl="1" indent="-228600" defTabSz="914400">
+              <a:lnSpc>
+                <a:spcPct val="110000"/>
+              </a:lnSpc>
+              <a:spcAft>
+                <a:spcPts val="600"/>
+              </a:spcAft>
+              <a:buSzPct val="125000"/>
+              <a:buFont typeface="Arial" panose="020B0604020202020204" pitchFamily="34" charset="0"/>
+              <a:buChar char="•"/>
+            </a:pPr>
+            <a:r>
+              <a:rPr lang="en-US" sz="2000" dirty="0"/>
+              <a:t>Fully connected dense layers</a:t>
+            </a:r>
+          </a:p>
+          <a:p>
+            <a:pPr lvl="1" indent="-228600" defTabSz="914400">
+              <a:lnSpc>
+                <a:spcPct val="110000"/>
+              </a:lnSpc>
+              <a:spcAft>
+                <a:spcPts val="600"/>
+              </a:spcAft>
+              <a:buSzPct val="125000"/>
+              <a:buFont typeface="Arial" panose="020B0604020202020204" pitchFamily="34" charset="0"/>
+              <a:buChar char="•"/>
+            </a:pPr>
+            <a:r>
+              <a:rPr lang="en-US" sz="2000" dirty="0"/>
+              <a:t>Dropout layers</a:t>
+            </a:r>
+          </a:p>
+          <a:p>
+            <a:pPr marL="228600" lvl="1" indent="-228600" defTabSz="914400">
+              <a:lnSpc>
+                <a:spcPct val="110000"/>
+              </a:lnSpc>
+              <a:spcAft>
+                <a:spcPts val="600"/>
+              </a:spcAft>
+              <a:buSzPct val="125000"/>
+              <a:buFont typeface="Arial" panose="020B0604020202020204" pitchFamily="34" charset="0"/>
+              <a:buChar char="•"/>
+            </a:pPr>
+            <a:r>
+              <a:rPr lang="en-US" sz="2000" dirty="0"/>
+              <a:t>In the last layer, the activation function is </a:t>
+            </a:r>
+            <a:r>
+              <a:rPr lang="en-US" sz="2000" dirty="0" err="1"/>
+              <a:t>Softmax</a:t>
+            </a:r>
+            <a:r>
+              <a:rPr lang="en-US" sz="2000" dirty="0"/>
+              <a:t>, as we have multiple classes.</a:t>
+            </a:r>
+          </a:p>
+        </p:txBody>
+      </p:sp>
+      <p:pic>
+        <p:nvPicPr>
+          <p:cNvPr id="6" name="Picture 5" descr="Text&#10;&#10;Description automatically generated">
+            <a:extLst>
+              <a:ext uri="{FF2B5EF4-FFF2-40B4-BE49-F238E27FC236}">
+                <a16:creationId xmlns:a16="http://schemas.microsoft.com/office/drawing/2014/main" id="{C04F763E-0D45-BAB4-9520-9D678F9C469D}"/>
+              </a:ext>
+            </a:extLst>
+          </p:cNvPr>
+          <p:cNvPicPr>
+            <a:picLocks noChangeAspect="1"/>
+          </p:cNvPicPr>
+          <p:nvPr/>
+        </p:nvPicPr>
+        <p:blipFill>
+          <a:blip r:embed="rId4"/>
+          <a:stretch>
+            <a:fillRect/>
+          </a:stretch>
+        </p:blipFill>
+        <p:spPr>
+          <a:xfrm>
+            <a:off x="6340908" y="618518"/>
+            <a:ext cx="4966462" cy="5596015"/>
+          </a:xfrm>
+          <a:prstGeom prst="round2DiagRect">
+            <a:avLst>
+              <a:gd name="adj1" fmla="val 5608"/>
+              <a:gd name="adj2" fmla="val 0"/>
+            </a:avLst>
+          </a:prstGeom>
+          <a:ln w="19050" cap="sq">
+            <a:solidFill>
+              <a:schemeClr val="tx2">
+                <a:lumMod val="60000"/>
+                <a:lumOff val="40000"/>
+                <a:alpha val="60000"/>
+              </a:schemeClr>
+            </a:solidFill>
+            <a:miter lim="800000"/>
+          </a:ln>
+          <a:effectLst>
+            <a:outerShdw blurRad="88900" dist="38100" dir="5400000" algn="t" rotWithShape="0">
+              <a:prstClr val="black">
+                <a:alpha val="40000"/>
+              </a:prstClr>
+            </a:outerShdw>
+          </a:effectLst>
+        </p:spPr>
+      </p:pic>
       <p:grpSp>
         <p:nvGrpSpPr>
-          <p:cNvPr id="1086" name="Group 1085">
+          <p:cNvPr id="1136" name="Group 1135">
             <a:extLst>
               <a:ext uri="{FF2B5EF4-FFF2-40B4-BE49-F238E27FC236}">
-                <a16:creationId xmlns:a16="http://schemas.microsoft.com/office/drawing/2014/main" id="{85BE3A7E-6A3F-401E-A025-BBB8FDB8DD30}"/>
+                <a16:creationId xmlns:a16="http://schemas.microsoft.com/office/drawing/2014/main" id="{453E4DEE-E996-40F8-8635-0FF43D7348F9}"/>
               </a:ext>
               <a:ext uri="{C183D7F6-B498-43B3-948B-1728B52AA6E4}">
                 <adec:decorative xmlns:adec="http://schemas.microsoft.com/office/drawing/2017/decorative" val="1"/>
@@ -26353,23 +30459,33 @@
         </p:nvGrpSpPr>
         <p:grpSpPr>
           <a:xfrm>
-            <a:off x="-14288" y="0"/>
+            <a:off x="0" y="0"/>
             <a:ext cx="1220788" cy="6858001"/>
             <a:chOff x="-14288" y="0"/>
             <a:chExt cx="1220788" cy="6858001"/>
           </a:xfrm>
-          <a:solidFill>
-            <a:schemeClr val="tx1">
-              <a:alpha val="60000"/>
-            </a:schemeClr>
-          </a:solidFill>
+          <a:gradFill flip="none" rotWithShape="1">
+            <a:gsLst>
+              <a:gs pos="0">
+                <a:schemeClr val="tx2"/>
+              </a:gs>
+              <a:gs pos="100000">
+                <a:schemeClr val="bg2">
+                  <a:lumMod val="60000"/>
+                  <a:lumOff val="40000"/>
+                </a:schemeClr>
+              </a:gs>
+            </a:gsLst>
+            <a:lin ang="5400000" scaled="0"/>
+            <a:tileRect/>
+          </a:gradFill>
         </p:grpSpPr>
         <p:sp>
           <p:nvSpPr>
-            <p:cNvPr id="1087" name="Rectangle 5">
+            <p:cNvPr id="1137" name="Rectangle 5">
               <a:extLst>
                 <a:ext uri="{FF2B5EF4-FFF2-40B4-BE49-F238E27FC236}">
-                  <a16:creationId xmlns:a16="http://schemas.microsoft.com/office/drawing/2014/main" id="{41EE9036-817C-476C-BD59-B5184F9A3E35}"/>
+                  <a16:creationId xmlns:a16="http://schemas.microsoft.com/office/drawing/2014/main" id="{08BD1D3E-43CE-49EB-A424-0738950C6424}"/>
                 </a:ext>
                 <a:ext uri="{C183D7F6-B498-43B3-948B-1728B52AA6E4}">
                   <adec:decorative xmlns:adec="http://schemas.microsoft.com/office/drawing/2017/decorative" val="1"/>
@@ -26415,10 +30531,10 @@
         </p:sp>
         <p:sp>
           <p:nvSpPr>
-            <p:cNvPr id="1088" name="Freeform 6">
+            <p:cNvPr id="1138" name="Freeform 6">
               <a:extLst>
                 <a:ext uri="{FF2B5EF4-FFF2-40B4-BE49-F238E27FC236}">
-                  <a16:creationId xmlns:a16="http://schemas.microsoft.com/office/drawing/2014/main" id="{F098087A-B4E4-4300-A841-44988BD88E2F}"/>
+                  <a16:creationId xmlns:a16="http://schemas.microsoft.com/office/drawing/2014/main" id="{E9182037-E3FA-489A-95D5-29E4248420D8}"/>
                 </a:ext>
                 <a:ext uri="{C183D7F6-B498-43B3-948B-1728B52AA6E4}">
                   <adec:decorative xmlns:adec="http://schemas.microsoft.com/office/drawing/2017/decorative" val="1"/>
@@ -26520,10 +30636,10 @@
         </p:sp>
         <p:sp>
           <p:nvSpPr>
-            <p:cNvPr id="1089" name="Freeform 7">
+            <p:cNvPr id="1139" name="Freeform 7">
               <a:extLst>
                 <a:ext uri="{FF2B5EF4-FFF2-40B4-BE49-F238E27FC236}">
-                  <a16:creationId xmlns:a16="http://schemas.microsoft.com/office/drawing/2014/main" id="{F5BD5F4B-A39C-4DF9-84E4-A4D33F30E6EE}"/>
+                  <a16:creationId xmlns:a16="http://schemas.microsoft.com/office/drawing/2014/main" id="{E8864E76-AD7F-4BEE-B3F6-A78FA42AEFAC}"/>
                 </a:ext>
                 <a:ext uri="{C183D7F6-B498-43B3-948B-1728B52AA6E4}">
                   <adec:decorative xmlns:adec="http://schemas.microsoft.com/office/drawing/2017/decorative" val="1"/>
@@ -26625,10 +30741,10 @@
         </p:sp>
         <p:sp>
           <p:nvSpPr>
-            <p:cNvPr id="1090" name="Freeform 8">
+            <p:cNvPr id="1140" name="Freeform 8">
               <a:extLst>
                 <a:ext uri="{FF2B5EF4-FFF2-40B4-BE49-F238E27FC236}">
-                  <a16:creationId xmlns:a16="http://schemas.microsoft.com/office/drawing/2014/main" id="{D7FA9858-BFA0-4D5B-AF72-B1B65EB0699C}"/>
+                  <a16:creationId xmlns:a16="http://schemas.microsoft.com/office/drawing/2014/main" id="{8AD071B3-046D-4479-91FE-01E9AD7C8AAB}"/>
                 </a:ext>
                 <a:ext uri="{C183D7F6-B498-43B3-948B-1728B52AA6E4}">
                   <adec:decorative xmlns:adec="http://schemas.microsoft.com/office/drawing/2017/decorative" val="1"/>
@@ -26702,10 +30818,10 @@
         </p:sp>
         <p:sp>
           <p:nvSpPr>
-            <p:cNvPr id="1091" name="Freeform 9">
+            <p:cNvPr id="1141" name="Freeform 9">
               <a:extLst>
                 <a:ext uri="{FF2B5EF4-FFF2-40B4-BE49-F238E27FC236}">
-                  <a16:creationId xmlns:a16="http://schemas.microsoft.com/office/drawing/2014/main" id="{A508A5F3-AFE0-4750-A9C2-B51A514FFC4C}"/>
+                  <a16:creationId xmlns:a16="http://schemas.microsoft.com/office/drawing/2014/main" id="{91D776F5-E902-4A4D-A75D-A46E063C9F38}"/>
                 </a:ext>
                 <a:ext uri="{C183D7F6-B498-43B3-948B-1728B52AA6E4}">
                   <adec:decorative xmlns:adec="http://schemas.microsoft.com/office/drawing/2017/decorative" val="1"/>
@@ -26807,10 +30923,10 @@
         </p:sp>
         <p:sp>
           <p:nvSpPr>
-            <p:cNvPr id="1092" name="Freeform 10">
+            <p:cNvPr id="1142" name="Freeform 10">
               <a:extLst>
                 <a:ext uri="{FF2B5EF4-FFF2-40B4-BE49-F238E27FC236}">
-                  <a16:creationId xmlns:a16="http://schemas.microsoft.com/office/drawing/2014/main" id="{92B4AAEB-ABF4-42A7-BE52-0B442190D16A}"/>
+                  <a16:creationId xmlns:a16="http://schemas.microsoft.com/office/drawing/2014/main" id="{EBED8F24-A998-4952-AB68-E2074F0746FE}"/>
                 </a:ext>
                 <a:ext uri="{C183D7F6-B498-43B3-948B-1728B52AA6E4}">
                   <adec:decorative xmlns:adec="http://schemas.microsoft.com/office/drawing/2017/decorative" val="1"/>
@@ -26884,10 +31000,10 @@
         </p:sp>
         <p:sp>
           <p:nvSpPr>
-            <p:cNvPr id="1093" name="Freeform 11">
+            <p:cNvPr id="1143" name="Freeform 11">
               <a:extLst>
                 <a:ext uri="{FF2B5EF4-FFF2-40B4-BE49-F238E27FC236}">
-                  <a16:creationId xmlns:a16="http://schemas.microsoft.com/office/drawing/2014/main" id="{3767C370-4A42-4376-8CAE-606C4BC8F450}"/>
+                  <a16:creationId xmlns:a16="http://schemas.microsoft.com/office/drawing/2014/main" id="{74D7A646-8CDC-49B3-9C44-3EF38DB4264C}"/>
                 </a:ext>
                 <a:ext uri="{C183D7F6-B498-43B3-948B-1728B52AA6E4}">
                   <adec:decorative xmlns:adec="http://schemas.microsoft.com/office/drawing/2017/decorative" val="1"/>
@@ -26961,10 +31077,10 @@
         </p:sp>
         <p:sp>
           <p:nvSpPr>
-            <p:cNvPr id="1094" name="Freeform 12">
+            <p:cNvPr id="1144" name="Freeform 12">
               <a:extLst>
                 <a:ext uri="{FF2B5EF4-FFF2-40B4-BE49-F238E27FC236}">
-                  <a16:creationId xmlns:a16="http://schemas.microsoft.com/office/drawing/2014/main" id="{36205F53-9C95-4954-B97C-1625BB8A350F}"/>
+                  <a16:creationId xmlns:a16="http://schemas.microsoft.com/office/drawing/2014/main" id="{D4E99D14-E4F4-419B-9AAF-8D1CEAB28A2D}"/>
                 </a:ext>
                 <a:ext uri="{C183D7F6-B498-43B3-948B-1728B52AA6E4}">
                   <adec:decorative xmlns:adec="http://schemas.microsoft.com/office/drawing/2017/decorative" val="1"/>
@@ -27066,10 +31182,10 @@
         </p:sp>
         <p:sp>
           <p:nvSpPr>
-            <p:cNvPr id="1095" name="Freeform 13">
+            <p:cNvPr id="1145" name="Freeform 13">
               <a:extLst>
                 <a:ext uri="{FF2B5EF4-FFF2-40B4-BE49-F238E27FC236}">
-                  <a16:creationId xmlns:a16="http://schemas.microsoft.com/office/drawing/2014/main" id="{DC80B58E-3469-43E9-96FC-D747B6983030}"/>
+                  <a16:creationId xmlns:a16="http://schemas.microsoft.com/office/drawing/2014/main" id="{377E106C-5445-4A52-9F7E-DA1738744291}"/>
                 </a:ext>
                 <a:ext uri="{C183D7F6-B498-43B3-948B-1728B52AA6E4}">
                   <adec:decorative xmlns:adec="http://schemas.microsoft.com/office/drawing/2017/decorative" val="1"/>
@@ -27171,10 +31287,10 @@
         </p:sp>
         <p:sp>
           <p:nvSpPr>
-            <p:cNvPr id="1096" name="Freeform 14">
+            <p:cNvPr id="1146" name="Freeform 14">
               <a:extLst>
                 <a:ext uri="{FF2B5EF4-FFF2-40B4-BE49-F238E27FC236}">
-                  <a16:creationId xmlns:a16="http://schemas.microsoft.com/office/drawing/2014/main" id="{E17A4ED2-DDD7-4B4D-A39C-9B0121C88622}"/>
+                  <a16:creationId xmlns:a16="http://schemas.microsoft.com/office/drawing/2014/main" id="{752BFE96-D378-4BAE-A64B-F851A34C4770}"/>
                 </a:ext>
                 <a:ext uri="{C183D7F6-B498-43B3-948B-1728B52AA6E4}">
                   <adec:decorative xmlns:adec="http://schemas.microsoft.com/office/drawing/2017/decorative" val="1"/>
@@ -27248,10 +31364,10 @@
         </p:sp>
         <p:sp>
           <p:nvSpPr>
-            <p:cNvPr id="1097" name="Freeform 15">
+            <p:cNvPr id="1147" name="Freeform 15">
               <a:extLst>
                 <a:ext uri="{FF2B5EF4-FFF2-40B4-BE49-F238E27FC236}">
-                  <a16:creationId xmlns:a16="http://schemas.microsoft.com/office/drawing/2014/main" id="{A2C14A85-E7A9-4E1D-809F-20F5CFA788BE}"/>
+                  <a16:creationId xmlns:a16="http://schemas.microsoft.com/office/drawing/2014/main" id="{B88FFB19-5A5E-4078-B467-9D4ABD21BD9A}"/>
                 </a:ext>
                 <a:ext uri="{C183D7F6-B498-43B3-948B-1728B52AA6E4}">
                   <adec:decorative xmlns:adec="http://schemas.microsoft.com/office/drawing/2017/decorative" val="1"/>
@@ -27373,10 +31489,10 @@
         </p:sp>
         <p:sp>
           <p:nvSpPr>
-            <p:cNvPr id="1098" name="Line 16">
+            <p:cNvPr id="1148" name="Line 16">
               <a:extLst>
                 <a:ext uri="{FF2B5EF4-FFF2-40B4-BE49-F238E27FC236}">
-                  <a16:creationId xmlns:a16="http://schemas.microsoft.com/office/drawing/2014/main" id="{F3D51E32-9399-4B7F-8D91-BF9A068B834B}"/>
+                  <a16:creationId xmlns:a16="http://schemas.microsoft.com/office/drawing/2014/main" id="{11042975-3D19-4728-BCDA-D3F5CD633EDB}"/>
                 </a:ext>
                 <a:ext uri="{C183D7F6-B498-43B3-948B-1728B52AA6E4}">
                   <adec:decorative xmlns:adec="http://schemas.microsoft.com/office/drawing/2017/decorative" val="1"/>
@@ -27416,10 +31532,10 @@
         </p:sp>
         <p:sp>
           <p:nvSpPr>
-            <p:cNvPr id="1099" name="Freeform 17">
+            <p:cNvPr id="1149" name="Freeform 17">
               <a:extLst>
                 <a:ext uri="{FF2B5EF4-FFF2-40B4-BE49-F238E27FC236}">
-                  <a16:creationId xmlns:a16="http://schemas.microsoft.com/office/drawing/2014/main" id="{9969F9D2-502D-4C1D-ABA5-02B1BF2A0013}"/>
+                  <a16:creationId xmlns:a16="http://schemas.microsoft.com/office/drawing/2014/main" id="{A28972BD-D2E1-4DCA-A907-2E3B6F606649}"/>
                 </a:ext>
                 <a:ext uri="{C183D7F6-B498-43B3-948B-1728B52AA6E4}">
                   <adec:decorative xmlns:adec="http://schemas.microsoft.com/office/drawing/2017/decorative" val="1"/>
@@ -27487,10 +31603,10 @@
         </p:sp>
         <p:sp>
           <p:nvSpPr>
-            <p:cNvPr id="1100" name="Freeform 18">
+            <p:cNvPr id="1150" name="Freeform 18">
               <a:extLst>
                 <a:ext uri="{FF2B5EF4-FFF2-40B4-BE49-F238E27FC236}">
-                  <a16:creationId xmlns:a16="http://schemas.microsoft.com/office/drawing/2014/main" id="{4AE555C6-5623-478A-BF35-63E9929A3A23}"/>
+                  <a16:creationId xmlns:a16="http://schemas.microsoft.com/office/drawing/2014/main" id="{1C806824-5C2D-4747-B038-69EE4074B366}"/>
                 </a:ext>
                 <a:ext uri="{C183D7F6-B498-43B3-948B-1728B52AA6E4}">
                   <adec:decorative xmlns:adec="http://schemas.microsoft.com/office/drawing/2017/decorative" val="1"/>
@@ -27564,10 +31680,10 @@
         </p:sp>
         <p:sp>
           <p:nvSpPr>
-            <p:cNvPr id="1101" name="Freeform 19">
+            <p:cNvPr id="1151" name="Freeform 19">
               <a:extLst>
                 <a:ext uri="{FF2B5EF4-FFF2-40B4-BE49-F238E27FC236}">
-                  <a16:creationId xmlns:a16="http://schemas.microsoft.com/office/drawing/2014/main" id="{A3D3AED4-A69E-4301-9BB4-436DC5F0C95D}"/>
+                  <a16:creationId xmlns:a16="http://schemas.microsoft.com/office/drawing/2014/main" id="{3B33F710-16D7-4F48-BFCA-66C9CA2352CB}"/>
                 </a:ext>
                 <a:ext uri="{C183D7F6-B498-43B3-948B-1728B52AA6E4}">
                   <adec:decorative xmlns:adec="http://schemas.microsoft.com/office/drawing/2017/decorative" val="1"/>
@@ -27641,10 +31757,10 @@
         </p:sp>
         <p:sp>
           <p:nvSpPr>
-            <p:cNvPr id="1102" name="Freeform 20">
+            <p:cNvPr id="1152" name="Freeform 20">
               <a:extLst>
                 <a:ext uri="{FF2B5EF4-FFF2-40B4-BE49-F238E27FC236}">
-                  <a16:creationId xmlns:a16="http://schemas.microsoft.com/office/drawing/2014/main" id="{C3B8082C-2D81-48D7-8B45-85B7C892963C}"/>
+                  <a16:creationId xmlns:a16="http://schemas.microsoft.com/office/drawing/2014/main" id="{6C8C8ED4-90FA-4E97-AAF0-D5D51E6A935E}"/>
                 </a:ext>
                 <a:ext uri="{C183D7F6-B498-43B3-948B-1728B52AA6E4}">
                   <adec:decorative xmlns:adec="http://schemas.microsoft.com/office/drawing/2017/decorative" val="1"/>
@@ -27746,10 +31862,10 @@
         </p:sp>
         <p:sp>
           <p:nvSpPr>
-            <p:cNvPr id="1103" name="Rectangle 21">
+            <p:cNvPr id="1153" name="Rectangle 21">
               <a:extLst>
                 <a:ext uri="{FF2B5EF4-FFF2-40B4-BE49-F238E27FC236}">
-                  <a16:creationId xmlns:a16="http://schemas.microsoft.com/office/drawing/2014/main" id="{9AD35461-BA86-408B-8A29-244EB2F2FB55}"/>
+                  <a16:creationId xmlns:a16="http://schemas.microsoft.com/office/drawing/2014/main" id="{6C5EB9C1-B25F-4172-8A96-5950ECC828FC}"/>
                 </a:ext>
                 <a:ext uri="{C183D7F6-B498-43B3-948B-1728B52AA6E4}">
                   <adec:decorative xmlns:adec="http://schemas.microsoft.com/office/drawing/2017/decorative" val="1"/>
@@ -27795,10 +31911,10 @@
         </p:sp>
         <p:sp>
           <p:nvSpPr>
-            <p:cNvPr id="1104" name="Freeform 22">
+            <p:cNvPr id="1154" name="Freeform 22">
               <a:extLst>
                 <a:ext uri="{FF2B5EF4-FFF2-40B4-BE49-F238E27FC236}">
-                  <a16:creationId xmlns:a16="http://schemas.microsoft.com/office/drawing/2014/main" id="{F238E495-B6C6-4857-899B-CDD584831201}"/>
+                  <a16:creationId xmlns:a16="http://schemas.microsoft.com/office/drawing/2014/main" id="{097E6E8A-9373-4655-882B-21715CCE97EE}"/>
                 </a:ext>
                 <a:ext uri="{C183D7F6-B498-43B3-948B-1728B52AA6E4}">
                   <adec:decorative xmlns:adec="http://schemas.microsoft.com/office/drawing/2017/decorative" val="1"/>
@@ -27875,10 +31991,10 @@
         </p:sp>
         <p:sp>
           <p:nvSpPr>
-            <p:cNvPr id="1105" name="Freeform 23">
+            <p:cNvPr id="1155" name="Freeform 23">
               <a:extLst>
                 <a:ext uri="{FF2B5EF4-FFF2-40B4-BE49-F238E27FC236}">
-                  <a16:creationId xmlns:a16="http://schemas.microsoft.com/office/drawing/2014/main" id="{E20A751E-054C-4EC2-8DA3-0EC923A65888}"/>
+                  <a16:creationId xmlns:a16="http://schemas.microsoft.com/office/drawing/2014/main" id="{EB8CC766-1206-4372-ACAF-8230AF4D5421}"/>
                 </a:ext>
                 <a:ext uri="{C183D7F6-B498-43B3-948B-1728B52AA6E4}">
                   <adec:decorative xmlns:adec="http://schemas.microsoft.com/office/drawing/2017/decorative" val="1"/>
@@ -27980,10 +32096,10 @@
         </p:sp>
         <p:sp>
           <p:nvSpPr>
-            <p:cNvPr id="1106" name="Freeform 24">
+            <p:cNvPr id="1156" name="Freeform 24">
               <a:extLst>
                 <a:ext uri="{FF2B5EF4-FFF2-40B4-BE49-F238E27FC236}">
-                  <a16:creationId xmlns:a16="http://schemas.microsoft.com/office/drawing/2014/main" id="{B6E8E701-3D21-4E5C-AB6E-9A7404697066}"/>
+                  <a16:creationId xmlns:a16="http://schemas.microsoft.com/office/drawing/2014/main" id="{1C8E2511-2489-47B2-9C19-C410910DD901}"/>
                 </a:ext>
                 <a:ext uri="{C183D7F6-B498-43B3-948B-1728B52AA6E4}">
                   <adec:decorative xmlns:adec="http://schemas.microsoft.com/office/drawing/2017/decorative" val="1"/>
@@ -28057,10 +32173,10 @@
         </p:sp>
         <p:sp>
           <p:nvSpPr>
-            <p:cNvPr id="1107" name="Freeform 25">
+            <p:cNvPr id="1157" name="Freeform 25">
               <a:extLst>
                 <a:ext uri="{FF2B5EF4-FFF2-40B4-BE49-F238E27FC236}">
-                  <a16:creationId xmlns:a16="http://schemas.microsoft.com/office/drawing/2014/main" id="{431BDA41-D09D-4984-B888-756F5F81B49E}"/>
+                  <a16:creationId xmlns:a16="http://schemas.microsoft.com/office/drawing/2014/main" id="{D7820196-0A47-47EF-832C-A688E8977D60}"/>
                 </a:ext>
                 <a:ext uri="{C183D7F6-B498-43B3-948B-1728B52AA6E4}">
                   <adec:decorative xmlns:adec="http://schemas.microsoft.com/office/drawing/2017/decorative" val="1"/>
@@ -28162,10 +32278,10 @@
         </p:sp>
         <p:sp>
           <p:nvSpPr>
-            <p:cNvPr id="1108" name="Freeform 26">
+            <p:cNvPr id="1158" name="Freeform 26">
               <a:extLst>
                 <a:ext uri="{FF2B5EF4-FFF2-40B4-BE49-F238E27FC236}">
-                  <a16:creationId xmlns:a16="http://schemas.microsoft.com/office/drawing/2014/main" id="{0DC943D2-20E4-4C00-82D2-D405A7C00BBE}"/>
+                  <a16:creationId xmlns:a16="http://schemas.microsoft.com/office/drawing/2014/main" id="{4982E0BF-34AE-48A3-AD6B-E0F3CD05DB34}"/>
                 </a:ext>
                 <a:ext uri="{C183D7F6-B498-43B3-948B-1728B52AA6E4}">
                   <adec:decorative xmlns:adec="http://schemas.microsoft.com/office/drawing/2017/decorative" val="1"/>
@@ -28242,10 +32358,10 @@
         </p:sp>
         <p:sp>
           <p:nvSpPr>
-            <p:cNvPr id="1109" name="Freeform 27">
+            <p:cNvPr id="1159" name="Freeform 27">
               <a:extLst>
                 <a:ext uri="{FF2B5EF4-FFF2-40B4-BE49-F238E27FC236}">
-                  <a16:creationId xmlns:a16="http://schemas.microsoft.com/office/drawing/2014/main" id="{4BC34A74-80A2-4DE1-8ADC-BBD1709035BA}"/>
+                  <a16:creationId xmlns:a16="http://schemas.microsoft.com/office/drawing/2014/main" id="{CD34643B-9DF2-4310-8868-48252C3393F0}"/>
                 </a:ext>
                 <a:ext uri="{C183D7F6-B498-43B3-948B-1728B52AA6E4}">
                   <adec:decorative xmlns:adec="http://schemas.microsoft.com/office/drawing/2017/decorative" val="1"/>
@@ -28319,10 +32435,10 @@
         </p:sp>
         <p:sp>
           <p:nvSpPr>
-            <p:cNvPr id="1110" name="Freeform 28">
+            <p:cNvPr id="1160" name="Freeform 28">
               <a:extLst>
                 <a:ext uri="{FF2B5EF4-FFF2-40B4-BE49-F238E27FC236}">
-                  <a16:creationId xmlns:a16="http://schemas.microsoft.com/office/drawing/2014/main" id="{C6C3CA25-431F-4E26-952D-4AA9C4C725CF}"/>
+                  <a16:creationId xmlns:a16="http://schemas.microsoft.com/office/drawing/2014/main" id="{4E020C4E-AF64-44A8-B830-779541D8D549}"/>
                 </a:ext>
                 <a:ext uri="{C183D7F6-B498-43B3-948B-1728B52AA6E4}">
                   <adec:decorative xmlns:adec="http://schemas.microsoft.com/office/drawing/2017/decorative" val="1"/>
@@ -28424,10 +32540,10 @@
         </p:sp>
         <p:sp>
           <p:nvSpPr>
-            <p:cNvPr id="1111" name="Freeform 29">
+            <p:cNvPr id="1161" name="Freeform 29">
               <a:extLst>
                 <a:ext uri="{FF2B5EF4-FFF2-40B4-BE49-F238E27FC236}">
-                  <a16:creationId xmlns:a16="http://schemas.microsoft.com/office/drawing/2014/main" id="{776D1836-82AE-40EF-9829-C6B8D2CF0258}"/>
+                  <a16:creationId xmlns:a16="http://schemas.microsoft.com/office/drawing/2014/main" id="{D97BC3D3-B1B3-4825-9169-BBEF1DBCF055}"/>
                 </a:ext>
                 <a:ext uri="{C183D7F6-B498-43B3-948B-1728B52AA6E4}">
                   <adec:decorative xmlns:adec="http://schemas.microsoft.com/office/drawing/2017/decorative" val="1"/>
@@ -28529,10 +32645,10 @@
         </p:sp>
         <p:sp>
           <p:nvSpPr>
-            <p:cNvPr id="1112" name="Freeform 30">
+            <p:cNvPr id="1162" name="Freeform 30">
               <a:extLst>
                 <a:ext uri="{FF2B5EF4-FFF2-40B4-BE49-F238E27FC236}">
-                  <a16:creationId xmlns:a16="http://schemas.microsoft.com/office/drawing/2014/main" id="{9A8E397E-ADF9-45C1-98F4-3F5A86378B6F}"/>
+                  <a16:creationId xmlns:a16="http://schemas.microsoft.com/office/drawing/2014/main" id="{A750DC4F-1DAF-470E-98C6-6C68DEB93363}"/>
                 </a:ext>
                 <a:ext uri="{C183D7F6-B498-43B3-948B-1728B52AA6E4}">
                   <adec:decorative xmlns:adec="http://schemas.microsoft.com/office/drawing/2017/decorative" val="1"/>
@@ -28609,10 +32725,10 @@
         </p:sp>
         <p:sp>
           <p:nvSpPr>
-            <p:cNvPr id="1113" name="Freeform 31">
+            <p:cNvPr id="1163" name="Freeform 31">
               <a:extLst>
                 <a:ext uri="{FF2B5EF4-FFF2-40B4-BE49-F238E27FC236}">
-                  <a16:creationId xmlns:a16="http://schemas.microsoft.com/office/drawing/2014/main" id="{DE07CFD9-357F-40BC-A792-CE874BFE5094}"/>
+                  <a16:creationId xmlns:a16="http://schemas.microsoft.com/office/drawing/2014/main" id="{2F99594A-5BBD-4E10-A818-8BE52B7D952C}"/>
                 </a:ext>
                 <a:ext uri="{C183D7F6-B498-43B3-948B-1728B52AA6E4}">
                   <adec:decorative xmlns:adec="http://schemas.microsoft.com/office/drawing/2017/decorative" val="1"/>
@@ -28743,1254 +32859,6 @@
           </p:spPr>
         </p:sp>
       </p:grpSp>
-      <p:sp>
-        <p:nvSpPr>
-          <p:cNvPr id="5" name="TextBox 4">
-            <a:extLst>
-              <a:ext uri="{FF2B5EF4-FFF2-40B4-BE49-F238E27FC236}">
-                <a16:creationId xmlns:a16="http://schemas.microsoft.com/office/drawing/2014/main" id="{4232B5AD-89F0-ED5C-B734-15E6C52EDC2D}"/>
-              </a:ext>
-            </a:extLst>
-          </p:cNvPr>
-          <p:cNvSpPr txBox="1"/>
-          <p:nvPr/>
-        </p:nvSpPr>
-        <p:spPr>
-          <a:xfrm>
-            <a:off x="4895869" y="329145"/>
-            <a:ext cx="4573374" cy="2241551"/>
-          </a:xfrm>
-          <a:prstGeom prst="rect">
-            <a:avLst/>
-          </a:prstGeom>
-        </p:spPr>
-        <p:txBody>
-          <a:bodyPr vert="horz" lIns="91440" tIns="45720" rIns="91440" bIns="45720" rtlCol="0" anchor="ctr">
-            <a:normAutofit/>
-          </a:bodyPr>
-          <a:lstStyle/>
-          <a:p>
-            <a:pPr lvl="0" algn="r" defTabSz="914400">
-              <a:lnSpc>
-                <a:spcPct val="90000"/>
-              </a:lnSpc>
-              <a:spcBef>
-                <a:spcPct val="0"/>
-              </a:spcBef>
-              <a:spcAft>
-                <a:spcPts val="600"/>
-              </a:spcAft>
-            </a:pPr>
-            <a:r>
-              <a:rPr lang="en-US" sz="4000" b="1" cap="all" dirty="0">
-                <a:latin typeface="+mj-lt"/>
-                <a:ea typeface="+mj-ea"/>
-                <a:cs typeface="+mj-cs"/>
-              </a:rPr>
-              <a:t>Creating the CNN</a:t>
-            </a:r>
-          </a:p>
-        </p:txBody>
-      </p:sp>
-      <p:cxnSp>
-        <p:nvCxnSpPr>
-          <p:cNvPr id="1115" name="Straight Connector 1114">
-            <a:extLst>
-              <a:ext uri="{FF2B5EF4-FFF2-40B4-BE49-F238E27FC236}">
-                <a16:creationId xmlns:a16="http://schemas.microsoft.com/office/drawing/2014/main" id="{085ECEC0-FF5D-4348-92C7-1EA7C61E770C}"/>
-              </a:ext>
-              <a:ext uri="{C183D7F6-B498-43B3-948B-1728B52AA6E4}">
-                <adec:decorative xmlns:adec="http://schemas.microsoft.com/office/drawing/2017/decorative" val="1"/>
-              </a:ext>
-            </a:extLst>
-          </p:cNvPr>
-          <p:cNvCxnSpPr>
-            <a:cxnSpLocks noGrp="1" noRot="1" noChangeAspect="1" noMove="1" noResize="1" noEditPoints="1" noAdjustHandles="1" noChangeArrowheads="1" noChangeShapeType="1"/>
-          </p:cNvCxnSpPr>
-          <p:nvPr>
-            <p:extLst>
-              <p:ext uri="{386F3935-93C4-4BCD-93E2-E3B085C9AB24}">
-                <p16:designElem xmlns:p16="http://schemas.microsoft.com/office/powerpoint/2015/main" val="1"/>
-              </p:ext>
-            </p:extLst>
-          </p:nvPr>
-        </p:nvCxnSpPr>
-        <p:spPr>
-          <a:xfrm>
-            <a:off x="4654296" y="1454684"/>
-            <a:ext cx="0" cy="3649129"/>
-          </a:xfrm>
-          <a:prstGeom prst="line">
-            <a:avLst/>
-          </a:prstGeom>
-          <a:ln w="25400">
-            <a:solidFill>
-              <a:schemeClr val="tx1">
-                <a:alpha val="70000"/>
-              </a:schemeClr>
-            </a:solidFill>
-          </a:ln>
-        </p:spPr>
-        <p:style>
-          <a:lnRef idx="1">
-            <a:schemeClr val="accent1"/>
-          </a:lnRef>
-          <a:fillRef idx="0">
-            <a:schemeClr val="accent1"/>
-          </a:fillRef>
-          <a:effectRef idx="0">
-            <a:schemeClr val="accent1"/>
-          </a:effectRef>
-          <a:fontRef idx="minor">
-            <a:schemeClr val="tx1"/>
-          </a:fontRef>
-        </p:style>
-      </p:cxnSp>
-      <p:sp>
-        <p:nvSpPr>
-          <p:cNvPr id="10" name="TextBox 9">
-            <a:extLst>
-              <a:ext uri="{FF2B5EF4-FFF2-40B4-BE49-F238E27FC236}">
-                <a16:creationId xmlns:a16="http://schemas.microsoft.com/office/drawing/2014/main" id="{9E8C23FA-514E-6695-3083-F345B8C5B5FA}"/>
-              </a:ext>
-            </a:extLst>
-          </p:cNvPr>
-          <p:cNvSpPr txBox="1"/>
-          <p:nvPr/>
-        </p:nvSpPr>
-        <p:spPr>
-          <a:xfrm>
-            <a:off x="5254855" y="1074736"/>
-            <a:ext cx="5751237" cy="4708528"/>
-          </a:xfrm>
-          <a:prstGeom prst="rect">
-            <a:avLst/>
-          </a:prstGeom>
-        </p:spPr>
-        <p:txBody>
-          <a:bodyPr vert="horz" lIns="91440" tIns="45720" rIns="91440" bIns="45720" rtlCol="0" anchor="ctr">
-            <a:normAutofit/>
-          </a:bodyPr>
-          <a:lstStyle/>
-          <a:p>
-            <a:pPr indent="-228600" defTabSz="914400">
-              <a:lnSpc>
-                <a:spcPct val="120000"/>
-              </a:lnSpc>
-              <a:spcAft>
-                <a:spcPts val="600"/>
-              </a:spcAft>
-              <a:buSzPct val="125000"/>
-              <a:buFont typeface="Arial" panose="020B0604020202020204" pitchFamily="34" charset="0"/>
-              <a:buChar char="•"/>
-            </a:pPr>
-            <a:r>
-              <a:rPr lang="en-US" dirty="0"/>
-              <a:t>Our model contains eleven different layers. </a:t>
-            </a:r>
-            <a:br>
-              <a:rPr lang="en-US" dirty="0"/>
-            </a:br>
-            <a:r>
-              <a:rPr lang="en-US" dirty="0"/>
-              <a:t>We have:</a:t>
-            </a:r>
-          </a:p>
-          <a:p>
-            <a:pPr marL="285750" indent="-228600" defTabSz="914400">
-              <a:lnSpc>
-                <a:spcPct val="120000"/>
-              </a:lnSpc>
-              <a:spcAft>
-                <a:spcPts val="600"/>
-              </a:spcAft>
-              <a:buSzPct val="125000"/>
-              <a:buFont typeface="Arial" panose="020B0604020202020204" pitchFamily="34" charset="0"/>
-              <a:buChar char="•"/>
-            </a:pPr>
-            <a:r>
-              <a:rPr lang="en-US" dirty="0"/>
-              <a:t>Three 1D Convolution layers</a:t>
-            </a:r>
-          </a:p>
-          <a:p>
-            <a:pPr marL="285750" indent="-228600" defTabSz="914400">
-              <a:lnSpc>
-                <a:spcPct val="120000"/>
-              </a:lnSpc>
-              <a:spcAft>
-                <a:spcPts val="600"/>
-              </a:spcAft>
-              <a:buSzPct val="125000"/>
-              <a:buFont typeface="Arial" panose="020B0604020202020204" pitchFamily="34" charset="0"/>
-              <a:buChar char="•"/>
-            </a:pPr>
-            <a:r>
-              <a:rPr lang="en-US" dirty="0"/>
-              <a:t>Three 1D MaxPooling layers</a:t>
-            </a:r>
-          </a:p>
-          <a:p>
-            <a:pPr marL="285750" indent="-228600" defTabSz="914400">
-              <a:lnSpc>
-                <a:spcPct val="120000"/>
-              </a:lnSpc>
-              <a:spcAft>
-                <a:spcPts val="600"/>
-              </a:spcAft>
-              <a:buSzPct val="125000"/>
-              <a:buFont typeface="Arial" panose="020B0604020202020204" pitchFamily="34" charset="0"/>
-              <a:buChar char="•"/>
-            </a:pPr>
-            <a:r>
-              <a:rPr lang="en-US" dirty="0"/>
-              <a:t>One Dropout layer</a:t>
-            </a:r>
-          </a:p>
-          <a:p>
-            <a:pPr marL="285750" indent="-228600" defTabSz="914400">
-              <a:lnSpc>
-                <a:spcPct val="120000"/>
-              </a:lnSpc>
-              <a:spcAft>
-                <a:spcPts val="600"/>
-              </a:spcAft>
-              <a:buSzPct val="125000"/>
-              <a:buFont typeface="Arial" panose="020B0604020202020204" pitchFamily="34" charset="0"/>
-              <a:buChar char="•"/>
-            </a:pPr>
-            <a:r>
-              <a:rPr lang="en-US" dirty="0"/>
-              <a:t>One Flatten layer</a:t>
-            </a:r>
-          </a:p>
-          <a:p>
-            <a:pPr marL="285750" indent="-228600" defTabSz="914400">
-              <a:lnSpc>
-                <a:spcPct val="120000"/>
-              </a:lnSpc>
-              <a:spcAft>
-                <a:spcPts val="600"/>
-              </a:spcAft>
-              <a:buSzPct val="125000"/>
-              <a:buFont typeface="Arial" panose="020B0604020202020204" pitchFamily="34" charset="0"/>
-              <a:buChar char="•"/>
-            </a:pPr>
-            <a:r>
-              <a:rPr lang="en-US" dirty="0"/>
-              <a:t>Four Dense layers</a:t>
-            </a:r>
-          </a:p>
-        </p:txBody>
-      </p:sp>
-      <p:grpSp>
-        <p:nvGrpSpPr>
-          <p:cNvPr id="1117" name="Group 1116">
-            <a:extLst>
-              <a:ext uri="{FF2B5EF4-FFF2-40B4-BE49-F238E27FC236}">
-                <a16:creationId xmlns:a16="http://schemas.microsoft.com/office/drawing/2014/main" id="{F4E035BE-9FF4-43D3-BC25-CF582D7FF85E}"/>
-              </a:ext>
-              <a:ext uri="{C183D7F6-B498-43B3-948B-1728B52AA6E4}">
-                <adec:decorative xmlns:adec="http://schemas.microsoft.com/office/drawing/2017/decorative" val="1"/>
-              </a:ext>
-            </a:extLst>
-          </p:cNvPr>
-          <p:cNvGrpSpPr>
-            <a:grpSpLocks noGrp="1" noUngrp="1" noRot="1" noChangeAspect="1" noMove="1" noResize="1"/>
-          </p:cNvGrpSpPr>
-          <p:nvPr>
-            <p:extLst>
-              <p:ext uri="{386F3935-93C4-4BCD-93E2-E3B085C9AB24}">
-                <p16:designElem xmlns:p16="http://schemas.microsoft.com/office/powerpoint/2015/main" val="1"/>
-              </p:ext>
-            </p:extLst>
-          </p:nvPr>
-        </p:nvGrpSpPr>
-        <p:grpSpPr>
-          <a:xfrm>
-            <a:off x="11364912" y="0"/>
-            <a:ext cx="674688" cy="6848476"/>
-            <a:chOff x="11364912" y="0"/>
-            <a:chExt cx="674688" cy="6848476"/>
-          </a:xfrm>
-          <a:solidFill>
-            <a:schemeClr val="tx1">
-              <a:alpha val="60000"/>
-            </a:schemeClr>
-          </a:solidFill>
-        </p:grpSpPr>
-        <p:sp>
-          <p:nvSpPr>
-            <p:cNvPr id="1118" name="Freeform 32">
-              <a:extLst>
-                <a:ext uri="{FF2B5EF4-FFF2-40B4-BE49-F238E27FC236}">
-                  <a16:creationId xmlns:a16="http://schemas.microsoft.com/office/drawing/2014/main" id="{F98BCEB2-EC20-4E84-A994-0AC37292C8B2}"/>
-                </a:ext>
-                <a:ext uri="{C183D7F6-B498-43B3-948B-1728B52AA6E4}">
-                  <adec:decorative xmlns:adec="http://schemas.microsoft.com/office/drawing/2017/decorative" val="1"/>
-                </a:ext>
-              </a:extLst>
-            </p:cNvPr>
-            <p:cNvSpPr/>
-            <p:nvPr>
-              <p:extLst>
-                <p:ext uri="{386F3935-93C4-4BCD-93E2-E3B085C9AB24}">
-                  <p16:designElem xmlns:p16="http://schemas.microsoft.com/office/powerpoint/2015/main" val="1"/>
-                </p:ext>
-              </p:extLst>
-            </p:nvPr>
-          </p:nvSpPr>
-          <p:spPr bwMode="auto">
-            <a:xfrm>
-              <a:off x="11483975" y="0"/>
-              <a:ext cx="417513" cy="512763"/>
-            </a:xfrm>
-            <a:custGeom>
-              <a:avLst/>
-              <a:gdLst/>
-              <a:ahLst/>
-              <a:cxnLst/>
-              <a:rect l="0" t="0" r="r" b="b"/>
-              <a:pathLst>
-                <a:path w="263" h="323">
-                  <a:moveTo>
-                    <a:pt x="12" y="323"/>
-                  </a:moveTo>
-                  <a:lnTo>
-                    <a:pt x="0" y="314"/>
-                  </a:lnTo>
-                  <a:lnTo>
-                    <a:pt x="203" y="108"/>
-                  </a:lnTo>
-                  <a:lnTo>
-                    <a:pt x="248" y="0"/>
-                  </a:lnTo>
-                  <a:lnTo>
-                    <a:pt x="263" y="6"/>
-                  </a:lnTo>
-                  <a:lnTo>
-                    <a:pt x="218" y="117"/>
-                  </a:lnTo>
-                  <a:lnTo>
-                    <a:pt x="218" y="117"/>
-                  </a:lnTo>
-                  <a:lnTo>
-                    <a:pt x="12" y="323"/>
-                  </a:lnTo>
-                  <a:close/>
-                </a:path>
-              </a:pathLst>
-            </a:custGeom>
-            <a:grpFill/>
-            <a:ln>
-              <a:noFill/>
-            </a:ln>
-            <a:extLst>
-              <a:ext uri="{91240B29-F687-4f45-9708-019B960494DF}">
-                <a14:hiddenLine xmlns="" xmlns:a16="http://schemas.microsoft.com/office/drawing/2014/main" xmlns:p14="http://schemas.microsoft.com/office/powerpoint/2010/main" xmlns:a14="http://schemas.microsoft.com/office/drawing/2010/main" w="9525">
-                  <a:solidFill>
-                    <a:srgbClr val="000000"/>
-                  </a:solidFill>
-                  <a:round/>
-                  <a:headEnd/>
-                  <a:tailEnd/>
-                </a14:hiddenLine>
-              </a:ext>
-            </a:extLst>
-          </p:spPr>
-        </p:sp>
-        <p:sp>
-          <p:nvSpPr>
-            <p:cNvPr id="1119" name="Freeform 33">
-              <a:extLst>
-                <a:ext uri="{FF2B5EF4-FFF2-40B4-BE49-F238E27FC236}">
-                  <a16:creationId xmlns:a16="http://schemas.microsoft.com/office/drawing/2014/main" id="{7A2E1821-AEDF-417E-9F17-83379E9C0941}"/>
-                </a:ext>
-                <a:ext uri="{C183D7F6-B498-43B3-948B-1728B52AA6E4}">
-                  <adec:decorative xmlns:adec="http://schemas.microsoft.com/office/drawing/2017/decorative" val="1"/>
-                </a:ext>
-              </a:extLst>
-            </p:cNvPr>
-            <p:cNvSpPr>
-              <a:spLocks noEditPoints="1"/>
-            </p:cNvSpPr>
-            <p:nvPr>
-              <p:extLst>
-                <p:ext uri="{386F3935-93C4-4BCD-93E2-E3B085C9AB24}">
-                  <p16:designElem xmlns:p16="http://schemas.microsoft.com/office/powerpoint/2015/main" val="1"/>
-                </p:ext>
-              </p:extLst>
-            </p:nvPr>
-          </p:nvSpPr>
-          <p:spPr bwMode="auto">
-            <a:xfrm>
-              <a:off x="11364912" y="474663"/>
-              <a:ext cx="157163" cy="152400"/>
-            </a:xfrm>
-            <a:custGeom>
-              <a:avLst/>
-              <a:gdLst/>
-              <a:ahLst/>
-              <a:cxnLst/>
-              <a:rect l="0" t="0" r="r" b="b"/>
-              <a:pathLst>
-                <a:path w="33" h="32">
-                  <a:moveTo>
-                    <a:pt x="17" y="32"/>
-                  </a:moveTo>
-                  <a:cubicBezTo>
-                    <a:pt x="13" y="32"/>
-                    <a:pt x="9" y="30"/>
-                    <a:pt x="6" y="27"/>
-                  </a:cubicBezTo>
-                  <a:cubicBezTo>
-                    <a:pt x="0" y="21"/>
-                    <a:pt x="0" y="11"/>
-                    <a:pt x="6" y="5"/>
-                  </a:cubicBezTo>
-                  <a:cubicBezTo>
-                    <a:pt x="9" y="2"/>
-                    <a:pt x="13" y="0"/>
-                    <a:pt x="17" y="0"/>
-                  </a:cubicBezTo>
-                  <a:cubicBezTo>
-                    <a:pt x="21" y="0"/>
-                    <a:pt x="25" y="2"/>
-                    <a:pt x="28" y="5"/>
-                  </a:cubicBezTo>
-                  <a:cubicBezTo>
-                    <a:pt x="31" y="8"/>
-                    <a:pt x="33" y="12"/>
-                    <a:pt x="33" y="16"/>
-                  </a:cubicBezTo>
-                  <a:cubicBezTo>
-                    <a:pt x="33" y="20"/>
-                    <a:pt x="31" y="24"/>
-                    <a:pt x="28" y="27"/>
-                  </a:cubicBezTo>
-                  <a:cubicBezTo>
-                    <a:pt x="25" y="30"/>
-                    <a:pt x="21" y="32"/>
-                    <a:pt x="17" y="32"/>
-                  </a:cubicBezTo>
-                  <a:close/>
-                  <a:moveTo>
-                    <a:pt x="17" y="4"/>
-                  </a:moveTo>
-                  <a:cubicBezTo>
-                    <a:pt x="14" y="4"/>
-                    <a:pt x="11" y="6"/>
-                    <a:pt x="9" y="8"/>
-                  </a:cubicBezTo>
-                  <a:cubicBezTo>
-                    <a:pt x="4" y="12"/>
-                    <a:pt x="4" y="20"/>
-                    <a:pt x="9" y="24"/>
-                  </a:cubicBezTo>
-                  <a:cubicBezTo>
-                    <a:pt x="11" y="27"/>
-                    <a:pt x="14" y="28"/>
-                    <a:pt x="17" y="28"/>
-                  </a:cubicBezTo>
-                  <a:cubicBezTo>
-                    <a:pt x="20" y="28"/>
-                    <a:pt x="23" y="27"/>
-                    <a:pt x="26" y="24"/>
-                  </a:cubicBezTo>
-                  <a:cubicBezTo>
-                    <a:pt x="30" y="20"/>
-                    <a:pt x="30" y="12"/>
-                    <a:pt x="26" y="8"/>
-                  </a:cubicBezTo>
-                  <a:cubicBezTo>
-                    <a:pt x="23" y="6"/>
-                    <a:pt x="20" y="4"/>
-                    <a:pt x="17" y="4"/>
-                  </a:cubicBezTo>
-                  <a:close/>
-                </a:path>
-              </a:pathLst>
-            </a:custGeom>
-            <a:grpFill/>
-            <a:ln>
-              <a:noFill/>
-            </a:ln>
-            <a:extLst>
-              <a:ext uri="{91240B29-F687-4f45-9708-019B960494DF}">
-                <a14:hiddenLine xmlns="" xmlns:a16="http://schemas.microsoft.com/office/drawing/2014/main" xmlns:p14="http://schemas.microsoft.com/office/powerpoint/2010/main" xmlns:a14="http://schemas.microsoft.com/office/drawing/2010/main" w="9525">
-                  <a:solidFill>
-                    <a:srgbClr val="000000"/>
-                  </a:solidFill>
-                  <a:round/>
-                  <a:headEnd/>
-                  <a:tailEnd/>
-                </a14:hiddenLine>
-              </a:ext>
-            </a:extLst>
-          </p:spPr>
-        </p:sp>
-        <p:sp>
-          <p:nvSpPr>
-            <p:cNvPr id="1120" name="Freeform 34">
-              <a:extLst>
-                <a:ext uri="{FF2B5EF4-FFF2-40B4-BE49-F238E27FC236}">
-                  <a16:creationId xmlns:a16="http://schemas.microsoft.com/office/drawing/2014/main" id="{CB3734E2-8292-4B47-B6AB-0E5A058DE95A}"/>
-                </a:ext>
-                <a:ext uri="{C183D7F6-B498-43B3-948B-1728B52AA6E4}">
-                  <adec:decorative xmlns:adec="http://schemas.microsoft.com/office/drawing/2017/decorative" val="1"/>
-                </a:ext>
-              </a:extLst>
-            </p:cNvPr>
-            <p:cNvSpPr>
-              <a:spLocks noEditPoints="1"/>
-            </p:cNvSpPr>
-            <p:nvPr>
-              <p:extLst>
-                <p:ext uri="{386F3935-93C4-4BCD-93E2-E3B085C9AB24}">
-                  <p16:designElem xmlns:p16="http://schemas.microsoft.com/office/powerpoint/2015/main" val="1"/>
-                </p:ext>
-              </p:extLst>
-            </p:nvPr>
-          </p:nvSpPr>
-          <p:spPr bwMode="auto">
-            <a:xfrm>
-              <a:off x="11631612" y="1539875"/>
-              <a:ext cx="188913" cy="190500"/>
-            </a:xfrm>
-            <a:custGeom>
-              <a:avLst/>
-              <a:gdLst/>
-              <a:ahLst/>
-              <a:cxnLst/>
-              <a:rect l="0" t="0" r="r" b="b"/>
-              <a:pathLst>
-                <a:path w="40" h="40">
-                  <a:moveTo>
-                    <a:pt x="20" y="40"/>
-                  </a:moveTo>
-                  <a:cubicBezTo>
-                    <a:pt x="9" y="40"/>
-                    <a:pt x="0" y="31"/>
-                    <a:pt x="0" y="20"/>
-                  </a:cubicBezTo>
-                  <a:cubicBezTo>
-                    <a:pt x="0" y="9"/>
-                    <a:pt x="9" y="0"/>
-                    <a:pt x="20" y="0"/>
-                  </a:cubicBezTo>
-                  <a:cubicBezTo>
-                    <a:pt x="31" y="0"/>
-                    <a:pt x="40" y="9"/>
-                    <a:pt x="40" y="20"/>
-                  </a:cubicBezTo>
-                  <a:cubicBezTo>
-                    <a:pt x="40" y="31"/>
-                    <a:pt x="31" y="40"/>
-                    <a:pt x="20" y="40"/>
-                  </a:cubicBezTo>
-                  <a:close/>
-                  <a:moveTo>
-                    <a:pt x="20" y="4"/>
-                  </a:moveTo>
-                  <a:cubicBezTo>
-                    <a:pt x="11" y="4"/>
-                    <a:pt x="4" y="11"/>
-                    <a:pt x="4" y="20"/>
-                  </a:cubicBezTo>
-                  <a:cubicBezTo>
-                    <a:pt x="4" y="29"/>
-                    <a:pt x="11" y="36"/>
-                    <a:pt x="20" y="36"/>
-                  </a:cubicBezTo>
-                  <a:cubicBezTo>
-                    <a:pt x="29" y="36"/>
-                    <a:pt x="36" y="29"/>
-                    <a:pt x="36" y="20"/>
-                  </a:cubicBezTo>
-                  <a:cubicBezTo>
-                    <a:pt x="36" y="11"/>
-                    <a:pt x="29" y="4"/>
-                    <a:pt x="20" y="4"/>
-                  </a:cubicBezTo>
-                  <a:close/>
-                </a:path>
-              </a:pathLst>
-            </a:custGeom>
-            <a:grpFill/>
-            <a:ln>
-              <a:noFill/>
-            </a:ln>
-            <a:extLst>
-              <a:ext uri="{91240B29-F687-4f45-9708-019B960494DF}">
-                <a14:hiddenLine xmlns="" xmlns:a16="http://schemas.microsoft.com/office/drawing/2014/main" xmlns:p14="http://schemas.microsoft.com/office/powerpoint/2010/main" xmlns:a14="http://schemas.microsoft.com/office/drawing/2010/main" w="9525">
-                  <a:solidFill>
-                    <a:srgbClr val="000000"/>
-                  </a:solidFill>
-                  <a:round/>
-                  <a:headEnd/>
-                  <a:tailEnd/>
-                </a14:hiddenLine>
-              </a:ext>
-            </a:extLst>
-          </p:spPr>
-        </p:sp>
-        <p:sp>
-          <p:nvSpPr>
-            <p:cNvPr id="1121" name="Freeform 35">
-              <a:extLst>
-                <a:ext uri="{FF2B5EF4-FFF2-40B4-BE49-F238E27FC236}">
-                  <a16:creationId xmlns:a16="http://schemas.microsoft.com/office/drawing/2014/main" id="{A0B09C51-29AB-45C0-B707-CCFB9DF280B1}"/>
-                </a:ext>
-                <a:ext uri="{C183D7F6-B498-43B3-948B-1728B52AA6E4}">
-                  <adec:decorative xmlns:adec="http://schemas.microsoft.com/office/drawing/2017/decorative" val="1"/>
-                </a:ext>
-              </a:extLst>
-            </p:cNvPr>
-            <p:cNvSpPr/>
-            <p:nvPr>
-              <p:extLst>
-                <p:ext uri="{386F3935-93C4-4BCD-93E2-E3B085C9AB24}">
-                  <p16:designElem xmlns:p16="http://schemas.microsoft.com/office/powerpoint/2015/main" val="1"/>
-                </p:ext>
-              </p:extLst>
-            </p:nvPr>
-          </p:nvSpPr>
-          <p:spPr bwMode="auto">
-            <a:xfrm>
-              <a:off x="11531600" y="5694363"/>
-              <a:ext cx="298450" cy="1154113"/>
-            </a:xfrm>
-            <a:custGeom>
-              <a:avLst/>
-              <a:gdLst/>
-              <a:ahLst/>
-              <a:cxnLst/>
-              <a:rect l="0" t="0" r="r" b="b"/>
-              <a:pathLst>
-                <a:path w="188" h="727">
-                  <a:moveTo>
-                    <a:pt x="15" y="727"/>
-                  </a:moveTo>
-                  <a:lnTo>
-                    <a:pt x="0" y="727"/>
-                  </a:lnTo>
-                  <a:lnTo>
-                    <a:pt x="0" y="407"/>
-                  </a:lnTo>
-                  <a:lnTo>
-                    <a:pt x="0" y="407"/>
-                  </a:lnTo>
-                  <a:lnTo>
-                    <a:pt x="176" y="0"/>
-                  </a:lnTo>
-                  <a:lnTo>
-                    <a:pt x="188" y="6"/>
-                  </a:lnTo>
-                  <a:lnTo>
-                    <a:pt x="15" y="410"/>
-                  </a:lnTo>
-                  <a:lnTo>
-                    <a:pt x="15" y="727"/>
-                  </a:lnTo>
-                  <a:close/>
-                </a:path>
-              </a:pathLst>
-            </a:custGeom>
-            <a:grpFill/>
-            <a:ln>
-              <a:noFill/>
-            </a:ln>
-            <a:extLst>
-              <a:ext uri="{91240B29-F687-4f45-9708-019B960494DF}">
-                <a14:hiddenLine xmlns="" xmlns:a16="http://schemas.microsoft.com/office/drawing/2014/main" xmlns:p14="http://schemas.microsoft.com/office/powerpoint/2010/main" xmlns:a14="http://schemas.microsoft.com/office/drawing/2010/main" w="9525">
-                  <a:solidFill>
-                    <a:srgbClr val="000000"/>
-                  </a:solidFill>
-                  <a:round/>
-                  <a:headEnd/>
-                  <a:tailEnd/>
-                </a14:hiddenLine>
-              </a:ext>
-            </a:extLst>
-          </p:spPr>
-        </p:sp>
-        <p:sp>
-          <p:nvSpPr>
-            <p:cNvPr id="1122" name="Freeform 36">
-              <a:extLst>
-                <a:ext uri="{FF2B5EF4-FFF2-40B4-BE49-F238E27FC236}">
-                  <a16:creationId xmlns:a16="http://schemas.microsoft.com/office/drawing/2014/main" id="{510C0CED-AE1B-45AE-B5E1-57521E589D27}"/>
-                </a:ext>
-                <a:ext uri="{C183D7F6-B498-43B3-948B-1728B52AA6E4}">
-                  <adec:decorative xmlns:adec="http://schemas.microsoft.com/office/drawing/2017/decorative" val="1"/>
-                </a:ext>
-              </a:extLst>
-            </p:cNvPr>
-            <p:cNvSpPr>
-              <a:spLocks noEditPoints="1"/>
-            </p:cNvSpPr>
-            <p:nvPr>
-              <p:extLst>
-                <p:ext uri="{386F3935-93C4-4BCD-93E2-E3B085C9AB24}">
-                  <p16:designElem xmlns:p16="http://schemas.microsoft.com/office/powerpoint/2015/main" val="1"/>
-                </p:ext>
-              </p:extLst>
-            </p:nvPr>
-          </p:nvSpPr>
-          <p:spPr bwMode="auto">
-            <a:xfrm>
-              <a:off x="11772900" y="5551488"/>
-              <a:ext cx="157163" cy="155575"/>
-            </a:xfrm>
-            <a:custGeom>
-              <a:avLst/>
-              <a:gdLst/>
-              <a:ahLst/>
-              <a:cxnLst/>
-              <a:rect l="0" t="0" r="r" b="b"/>
-              <a:pathLst>
-                <a:path w="33" h="33">
-                  <a:moveTo>
-                    <a:pt x="17" y="33"/>
-                  </a:moveTo>
-                  <a:cubicBezTo>
-                    <a:pt x="8" y="33"/>
-                    <a:pt x="0" y="25"/>
-                    <a:pt x="0" y="16"/>
-                  </a:cubicBezTo>
-                  <a:cubicBezTo>
-                    <a:pt x="0" y="7"/>
-                    <a:pt x="8" y="0"/>
-                    <a:pt x="17" y="0"/>
-                  </a:cubicBezTo>
-                  <a:cubicBezTo>
-                    <a:pt x="26" y="0"/>
-                    <a:pt x="33" y="7"/>
-                    <a:pt x="33" y="16"/>
-                  </a:cubicBezTo>
-                  <a:cubicBezTo>
-                    <a:pt x="33" y="25"/>
-                    <a:pt x="26" y="33"/>
-                    <a:pt x="17" y="33"/>
-                  </a:cubicBezTo>
-                  <a:close/>
-                  <a:moveTo>
-                    <a:pt x="17" y="4"/>
-                  </a:moveTo>
-                  <a:cubicBezTo>
-                    <a:pt x="10" y="4"/>
-                    <a:pt x="4" y="9"/>
-                    <a:pt x="4" y="16"/>
-                  </a:cubicBezTo>
-                  <a:cubicBezTo>
-                    <a:pt x="4" y="23"/>
-                    <a:pt x="10" y="29"/>
-                    <a:pt x="17" y="29"/>
-                  </a:cubicBezTo>
-                  <a:cubicBezTo>
-                    <a:pt x="23" y="29"/>
-                    <a:pt x="29" y="23"/>
-                    <a:pt x="29" y="16"/>
-                  </a:cubicBezTo>
-                  <a:cubicBezTo>
-                    <a:pt x="29" y="9"/>
-                    <a:pt x="23" y="4"/>
-                    <a:pt x="17" y="4"/>
-                  </a:cubicBezTo>
-                  <a:close/>
-                </a:path>
-              </a:pathLst>
-            </a:custGeom>
-            <a:grpFill/>
-            <a:ln>
-              <a:noFill/>
-            </a:ln>
-            <a:extLst>
-              <a:ext uri="{91240B29-F687-4f45-9708-019B960494DF}">
-                <a14:hiddenLine xmlns="" xmlns:a16="http://schemas.microsoft.com/office/drawing/2014/main" xmlns:p14="http://schemas.microsoft.com/office/powerpoint/2010/main" xmlns:a14="http://schemas.microsoft.com/office/drawing/2010/main" w="9525">
-                  <a:solidFill>
-                    <a:srgbClr val="000000"/>
-                  </a:solidFill>
-                  <a:round/>
-                  <a:headEnd/>
-                  <a:tailEnd/>
-                </a14:hiddenLine>
-              </a:ext>
-            </a:extLst>
-          </p:spPr>
-        </p:sp>
-        <p:sp>
-          <p:nvSpPr>
-            <p:cNvPr id="1123" name="Freeform 37">
-              <a:extLst>
-                <a:ext uri="{FF2B5EF4-FFF2-40B4-BE49-F238E27FC236}">
-                  <a16:creationId xmlns:a16="http://schemas.microsoft.com/office/drawing/2014/main" id="{591F2327-4B45-41AA-B41C-7404B6A1E4F2}"/>
-                </a:ext>
-                <a:ext uri="{C183D7F6-B498-43B3-948B-1728B52AA6E4}">
-                  <adec:decorative xmlns:adec="http://schemas.microsoft.com/office/drawing/2017/decorative" val="1"/>
-                </a:ext>
-              </a:extLst>
-            </p:cNvPr>
-            <p:cNvSpPr/>
-            <p:nvPr>
-              <p:extLst>
-                <p:ext uri="{386F3935-93C4-4BCD-93E2-E3B085C9AB24}">
-                  <p16:designElem xmlns:p16="http://schemas.microsoft.com/office/powerpoint/2015/main" val="1"/>
-                </p:ext>
-              </p:extLst>
-            </p:nvPr>
-          </p:nvSpPr>
-          <p:spPr bwMode="auto">
-            <a:xfrm>
-              <a:off x="11710987" y="4763"/>
-              <a:ext cx="304800" cy="1544638"/>
-            </a:xfrm>
-            <a:custGeom>
-              <a:avLst/>
-              <a:gdLst/>
-              <a:ahLst/>
-              <a:cxnLst/>
-              <a:rect l="0" t="0" r="r" b="b"/>
-              <a:pathLst>
-                <a:path w="192" h="973">
-                  <a:moveTo>
-                    <a:pt x="15" y="973"/>
-                  </a:moveTo>
-                  <a:lnTo>
-                    <a:pt x="0" y="973"/>
-                  </a:lnTo>
-                  <a:lnTo>
-                    <a:pt x="0" y="790"/>
-                  </a:lnTo>
-                  <a:lnTo>
-                    <a:pt x="174" y="614"/>
-                  </a:lnTo>
-                  <a:lnTo>
-                    <a:pt x="174" y="0"/>
-                  </a:lnTo>
-                  <a:lnTo>
-                    <a:pt x="192" y="0"/>
-                  </a:lnTo>
-                  <a:lnTo>
-                    <a:pt x="192" y="620"/>
-                  </a:lnTo>
-                  <a:lnTo>
-                    <a:pt x="15" y="796"/>
-                  </a:lnTo>
-                  <a:lnTo>
-                    <a:pt x="15" y="973"/>
-                  </a:lnTo>
-                  <a:close/>
-                </a:path>
-              </a:pathLst>
-            </a:custGeom>
-            <a:grpFill/>
-            <a:ln>
-              <a:noFill/>
-            </a:ln>
-            <a:extLst>
-              <a:ext uri="{91240B29-F687-4f45-9708-019B960494DF}">
-                <a14:hiddenLine xmlns="" xmlns:a16="http://schemas.microsoft.com/office/drawing/2014/main" xmlns:p14="http://schemas.microsoft.com/office/powerpoint/2010/main" xmlns:a14="http://schemas.microsoft.com/office/drawing/2010/main" w="9525">
-                  <a:solidFill>
-                    <a:srgbClr val="000000"/>
-                  </a:solidFill>
-                  <a:round/>
-                  <a:headEnd/>
-                  <a:tailEnd/>
-                </a14:hiddenLine>
-              </a:ext>
-            </a:extLst>
-          </p:spPr>
-        </p:sp>
-        <p:sp>
-          <p:nvSpPr>
-            <p:cNvPr id="1124" name="Freeform 38">
-              <a:extLst>
-                <a:ext uri="{FF2B5EF4-FFF2-40B4-BE49-F238E27FC236}">
-                  <a16:creationId xmlns:a16="http://schemas.microsoft.com/office/drawing/2014/main" id="{5A63224C-41A0-42C0-96F6-0B2BE99A1353}"/>
-                </a:ext>
-                <a:ext uri="{C183D7F6-B498-43B3-948B-1728B52AA6E4}">
-                  <adec:decorative xmlns:adec="http://schemas.microsoft.com/office/drawing/2017/decorative" val="1"/>
-                </a:ext>
-              </a:extLst>
-            </p:cNvPr>
-            <p:cNvSpPr>
-              <a:spLocks noEditPoints="1"/>
-            </p:cNvSpPr>
-            <p:nvPr>
-              <p:extLst>
-                <p:ext uri="{386F3935-93C4-4BCD-93E2-E3B085C9AB24}">
-                  <p16:designElem xmlns:p16="http://schemas.microsoft.com/office/powerpoint/2015/main" val="1"/>
-                </p:ext>
-              </p:extLst>
-            </p:nvPr>
-          </p:nvSpPr>
-          <p:spPr bwMode="auto">
-            <a:xfrm>
-              <a:off x="11636375" y="4867275"/>
-              <a:ext cx="188913" cy="188913"/>
-            </a:xfrm>
-            <a:custGeom>
-              <a:avLst/>
-              <a:gdLst/>
-              <a:ahLst/>
-              <a:cxnLst/>
-              <a:rect l="0" t="0" r="r" b="b"/>
-              <a:pathLst>
-                <a:path w="40" h="40">
-                  <a:moveTo>
-                    <a:pt x="20" y="40"/>
-                  </a:moveTo>
-                  <a:cubicBezTo>
-                    <a:pt x="9" y="40"/>
-                    <a:pt x="0" y="31"/>
-                    <a:pt x="0" y="20"/>
-                  </a:cubicBezTo>
-                  <a:cubicBezTo>
-                    <a:pt x="0" y="9"/>
-                    <a:pt x="9" y="0"/>
-                    <a:pt x="20" y="0"/>
-                  </a:cubicBezTo>
-                  <a:cubicBezTo>
-                    <a:pt x="31" y="0"/>
-                    <a:pt x="40" y="9"/>
-                    <a:pt x="40" y="20"/>
-                  </a:cubicBezTo>
-                  <a:cubicBezTo>
-                    <a:pt x="40" y="31"/>
-                    <a:pt x="31" y="40"/>
-                    <a:pt x="20" y="40"/>
-                  </a:cubicBezTo>
-                  <a:close/>
-                  <a:moveTo>
-                    <a:pt x="20" y="4"/>
-                  </a:moveTo>
-                  <a:cubicBezTo>
-                    <a:pt x="11" y="4"/>
-                    <a:pt x="4" y="11"/>
-                    <a:pt x="4" y="20"/>
-                  </a:cubicBezTo>
-                  <a:cubicBezTo>
-                    <a:pt x="4" y="29"/>
-                    <a:pt x="11" y="36"/>
-                    <a:pt x="20" y="36"/>
-                  </a:cubicBezTo>
-                  <a:cubicBezTo>
-                    <a:pt x="29" y="36"/>
-                    <a:pt x="36" y="29"/>
-                    <a:pt x="36" y="20"/>
-                  </a:cubicBezTo>
-                  <a:cubicBezTo>
-                    <a:pt x="36" y="11"/>
-                    <a:pt x="29" y="4"/>
-                    <a:pt x="20" y="4"/>
-                  </a:cubicBezTo>
-                  <a:close/>
-                </a:path>
-              </a:pathLst>
-            </a:custGeom>
-            <a:grpFill/>
-            <a:ln>
-              <a:noFill/>
-            </a:ln>
-            <a:extLst>
-              <a:ext uri="{91240B29-F687-4f45-9708-019B960494DF}">
-                <a14:hiddenLine xmlns="" xmlns:a16="http://schemas.microsoft.com/office/drawing/2014/main" xmlns:p14="http://schemas.microsoft.com/office/powerpoint/2010/main" xmlns:a14="http://schemas.microsoft.com/office/drawing/2010/main" w="9525">
-                  <a:solidFill>
-                    <a:srgbClr val="000000"/>
-                  </a:solidFill>
-                  <a:round/>
-                  <a:headEnd/>
-                  <a:tailEnd/>
-                </a14:hiddenLine>
-              </a:ext>
-            </a:extLst>
-          </p:spPr>
-        </p:sp>
-        <p:sp>
-          <p:nvSpPr>
-            <p:cNvPr id="1125" name="Freeform 39">
-              <a:extLst>
-                <a:ext uri="{FF2B5EF4-FFF2-40B4-BE49-F238E27FC236}">
-                  <a16:creationId xmlns:a16="http://schemas.microsoft.com/office/drawing/2014/main" id="{A7C00B9F-C253-4776-9935-EC02254A4F2F}"/>
-                </a:ext>
-                <a:ext uri="{C183D7F6-B498-43B3-948B-1728B52AA6E4}">
-                  <adec:decorative xmlns:adec="http://schemas.microsoft.com/office/drawing/2017/decorative" val="1"/>
-                </a:ext>
-              </a:extLst>
-            </p:cNvPr>
-            <p:cNvSpPr/>
-            <p:nvPr>
-              <p:extLst>
-                <p:ext uri="{386F3935-93C4-4BCD-93E2-E3B085C9AB24}">
-                  <p16:designElem xmlns:p16="http://schemas.microsoft.com/office/powerpoint/2015/main" val="1"/>
-                </p:ext>
-              </p:extLst>
-            </p:nvPr>
-          </p:nvSpPr>
-          <p:spPr bwMode="auto">
-            <a:xfrm>
-              <a:off x="11441112" y="5046663"/>
-              <a:ext cx="307975" cy="1801813"/>
-            </a:xfrm>
-            <a:custGeom>
-              <a:avLst/>
-              <a:gdLst/>
-              <a:ahLst/>
-              <a:cxnLst/>
-              <a:rect l="0" t="0" r="r" b="b"/>
-              <a:pathLst>
-                <a:path w="194" h="1135">
-                  <a:moveTo>
-                    <a:pt x="18" y="1135"/>
-                  </a:moveTo>
-                  <a:lnTo>
-                    <a:pt x="0" y="1135"/>
-                  </a:lnTo>
-                  <a:lnTo>
-                    <a:pt x="0" y="354"/>
-                  </a:lnTo>
-                  <a:lnTo>
-                    <a:pt x="176" y="177"/>
-                  </a:lnTo>
-                  <a:lnTo>
-                    <a:pt x="176" y="0"/>
-                  </a:lnTo>
-                  <a:lnTo>
-                    <a:pt x="194" y="0"/>
-                  </a:lnTo>
-                  <a:lnTo>
-                    <a:pt x="194" y="183"/>
-                  </a:lnTo>
-                  <a:lnTo>
-                    <a:pt x="18" y="360"/>
-                  </a:lnTo>
-                  <a:lnTo>
-                    <a:pt x="18" y="1135"/>
-                  </a:lnTo>
-                  <a:close/>
-                </a:path>
-              </a:pathLst>
-            </a:custGeom>
-            <a:grpFill/>
-            <a:ln>
-              <a:noFill/>
-            </a:ln>
-            <a:extLst>
-              <a:ext uri="{91240B29-F687-4f45-9708-019B960494DF}">
-                <a14:hiddenLine xmlns="" xmlns:a16="http://schemas.microsoft.com/office/drawing/2014/main" xmlns:p14="http://schemas.microsoft.com/office/powerpoint/2010/main" xmlns:a14="http://schemas.microsoft.com/office/drawing/2010/main" w="9525">
-                  <a:solidFill>
-                    <a:srgbClr val="000000"/>
-                  </a:solidFill>
-                  <a:round/>
-                  <a:headEnd/>
-                  <a:tailEnd/>
-                </a14:hiddenLine>
-              </a:ext>
-            </a:extLst>
-          </p:spPr>
-        </p:sp>
-        <p:sp>
-          <p:nvSpPr>
-            <p:cNvPr id="1126" name="Freeform 40">
-              <a:extLst>
-                <a:ext uri="{FF2B5EF4-FFF2-40B4-BE49-F238E27FC236}">
-                  <a16:creationId xmlns:a16="http://schemas.microsoft.com/office/drawing/2014/main" id="{5062D4AA-13F3-4064-8440-FFE8562D8540}"/>
-                </a:ext>
-                <a:ext uri="{C183D7F6-B498-43B3-948B-1728B52AA6E4}">
-                  <adec:decorative xmlns:adec="http://schemas.microsoft.com/office/drawing/2017/decorative" val="1"/>
-                </a:ext>
-              </a:extLst>
-            </p:cNvPr>
-            <p:cNvSpPr>
-              <a:spLocks noEditPoints="1"/>
-            </p:cNvSpPr>
-            <p:nvPr>
-              <p:extLst>
-                <p:ext uri="{386F3935-93C4-4BCD-93E2-E3B085C9AB24}">
-                  <p16:designElem xmlns:p16="http://schemas.microsoft.com/office/powerpoint/2015/main" val="1"/>
-                </p:ext>
-              </p:extLst>
-            </p:nvPr>
-          </p:nvSpPr>
-          <p:spPr bwMode="auto">
-            <a:xfrm>
-              <a:off x="11849100" y="6416675"/>
-              <a:ext cx="190500" cy="188913"/>
-            </a:xfrm>
-            <a:custGeom>
-              <a:avLst/>
-              <a:gdLst/>
-              <a:ahLst/>
-              <a:cxnLst/>
-              <a:rect l="0" t="0" r="r" b="b"/>
-              <a:pathLst>
-                <a:path w="40" h="40">
-                  <a:moveTo>
-                    <a:pt x="20" y="40"/>
-                  </a:moveTo>
-                  <a:cubicBezTo>
-                    <a:pt x="9" y="40"/>
-                    <a:pt x="0" y="31"/>
-                    <a:pt x="0" y="20"/>
-                  </a:cubicBezTo>
-                  <a:cubicBezTo>
-                    <a:pt x="0" y="9"/>
-                    <a:pt x="9" y="0"/>
-                    <a:pt x="20" y="0"/>
-                  </a:cubicBezTo>
-                  <a:cubicBezTo>
-                    <a:pt x="31" y="0"/>
-                    <a:pt x="40" y="9"/>
-                    <a:pt x="40" y="20"/>
-                  </a:cubicBezTo>
-                  <a:cubicBezTo>
-                    <a:pt x="40" y="31"/>
-                    <a:pt x="31" y="40"/>
-                    <a:pt x="20" y="40"/>
-                  </a:cubicBezTo>
-                  <a:close/>
-                  <a:moveTo>
-                    <a:pt x="20" y="4"/>
-                  </a:moveTo>
-                  <a:cubicBezTo>
-                    <a:pt x="12" y="4"/>
-                    <a:pt x="4" y="11"/>
-                    <a:pt x="4" y="20"/>
-                  </a:cubicBezTo>
-                  <a:cubicBezTo>
-                    <a:pt x="4" y="29"/>
-                    <a:pt x="12" y="36"/>
-                    <a:pt x="20" y="36"/>
-                  </a:cubicBezTo>
-                  <a:cubicBezTo>
-                    <a:pt x="29" y="36"/>
-                    <a:pt x="36" y="29"/>
-                    <a:pt x="36" y="20"/>
-                  </a:cubicBezTo>
-                  <a:cubicBezTo>
-                    <a:pt x="36" y="11"/>
-                    <a:pt x="29" y="4"/>
-                    <a:pt x="20" y="4"/>
-                  </a:cubicBezTo>
-                  <a:close/>
-                </a:path>
-              </a:pathLst>
-            </a:custGeom>
-            <a:grpFill/>
-            <a:ln>
-              <a:noFill/>
-            </a:ln>
-            <a:extLst>
-              <a:ext uri="{91240B29-F687-4f45-9708-019B960494DF}">
-                <a14:hiddenLine xmlns="" xmlns:a16="http://schemas.microsoft.com/office/drawing/2014/main" xmlns:p14="http://schemas.microsoft.com/office/powerpoint/2010/main" xmlns:a14="http://schemas.microsoft.com/office/drawing/2010/main" w="9525">
-                  <a:solidFill>
-                    <a:srgbClr val="000000"/>
-                  </a:solidFill>
-                  <a:round/>
-                  <a:headEnd/>
-                  <a:tailEnd/>
-                </a14:hiddenLine>
-              </a:ext>
-            </a:extLst>
-          </p:spPr>
-        </p:sp>
-        <p:sp>
-          <p:nvSpPr>
-            <p:cNvPr id="1127" name="Rectangle 41">
-              <a:extLst>
-                <a:ext uri="{FF2B5EF4-FFF2-40B4-BE49-F238E27FC236}">
-                  <a16:creationId xmlns:a16="http://schemas.microsoft.com/office/drawing/2014/main" id="{3E143B27-CB82-440B-879B-D25C1891C191}"/>
-                </a:ext>
-                <a:ext uri="{C183D7F6-B498-43B3-948B-1728B52AA6E4}">
-                  <adec:decorative xmlns:adec="http://schemas.microsoft.com/office/drawing/2017/decorative" val="1"/>
-                </a:ext>
-              </a:extLst>
-            </p:cNvPr>
-            <p:cNvSpPr>
-              <a:spLocks noChangeArrowheads="1"/>
-            </p:cNvSpPr>
-            <p:nvPr>
-              <p:extLst>
-                <p:ext uri="{386F3935-93C4-4BCD-93E2-E3B085C9AB24}">
-                  <p16:designElem xmlns:p16="http://schemas.microsoft.com/office/powerpoint/2015/main" val="1"/>
-                </p:ext>
-              </p:extLst>
-            </p:nvPr>
-          </p:nvSpPr>
-          <p:spPr bwMode="auto">
-            <a:xfrm>
-              <a:off x="11939587" y="6596063"/>
-              <a:ext cx="23813" cy="252413"/>
-            </a:xfrm>
-            <a:prstGeom prst="rect">
-              <a:avLst/>
-            </a:prstGeom>
-            <a:grpFill/>
-            <a:ln>
-              <a:noFill/>
-            </a:ln>
-            <a:extLst>
-              <a:ext uri="{91240B29-F687-4f45-9708-019B960494DF}">
-                <a14:hiddenLine xmlns="" xmlns:a16="http://schemas.microsoft.com/office/drawing/2014/main" xmlns:p14="http://schemas.microsoft.com/office/powerpoint/2010/main" xmlns:a14="http://schemas.microsoft.com/office/drawing/2010/main" w="9525">
-                  <a:solidFill>
-                    <a:srgbClr val="000000"/>
-                  </a:solidFill>
-                  <a:miter lim="800000"/>
-                  <a:headEnd/>
-                  <a:tailEnd/>
-                </a14:hiddenLine>
-              </a:ext>
-            </a:extLst>
-          </p:spPr>
-        </p:sp>
-      </p:grpSp>
-      <p:pic>
-        <p:nvPicPr>
-          <p:cNvPr id="11" name="Picture 5">
-            <a:extLst>
-              <a:ext uri="{FF2B5EF4-FFF2-40B4-BE49-F238E27FC236}">
-                <a16:creationId xmlns:a16="http://schemas.microsoft.com/office/drawing/2014/main" id="{EAF609B3-BDBF-11F4-8B00-4347207879D5}"/>
-              </a:ext>
-            </a:extLst>
-          </p:cNvPr>
-          <p:cNvPicPr>
-            <a:picLocks noChangeAspect="1" noChangeArrowheads="1"/>
-          </p:cNvPicPr>
-          <p:nvPr/>
-        </p:nvPicPr>
-        <p:blipFill>
-          <a:blip r:embed="rId2">
-            <a:extLst>
-              <a:ext uri="{28A0092B-C50C-407E-A947-70E740481C1C}">
-                <a14:useLocalDpi xmlns:a14="http://schemas.microsoft.com/office/drawing/2010/main" val="0"/>
-              </a:ext>
-            </a:extLst>
-          </a:blip>
-          <a:stretch>
-            <a:fillRect/>
-          </a:stretch>
-        </p:blipFill>
-        <p:spPr bwMode="auto">
-          <a:xfrm>
-            <a:off x="1296987" y="329145"/>
-            <a:ext cx="3051935" cy="6174447"/>
-          </a:xfrm>
-          <a:prstGeom prst="rect">
-            <a:avLst/>
-          </a:prstGeom>
-          <a:noFill/>
-          <a:extLst>
-            <a:ext uri="{909E8E84-426E-40DD-AFC4-6F175D3DCCD1}">
-              <a14:hiddenFill xmlns:a14="http://schemas.microsoft.com/office/drawing/2010/main">
-                <a:solidFill>
-                  <a:srgbClr val="FFFFFF"/>
-                </a:solidFill>
-              </a14:hiddenFill>
-            </a:ext>
-          </a:extLst>
-        </p:spPr>
-      </p:pic>
     </p:spTree>
     <p:extLst>
       <p:ext uri="{BB962C8B-B14F-4D97-AF65-F5344CB8AC3E}">
@@ -29999,7 +32867,7 @@
     </p:extLst>
   </p:cSld>
   <p:clrMapOvr>
-    <a:overrideClrMapping bg1="dk1" tx1="lt1" bg2="dk2" tx2="lt2" accent1="accent1" accent2="accent2" accent3="accent3" accent4="accent4" accent5="accent5" accent6="accent6" hlink="hlink" folHlink="folHlink"/>
+    <a:masterClrMapping/>
   </p:clrMapOvr>
 </p:sld>
 </file>
@@ -30035,8 +32903,8 @@
         </p:nvSpPr>
         <p:spPr>
           <a:xfrm>
-            <a:off x="1418539" y="306880"/>
-            <a:ext cx="6103188" cy="584775"/>
+            <a:off x="7645360" y="3091845"/>
+            <a:ext cx="3122400" cy="1569660"/>
           </a:xfrm>
           <a:prstGeom prst="rect">
             <a:avLst/>
@@ -30049,10 +32917,24 @@
           </a:bodyPr>
           <a:lstStyle/>
           <a:p>
-            <a:pPr lvl="0"/>
+            <a:pPr lvl="0" algn="ctr"/>
             <a:r>
               <a:rPr lang="en-US" sz="3200" b="1" dirty="0"/>
-              <a:t>TRAINING THE MODEL BEFORE</a:t>
+              <a:t>TRAINING THE </a:t>
+            </a:r>
+          </a:p>
+          <a:p>
+            <a:pPr lvl="0" algn="ctr"/>
+            <a:r>
+              <a:rPr lang="en-US" sz="3200" b="1" dirty="0"/>
+              <a:t>MODEL BEFORE</a:t>
+            </a:r>
+          </a:p>
+          <a:p>
+            <a:pPr lvl="0" algn="ctr"/>
+            <a:r>
+              <a:rPr lang="en-US" sz="3200" b="1" dirty="0"/>
+              <a:t>BALANCING</a:t>
             </a:r>
             <a:endParaRPr lang="en-IL" sz="3200" b="1" dirty="0"/>
           </a:p>
@@ -30189,10 +33071,10 @@
       </p:sp>
       <p:pic>
         <p:nvPicPr>
-          <p:cNvPr id="2054" name="Picture 6">
+          <p:cNvPr id="2" name="Picture 2">
             <a:extLst>
               <a:ext uri="{FF2B5EF4-FFF2-40B4-BE49-F238E27FC236}">
-                <a16:creationId xmlns:a16="http://schemas.microsoft.com/office/drawing/2014/main" id="{8F4282C4-F0AB-752A-6728-EAB95963021D}"/>
+                <a16:creationId xmlns:a16="http://schemas.microsoft.com/office/drawing/2014/main" id="{52F6A582-CEC4-69A8-5E47-5718F31803A1}"/>
               </a:ext>
             </a:extLst>
           </p:cNvPr>
@@ -30216,136 +33098,7 @@
         </p:blipFill>
         <p:spPr bwMode="auto">
           <a:xfrm>
-            <a:off x="4470133" y="1445653"/>
-            <a:ext cx="3187443" cy="2406606"/>
-          </a:xfrm>
-          <a:prstGeom prst="rect">
-            <a:avLst/>
-          </a:prstGeom>
-          <a:noFill/>
-          <a:extLst>
-            <a:ext uri="{909E8E84-426E-40DD-AFC4-6F175D3DCCD1}">
-              <a14:hiddenFill xmlns:a14="http://schemas.microsoft.com/office/drawing/2010/main">
-                <a:solidFill>
-                  <a:srgbClr val="FFFFFF"/>
-                </a:solidFill>
-              </a14:hiddenFill>
-            </a:ext>
-          </a:extLst>
-        </p:spPr>
-      </p:pic>
-      <p:pic>
-        <p:nvPicPr>
-          <p:cNvPr id="2056" name="Picture 8">
-            <a:extLst>
-              <a:ext uri="{FF2B5EF4-FFF2-40B4-BE49-F238E27FC236}">
-                <a16:creationId xmlns:a16="http://schemas.microsoft.com/office/drawing/2014/main" id="{544F20CC-2C7B-D984-9B80-FFBB515E74B6}"/>
-              </a:ext>
-            </a:extLst>
-          </p:cNvPr>
-          <p:cNvPicPr>
-            <a:picLocks noChangeAspect="1" noChangeArrowheads="1"/>
-          </p:cNvPicPr>
-          <p:nvPr/>
-        </p:nvPicPr>
-        <p:blipFill>
-          <a:blip r:embed="rId5">
-            <a:extLst>
-              <a:ext uri="{28A0092B-C50C-407E-A947-70E740481C1C}">
-                <a14:useLocalDpi xmlns:a14="http://schemas.microsoft.com/office/drawing/2010/main" val="0"/>
-              </a:ext>
-            </a:extLst>
-          </a:blip>
-          <a:srcRect/>
-          <a:stretch>
-            <a:fillRect/>
-          </a:stretch>
-        </p:blipFill>
-        <p:spPr bwMode="auto">
-          <a:xfrm>
-            <a:off x="4470133" y="3876676"/>
-            <a:ext cx="3187443" cy="2329936"/>
-          </a:xfrm>
-          <a:prstGeom prst="rect">
-            <a:avLst/>
-          </a:prstGeom>
-          <a:noFill/>
-          <a:extLst>
-            <a:ext uri="{909E8E84-426E-40DD-AFC4-6F175D3DCCD1}">
-              <a14:hiddenFill xmlns:a14="http://schemas.microsoft.com/office/drawing/2010/main">
-                <a:solidFill>
-                  <a:srgbClr val="FFFFFF"/>
-                </a:solidFill>
-              </a14:hiddenFill>
-            </a:ext>
-          </a:extLst>
-        </p:spPr>
-      </p:pic>
-      <p:sp>
-        <p:nvSpPr>
-          <p:cNvPr id="67" name="TextBox 66">
-            <a:extLst>
-              <a:ext uri="{FF2B5EF4-FFF2-40B4-BE49-F238E27FC236}">
-                <a16:creationId xmlns:a16="http://schemas.microsoft.com/office/drawing/2014/main" id="{B359AEA0-1968-B1FA-3FB9-616BADC7B509}"/>
-              </a:ext>
-            </a:extLst>
-          </p:cNvPr>
-          <p:cNvSpPr txBox="1"/>
-          <p:nvPr/>
-        </p:nvSpPr>
-        <p:spPr>
-          <a:xfrm>
-            <a:off x="5650800" y="1076321"/>
-            <a:ext cx="826107" cy="369332"/>
-          </a:xfrm>
-          <a:prstGeom prst="rect">
-            <a:avLst/>
-          </a:prstGeom>
-          <a:noFill/>
-        </p:spPr>
-        <p:txBody>
-          <a:bodyPr wrap="square">
-            <a:spAutoFit/>
-          </a:bodyPr>
-          <a:lstStyle/>
-          <a:p>
-            <a:r>
-              <a:rPr lang="en-US" dirty="0"/>
-              <a:t>65.2%</a:t>
-            </a:r>
-          </a:p>
-        </p:txBody>
-      </p:sp>
-      <p:pic>
-        <p:nvPicPr>
-          <p:cNvPr id="2" name="Picture 2">
-            <a:extLst>
-              <a:ext uri="{FF2B5EF4-FFF2-40B4-BE49-F238E27FC236}">
-                <a16:creationId xmlns:a16="http://schemas.microsoft.com/office/drawing/2014/main" id="{52F6A582-CEC4-69A8-5E47-5718F31803A1}"/>
-              </a:ext>
-            </a:extLst>
-          </p:cNvPr>
-          <p:cNvPicPr>
-            <a:picLocks noChangeAspect="1" noChangeArrowheads="1"/>
-          </p:cNvPicPr>
-          <p:nvPr/>
-        </p:nvPicPr>
-        <p:blipFill>
-          <a:blip r:embed="rId6">
-            <a:extLst>
-              <a:ext uri="{28A0092B-C50C-407E-A947-70E740481C1C}">
-                <a14:useLocalDpi xmlns:a14="http://schemas.microsoft.com/office/drawing/2010/main" val="0"/>
-              </a:ext>
-            </a:extLst>
-          </a:blip>
-          <a:srcRect/>
-          <a:stretch>
-            <a:fillRect/>
-          </a:stretch>
-        </p:blipFill>
-        <p:spPr bwMode="auto">
-          <a:xfrm>
-            <a:off x="8054421" y="1434453"/>
+            <a:off x="4546638" y="1436040"/>
             <a:ext cx="3098723" cy="2406606"/>
           </a:xfrm>
           <a:prstGeom prst="rect">
@@ -30378,7 +33131,7 @@
           <p:nvPr/>
         </p:nvPicPr>
         <p:blipFill>
-          <a:blip r:embed="rId7">
+          <a:blip r:embed="rId5">
             <a:extLst>
               <a:ext uri="{28A0092B-C50C-407E-A947-70E740481C1C}">
                 <a14:useLocalDpi xmlns:a14="http://schemas.microsoft.com/office/drawing/2010/main" val="0"/>
@@ -30392,8 +33145,8 @@
         </p:blipFill>
         <p:spPr bwMode="auto">
           <a:xfrm>
-            <a:off x="8054420" y="3852260"/>
-            <a:ext cx="3098723" cy="2342166"/>
+            <a:off x="4546637" y="3876675"/>
+            <a:ext cx="3098723" cy="2319337"/>
           </a:xfrm>
           <a:prstGeom prst="rect">
             <a:avLst/>
@@ -30424,7 +33177,7 @@
         </p:nvSpPr>
         <p:spPr>
           <a:xfrm>
-            <a:off x="9208890" y="1053821"/>
+            <a:off x="5701107" y="1055408"/>
             <a:ext cx="803113" cy="369332"/>
           </a:xfrm>
           <a:prstGeom prst="rect">
@@ -30489,8 +33242,8 @@
         </p:nvSpPr>
         <p:spPr>
           <a:xfrm>
-            <a:off x="1418539" y="306880"/>
-            <a:ext cx="6103188" cy="584775"/>
+            <a:off x="7819495" y="3017942"/>
+            <a:ext cx="3205362" cy="1569660"/>
           </a:xfrm>
           <a:prstGeom prst="rect">
             <a:avLst/>
@@ -30503,10 +33256,24 @@
           </a:bodyPr>
           <a:lstStyle/>
           <a:p>
-            <a:pPr lvl="0"/>
+            <a:pPr lvl="0" algn="ctr"/>
             <a:r>
               <a:rPr lang="en-US" sz="3200" b="1" dirty="0"/>
-              <a:t>TRAINING THE MODEL AFTER</a:t>
+              <a:t>TRAINING THE </a:t>
+            </a:r>
+          </a:p>
+          <a:p>
+            <a:pPr lvl="0" algn="ctr"/>
+            <a:r>
+              <a:rPr lang="en-US" sz="3200" b="1" dirty="0"/>
+              <a:t>MODEL AFTER </a:t>
+            </a:r>
+          </a:p>
+          <a:p>
+            <a:pPr lvl="0" algn="ctr"/>
+            <a:r>
+              <a:rPr lang="en-US" sz="3200" b="1" dirty="0"/>
+              <a:t>BALANCING</a:t>
             </a:r>
             <a:endParaRPr lang="en-IL" sz="3200" b="1" dirty="0"/>
           </a:p>
@@ -30541,7 +33308,7 @@
         </p:blipFill>
         <p:spPr bwMode="auto">
           <a:xfrm>
-            <a:off x="1039086" y="1381488"/>
+            <a:off x="4614132" y="3802772"/>
             <a:ext cx="3205363" cy="2395406"/>
           </a:xfrm>
           <a:prstGeom prst="rect">
@@ -30588,8 +33355,8 @@
         </p:blipFill>
         <p:spPr bwMode="auto">
           <a:xfrm>
-            <a:off x="1039086" y="3802772"/>
-            <a:ext cx="3184208" cy="2395406"/>
+            <a:off x="4614134" y="1381488"/>
+            <a:ext cx="3205361" cy="2395406"/>
           </a:xfrm>
           <a:prstGeom prst="rect">
             <a:avLst/>
@@ -30620,7 +33387,7 @@
         </p:nvSpPr>
         <p:spPr>
           <a:xfrm>
-            <a:off x="2218136" y="1012156"/>
+            <a:off x="5793183" y="1012156"/>
             <a:ext cx="826107" cy="369332"/>
           </a:xfrm>
           <a:prstGeom prst="rect">
@@ -30641,10 +33408,485 @@
           </a:p>
         </p:txBody>
       </p:sp>
+      <p:pic>
+        <p:nvPicPr>
+          <p:cNvPr id="1026" name="Picture 2">
+            <a:extLst>
+              <a:ext uri="{FF2B5EF4-FFF2-40B4-BE49-F238E27FC236}">
+                <a16:creationId xmlns:a16="http://schemas.microsoft.com/office/drawing/2014/main" id="{D4A0CE24-8E0E-40A0-8D7B-278867C3D17A}"/>
+              </a:ext>
+            </a:extLst>
+          </p:cNvPr>
+          <p:cNvPicPr>
+            <a:picLocks noChangeAspect="1" noChangeArrowheads="1"/>
+          </p:cNvPicPr>
+          <p:nvPr/>
+        </p:nvPicPr>
+        <p:blipFill>
+          <a:blip r:embed="rId4">
+            <a:extLst>
+              <a:ext uri="{28A0092B-C50C-407E-A947-70E740481C1C}">
+                <a14:useLocalDpi xmlns:a14="http://schemas.microsoft.com/office/drawing/2010/main" val="0"/>
+              </a:ext>
+            </a:extLst>
+          </a:blip>
+          <a:srcRect/>
+          <a:stretch>
+            <a:fillRect/>
+          </a:stretch>
+        </p:blipFill>
+        <p:spPr bwMode="auto">
+          <a:xfrm>
+            <a:off x="1020034" y="1381488"/>
+            <a:ext cx="3205362" cy="2395406"/>
+          </a:xfrm>
+          <a:prstGeom prst="rect">
+            <a:avLst/>
+          </a:prstGeom>
+          <a:noFill/>
+          <a:extLst>
+            <a:ext uri="{909E8E84-426E-40DD-AFC4-6F175D3DCCD1}">
+              <a14:hiddenFill xmlns:a14="http://schemas.microsoft.com/office/drawing/2010/main">
+                <a:solidFill>
+                  <a:srgbClr val="FFFFFF"/>
+                </a:solidFill>
+              </a14:hiddenFill>
+            </a:ext>
+          </a:extLst>
+        </p:spPr>
+      </p:pic>
+      <p:pic>
+        <p:nvPicPr>
+          <p:cNvPr id="1030" name="Picture 6">
+            <a:extLst>
+              <a:ext uri="{FF2B5EF4-FFF2-40B4-BE49-F238E27FC236}">
+                <a16:creationId xmlns:a16="http://schemas.microsoft.com/office/drawing/2014/main" id="{9035E14E-64B8-EF8B-54EE-D053FBDEC789}"/>
+              </a:ext>
+            </a:extLst>
+          </p:cNvPr>
+          <p:cNvPicPr>
+            <a:picLocks noChangeAspect="1" noChangeArrowheads="1"/>
+          </p:cNvPicPr>
+          <p:nvPr/>
+        </p:nvPicPr>
+        <p:blipFill>
+          <a:blip r:embed="rId5">
+            <a:extLst>
+              <a:ext uri="{28A0092B-C50C-407E-A947-70E740481C1C}">
+                <a14:useLocalDpi xmlns:a14="http://schemas.microsoft.com/office/drawing/2010/main" val="0"/>
+              </a:ext>
+            </a:extLst>
+          </a:blip>
+          <a:srcRect/>
+          <a:stretch>
+            <a:fillRect/>
+          </a:stretch>
+        </p:blipFill>
+        <p:spPr bwMode="auto">
+          <a:xfrm>
+            <a:off x="1020035" y="3802772"/>
+            <a:ext cx="3205361" cy="2395406"/>
+          </a:xfrm>
+          <a:prstGeom prst="rect">
+            <a:avLst/>
+          </a:prstGeom>
+          <a:noFill/>
+          <a:extLst>
+            <a:ext uri="{909E8E84-426E-40DD-AFC4-6F175D3DCCD1}">
+              <a14:hiddenFill xmlns:a14="http://schemas.microsoft.com/office/drawing/2010/main">
+                <a:solidFill>
+                  <a:srgbClr val="FFFFFF"/>
+                </a:solidFill>
+              </a14:hiddenFill>
+            </a:ext>
+          </a:extLst>
+        </p:spPr>
+      </p:pic>
+      <p:sp>
+        <p:nvSpPr>
+          <p:cNvPr id="7" name="TextBox 6">
+            <a:extLst>
+              <a:ext uri="{FF2B5EF4-FFF2-40B4-BE49-F238E27FC236}">
+                <a16:creationId xmlns:a16="http://schemas.microsoft.com/office/drawing/2014/main" id="{5B71296C-9138-2AD4-7598-74AB3BCB08C7}"/>
+              </a:ext>
+            </a:extLst>
+          </p:cNvPr>
+          <p:cNvSpPr txBox="1"/>
+          <p:nvPr/>
+        </p:nvSpPr>
+        <p:spPr>
+          <a:xfrm>
+            <a:off x="2183445" y="1012156"/>
+            <a:ext cx="826107" cy="369332"/>
+          </a:xfrm>
+          <a:prstGeom prst="rect">
+            <a:avLst/>
+          </a:prstGeom>
+          <a:noFill/>
+        </p:spPr>
+        <p:txBody>
+          <a:bodyPr wrap="square">
+            <a:spAutoFit/>
+          </a:bodyPr>
+          <a:lstStyle/>
+          <a:p>
+            <a:r>
+              <a:rPr lang="en-US" dirty="0"/>
+              <a:t>88.3%</a:t>
+            </a:r>
+          </a:p>
+        </p:txBody>
+      </p:sp>
     </p:spTree>
     <p:extLst>
       <p:ext uri="{BB962C8B-B14F-4D97-AF65-F5344CB8AC3E}">
         <p14:creationId xmlns:p14="http://schemas.microsoft.com/office/powerpoint/2010/main" val="680796784"/>
+      </p:ext>
+    </p:extLst>
+  </p:cSld>
+  <p:clrMapOvr>
+    <a:masterClrMapping/>
+  </p:clrMapOvr>
+</p:sld>
+</file>
+
+<file path=ppt/slides/slide9.xml><?xml version="1.0" encoding="utf-8"?>
+<p:sld xmlns:a="http://schemas.openxmlformats.org/drawingml/2006/main" xmlns:r="http://schemas.openxmlformats.org/officeDocument/2006/relationships" xmlns:p="http://schemas.openxmlformats.org/presentationml/2006/main">
+  <p:cSld>
+    <p:spTree>
+      <p:nvGrpSpPr>
+        <p:cNvPr id="1" name=""/>
+        <p:cNvGrpSpPr/>
+        <p:nvPr/>
+      </p:nvGrpSpPr>
+      <p:grpSpPr>
+        <a:xfrm>
+          <a:off x="0" y="0"/>
+          <a:ext cx="0" cy="0"/>
+          <a:chOff x="0" y="0"/>
+          <a:chExt cx="0" cy="0"/>
+        </a:xfrm>
+      </p:grpSpPr>
+      <p:sp>
+        <p:nvSpPr>
+          <p:cNvPr id="7" name="TextBox 6">
+            <a:extLst>
+              <a:ext uri="{FF2B5EF4-FFF2-40B4-BE49-F238E27FC236}">
+                <a16:creationId xmlns:a16="http://schemas.microsoft.com/office/drawing/2014/main" id="{705B91A8-DCF3-5CA1-CEEC-E70940D490C1}"/>
+              </a:ext>
+            </a:extLst>
+          </p:cNvPr>
+          <p:cNvSpPr txBox="1"/>
+          <p:nvPr/>
+        </p:nvSpPr>
+        <p:spPr>
+          <a:xfrm>
+            <a:off x="7919819" y="2704225"/>
+            <a:ext cx="4005481" cy="2062103"/>
+          </a:xfrm>
+          <a:prstGeom prst="rect">
+            <a:avLst/>
+          </a:prstGeom>
+          <a:noFill/>
+        </p:spPr>
+        <p:txBody>
+          <a:bodyPr wrap="square">
+            <a:spAutoFit/>
+          </a:bodyPr>
+          <a:lstStyle/>
+          <a:p>
+            <a:pPr lvl="0" algn="ctr"/>
+            <a:r>
+              <a:rPr lang="en-US" sz="3200" b="1" dirty="0"/>
+              <a:t>TRAINING THE</a:t>
+            </a:r>
+          </a:p>
+          <a:p>
+            <a:pPr lvl="0" algn="ctr"/>
+            <a:r>
+              <a:rPr lang="en-US" sz="3200" b="1" dirty="0"/>
+              <a:t>MODEL BALANCED </a:t>
+            </a:r>
+          </a:p>
+          <a:p>
+            <a:pPr lvl="0" algn="ctr"/>
+            <a:r>
+              <a:rPr lang="en-US" sz="3200" b="1" dirty="0"/>
+              <a:t>WITH</a:t>
+            </a:r>
+          </a:p>
+          <a:p>
+            <a:pPr lvl="0" algn="ctr"/>
+            <a:r>
+              <a:rPr lang="en-US" sz="3200" b="1" dirty="0"/>
+              <a:t>REGULARIZATION </a:t>
+            </a:r>
+            <a:endParaRPr lang="en-IL" sz="3200" b="1" dirty="0"/>
+          </a:p>
+        </p:txBody>
+      </p:sp>
+      <p:sp>
+        <p:nvSpPr>
+          <p:cNvPr id="3" name="TextBox 2">
+            <a:extLst>
+              <a:ext uri="{FF2B5EF4-FFF2-40B4-BE49-F238E27FC236}">
+                <a16:creationId xmlns:a16="http://schemas.microsoft.com/office/drawing/2014/main" id="{D5761BD9-5890-6926-DF16-F49732631127}"/>
+              </a:ext>
+            </a:extLst>
+          </p:cNvPr>
+          <p:cNvSpPr txBox="1"/>
+          <p:nvPr/>
+        </p:nvSpPr>
+        <p:spPr>
+          <a:xfrm>
+            <a:off x="5865863" y="919601"/>
+            <a:ext cx="826107" cy="369332"/>
+          </a:xfrm>
+          <a:prstGeom prst="rect">
+            <a:avLst/>
+          </a:prstGeom>
+          <a:noFill/>
+        </p:spPr>
+        <p:txBody>
+          <a:bodyPr wrap="square">
+            <a:spAutoFit/>
+          </a:bodyPr>
+          <a:lstStyle/>
+          <a:p>
+            <a:r>
+              <a:rPr lang="en-US" dirty="0"/>
+              <a:t>89.5%</a:t>
+            </a:r>
+          </a:p>
+        </p:txBody>
+      </p:sp>
+      <p:pic>
+        <p:nvPicPr>
+          <p:cNvPr id="10" name="Picture 2">
+            <a:extLst>
+              <a:ext uri="{FF2B5EF4-FFF2-40B4-BE49-F238E27FC236}">
+                <a16:creationId xmlns:a16="http://schemas.microsoft.com/office/drawing/2014/main" id="{586CE276-AF42-94B4-BD22-29BB41A94E0F}"/>
+              </a:ext>
+            </a:extLst>
+          </p:cNvPr>
+          <p:cNvPicPr>
+            <a:picLocks noChangeAspect="1" noChangeArrowheads="1"/>
+          </p:cNvPicPr>
+          <p:nvPr/>
+        </p:nvPicPr>
+        <p:blipFill>
+          <a:blip r:embed="rId2">
+            <a:extLst>
+              <a:ext uri="{28A0092B-C50C-407E-A947-70E740481C1C}">
+                <a14:useLocalDpi xmlns:a14="http://schemas.microsoft.com/office/drawing/2010/main" val="0"/>
+              </a:ext>
+            </a:extLst>
+          </a:blip>
+          <a:srcRect/>
+          <a:stretch>
+            <a:fillRect/>
+          </a:stretch>
+        </p:blipFill>
+        <p:spPr bwMode="auto">
+          <a:xfrm>
+            <a:off x="1131709" y="1288933"/>
+            <a:ext cx="3200320" cy="2407527"/>
+          </a:xfrm>
+          <a:prstGeom prst="rect">
+            <a:avLst/>
+          </a:prstGeom>
+          <a:noFill/>
+          <a:extLst>
+            <a:ext uri="{909E8E84-426E-40DD-AFC4-6F175D3DCCD1}">
+              <a14:hiddenFill xmlns:a14="http://schemas.microsoft.com/office/drawing/2010/main">
+                <a:solidFill>
+                  <a:srgbClr val="FFFFFF"/>
+                </a:solidFill>
+              </a14:hiddenFill>
+            </a:ext>
+          </a:extLst>
+        </p:spPr>
+      </p:pic>
+      <p:pic>
+        <p:nvPicPr>
+          <p:cNvPr id="11" name="Picture 4">
+            <a:extLst>
+              <a:ext uri="{FF2B5EF4-FFF2-40B4-BE49-F238E27FC236}">
+                <a16:creationId xmlns:a16="http://schemas.microsoft.com/office/drawing/2014/main" id="{6622DB4B-2006-3DD4-94E0-7E86F4AEDC14}"/>
+              </a:ext>
+            </a:extLst>
+          </p:cNvPr>
+          <p:cNvPicPr>
+            <a:picLocks noChangeAspect="1" noChangeArrowheads="1"/>
+          </p:cNvPicPr>
+          <p:nvPr/>
+        </p:nvPicPr>
+        <p:blipFill>
+          <a:blip r:embed="rId3">
+            <a:extLst>
+              <a:ext uri="{28A0092B-C50C-407E-A947-70E740481C1C}">
+                <a14:useLocalDpi xmlns:a14="http://schemas.microsoft.com/office/drawing/2010/main" val="0"/>
+              </a:ext>
+            </a:extLst>
+          </a:blip>
+          <a:srcRect/>
+          <a:stretch>
+            <a:fillRect/>
+          </a:stretch>
+        </p:blipFill>
+        <p:spPr bwMode="auto">
+          <a:xfrm>
+            <a:off x="1131708" y="3735277"/>
+            <a:ext cx="3200319" cy="2395406"/>
+          </a:xfrm>
+          <a:prstGeom prst="rect">
+            <a:avLst/>
+          </a:prstGeom>
+          <a:noFill/>
+          <a:extLst>
+            <a:ext uri="{909E8E84-426E-40DD-AFC4-6F175D3DCCD1}">
+              <a14:hiddenFill xmlns:a14="http://schemas.microsoft.com/office/drawing/2010/main">
+                <a:solidFill>
+                  <a:srgbClr val="FFFFFF"/>
+                </a:solidFill>
+              </a14:hiddenFill>
+            </a:ext>
+          </a:extLst>
+        </p:spPr>
+      </p:pic>
+      <p:sp>
+        <p:nvSpPr>
+          <p:cNvPr id="12" name="TextBox 11">
+            <a:extLst>
+              <a:ext uri="{FF2B5EF4-FFF2-40B4-BE49-F238E27FC236}">
+                <a16:creationId xmlns:a16="http://schemas.microsoft.com/office/drawing/2014/main" id="{55F6E419-1FB9-FF77-8CCC-4CFC10D8D626}"/>
+              </a:ext>
+            </a:extLst>
+          </p:cNvPr>
+          <p:cNvSpPr txBox="1"/>
+          <p:nvPr/>
+        </p:nvSpPr>
+        <p:spPr>
+          <a:xfrm>
+            <a:off x="2318815" y="906662"/>
+            <a:ext cx="826107" cy="369332"/>
+          </a:xfrm>
+          <a:prstGeom prst="rect">
+            <a:avLst/>
+          </a:prstGeom>
+          <a:noFill/>
+        </p:spPr>
+        <p:txBody>
+          <a:bodyPr wrap="square">
+            <a:spAutoFit/>
+          </a:bodyPr>
+          <a:lstStyle/>
+          <a:p>
+            <a:r>
+              <a:rPr lang="en-US" dirty="0"/>
+              <a:t>88.9%</a:t>
+            </a:r>
+          </a:p>
+        </p:txBody>
+      </p:sp>
+      <p:pic>
+        <p:nvPicPr>
+          <p:cNvPr id="1030" name="Picture 6">
+            <a:extLst>
+              <a:ext uri="{FF2B5EF4-FFF2-40B4-BE49-F238E27FC236}">
+                <a16:creationId xmlns:a16="http://schemas.microsoft.com/office/drawing/2014/main" id="{F67B69C7-010F-E46E-2736-C491CABD2040}"/>
+              </a:ext>
+            </a:extLst>
+          </p:cNvPr>
+          <p:cNvPicPr>
+            <a:picLocks noChangeAspect="1" noChangeArrowheads="1"/>
+          </p:cNvPicPr>
+          <p:nvPr/>
+        </p:nvPicPr>
+        <p:blipFill>
+          <a:blip r:embed="rId4">
+            <a:extLst>
+              <a:ext uri="{28A0092B-C50C-407E-A947-70E740481C1C}">
+                <a14:useLocalDpi xmlns:a14="http://schemas.microsoft.com/office/drawing/2010/main" val="0"/>
+              </a:ext>
+            </a:extLst>
+          </a:blip>
+          <a:srcRect/>
+          <a:stretch>
+            <a:fillRect/>
+          </a:stretch>
+        </p:blipFill>
+        <p:spPr bwMode="auto">
+          <a:xfrm>
+            <a:off x="4718411" y="1288933"/>
+            <a:ext cx="3217520" cy="2407527"/>
+          </a:xfrm>
+          <a:prstGeom prst="rect">
+            <a:avLst/>
+          </a:prstGeom>
+          <a:noFill/>
+          <a:extLst>
+            <a:ext uri="{909E8E84-426E-40DD-AFC4-6F175D3DCCD1}">
+              <a14:hiddenFill xmlns:a14="http://schemas.microsoft.com/office/drawing/2010/main">
+                <a:solidFill>
+                  <a:srgbClr val="FFFFFF"/>
+                </a:solidFill>
+              </a14:hiddenFill>
+            </a:ext>
+          </a:extLst>
+        </p:spPr>
+      </p:pic>
+      <p:pic>
+        <p:nvPicPr>
+          <p:cNvPr id="1032" name="Picture 8">
+            <a:extLst>
+              <a:ext uri="{FF2B5EF4-FFF2-40B4-BE49-F238E27FC236}">
+                <a16:creationId xmlns:a16="http://schemas.microsoft.com/office/drawing/2014/main" id="{D9C730F4-8C63-3903-852C-91A7EEAF3B2D}"/>
+              </a:ext>
+            </a:extLst>
+          </p:cNvPr>
+          <p:cNvPicPr>
+            <a:picLocks noChangeAspect="1" noChangeArrowheads="1"/>
+          </p:cNvPicPr>
+          <p:nvPr/>
+        </p:nvPicPr>
+        <p:blipFill>
+          <a:blip r:embed="rId5">
+            <a:extLst>
+              <a:ext uri="{28A0092B-C50C-407E-A947-70E740481C1C}">
+                <a14:useLocalDpi xmlns:a14="http://schemas.microsoft.com/office/drawing/2010/main" val="0"/>
+              </a:ext>
+            </a:extLst>
+          </a:blip>
+          <a:srcRect/>
+          <a:stretch>
+            <a:fillRect/>
+          </a:stretch>
+        </p:blipFill>
+        <p:spPr bwMode="auto">
+          <a:xfrm>
+            <a:off x="4717478" y="3747539"/>
+            <a:ext cx="3203274" cy="2383144"/>
+          </a:xfrm>
+          <a:prstGeom prst="rect">
+            <a:avLst/>
+          </a:prstGeom>
+          <a:noFill/>
+          <a:extLst>
+            <a:ext uri="{909E8E84-426E-40DD-AFC4-6F175D3DCCD1}">
+              <a14:hiddenFill xmlns:a14="http://schemas.microsoft.com/office/drawing/2010/main">
+                <a:solidFill>
+                  <a:srgbClr val="FFFFFF"/>
+                </a:solidFill>
+              </a14:hiddenFill>
+            </a:ext>
+          </a:extLst>
+        </p:spPr>
+      </p:pic>
+    </p:spTree>
+    <p:extLst>
+      <p:ext uri="{BB962C8B-B14F-4D97-AF65-F5344CB8AC3E}">
+        <p14:creationId xmlns:p14="http://schemas.microsoft.com/office/powerpoint/2010/main" val="2186742612"/>
       </p:ext>
     </p:extLst>
   </p:cSld>

--- a/Deep learning presentation.pptx
+++ b/Deep learning presentation.pptx
@@ -5443,7 +5443,7 @@
           <a:noFill/>
           <a:extLst>
             <a:ext uri="{909E8E84-426E-40dd-AFC4-6F175D3DCCD1}">
-              <a14:hiddenFill xmlns="" xmlns:a14="http://schemas.microsoft.com/office/drawing/2010/main">
+              <a14:hiddenFill xmlns:a14="http://schemas.microsoft.com/office/drawing/2010/main" xmlns="">
                 <a:solidFill>
                   <a:srgbClr val="FFFFFF"/>
                 </a:solidFill>
@@ -5503,7 +5503,7 @@
             </a:ln>
             <a:extLst>
               <a:ext uri="{91240B29-F687-4f45-9708-019B960494DF}">
-                <a14:hiddenLine xmlns="" xmlns:a14="http://schemas.microsoft.com/office/drawing/2010/main" w="9525">
+                <a14:hiddenLine xmlns:a14="http://schemas.microsoft.com/office/drawing/2010/main" xmlns="" w="9525">
                   <a:solidFill>
                     <a:srgbClr val="000000"/>
                   </a:solidFill>
@@ -5593,7 +5593,7 @@
             </a:ln>
             <a:extLst>
               <a:ext uri="{91240B29-F687-4f45-9708-019B960494DF}">
-                <a14:hiddenLine xmlns="" xmlns:a14="http://schemas.microsoft.com/office/drawing/2010/main" w="9525">
+                <a14:hiddenLine xmlns:a14="http://schemas.microsoft.com/office/drawing/2010/main" xmlns="" w="9525">
                   <a:solidFill>
                     <a:srgbClr val="000000"/>
                   </a:solidFill>
@@ -5683,7 +5683,7 @@
             </a:ln>
             <a:extLst>
               <a:ext uri="{91240B29-F687-4f45-9708-019B960494DF}">
-                <a14:hiddenLine xmlns="" xmlns:a14="http://schemas.microsoft.com/office/drawing/2010/main" w="9525">
+                <a14:hiddenLine xmlns:a14="http://schemas.microsoft.com/office/drawing/2010/main" xmlns="" w="9525">
                   <a:solidFill>
                     <a:srgbClr val="000000"/>
                   </a:solidFill>
@@ -5717,7 +5717,7 @@
             </a:ln>
             <a:extLst>
               <a:ext uri="{91240B29-F687-4f45-9708-019B960494DF}">
-                <a14:hiddenLine xmlns="" xmlns:a14="http://schemas.microsoft.com/office/drawing/2010/main" w="9525">
+                <a14:hiddenLine xmlns:a14="http://schemas.microsoft.com/office/drawing/2010/main" xmlns="" w="9525">
                   <a:solidFill>
                     <a:srgbClr val="000000"/>
                   </a:solidFill>
@@ -5807,7 +5807,7 @@
             </a:ln>
             <a:extLst>
               <a:ext uri="{91240B29-F687-4f45-9708-019B960494DF}">
-                <a14:hiddenLine xmlns="" xmlns:a14="http://schemas.microsoft.com/office/drawing/2010/main" w="9525">
+                <a14:hiddenLine xmlns:a14="http://schemas.microsoft.com/office/drawing/2010/main" xmlns="" w="9525">
                   <a:solidFill>
                     <a:srgbClr val="000000"/>
                   </a:solidFill>
@@ -5869,7 +5869,7 @@
             </a:ln>
             <a:extLst>
               <a:ext uri="{91240B29-F687-4f45-9708-019B960494DF}">
-                <a14:hiddenLine xmlns="" xmlns:a14="http://schemas.microsoft.com/office/drawing/2010/main" w="9525">
+                <a14:hiddenLine xmlns:a14="http://schemas.microsoft.com/office/drawing/2010/main" xmlns="" w="9525">
                   <a:solidFill>
                     <a:srgbClr val="000000"/>
                   </a:solidFill>
@@ -5931,7 +5931,7 @@
             </a:ln>
             <a:extLst>
               <a:ext uri="{91240B29-F687-4f45-9708-019B960494DF}">
-                <a14:hiddenLine xmlns="" xmlns:a14="http://schemas.microsoft.com/office/drawing/2010/main" w="9525">
+                <a14:hiddenLine xmlns:a14="http://schemas.microsoft.com/office/drawing/2010/main" xmlns="" w="9525">
                   <a:solidFill>
                     <a:srgbClr val="000000"/>
                   </a:solidFill>
@@ -6021,7 +6021,7 @@
             </a:ln>
             <a:extLst>
               <a:ext uri="{91240B29-F687-4f45-9708-019B960494DF}">
-                <a14:hiddenLine xmlns="" xmlns:a14="http://schemas.microsoft.com/office/drawing/2010/main" w="9525">
+                <a14:hiddenLine xmlns:a14="http://schemas.microsoft.com/office/drawing/2010/main" xmlns="" w="9525">
                   <a:solidFill>
                     <a:srgbClr val="000000"/>
                   </a:solidFill>
@@ -6083,7 +6083,7 @@
             </a:ln>
             <a:extLst>
               <a:ext uri="{91240B29-F687-4f45-9708-019B960494DF}">
-                <a14:hiddenLine xmlns="" xmlns:a14="http://schemas.microsoft.com/office/drawing/2010/main" w="9525">
+                <a14:hiddenLine xmlns:a14="http://schemas.microsoft.com/office/drawing/2010/main" xmlns="" w="9525">
                   <a:solidFill>
                     <a:srgbClr val="000000"/>
                   </a:solidFill>
@@ -6145,7 +6145,7 @@
             </a:ln>
             <a:extLst>
               <a:ext uri="{91240B29-F687-4f45-9708-019B960494DF}">
-                <a14:hiddenLine xmlns="" xmlns:a14="http://schemas.microsoft.com/office/drawing/2010/main" w="9525">
+                <a14:hiddenLine xmlns:a14="http://schemas.microsoft.com/office/drawing/2010/main" xmlns="" w="9525">
                   <a:solidFill>
                     <a:srgbClr val="000000"/>
                   </a:solidFill>
@@ -6235,7 +6235,7 @@
             </a:ln>
             <a:extLst>
               <a:ext uri="{91240B29-F687-4f45-9708-019B960494DF}">
-                <a14:hiddenLine xmlns="" xmlns:a14="http://schemas.microsoft.com/office/drawing/2010/main" w="9525">
+                <a14:hiddenLine xmlns:a14="http://schemas.microsoft.com/office/drawing/2010/main" xmlns="" w="9525">
                   <a:solidFill>
                     <a:srgbClr val="000000"/>
                   </a:solidFill>
@@ -6325,7 +6325,7 @@
             </a:ln>
             <a:extLst>
               <a:ext uri="{91240B29-F687-4f45-9708-019B960494DF}">
-                <a14:hiddenLine xmlns="" xmlns:a14="http://schemas.microsoft.com/office/drawing/2010/main" w="9525">
+                <a14:hiddenLine xmlns:a14="http://schemas.microsoft.com/office/drawing/2010/main" xmlns="" w="9525">
                   <a:solidFill>
                     <a:srgbClr val="000000"/>
                   </a:solidFill>
@@ -6387,7 +6387,7 @@
             </a:ln>
             <a:extLst>
               <a:ext uri="{91240B29-F687-4f45-9708-019B960494DF}">
-                <a14:hiddenLine xmlns="" xmlns:a14="http://schemas.microsoft.com/office/drawing/2010/main" w="9525">
+                <a14:hiddenLine xmlns:a14="http://schemas.microsoft.com/office/drawing/2010/main" xmlns="" w="9525">
                   <a:solidFill>
                     <a:srgbClr val="000000"/>
                   </a:solidFill>
@@ -6497,7 +6497,7 @@
             </a:ln>
             <a:extLst>
               <a:ext uri="{91240B29-F687-4f45-9708-019B960494DF}">
-                <a14:hiddenLine xmlns="" xmlns:a14="http://schemas.microsoft.com/office/drawing/2010/main" w="9525">
+                <a14:hiddenLine xmlns:a14="http://schemas.microsoft.com/office/drawing/2010/main" xmlns="" w="9525">
                   <a:solidFill>
                     <a:srgbClr val="000000"/>
                   </a:solidFill>
@@ -6559,7 +6559,7 @@
             </a:ln>
             <a:extLst>
               <a:ext uri="{91240B29-F687-4f45-9708-019B960494DF}">
-                <a14:hiddenLine xmlns="" xmlns:a14="http://schemas.microsoft.com/office/drawing/2010/main" w="9525">
+                <a14:hiddenLine xmlns:a14="http://schemas.microsoft.com/office/drawing/2010/main" xmlns="" w="9525">
                   <a:solidFill>
                     <a:srgbClr val="000000"/>
                   </a:solidFill>
@@ -6649,7 +6649,7 @@
             </a:ln>
             <a:extLst>
               <a:ext uri="{91240B29-F687-4f45-9708-019B960494DF}">
-                <a14:hiddenLine xmlns="" xmlns:a14="http://schemas.microsoft.com/office/drawing/2010/main" w="9525">
+                <a14:hiddenLine xmlns:a14="http://schemas.microsoft.com/office/drawing/2010/main" xmlns="" w="9525">
                   <a:solidFill>
                     <a:srgbClr val="000000"/>
                   </a:solidFill>
@@ -6739,7 +6739,7 @@
             </a:ln>
             <a:extLst>
               <a:ext uri="{91240B29-F687-4f45-9708-019B960494DF}">
-                <a14:hiddenLine xmlns="" xmlns:a14="http://schemas.microsoft.com/office/drawing/2010/main" w="9525">
+                <a14:hiddenLine xmlns:a14="http://schemas.microsoft.com/office/drawing/2010/main" xmlns="" w="9525">
                   <a:solidFill>
                     <a:srgbClr val="000000"/>
                   </a:solidFill>
@@ -6801,7 +6801,7 @@
             </a:ln>
             <a:extLst>
               <a:ext uri="{91240B29-F687-4f45-9708-019B960494DF}">
-                <a14:hiddenLine xmlns="" xmlns:a14="http://schemas.microsoft.com/office/drawing/2010/main" w="9525">
+                <a14:hiddenLine xmlns:a14="http://schemas.microsoft.com/office/drawing/2010/main" xmlns="" w="9525">
                   <a:solidFill>
                     <a:srgbClr val="000000"/>
                   </a:solidFill>
@@ -6891,7 +6891,7 @@
             </a:ln>
             <a:extLst>
               <a:ext uri="{91240B29-F687-4f45-9708-019B960494DF}">
-                <a14:hiddenLine xmlns="" xmlns:a14="http://schemas.microsoft.com/office/drawing/2010/main" w="9525">
+                <a14:hiddenLine xmlns:a14="http://schemas.microsoft.com/office/drawing/2010/main" xmlns="" w="9525">
                   <a:solidFill>
                     <a:srgbClr val="000000"/>
                   </a:solidFill>
@@ -6981,7 +6981,7 @@
             </a:ln>
             <a:extLst>
               <a:ext uri="{91240B29-F687-4f45-9708-019B960494DF}">
-                <a14:hiddenLine xmlns="" xmlns:a14="http://schemas.microsoft.com/office/drawing/2010/main" w="9525">
+                <a14:hiddenLine xmlns:a14="http://schemas.microsoft.com/office/drawing/2010/main" xmlns="" w="9525">
                   <a:solidFill>
                     <a:srgbClr val="000000"/>
                   </a:solidFill>
@@ -7037,7 +7037,7 @@
             </a:ln>
             <a:extLst>
               <a:ext uri="{91240B29-F687-4f45-9708-019B960494DF}">
-                <a14:hiddenLine xmlns="" xmlns:a14="http://schemas.microsoft.com/office/drawing/2010/main" w="9525">
+                <a14:hiddenLine xmlns:a14="http://schemas.microsoft.com/office/drawing/2010/main" xmlns="" w="9525">
                   <a:solidFill>
                     <a:srgbClr val="000000"/>
                   </a:solidFill>
@@ -7127,7 +7127,7 @@
             </a:ln>
             <a:extLst>
               <a:ext uri="{91240B29-F687-4f45-9708-019B960494DF}">
-                <a14:hiddenLine xmlns="" xmlns:a14="http://schemas.microsoft.com/office/drawing/2010/main" w="9525">
+                <a14:hiddenLine xmlns:a14="http://schemas.microsoft.com/office/drawing/2010/main" xmlns="" w="9525">
                   <a:solidFill>
                     <a:srgbClr val="000000"/>
                   </a:solidFill>
@@ -7183,7 +7183,7 @@
             </a:ln>
             <a:extLst>
               <a:ext uri="{91240B29-F687-4f45-9708-019B960494DF}">
-                <a14:hiddenLine xmlns="" xmlns:a14="http://schemas.microsoft.com/office/drawing/2010/main" w="9525">
+                <a14:hiddenLine xmlns:a14="http://schemas.microsoft.com/office/drawing/2010/main" xmlns="" w="9525">
                   <a:solidFill>
                     <a:srgbClr val="000000"/>
                   </a:solidFill>
@@ -7273,7 +7273,7 @@
             </a:ln>
             <a:extLst>
               <a:ext uri="{91240B29-F687-4f45-9708-019B960494DF}">
-                <a14:hiddenLine xmlns="" xmlns:a14="http://schemas.microsoft.com/office/drawing/2010/main" w="9525">
+                <a14:hiddenLine xmlns:a14="http://schemas.microsoft.com/office/drawing/2010/main" xmlns="" w="9525">
                   <a:solidFill>
                     <a:srgbClr val="000000"/>
                   </a:solidFill>
@@ -7341,7 +7341,7 @@
             </a:ln>
             <a:extLst>
               <a:ext uri="{91240B29-F687-4f45-9708-019B960494DF}">
-                <a14:hiddenLine xmlns="" xmlns:a14="http://schemas.microsoft.com/office/drawing/2010/main" w="9525">
+                <a14:hiddenLine xmlns:a14="http://schemas.microsoft.com/office/drawing/2010/main" xmlns="" w="9525">
                   <a:solidFill>
                     <a:srgbClr val="000000"/>
                   </a:solidFill>
@@ -7431,7 +7431,7 @@
             </a:ln>
             <a:extLst>
               <a:ext uri="{91240B29-F687-4f45-9708-019B960494DF}">
-                <a14:hiddenLine xmlns="" xmlns:a14="http://schemas.microsoft.com/office/drawing/2010/main" w="9525">
+                <a14:hiddenLine xmlns:a14="http://schemas.microsoft.com/office/drawing/2010/main" xmlns="" w="9525">
                   <a:solidFill>
                     <a:srgbClr val="000000"/>
                   </a:solidFill>
@@ -7499,7 +7499,7 @@
             </a:ln>
             <a:extLst>
               <a:ext uri="{91240B29-F687-4f45-9708-019B960494DF}">
-                <a14:hiddenLine xmlns="" xmlns:a14="http://schemas.microsoft.com/office/drawing/2010/main" w="9525">
+                <a14:hiddenLine xmlns:a14="http://schemas.microsoft.com/office/drawing/2010/main" xmlns="" w="9525">
                   <a:solidFill>
                     <a:srgbClr val="000000"/>
                   </a:solidFill>
@@ -7589,7 +7589,7 @@
             </a:ln>
             <a:extLst>
               <a:ext uri="{91240B29-F687-4f45-9708-019B960494DF}">
-                <a14:hiddenLine xmlns="" xmlns:a14="http://schemas.microsoft.com/office/drawing/2010/main" w="9525">
+                <a14:hiddenLine xmlns:a14="http://schemas.microsoft.com/office/drawing/2010/main" xmlns="" w="9525">
                   <a:solidFill>
                     <a:srgbClr val="000000"/>
                   </a:solidFill>
@@ -7623,7 +7623,7 @@
             </a:ln>
             <a:extLst>
               <a:ext uri="{91240B29-F687-4f45-9708-019B960494DF}">
-                <a14:hiddenLine xmlns="" xmlns:a14="http://schemas.microsoft.com/office/drawing/2010/main" w="9525">
+                <a14:hiddenLine xmlns:a14="http://schemas.microsoft.com/office/drawing/2010/main" xmlns="" w="9525">
                   <a:solidFill>
                     <a:srgbClr val="000000"/>
                   </a:solidFill>
@@ -7713,7 +7713,7 @@
             </a:ln>
             <a:extLst>
               <a:ext uri="{91240B29-F687-4f45-9708-019B960494DF}">
-                <a14:hiddenLine xmlns="" xmlns:a14="http://schemas.microsoft.com/office/drawing/2010/main" w="9525">
+                <a14:hiddenLine xmlns:a14="http://schemas.microsoft.com/office/drawing/2010/main" xmlns="" w="9525">
                   <a:solidFill>
                     <a:srgbClr val="000000"/>
                   </a:solidFill>
@@ -7775,7 +7775,7 @@
             </a:ln>
             <a:extLst>
               <a:ext uri="{91240B29-F687-4f45-9708-019B960494DF}">
-                <a14:hiddenLine xmlns="" xmlns:a14="http://schemas.microsoft.com/office/drawing/2010/main" w="9525">
+                <a14:hiddenLine xmlns:a14="http://schemas.microsoft.com/office/drawing/2010/main" xmlns="" w="9525">
                   <a:solidFill>
                     <a:srgbClr val="000000"/>
                   </a:solidFill>
@@ -7837,7 +7837,7 @@
             </a:ln>
             <a:extLst>
               <a:ext uri="{91240B29-F687-4f45-9708-019B960494DF}">
-                <a14:hiddenLine xmlns="" xmlns:a14="http://schemas.microsoft.com/office/drawing/2010/main" w="9525">
+                <a14:hiddenLine xmlns:a14="http://schemas.microsoft.com/office/drawing/2010/main" xmlns="" w="9525">
                   <a:solidFill>
                     <a:srgbClr val="000000"/>
                   </a:solidFill>
@@ -7927,7 +7927,7 @@
             </a:ln>
             <a:extLst>
               <a:ext uri="{91240B29-F687-4f45-9708-019B960494DF}">
-                <a14:hiddenLine xmlns="" xmlns:a14="http://schemas.microsoft.com/office/drawing/2010/main" w="9525">
+                <a14:hiddenLine xmlns:a14="http://schemas.microsoft.com/office/drawing/2010/main" xmlns="" w="9525">
                   <a:solidFill>
                     <a:srgbClr val="000000"/>
                   </a:solidFill>
@@ -7995,7 +7995,7 @@
             </a:ln>
             <a:extLst>
               <a:ext uri="{91240B29-F687-4f45-9708-019B960494DF}">
-                <a14:hiddenLine xmlns="" xmlns:a14="http://schemas.microsoft.com/office/drawing/2010/main" w="9525">
+                <a14:hiddenLine xmlns:a14="http://schemas.microsoft.com/office/drawing/2010/main" xmlns="" w="9525">
                   <a:solidFill>
                     <a:srgbClr val="000000"/>
                   </a:solidFill>
@@ -8057,7 +8057,7 @@
             </a:ln>
             <a:extLst>
               <a:ext uri="{91240B29-F687-4f45-9708-019B960494DF}">
-                <a14:hiddenLine xmlns="" xmlns:a14="http://schemas.microsoft.com/office/drawing/2010/main" w="9525">
+                <a14:hiddenLine xmlns:a14="http://schemas.microsoft.com/office/drawing/2010/main" xmlns="" w="9525">
                   <a:solidFill>
                     <a:srgbClr val="000000"/>
                   </a:solidFill>
@@ -8147,7 +8147,7 @@
             </a:ln>
             <a:extLst>
               <a:ext uri="{91240B29-F687-4f45-9708-019B960494DF}">
-                <a14:hiddenLine xmlns="" xmlns:a14="http://schemas.microsoft.com/office/drawing/2010/main" w="9525">
+                <a14:hiddenLine xmlns:a14="http://schemas.microsoft.com/office/drawing/2010/main" xmlns="" w="9525">
                   <a:solidFill>
                     <a:srgbClr val="000000"/>
                   </a:solidFill>
@@ -8209,7 +8209,7 @@
             </a:ln>
             <a:extLst>
               <a:ext uri="{91240B29-F687-4f45-9708-019B960494DF}">
-                <a14:hiddenLine xmlns="" xmlns:a14="http://schemas.microsoft.com/office/drawing/2010/main" w="9525">
+                <a14:hiddenLine xmlns:a14="http://schemas.microsoft.com/office/drawing/2010/main" xmlns="" w="9525">
                   <a:solidFill>
                     <a:srgbClr val="000000"/>
                   </a:solidFill>
@@ -8299,7 +8299,7 @@
             </a:ln>
             <a:extLst>
               <a:ext uri="{91240B29-F687-4f45-9708-019B960494DF}">
-                <a14:hiddenLine xmlns="" xmlns:a14="http://schemas.microsoft.com/office/drawing/2010/main" w="9525">
+                <a14:hiddenLine xmlns:a14="http://schemas.microsoft.com/office/drawing/2010/main" xmlns="" w="9525">
                   <a:solidFill>
                     <a:srgbClr val="000000"/>
                   </a:solidFill>
@@ -8361,7 +8361,7 @@
             </a:ln>
             <a:extLst>
               <a:ext uri="{91240B29-F687-4f45-9708-019B960494DF}">
-                <a14:hiddenLine xmlns="" xmlns:a14="http://schemas.microsoft.com/office/drawing/2010/main" w="9525">
+                <a14:hiddenLine xmlns:a14="http://schemas.microsoft.com/office/drawing/2010/main" xmlns="" w="9525">
                   <a:solidFill>
                     <a:srgbClr val="000000"/>
                   </a:solidFill>
@@ -8451,7 +8451,7 @@
             </a:ln>
             <a:extLst>
               <a:ext uri="{91240B29-F687-4f45-9708-019B960494DF}">
-                <a14:hiddenLine xmlns="" xmlns:a14="http://schemas.microsoft.com/office/drawing/2010/main" w="9525">
+                <a14:hiddenLine xmlns:a14="http://schemas.microsoft.com/office/drawing/2010/main" xmlns="" w="9525">
                   <a:solidFill>
                     <a:srgbClr val="000000"/>
                   </a:solidFill>
@@ -8485,7 +8485,7 @@
             </a:ln>
             <a:extLst>
               <a:ext uri="{91240B29-F687-4f45-9708-019B960494DF}">
-                <a14:hiddenLine xmlns="" xmlns:a14="http://schemas.microsoft.com/office/drawing/2010/main" w="9525">
+                <a14:hiddenLine xmlns:a14="http://schemas.microsoft.com/office/drawing/2010/main" xmlns="" w="9525">
                   <a:solidFill>
                     <a:srgbClr val="000000"/>
                   </a:solidFill>
@@ -8550,7 +8550,7 @@
             </a:ln>
             <a:extLst>
               <a:ext uri="{91240B29-F687-4f45-9708-019B960494DF}">
-                <a14:hiddenLine xmlns="" xmlns:a14="http://schemas.microsoft.com/office/drawing/2010/main" w="9525">
+                <a14:hiddenLine xmlns:a14="http://schemas.microsoft.com/office/drawing/2010/main" xmlns="" w="9525">
                   <a:solidFill>
                     <a:srgbClr val="000000"/>
                   </a:solidFill>
@@ -8640,7 +8640,7 @@
             </a:ln>
             <a:extLst>
               <a:ext uri="{91240B29-F687-4f45-9708-019B960494DF}">
-                <a14:hiddenLine xmlns="" xmlns:a14="http://schemas.microsoft.com/office/drawing/2010/main" w="9525">
+                <a14:hiddenLine xmlns:a14="http://schemas.microsoft.com/office/drawing/2010/main" xmlns="" w="9525">
                   <a:solidFill>
                     <a:srgbClr val="000000"/>
                   </a:solidFill>
@@ -8702,7 +8702,7 @@
             </a:ln>
             <a:extLst>
               <a:ext uri="{91240B29-F687-4f45-9708-019B960494DF}">
-                <a14:hiddenLine xmlns="" xmlns:a14="http://schemas.microsoft.com/office/drawing/2010/main" w="9525">
+                <a14:hiddenLine xmlns:a14="http://schemas.microsoft.com/office/drawing/2010/main" xmlns="" w="9525">
                   <a:solidFill>
                     <a:srgbClr val="000000"/>
                   </a:solidFill>
@@ -8792,7 +8792,7 @@
             </a:ln>
             <a:extLst>
               <a:ext uri="{91240B29-F687-4f45-9708-019B960494DF}">
-                <a14:hiddenLine xmlns="" xmlns:a14="http://schemas.microsoft.com/office/drawing/2010/main" w="9525">
+                <a14:hiddenLine xmlns:a14="http://schemas.microsoft.com/office/drawing/2010/main" xmlns="" w="9525">
                   <a:solidFill>
                     <a:srgbClr val="000000"/>
                   </a:solidFill>
@@ -8882,7 +8882,7 @@
             </a:ln>
             <a:extLst>
               <a:ext uri="{91240B29-F687-4f45-9708-019B960494DF}">
-                <a14:hiddenLine xmlns="" xmlns:a14="http://schemas.microsoft.com/office/drawing/2010/main" w="9525">
+                <a14:hiddenLine xmlns:a14="http://schemas.microsoft.com/office/drawing/2010/main" xmlns="" w="9525">
                   <a:solidFill>
                     <a:srgbClr val="000000"/>
                   </a:solidFill>
@@ -8947,7 +8947,7 @@
             </a:ln>
             <a:extLst>
               <a:ext uri="{91240B29-F687-4f45-9708-019B960494DF}">
-                <a14:hiddenLine xmlns="" xmlns:a14="http://schemas.microsoft.com/office/drawing/2010/main" w="9525">
+                <a14:hiddenLine xmlns:a14="http://schemas.microsoft.com/office/drawing/2010/main" xmlns="" w="9525">
                   <a:solidFill>
                     <a:srgbClr val="000000"/>
                   </a:solidFill>
@@ -9009,7 +9009,7 @@
             </a:ln>
             <a:extLst>
               <a:ext uri="{91240B29-F687-4f45-9708-019B960494DF}">
-                <a14:hiddenLine xmlns="" xmlns:a14="http://schemas.microsoft.com/office/drawing/2010/main" w="9525">
+                <a14:hiddenLine xmlns:a14="http://schemas.microsoft.com/office/drawing/2010/main" xmlns="" w="9525">
                   <a:solidFill>
                     <a:srgbClr val="000000"/>
                   </a:solidFill>
@@ -9099,7 +9099,7 @@
             </a:ln>
             <a:extLst>
               <a:ext uri="{91240B29-F687-4f45-9708-019B960494DF}">
-                <a14:hiddenLine xmlns="" xmlns:a14="http://schemas.microsoft.com/office/drawing/2010/main" w="9525">
+                <a14:hiddenLine xmlns:a14="http://schemas.microsoft.com/office/drawing/2010/main" xmlns="" w="9525">
                   <a:solidFill>
                     <a:srgbClr val="000000"/>
                   </a:solidFill>
@@ -9189,7 +9189,7 @@
             </a:ln>
             <a:extLst>
               <a:ext uri="{91240B29-F687-4f45-9708-019B960494DF}">
-                <a14:hiddenLine xmlns="" xmlns:a14="http://schemas.microsoft.com/office/drawing/2010/main" w="9525">
+                <a14:hiddenLine xmlns:a14="http://schemas.microsoft.com/office/drawing/2010/main" xmlns="" w="9525">
                   <a:solidFill>
                     <a:srgbClr val="000000"/>
                   </a:solidFill>
@@ -9251,7 +9251,7 @@
             </a:ln>
             <a:extLst>
               <a:ext uri="{91240B29-F687-4f45-9708-019B960494DF}">
-                <a14:hiddenLine xmlns="" xmlns:a14="http://schemas.microsoft.com/office/drawing/2010/main" w="9525">
+                <a14:hiddenLine xmlns:a14="http://schemas.microsoft.com/office/drawing/2010/main" xmlns="" w="9525">
                   <a:solidFill>
                     <a:srgbClr val="000000"/>
                   </a:solidFill>
@@ -9371,7 +9371,7 @@
             </a:ln>
             <a:extLst>
               <a:ext uri="{91240B29-F687-4f45-9708-019B960494DF}">
-                <a14:hiddenLine xmlns="" xmlns:a14="http://schemas.microsoft.com/office/drawing/2010/main" w="9525">
+                <a14:hiddenLine xmlns:a14="http://schemas.microsoft.com/office/drawing/2010/main" xmlns="" w="9525">
                   <a:solidFill>
                     <a:srgbClr val="000000"/>
                   </a:solidFill>
@@ -9439,7 +9439,7 @@
             </a:ln>
             <a:extLst>
               <a:ext uri="{91240B29-F687-4f45-9708-019B960494DF}">
-                <a14:hiddenLine xmlns="" xmlns:a14="http://schemas.microsoft.com/office/drawing/2010/main" w="9525">
+                <a14:hiddenLine xmlns:a14="http://schemas.microsoft.com/office/drawing/2010/main" xmlns="" w="9525">
                   <a:solidFill>
                     <a:srgbClr val="000000"/>
                   </a:solidFill>
@@ -9529,7 +9529,7 @@
             </a:ln>
             <a:extLst>
               <a:ext uri="{91240B29-F687-4f45-9708-019B960494DF}">
-                <a14:hiddenLine xmlns="" xmlns:a14="http://schemas.microsoft.com/office/drawing/2010/main" w="9525">
+                <a14:hiddenLine xmlns:a14="http://schemas.microsoft.com/office/drawing/2010/main" xmlns="" w="9525">
                   <a:solidFill>
                     <a:srgbClr val="000000"/>
                   </a:solidFill>
@@ -9669,7 +9669,7 @@
           <a:p>
             <a:fld id="{1705C0F0-5913-482F-9704-1EE51FB65537}" type="datetimeFigureOut">
               <a:rPr lang="en-IL" smtClean="0"/>
-              <a:t>01/15/2023</a:t>
+              <a:t>15/01/2023</a:t>
             </a:fld>
             <a:endParaRPr lang="en-IL"/>
           </a:p>
@@ -9936,7 +9936,7 @@
           <a:p>
             <a:fld id="{1705C0F0-5913-482F-9704-1EE51FB65537}" type="datetimeFigureOut">
               <a:rPr lang="en-IL" smtClean="0"/>
-              <a:t>01/15/2023</a:t>
+              <a:t>15/01/2023</a:t>
             </a:fld>
             <a:endParaRPr lang="en-IL"/>
           </a:p>
@@ -10132,7 +10132,7 @@
           <a:p>
             <a:fld id="{1705C0F0-5913-482F-9704-1EE51FB65537}" type="datetimeFigureOut">
               <a:rPr lang="en-IL" smtClean="0"/>
-              <a:t>01/15/2023</a:t>
+              <a:t>15/01/2023</a:t>
             </a:fld>
             <a:endParaRPr lang="en-IL"/>
           </a:p>
@@ -10395,7 +10395,7 @@
           <a:p>
             <a:fld id="{1705C0F0-5913-482F-9704-1EE51FB65537}" type="datetimeFigureOut">
               <a:rPr lang="en-IL" smtClean="0"/>
-              <a:t>01/15/2023</a:t>
+              <a:t>15/01/2023</a:t>
             </a:fld>
             <a:endParaRPr lang="en-IL"/>
           </a:p>
@@ -10829,7 +10829,7 @@
           <a:p>
             <a:fld id="{1705C0F0-5913-482F-9704-1EE51FB65537}" type="datetimeFigureOut">
               <a:rPr lang="en-IL" smtClean="0"/>
-              <a:t>01/15/2023</a:t>
+              <a:t>15/01/2023</a:t>
             </a:fld>
             <a:endParaRPr lang="en-IL"/>
           </a:p>
@@ -11375,7 +11375,7 @@
           <a:p>
             <a:fld id="{1705C0F0-5913-482F-9704-1EE51FB65537}" type="datetimeFigureOut">
               <a:rPr lang="en-IL" smtClean="0"/>
-              <a:t>01/15/2023</a:t>
+              <a:t>15/01/2023</a:t>
             </a:fld>
             <a:endParaRPr lang="en-IL"/>
           </a:p>
@@ -12095,7 +12095,7 @@
           <a:p>
             <a:fld id="{1705C0F0-5913-482F-9704-1EE51FB65537}" type="datetimeFigureOut">
               <a:rPr lang="en-IL" smtClean="0"/>
-              <a:t>01/15/2023</a:t>
+              <a:t>15/01/2023</a:t>
             </a:fld>
             <a:endParaRPr lang="en-IL"/>
           </a:p>
@@ -12265,7 +12265,7 @@
           <a:p>
             <a:fld id="{1705C0F0-5913-482F-9704-1EE51FB65537}" type="datetimeFigureOut">
               <a:rPr lang="en-IL" smtClean="0"/>
-              <a:t>01/15/2023</a:t>
+              <a:t>15/01/2023</a:t>
             </a:fld>
             <a:endParaRPr lang="en-IL"/>
           </a:p>
@@ -12445,7 +12445,7 @@
           <a:p>
             <a:fld id="{1705C0F0-5913-482F-9704-1EE51FB65537}" type="datetimeFigureOut">
               <a:rPr lang="en-IL" smtClean="0"/>
-              <a:t>01/15/2023</a:t>
+              <a:t>15/01/2023</a:t>
             </a:fld>
             <a:endParaRPr lang="en-IL"/>
           </a:p>
@@ -12615,7 +12615,7 @@
           <a:p>
             <a:fld id="{1705C0F0-5913-482F-9704-1EE51FB65537}" type="datetimeFigureOut">
               <a:rPr lang="en-IL" smtClean="0"/>
-              <a:t>01/15/2023</a:t>
+              <a:t>15/01/2023</a:t>
             </a:fld>
             <a:endParaRPr lang="en-IL"/>
           </a:p>
@@ -12865,7 +12865,7 @@
           <a:p>
             <a:fld id="{1705C0F0-5913-482F-9704-1EE51FB65537}" type="datetimeFigureOut">
               <a:rPr lang="en-IL" smtClean="0"/>
-              <a:t>01/15/2023</a:t>
+              <a:t>15/01/2023</a:t>
             </a:fld>
             <a:endParaRPr lang="en-IL"/>
           </a:p>
@@ -13097,7 +13097,7 @@
           <a:p>
             <a:fld id="{1705C0F0-5913-482F-9704-1EE51FB65537}" type="datetimeFigureOut">
               <a:rPr lang="en-IL" smtClean="0"/>
-              <a:t>01/15/2023</a:t>
+              <a:t>15/01/2023</a:t>
             </a:fld>
             <a:endParaRPr lang="en-IL"/>
           </a:p>
@@ -13478,7 +13478,7 @@
           <a:p>
             <a:fld id="{1705C0F0-5913-482F-9704-1EE51FB65537}" type="datetimeFigureOut">
               <a:rPr lang="en-IL" smtClean="0"/>
-              <a:t>01/15/2023</a:t>
+              <a:t>15/01/2023</a:t>
             </a:fld>
             <a:endParaRPr lang="en-IL"/>
           </a:p>
@@ -13596,7 +13596,7 @@
           <a:p>
             <a:fld id="{1705C0F0-5913-482F-9704-1EE51FB65537}" type="datetimeFigureOut">
               <a:rPr lang="en-IL" smtClean="0"/>
-              <a:t>01/15/2023</a:t>
+              <a:t>15/01/2023</a:t>
             </a:fld>
             <a:endParaRPr lang="en-IL"/>
           </a:p>
@@ -13691,7 +13691,7 @@
           <a:p>
             <a:fld id="{1705C0F0-5913-482F-9704-1EE51FB65537}" type="datetimeFigureOut">
               <a:rPr lang="en-IL" smtClean="0"/>
-              <a:t>01/15/2023</a:t>
+              <a:t>15/01/2023</a:t>
             </a:fld>
             <a:endParaRPr lang="en-IL"/>
           </a:p>
@@ -13940,7 +13940,7 @@
           <a:p>
             <a:fld id="{1705C0F0-5913-482F-9704-1EE51FB65537}" type="datetimeFigureOut">
               <a:rPr lang="en-IL" smtClean="0"/>
-              <a:t>01/15/2023</a:t>
+              <a:t>15/01/2023</a:t>
             </a:fld>
             <a:endParaRPr lang="en-IL"/>
           </a:p>
@@ -14220,7 +14220,7 @@
           <a:p>
             <a:fld id="{1705C0F0-5913-482F-9704-1EE51FB65537}" type="datetimeFigureOut">
               <a:rPr lang="en-IL" smtClean="0"/>
-              <a:t>01/15/2023</a:t>
+              <a:t>15/01/2023</a:t>
             </a:fld>
             <a:endParaRPr lang="en-IL"/>
           </a:p>
@@ -14336,7 +14336,7 @@
           <a:noFill/>
           <a:extLst>
             <a:ext uri="{909E8E84-426E-40dd-AFC4-6F175D3DCCD1}">
-              <a14:hiddenFill xmlns="" xmlns:a14="http://schemas.microsoft.com/office/drawing/2010/main">
+              <a14:hiddenFill xmlns:a14="http://schemas.microsoft.com/office/drawing/2010/main" xmlns="">
                 <a:solidFill>
                   <a:srgbClr val="FFFFFF"/>
                 </a:solidFill>
@@ -14410,7 +14410,7 @@
               </a:ln>
               <a:extLst>
                 <a:ext uri="{91240B29-F687-4f45-9708-019B960494DF}">
-                  <a14:hiddenLine xmlns="" xmlns:a14="http://schemas.microsoft.com/office/drawing/2010/main" w="9525">
+                  <a14:hiddenLine xmlns:a14="http://schemas.microsoft.com/office/drawing/2010/main" xmlns="" w="9525">
                     <a:solidFill>
                       <a:srgbClr val="000000"/>
                     </a:solidFill>
@@ -14500,7 +14500,7 @@
               </a:ln>
               <a:extLst>
                 <a:ext uri="{91240B29-F687-4f45-9708-019B960494DF}">
-                  <a14:hiddenLine xmlns="" xmlns:a14="http://schemas.microsoft.com/office/drawing/2010/main" w="9525">
+                  <a14:hiddenLine xmlns:a14="http://schemas.microsoft.com/office/drawing/2010/main" xmlns="" w="9525">
                     <a:solidFill>
                       <a:srgbClr val="000000"/>
                     </a:solidFill>
@@ -14590,7 +14590,7 @@
               </a:ln>
               <a:extLst>
                 <a:ext uri="{91240B29-F687-4f45-9708-019B960494DF}">
-                  <a14:hiddenLine xmlns="" xmlns:a14="http://schemas.microsoft.com/office/drawing/2010/main" w="9525">
+                  <a14:hiddenLine xmlns:a14="http://schemas.microsoft.com/office/drawing/2010/main" xmlns="" w="9525">
                     <a:solidFill>
                       <a:srgbClr val="000000"/>
                     </a:solidFill>
@@ -14652,7 +14652,7 @@
               </a:ln>
               <a:extLst>
                 <a:ext uri="{91240B29-F687-4f45-9708-019B960494DF}">
-                  <a14:hiddenLine xmlns="" xmlns:a14="http://schemas.microsoft.com/office/drawing/2010/main" w="9525">
+                  <a14:hiddenLine xmlns:a14="http://schemas.microsoft.com/office/drawing/2010/main" xmlns="" w="9525">
                     <a:solidFill>
                       <a:srgbClr val="000000"/>
                     </a:solidFill>
@@ -14742,7 +14742,7 @@
               </a:ln>
               <a:extLst>
                 <a:ext uri="{91240B29-F687-4f45-9708-019B960494DF}">
-                  <a14:hiddenLine xmlns="" xmlns:a14="http://schemas.microsoft.com/office/drawing/2010/main" w="9525">
+                  <a14:hiddenLine xmlns:a14="http://schemas.microsoft.com/office/drawing/2010/main" xmlns="" w="9525">
                     <a:solidFill>
                       <a:srgbClr val="000000"/>
                     </a:solidFill>
@@ -14804,7 +14804,7 @@
               </a:ln>
               <a:extLst>
                 <a:ext uri="{91240B29-F687-4f45-9708-019B960494DF}">
-                  <a14:hiddenLine xmlns="" xmlns:a14="http://schemas.microsoft.com/office/drawing/2010/main" w="9525">
+                  <a14:hiddenLine xmlns:a14="http://schemas.microsoft.com/office/drawing/2010/main" xmlns="" w="9525">
                     <a:solidFill>
                       <a:srgbClr val="000000"/>
                     </a:solidFill>
@@ -14866,7 +14866,7 @@
               </a:ln>
               <a:extLst>
                 <a:ext uri="{91240B29-F687-4f45-9708-019B960494DF}">
-                  <a14:hiddenLine xmlns="" xmlns:a14="http://schemas.microsoft.com/office/drawing/2010/main" w="9525">
+                  <a14:hiddenLine xmlns:a14="http://schemas.microsoft.com/office/drawing/2010/main" xmlns="" w="9525">
                     <a:solidFill>
                       <a:srgbClr val="000000"/>
                     </a:solidFill>
@@ -14956,7 +14956,7 @@
               </a:ln>
               <a:extLst>
                 <a:ext uri="{91240B29-F687-4f45-9708-019B960494DF}">
-                  <a14:hiddenLine xmlns="" xmlns:a14="http://schemas.microsoft.com/office/drawing/2010/main" w="9525">
+                  <a14:hiddenLine xmlns:a14="http://schemas.microsoft.com/office/drawing/2010/main" xmlns="" w="9525">
                     <a:solidFill>
                       <a:srgbClr val="000000"/>
                     </a:solidFill>
@@ -15046,7 +15046,7 @@
               </a:ln>
               <a:extLst>
                 <a:ext uri="{91240B29-F687-4f45-9708-019B960494DF}">
-                  <a14:hiddenLine xmlns="" xmlns:a14="http://schemas.microsoft.com/office/drawing/2010/main" w="9525">
+                  <a14:hiddenLine xmlns:a14="http://schemas.microsoft.com/office/drawing/2010/main" xmlns="" w="9525">
                     <a:solidFill>
                       <a:srgbClr val="000000"/>
                     </a:solidFill>
@@ -15108,7 +15108,7 @@
               </a:ln>
               <a:extLst>
                 <a:ext uri="{91240B29-F687-4f45-9708-019B960494DF}">
-                  <a14:hiddenLine xmlns="" xmlns:a14="http://schemas.microsoft.com/office/drawing/2010/main" w="9525">
+                  <a14:hiddenLine xmlns:a14="http://schemas.microsoft.com/office/drawing/2010/main" xmlns="" w="9525">
                     <a:solidFill>
                       <a:srgbClr val="000000"/>
                     </a:solidFill>
@@ -15218,7 +15218,7 @@
               </a:ln>
               <a:extLst>
                 <a:ext uri="{91240B29-F687-4f45-9708-019B960494DF}">
-                  <a14:hiddenLine xmlns="" xmlns:a14="http://schemas.microsoft.com/office/drawing/2010/main" w="9525">
+                  <a14:hiddenLine xmlns:a14="http://schemas.microsoft.com/office/drawing/2010/main" xmlns="" w="9525">
                     <a:solidFill>
                       <a:srgbClr val="000000"/>
                     </a:solidFill>
@@ -15302,7 +15302,7 @@
               </a:ln>
               <a:extLst>
                 <a:ext uri="{91240B29-F687-4f45-9708-019B960494DF}">
-                  <a14:hiddenLine xmlns="" xmlns:a14="http://schemas.microsoft.com/office/drawing/2010/main" w="9525">
+                  <a14:hiddenLine xmlns:a14="http://schemas.microsoft.com/office/drawing/2010/main" xmlns="" w="9525">
                     <a:solidFill>
                       <a:srgbClr val="000000"/>
                     </a:solidFill>
@@ -15364,7 +15364,7 @@
               </a:ln>
               <a:extLst>
                 <a:ext uri="{91240B29-F687-4f45-9708-019B960494DF}">
-                  <a14:hiddenLine xmlns="" xmlns:a14="http://schemas.microsoft.com/office/drawing/2010/main" w="9525">
+                  <a14:hiddenLine xmlns:a14="http://schemas.microsoft.com/office/drawing/2010/main" xmlns="" w="9525">
                     <a:solidFill>
                       <a:srgbClr val="000000"/>
                     </a:solidFill>
@@ -15426,7 +15426,7 @@
               </a:ln>
               <a:extLst>
                 <a:ext uri="{91240B29-F687-4f45-9708-019B960494DF}">
-                  <a14:hiddenLine xmlns="" xmlns:a14="http://schemas.microsoft.com/office/drawing/2010/main" w="9525">
+                  <a14:hiddenLine xmlns:a14="http://schemas.microsoft.com/office/drawing/2010/main" xmlns="" w="9525">
                     <a:solidFill>
                       <a:srgbClr val="000000"/>
                     </a:solidFill>
@@ -15516,7 +15516,7 @@
               </a:ln>
               <a:extLst>
                 <a:ext uri="{91240B29-F687-4f45-9708-019B960494DF}">
-                  <a14:hiddenLine xmlns="" xmlns:a14="http://schemas.microsoft.com/office/drawing/2010/main" w="9525">
+                  <a14:hiddenLine xmlns:a14="http://schemas.microsoft.com/office/drawing/2010/main" xmlns="" w="9525">
                     <a:solidFill>
                       <a:srgbClr val="000000"/>
                     </a:solidFill>
@@ -15550,7 +15550,7 @@
               </a:ln>
               <a:extLst>
                 <a:ext uri="{91240B29-F687-4f45-9708-019B960494DF}">
-                  <a14:hiddenLine xmlns="" xmlns:a14="http://schemas.microsoft.com/office/drawing/2010/main" w="9525">
+                  <a14:hiddenLine xmlns:a14="http://schemas.microsoft.com/office/drawing/2010/main" xmlns="" w="9525">
                     <a:solidFill>
                       <a:srgbClr val="000000"/>
                     </a:solidFill>
@@ -15615,7 +15615,7 @@
               </a:ln>
               <a:extLst>
                 <a:ext uri="{91240B29-F687-4f45-9708-019B960494DF}">
-                  <a14:hiddenLine xmlns="" xmlns:a14="http://schemas.microsoft.com/office/drawing/2010/main" w="9525">
+                  <a14:hiddenLine xmlns:a14="http://schemas.microsoft.com/office/drawing/2010/main" xmlns="" w="9525">
                     <a:solidFill>
                       <a:srgbClr val="000000"/>
                     </a:solidFill>
@@ -15705,7 +15705,7 @@
               </a:ln>
               <a:extLst>
                 <a:ext uri="{91240B29-F687-4f45-9708-019B960494DF}">
-                  <a14:hiddenLine xmlns="" xmlns:a14="http://schemas.microsoft.com/office/drawing/2010/main" w="9525">
+                  <a14:hiddenLine xmlns:a14="http://schemas.microsoft.com/office/drawing/2010/main" xmlns="" w="9525">
                     <a:solidFill>
                       <a:srgbClr val="000000"/>
                     </a:solidFill>
@@ -15767,7 +15767,7 @@
               </a:ln>
               <a:extLst>
                 <a:ext uri="{91240B29-F687-4f45-9708-019B960494DF}">
-                  <a14:hiddenLine xmlns="" xmlns:a14="http://schemas.microsoft.com/office/drawing/2010/main" w="9525">
+                  <a14:hiddenLine xmlns:a14="http://schemas.microsoft.com/office/drawing/2010/main" xmlns="" w="9525">
                     <a:solidFill>
                       <a:srgbClr val="000000"/>
                     </a:solidFill>
@@ -15857,7 +15857,7 @@
               </a:ln>
               <a:extLst>
                 <a:ext uri="{91240B29-F687-4f45-9708-019B960494DF}">
-                  <a14:hiddenLine xmlns="" xmlns:a14="http://schemas.microsoft.com/office/drawing/2010/main" w="9525">
+                  <a14:hiddenLine xmlns:a14="http://schemas.microsoft.com/office/drawing/2010/main" xmlns="" w="9525">
                     <a:solidFill>
                       <a:srgbClr val="000000"/>
                     </a:solidFill>
@@ -15922,7 +15922,7 @@
               </a:ln>
               <a:extLst>
                 <a:ext uri="{91240B29-F687-4f45-9708-019B960494DF}">
-                  <a14:hiddenLine xmlns="" xmlns:a14="http://schemas.microsoft.com/office/drawing/2010/main" w="9525">
+                  <a14:hiddenLine xmlns:a14="http://schemas.microsoft.com/office/drawing/2010/main" xmlns="" w="9525">
                     <a:solidFill>
                       <a:srgbClr val="000000"/>
                     </a:solidFill>
@@ -15984,7 +15984,7 @@
               </a:ln>
               <a:extLst>
                 <a:ext uri="{91240B29-F687-4f45-9708-019B960494DF}">
-                  <a14:hiddenLine xmlns="" xmlns:a14="http://schemas.microsoft.com/office/drawing/2010/main" w="9525">
+                  <a14:hiddenLine xmlns:a14="http://schemas.microsoft.com/office/drawing/2010/main" xmlns="" w="9525">
                     <a:solidFill>
                       <a:srgbClr val="000000"/>
                     </a:solidFill>
@@ -16074,7 +16074,7 @@
               </a:ln>
               <a:extLst>
                 <a:ext uri="{91240B29-F687-4f45-9708-019B960494DF}">
-                  <a14:hiddenLine xmlns="" xmlns:a14="http://schemas.microsoft.com/office/drawing/2010/main" w="9525">
+                  <a14:hiddenLine xmlns:a14="http://schemas.microsoft.com/office/drawing/2010/main" xmlns="" w="9525">
                     <a:solidFill>
                       <a:srgbClr val="000000"/>
                     </a:solidFill>
@@ -16164,7 +16164,7 @@
               </a:ln>
               <a:extLst>
                 <a:ext uri="{91240B29-F687-4f45-9708-019B960494DF}">
-                  <a14:hiddenLine xmlns="" xmlns:a14="http://schemas.microsoft.com/office/drawing/2010/main" w="9525">
+                  <a14:hiddenLine xmlns:a14="http://schemas.microsoft.com/office/drawing/2010/main" xmlns="" w="9525">
                     <a:solidFill>
                       <a:srgbClr val="000000"/>
                     </a:solidFill>
@@ -16229,7 +16229,7 @@
               </a:ln>
               <a:extLst>
                 <a:ext uri="{91240B29-F687-4f45-9708-019B960494DF}">
-                  <a14:hiddenLine xmlns="" xmlns:a14="http://schemas.microsoft.com/office/drawing/2010/main" w="9525">
+                  <a14:hiddenLine xmlns:a14="http://schemas.microsoft.com/office/drawing/2010/main" xmlns="" w="9525">
                     <a:solidFill>
                       <a:srgbClr val="000000"/>
                     </a:solidFill>
@@ -16349,7 +16349,7 @@
               </a:ln>
               <a:extLst>
                 <a:ext uri="{91240B29-F687-4f45-9708-019B960494DF}">
-                  <a14:hiddenLine xmlns="" xmlns:a14="http://schemas.microsoft.com/office/drawing/2010/main" w="9525">
+                  <a14:hiddenLine xmlns:a14="http://schemas.microsoft.com/office/drawing/2010/main" xmlns="" w="9525">
                     <a:solidFill>
                       <a:srgbClr val="000000"/>
                     </a:solidFill>
@@ -16447,7 +16447,7 @@
               </a:ln>
               <a:extLst>
                 <a:ext uri="{91240B29-F687-4f45-9708-019B960494DF}">
-                  <a14:hiddenLine xmlns="" xmlns:a14="http://schemas.microsoft.com/office/drawing/2010/main" w="9525">
+                  <a14:hiddenLine xmlns:a14="http://schemas.microsoft.com/office/drawing/2010/main" xmlns="" w="9525">
                     <a:solidFill>
                       <a:srgbClr val="000000"/>
                     </a:solidFill>
@@ -16562,7 +16562,7 @@
               </a:ln>
               <a:extLst>
                 <a:ext uri="{91240B29-F687-4f45-9708-019B960494DF}">
-                  <a14:hiddenLine xmlns="" xmlns:a14="http://schemas.microsoft.com/office/drawing/2010/main" w="9525">
+                  <a14:hiddenLine xmlns:a14="http://schemas.microsoft.com/office/drawing/2010/main" xmlns="" w="9525">
                     <a:solidFill>
                       <a:srgbClr val="000000"/>
                     </a:solidFill>
@@ -16652,7 +16652,7 @@
               </a:ln>
               <a:extLst>
                 <a:ext uri="{91240B29-F687-4f45-9708-019B960494DF}">
-                  <a14:hiddenLine xmlns="" xmlns:a14="http://schemas.microsoft.com/office/drawing/2010/main" w="9525">
+                  <a14:hiddenLine xmlns:a14="http://schemas.microsoft.com/office/drawing/2010/main" xmlns="" w="9525">
                     <a:solidFill>
                       <a:srgbClr val="000000"/>
                     </a:solidFill>
@@ -16717,7 +16717,7 @@
               </a:ln>
               <a:extLst>
                 <a:ext uri="{91240B29-F687-4f45-9708-019B960494DF}">
-                  <a14:hiddenLine xmlns="" xmlns:a14="http://schemas.microsoft.com/office/drawing/2010/main" w="9525">
+                  <a14:hiddenLine xmlns:a14="http://schemas.microsoft.com/office/drawing/2010/main" xmlns="" w="9525">
                     <a:solidFill>
                       <a:srgbClr val="000000"/>
                     </a:solidFill>
@@ -16807,7 +16807,7 @@
               </a:ln>
               <a:extLst>
                 <a:ext uri="{91240B29-F687-4f45-9708-019B960494DF}">
-                  <a14:hiddenLine xmlns="" xmlns:a14="http://schemas.microsoft.com/office/drawing/2010/main" w="9525">
+                  <a14:hiddenLine xmlns:a14="http://schemas.microsoft.com/office/drawing/2010/main" xmlns="" w="9525">
                     <a:solidFill>
                       <a:srgbClr val="000000"/>
                     </a:solidFill>
@@ -16875,7 +16875,7 @@
               </a:ln>
               <a:extLst>
                 <a:ext uri="{91240B29-F687-4f45-9708-019B960494DF}">
-                  <a14:hiddenLine xmlns="" xmlns:a14="http://schemas.microsoft.com/office/drawing/2010/main" w="9525">
+                  <a14:hiddenLine xmlns:a14="http://schemas.microsoft.com/office/drawing/2010/main" xmlns="" w="9525">
                     <a:solidFill>
                       <a:srgbClr val="000000"/>
                     </a:solidFill>
@@ -16965,7 +16965,7 @@
               </a:ln>
               <a:extLst>
                 <a:ext uri="{91240B29-F687-4f45-9708-019B960494DF}">
-                  <a14:hiddenLine xmlns="" xmlns:a14="http://schemas.microsoft.com/office/drawing/2010/main" w="9525">
+                  <a14:hiddenLine xmlns:a14="http://schemas.microsoft.com/office/drawing/2010/main" xmlns="" w="9525">
                     <a:solidFill>
                       <a:srgbClr val="000000"/>
                     </a:solidFill>
@@ -17033,7 +17033,7 @@
               </a:ln>
               <a:extLst>
                 <a:ext uri="{91240B29-F687-4f45-9708-019B960494DF}">
-                  <a14:hiddenLine xmlns="" xmlns:a14="http://schemas.microsoft.com/office/drawing/2010/main" w="9525">
+                  <a14:hiddenLine xmlns:a14="http://schemas.microsoft.com/office/drawing/2010/main" xmlns="" w="9525">
                     <a:solidFill>
                       <a:srgbClr val="000000"/>
                     </a:solidFill>
@@ -17123,7 +17123,7 @@
               </a:ln>
               <a:extLst>
                 <a:ext uri="{91240B29-F687-4f45-9708-019B960494DF}">
-                  <a14:hiddenLine xmlns="" xmlns:a14="http://schemas.microsoft.com/office/drawing/2010/main" w="9525">
+                  <a14:hiddenLine xmlns:a14="http://schemas.microsoft.com/office/drawing/2010/main" xmlns="" w="9525">
                     <a:solidFill>
                       <a:srgbClr val="000000"/>
                     </a:solidFill>
@@ -17157,7 +17157,7 @@
               </a:ln>
               <a:extLst>
                 <a:ext uri="{91240B29-F687-4f45-9708-019B960494DF}">
-                  <a14:hiddenLine xmlns="" xmlns:a14="http://schemas.microsoft.com/office/drawing/2010/main" w="9525">
+                  <a14:hiddenLine xmlns:a14="http://schemas.microsoft.com/office/drawing/2010/main" xmlns="" w="9525">
                     <a:solidFill>
                       <a:srgbClr val="000000"/>
                     </a:solidFill>
@@ -17297,7 +17297,7 @@
           <a:p>
             <a:fld id="{1705C0F0-5913-482F-9704-1EE51FB65537}" type="datetimeFigureOut">
               <a:rPr lang="en-IL" smtClean="0"/>
-              <a:t>01/15/2023</a:t>
+              <a:t>15/01/2023</a:t>
             </a:fld>
             <a:endParaRPr lang="en-IL"/>
           </a:p>
@@ -17731,7 +17731,7 @@
         </p:nvSpPr>
         <p:spPr>
           <a:xfrm>
-            <a:off x="2502158" y="354765"/>
+            <a:off x="2321003" y="260722"/>
             <a:ext cx="8046113" cy="1754326"/>
           </a:xfrm>
           <a:prstGeom prst="rect">
@@ -17921,6 +17921,42 @@
           </a:p>
         </p:txBody>
       </p:sp>
+      <p:pic>
+        <p:nvPicPr>
+          <p:cNvPr id="3" name="תמונה 2" descr="תמונה שמכילה בניין, כלוב&#10;&#10;התיאור נוצר באופן אוטומטי">
+            <a:extLst>
+              <a:ext uri="{FF2B5EF4-FFF2-40B4-BE49-F238E27FC236}">
+                <a16:creationId xmlns:a16="http://schemas.microsoft.com/office/drawing/2014/main" id="{B9A0544C-9017-8884-42A5-9BC6402A6AAB}"/>
+              </a:ext>
+            </a:extLst>
+          </p:cNvPr>
+          <p:cNvPicPr>
+            <a:picLocks noChangeAspect="1"/>
+          </p:cNvPicPr>
+          <p:nvPr/>
+        </p:nvPicPr>
+        <p:blipFill>
+          <a:blip r:embed="rId2">
+            <a:extLst>
+              <a:ext uri="{28A0092B-C50C-407E-A947-70E740481C1C}">
+                <a14:useLocalDpi xmlns:a14="http://schemas.microsoft.com/office/drawing/2010/main" val="0"/>
+              </a:ext>
+            </a:extLst>
+          </a:blip>
+          <a:stretch>
+            <a:fillRect/>
+          </a:stretch>
+        </p:blipFill>
+        <p:spPr>
+          <a:xfrm>
+            <a:off x="2568320" y="1968260"/>
+            <a:ext cx="4876800" cy="4876800"/>
+          </a:xfrm>
+          <a:prstGeom prst="rect">
+            <a:avLst/>
+          </a:prstGeom>
+        </p:spPr>
+      </p:pic>
     </p:spTree>
     <p:extLst>
       <p:ext uri="{BB962C8B-B14F-4D97-AF65-F5344CB8AC3E}">
@@ -18100,7 +18136,7 @@
             </a:ln>
             <a:extLst>
               <a:ext uri="{91240B29-F687-4f45-9708-019B960494DF}">
-                <a14:hiddenLine xmlns="" xmlns:a16="http://schemas.microsoft.com/office/drawing/2014/main" xmlns:p14="http://schemas.microsoft.com/office/powerpoint/2010/main" xmlns:a14="http://schemas.microsoft.com/office/drawing/2010/main" w="9525">
+                <a14:hiddenLine xmlns:a14="http://schemas.microsoft.com/office/drawing/2010/main" xmlns:p14="http://schemas.microsoft.com/office/powerpoint/2010/main" xmlns:a16="http://schemas.microsoft.com/office/drawing/2014/main" xmlns="" w="9525">
                   <a:solidFill>
                     <a:srgbClr val="000000"/>
                   </a:solidFill>
@@ -18205,7 +18241,7 @@
             </a:ln>
             <a:extLst>
               <a:ext uri="{91240B29-F687-4f45-9708-019B960494DF}">
-                <a14:hiddenLine xmlns="" xmlns:a16="http://schemas.microsoft.com/office/drawing/2014/main" xmlns:p14="http://schemas.microsoft.com/office/powerpoint/2010/main" xmlns:a14="http://schemas.microsoft.com/office/drawing/2010/main" w="9525">
+                <a14:hiddenLine xmlns:a14="http://schemas.microsoft.com/office/drawing/2010/main" xmlns:p14="http://schemas.microsoft.com/office/powerpoint/2010/main" xmlns:a16="http://schemas.microsoft.com/office/drawing/2014/main" xmlns="" w="9525">
                   <a:solidFill>
                     <a:srgbClr val="000000"/>
                   </a:solidFill>
@@ -18310,7 +18346,7 @@
             </a:ln>
             <a:extLst>
               <a:ext uri="{91240B29-F687-4f45-9708-019B960494DF}">
-                <a14:hiddenLine xmlns="" xmlns:a16="http://schemas.microsoft.com/office/drawing/2014/main" xmlns:p14="http://schemas.microsoft.com/office/powerpoint/2010/main" xmlns:a14="http://schemas.microsoft.com/office/drawing/2010/main" w="9525">
+                <a14:hiddenLine xmlns:a14="http://schemas.microsoft.com/office/drawing/2010/main" xmlns:p14="http://schemas.microsoft.com/office/powerpoint/2010/main" xmlns:a16="http://schemas.microsoft.com/office/drawing/2014/main" xmlns="" w="9525">
                   <a:solidFill>
                     <a:srgbClr val="000000"/>
                   </a:solidFill>
@@ -18387,7 +18423,7 @@
             </a:ln>
             <a:extLst>
               <a:ext uri="{91240B29-F687-4f45-9708-019B960494DF}">
-                <a14:hiddenLine xmlns="" xmlns:a16="http://schemas.microsoft.com/office/drawing/2014/main" xmlns:p14="http://schemas.microsoft.com/office/powerpoint/2010/main" xmlns:a14="http://schemas.microsoft.com/office/drawing/2010/main" w="9525">
+                <a14:hiddenLine xmlns:a14="http://schemas.microsoft.com/office/drawing/2010/main" xmlns:p14="http://schemas.microsoft.com/office/powerpoint/2010/main" xmlns:a16="http://schemas.microsoft.com/office/drawing/2014/main" xmlns="" w="9525">
                   <a:solidFill>
                     <a:srgbClr val="000000"/>
                   </a:solidFill>
@@ -18492,7 +18528,7 @@
             </a:ln>
             <a:extLst>
               <a:ext uri="{91240B29-F687-4f45-9708-019B960494DF}">
-                <a14:hiddenLine xmlns="" xmlns:a16="http://schemas.microsoft.com/office/drawing/2014/main" xmlns:p14="http://schemas.microsoft.com/office/powerpoint/2010/main" xmlns:a14="http://schemas.microsoft.com/office/drawing/2010/main" w="9525">
+                <a14:hiddenLine xmlns:a14="http://schemas.microsoft.com/office/drawing/2010/main" xmlns:p14="http://schemas.microsoft.com/office/powerpoint/2010/main" xmlns:a16="http://schemas.microsoft.com/office/drawing/2014/main" xmlns="" w="9525">
                   <a:solidFill>
                     <a:srgbClr val="000000"/>
                   </a:solidFill>
@@ -18569,7 +18605,7 @@
             </a:ln>
             <a:extLst>
               <a:ext uri="{91240B29-F687-4f45-9708-019B960494DF}">
-                <a14:hiddenLine xmlns="" xmlns:a16="http://schemas.microsoft.com/office/drawing/2014/main" xmlns:p14="http://schemas.microsoft.com/office/powerpoint/2010/main" xmlns:a14="http://schemas.microsoft.com/office/drawing/2010/main" w="9525">
+                <a14:hiddenLine xmlns:a14="http://schemas.microsoft.com/office/drawing/2010/main" xmlns:p14="http://schemas.microsoft.com/office/powerpoint/2010/main" xmlns:a16="http://schemas.microsoft.com/office/drawing/2014/main" xmlns="" w="9525">
                   <a:solidFill>
                     <a:srgbClr val="000000"/>
                   </a:solidFill>
@@ -18646,7 +18682,7 @@
             </a:ln>
             <a:extLst>
               <a:ext uri="{91240B29-F687-4f45-9708-019B960494DF}">
-                <a14:hiddenLine xmlns="" xmlns:a16="http://schemas.microsoft.com/office/drawing/2014/main" xmlns:p14="http://schemas.microsoft.com/office/powerpoint/2010/main" xmlns:a14="http://schemas.microsoft.com/office/drawing/2010/main" w="9525">
+                <a14:hiddenLine xmlns:a14="http://schemas.microsoft.com/office/drawing/2010/main" xmlns:p14="http://schemas.microsoft.com/office/powerpoint/2010/main" xmlns:a16="http://schemas.microsoft.com/office/drawing/2014/main" xmlns="" w="9525">
                   <a:solidFill>
                     <a:srgbClr val="000000"/>
                   </a:solidFill>
@@ -18751,7 +18787,7 @@
             </a:ln>
             <a:extLst>
               <a:ext uri="{91240B29-F687-4f45-9708-019B960494DF}">
-                <a14:hiddenLine xmlns="" xmlns:a16="http://schemas.microsoft.com/office/drawing/2014/main" xmlns:p14="http://schemas.microsoft.com/office/powerpoint/2010/main" xmlns:a14="http://schemas.microsoft.com/office/drawing/2010/main" w="9525">
+                <a14:hiddenLine xmlns:a14="http://schemas.microsoft.com/office/drawing/2010/main" xmlns:p14="http://schemas.microsoft.com/office/powerpoint/2010/main" xmlns:a16="http://schemas.microsoft.com/office/drawing/2014/main" xmlns="" w="9525">
                   <a:solidFill>
                     <a:srgbClr val="000000"/>
                   </a:solidFill>
@@ -18856,7 +18892,7 @@
             </a:ln>
             <a:extLst>
               <a:ext uri="{91240B29-F687-4f45-9708-019B960494DF}">
-                <a14:hiddenLine xmlns="" xmlns:a16="http://schemas.microsoft.com/office/drawing/2014/main" xmlns:p14="http://schemas.microsoft.com/office/powerpoint/2010/main" xmlns:a14="http://schemas.microsoft.com/office/drawing/2010/main" w="9525">
+                <a14:hiddenLine xmlns:a14="http://schemas.microsoft.com/office/drawing/2010/main" xmlns:p14="http://schemas.microsoft.com/office/powerpoint/2010/main" xmlns:a16="http://schemas.microsoft.com/office/drawing/2014/main" xmlns="" w="9525">
                   <a:solidFill>
                     <a:srgbClr val="000000"/>
                   </a:solidFill>
@@ -18933,7 +18969,7 @@
             </a:ln>
             <a:extLst>
               <a:ext uri="{91240B29-F687-4f45-9708-019B960494DF}">
-                <a14:hiddenLine xmlns="" xmlns:a16="http://schemas.microsoft.com/office/drawing/2014/main" xmlns:p14="http://schemas.microsoft.com/office/powerpoint/2010/main" xmlns:a14="http://schemas.microsoft.com/office/drawing/2010/main" w="9525">
+                <a14:hiddenLine xmlns:a14="http://schemas.microsoft.com/office/drawing/2010/main" xmlns:p14="http://schemas.microsoft.com/office/powerpoint/2010/main" xmlns:a16="http://schemas.microsoft.com/office/drawing/2014/main" xmlns="" w="9525">
                   <a:solidFill>
                     <a:srgbClr val="000000"/>
                   </a:solidFill>
@@ -19058,7 +19094,7 @@
             </a:ln>
             <a:extLst>
               <a:ext uri="{91240B29-F687-4f45-9708-019B960494DF}">
-                <a14:hiddenLine xmlns="" xmlns:a16="http://schemas.microsoft.com/office/drawing/2014/main" xmlns:p14="http://schemas.microsoft.com/office/powerpoint/2010/main" xmlns:a14="http://schemas.microsoft.com/office/drawing/2010/main" w="9525">
+                <a14:hiddenLine xmlns:a14="http://schemas.microsoft.com/office/drawing/2010/main" xmlns:p14="http://schemas.microsoft.com/office/powerpoint/2010/main" xmlns:a16="http://schemas.microsoft.com/office/drawing/2014/main" xmlns="" w="9525">
                   <a:solidFill>
                     <a:srgbClr val="000000"/>
                   </a:solidFill>
@@ -19172,7 +19208,7 @@
             </a:ln>
             <a:extLst>
               <a:ext uri="{91240B29-F687-4f45-9708-019B960494DF}">
-                <a14:hiddenLine xmlns="" xmlns:a16="http://schemas.microsoft.com/office/drawing/2014/main" xmlns:p14="http://schemas.microsoft.com/office/powerpoint/2010/main" xmlns:a14="http://schemas.microsoft.com/office/drawing/2010/main" w="9525">
+                <a14:hiddenLine xmlns:a14="http://schemas.microsoft.com/office/drawing/2010/main" xmlns:p14="http://schemas.microsoft.com/office/powerpoint/2010/main" xmlns:a16="http://schemas.microsoft.com/office/drawing/2014/main" xmlns="" w="9525">
                   <a:solidFill>
                     <a:srgbClr val="000000"/>
                   </a:solidFill>
@@ -19249,7 +19285,7 @@
             </a:ln>
             <a:extLst>
               <a:ext uri="{91240B29-F687-4f45-9708-019B960494DF}">
-                <a14:hiddenLine xmlns="" xmlns:a16="http://schemas.microsoft.com/office/drawing/2014/main" xmlns:p14="http://schemas.microsoft.com/office/powerpoint/2010/main" xmlns:a14="http://schemas.microsoft.com/office/drawing/2010/main" w="9525">
+                <a14:hiddenLine xmlns:a14="http://schemas.microsoft.com/office/drawing/2010/main" xmlns:p14="http://schemas.microsoft.com/office/powerpoint/2010/main" xmlns:a16="http://schemas.microsoft.com/office/drawing/2014/main" xmlns="" w="9525">
                   <a:solidFill>
                     <a:srgbClr val="000000"/>
                   </a:solidFill>
@@ -19326,7 +19362,7 @@
             </a:ln>
             <a:extLst>
               <a:ext uri="{91240B29-F687-4f45-9708-019B960494DF}">
-                <a14:hiddenLine xmlns="" xmlns:a16="http://schemas.microsoft.com/office/drawing/2014/main" xmlns:p14="http://schemas.microsoft.com/office/powerpoint/2010/main" xmlns:a14="http://schemas.microsoft.com/office/drawing/2010/main" w="9525">
+                <a14:hiddenLine xmlns:a14="http://schemas.microsoft.com/office/drawing/2010/main" xmlns:p14="http://schemas.microsoft.com/office/powerpoint/2010/main" xmlns:a16="http://schemas.microsoft.com/office/drawing/2014/main" xmlns="" w="9525">
                   <a:solidFill>
                     <a:srgbClr val="000000"/>
                   </a:solidFill>
@@ -19431,7 +19467,7 @@
             </a:ln>
             <a:extLst>
               <a:ext uri="{91240B29-F687-4f45-9708-019B960494DF}">
-                <a14:hiddenLine xmlns="" xmlns:a16="http://schemas.microsoft.com/office/drawing/2014/main" xmlns:p14="http://schemas.microsoft.com/office/powerpoint/2010/main" xmlns:a14="http://schemas.microsoft.com/office/drawing/2010/main" w="9525">
+                <a14:hiddenLine xmlns:a14="http://schemas.microsoft.com/office/drawing/2010/main" xmlns:p14="http://schemas.microsoft.com/office/powerpoint/2010/main" xmlns:a16="http://schemas.microsoft.com/office/drawing/2014/main" xmlns="" w="9525">
                   <a:solidFill>
                     <a:srgbClr val="000000"/>
                   </a:solidFill>
@@ -19480,7 +19516,7 @@
             </a:ln>
             <a:extLst>
               <a:ext uri="{91240B29-F687-4f45-9708-019B960494DF}">
-                <a14:hiddenLine xmlns="" xmlns:a16="http://schemas.microsoft.com/office/drawing/2014/main" xmlns:p14="http://schemas.microsoft.com/office/powerpoint/2010/main" xmlns:a14="http://schemas.microsoft.com/office/drawing/2010/main" w="9525">
+                <a14:hiddenLine xmlns:a14="http://schemas.microsoft.com/office/drawing/2010/main" xmlns:p14="http://schemas.microsoft.com/office/powerpoint/2010/main" xmlns:a16="http://schemas.microsoft.com/office/drawing/2014/main" xmlns="" w="9525">
                   <a:solidFill>
                     <a:srgbClr val="000000"/>
                   </a:solidFill>
@@ -19560,7 +19596,7 @@
             </a:ln>
             <a:extLst>
               <a:ext uri="{91240B29-F687-4f45-9708-019B960494DF}">
-                <a14:hiddenLine xmlns="" xmlns:a16="http://schemas.microsoft.com/office/drawing/2014/main" xmlns:p14="http://schemas.microsoft.com/office/powerpoint/2010/main" xmlns:a14="http://schemas.microsoft.com/office/drawing/2010/main" w="9525">
+                <a14:hiddenLine xmlns:a14="http://schemas.microsoft.com/office/drawing/2010/main" xmlns:p14="http://schemas.microsoft.com/office/powerpoint/2010/main" xmlns:a16="http://schemas.microsoft.com/office/drawing/2014/main" xmlns="" w="9525">
                   <a:solidFill>
                     <a:srgbClr val="000000"/>
                   </a:solidFill>
@@ -19665,7 +19701,7 @@
             </a:ln>
             <a:extLst>
               <a:ext uri="{91240B29-F687-4f45-9708-019B960494DF}">
-                <a14:hiddenLine xmlns="" xmlns:a16="http://schemas.microsoft.com/office/drawing/2014/main" xmlns:p14="http://schemas.microsoft.com/office/powerpoint/2010/main" xmlns:a14="http://schemas.microsoft.com/office/drawing/2010/main" w="9525">
+                <a14:hiddenLine xmlns:a14="http://schemas.microsoft.com/office/drawing/2010/main" xmlns:p14="http://schemas.microsoft.com/office/powerpoint/2010/main" xmlns:a16="http://schemas.microsoft.com/office/drawing/2014/main" xmlns="" w="9525">
                   <a:solidFill>
                     <a:srgbClr val="000000"/>
                   </a:solidFill>
@@ -19742,7 +19778,7 @@
             </a:ln>
             <a:extLst>
               <a:ext uri="{91240B29-F687-4f45-9708-019B960494DF}">
-                <a14:hiddenLine xmlns="" xmlns:a16="http://schemas.microsoft.com/office/drawing/2014/main" xmlns:p14="http://schemas.microsoft.com/office/powerpoint/2010/main" xmlns:a14="http://schemas.microsoft.com/office/drawing/2010/main" w="9525">
+                <a14:hiddenLine xmlns:a14="http://schemas.microsoft.com/office/drawing/2010/main" xmlns:p14="http://schemas.microsoft.com/office/powerpoint/2010/main" xmlns:a16="http://schemas.microsoft.com/office/drawing/2014/main" xmlns="" w="9525">
                   <a:solidFill>
                     <a:srgbClr val="000000"/>
                   </a:solidFill>
@@ -19847,7 +19883,7 @@
             </a:ln>
             <a:extLst>
               <a:ext uri="{91240B29-F687-4f45-9708-019B960494DF}">
-                <a14:hiddenLine xmlns="" xmlns:a16="http://schemas.microsoft.com/office/drawing/2014/main" xmlns:p14="http://schemas.microsoft.com/office/powerpoint/2010/main" xmlns:a14="http://schemas.microsoft.com/office/drawing/2010/main" w="9525">
+                <a14:hiddenLine xmlns:a14="http://schemas.microsoft.com/office/drawing/2010/main" xmlns:p14="http://schemas.microsoft.com/office/powerpoint/2010/main" xmlns:a16="http://schemas.microsoft.com/office/drawing/2014/main" xmlns="" w="9525">
                   <a:solidFill>
                     <a:srgbClr val="000000"/>
                   </a:solidFill>
@@ -19927,7 +19963,7 @@
             </a:ln>
             <a:extLst>
               <a:ext uri="{91240B29-F687-4f45-9708-019B960494DF}">
-                <a14:hiddenLine xmlns="" xmlns:a16="http://schemas.microsoft.com/office/drawing/2014/main" xmlns:p14="http://schemas.microsoft.com/office/powerpoint/2010/main" xmlns:a14="http://schemas.microsoft.com/office/drawing/2010/main" w="9525">
+                <a14:hiddenLine xmlns:a14="http://schemas.microsoft.com/office/drawing/2010/main" xmlns:p14="http://schemas.microsoft.com/office/powerpoint/2010/main" xmlns:a16="http://schemas.microsoft.com/office/drawing/2014/main" xmlns="" w="9525">
                   <a:solidFill>
                     <a:srgbClr val="000000"/>
                   </a:solidFill>
@@ -20004,7 +20040,7 @@
             </a:ln>
             <a:extLst>
               <a:ext uri="{91240B29-F687-4f45-9708-019B960494DF}">
-                <a14:hiddenLine xmlns="" xmlns:a16="http://schemas.microsoft.com/office/drawing/2014/main" xmlns:p14="http://schemas.microsoft.com/office/powerpoint/2010/main" xmlns:a14="http://schemas.microsoft.com/office/drawing/2010/main" w="9525">
+                <a14:hiddenLine xmlns:a14="http://schemas.microsoft.com/office/drawing/2010/main" xmlns:p14="http://schemas.microsoft.com/office/powerpoint/2010/main" xmlns:a16="http://schemas.microsoft.com/office/drawing/2014/main" xmlns="" w="9525">
                   <a:solidFill>
                     <a:srgbClr val="000000"/>
                   </a:solidFill>
@@ -20109,7 +20145,7 @@
             </a:ln>
             <a:extLst>
               <a:ext uri="{91240B29-F687-4f45-9708-019B960494DF}">
-                <a14:hiddenLine xmlns="" xmlns:a16="http://schemas.microsoft.com/office/drawing/2014/main" xmlns:p14="http://schemas.microsoft.com/office/powerpoint/2010/main" xmlns:a14="http://schemas.microsoft.com/office/drawing/2010/main" w="9525">
+                <a14:hiddenLine xmlns:a14="http://schemas.microsoft.com/office/drawing/2010/main" xmlns:p14="http://schemas.microsoft.com/office/powerpoint/2010/main" xmlns:a16="http://schemas.microsoft.com/office/drawing/2014/main" xmlns="" w="9525">
                   <a:solidFill>
                     <a:srgbClr val="000000"/>
                   </a:solidFill>
@@ -20214,7 +20250,7 @@
             </a:ln>
             <a:extLst>
               <a:ext uri="{91240B29-F687-4f45-9708-019B960494DF}">
-                <a14:hiddenLine xmlns="" xmlns:a16="http://schemas.microsoft.com/office/drawing/2014/main" xmlns:p14="http://schemas.microsoft.com/office/powerpoint/2010/main" xmlns:a14="http://schemas.microsoft.com/office/drawing/2010/main" w="9525">
+                <a14:hiddenLine xmlns:a14="http://schemas.microsoft.com/office/drawing/2010/main" xmlns:p14="http://schemas.microsoft.com/office/powerpoint/2010/main" xmlns:a16="http://schemas.microsoft.com/office/drawing/2014/main" xmlns="" w="9525">
                   <a:solidFill>
                     <a:srgbClr val="000000"/>
                   </a:solidFill>
@@ -20294,7 +20330,7 @@
             </a:ln>
             <a:extLst>
               <a:ext uri="{91240B29-F687-4f45-9708-019B960494DF}">
-                <a14:hiddenLine xmlns="" xmlns:a16="http://schemas.microsoft.com/office/drawing/2014/main" xmlns:p14="http://schemas.microsoft.com/office/powerpoint/2010/main" xmlns:a14="http://schemas.microsoft.com/office/drawing/2010/main" w="9525">
+                <a14:hiddenLine xmlns:a14="http://schemas.microsoft.com/office/drawing/2010/main" xmlns:p14="http://schemas.microsoft.com/office/powerpoint/2010/main" xmlns:a16="http://schemas.microsoft.com/office/drawing/2014/main" xmlns="" w="9525">
                   <a:solidFill>
                     <a:srgbClr val="000000"/>
                   </a:solidFill>
@@ -20429,7 +20465,7 @@
             </a:ln>
             <a:extLst>
               <a:ext uri="{91240B29-F687-4f45-9708-019B960494DF}">
-                <a14:hiddenLine xmlns="" xmlns:a16="http://schemas.microsoft.com/office/drawing/2014/main" xmlns:p14="http://schemas.microsoft.com/office/powerpoint/2010/main" xmlns:a14="http://schemas.microsoft.com/office/drawing/2010/main" w="9525">
+                <a14:hiddenLine xmlns:a14="http://schemas.microsoft.com/office/drawing/2010/main" xmlns:p14="http://schemas.microsoft.com/office/powerpoint/2010/main" xmlns:a16="http://schemas.microsoft.com/office/drawing/2014/main" xmlns="" w="9525">
                   <a:solidFill>
                     <a:srgbClr val="000000"/>
                   </a:solidFill>
@@ -20568,8 +20604,8 @@
         </p:nvSpPr>
         <p:spPr>
           <a:xfrm>
-            <a:off x="5341041" y="1422400"/>
-            <a:ext cx="5831944" cy="4697413"/>
+            <a:off x="4830757" y="263525"/>
+            <a:ext cx="7083431" cy="5275263"/>
           </a:xfrm>
           <a:prstGeom prst="rect">
             <a:avLst/>
@@ -20577,7 +20613,7 @@
         </p:spPr>
         <p:txBody>
           <a:bodyPr vert="horz" lIns="91440" tIns="45720" rIns="91440" bIns="45720" rtlCol="0">
-            <a:normAutofit/>
+            <a:noAutofit/>
           </a:bodyPr>
           <a:lstStyle/>
           <a:p>
@@ -20594,8 +20630,22 @@
             </a:pPr>
             <a:r>
               <a:rPr lang="en-US" dirty="0"/>
-              <a:t>Deep learning methods yielded better results than traditional machine learning methods for this complex problem</a:t>
+              <a:t>Deep learning methods yielded better results than traditional machine learning methods for this complex problem.</a:t>
             </a:r>
+          </a:p>
+          <a:p>
+            <a:pPr marL="285750" indent="-228600" defTabSz="914400">
+              <a:lnSpc>
+                <a:spcPct val="120000"/>
+              </a:lnSpc>
+              <a:spcAft>
+                <a:spcPts val="600"/>
+              </a:spcAft>
+              <a:buSzPct val="125000"/>
+              <a:buFont typeface="Arial" panose="020B0604020202020204" pitchFamily="34" charset="0"/>
+              <a:buChar char="•"/>
+            </a:pPr>
+            <a:endParaRPr lang="en-US" dirty="0"/>
           </a:p>
           <a:p>
             <a:pPr marL="285750" indent="-228600" defTabSz="914400">
@@ -20611,8 +20661,22 @@
             </a:pPr>
             <a:r>
               <a:rPr lang="en-US" dirty="0"/>
-              <a:t>Attempted to alter network structure by adding or removing layers during fine-tuning process</a:t>
+              <a:t>Attempted to alter network structure by adding or removing layers during fine-tuning process gave better results.</a:t>
             </a:r>
+          </a:p>
+          <a:p>
+            <a:pPr marL="285750" indent="-228600" defTabSz="914400">
+              <a:lnSpc>
+                <a:spcPct val="120000"/>
+              </a:lnSpc>
+              <a:spcAft>
+                <a:spcPts val="600"/>
+              </a:spcAft>
+              <a:buSzPct val="125000"/>
+              <a:buFont typeface="Arial" panose="020B0604020202020204" pitchFamily="34" charset="0"/>
+              <a:buChar char="•"/>
+            </a:pPr>
+            <a:endParaRPr lang="en-US" dirty="0"/>
           </a:p>
           <a:p>
             <a:pPr marL="285750" indent="-228600" defTabSz="914400">
@@ -20628,8 +20692,22 @@
             </a:pPr>
             <a:r>
               <a:rPr lang="en-US" dirty="0"/>
-              <a:t>Observed that imbalanced data greatly impacted results</a:t>
+              <a:t>Observed that imbalanced data greatly impacted results.</a:t>
             </a:r>
+          </a:p>
+          <a:p>
+            <a:pPr marL="285750" indent="-228600" defTabSz="914400">
+              <a:lnSpc>
+                <a:spcPct val="120000"/>
+              </a:lnSpc>
+              <a:spcAft>
+                <a:spcPts val="600"/>
+              </a:spcAft>
+              <a:buSzPct val="125000"/>
+              <a:buFont typeface="Arial" panose="020B0604020202020204" pitchFamily="34" charset="0"/>
+              <a:buChar char="•"/>
+            </a:pPr>
+            <a:endParaRPr lang="en-US" dirty="0"/>
           </a:p>
           <a:p>
             <a:pPr marL="285750" indent="-228600" defTabSz="914400">
@@ -20645,8 +20723,22 @@
             </a:pPr>
             <a:r>
               <a:rPr lang="en-US" dirty="0"/>
-              <a:t>Attempted to balance data which significantly improved accuracy of networks</a:t>
+              <a:t>Attempted to balance data which significantly improved accuracy of networks.</a:t>
             </a:r>
+          </a:p>
+          <a:p>
+            <a:pPr marL="285750" indent="-228600" defTabSz="914400">
+              <a:lnSpc>
+                <a:spcPct val="120000"/>
+              </a:lnSpc>
+              <a:spcAft>
+                <a:spcPts val="600"/>
+              </a:spcAft>
+              <a:buSzPct val="125000"/>
+              <a:buFont typeface="Arial" panose="020B0604020202020204" pitchFamily="34" charset="0"/>
+              <a:buChar char="•"/>
+            </a:pPr>
+            <a:endParaRPr lang="en-US" dirty="0"/>
           </a:p>
           <a:p>
             <a:pPr marL="285750" indent="-228600" defTabSz="914400">
@@ -20663,6 +20755,37 @@
             <a:r>
               <a:rPr lang="en-US" dirty="0"/>
               <a:t>More data for under-represented genres may improve model performance without the need for manual data balancing.</a:t>
+            </a:r>
+          </a:p>
+          <a:p>
+            <a:pPr marL="285750" indent="-228600" defTabSz="914400">
+              <a:lnSpc>
+                <a:spcPct val="120000"/>
+              </a:lnSpc>
+              <a:spcAft>
+                <a:spcPts val="600"/>
+              </a:spcAft>
+              <a:buSzPct val="125000"/>
+              <a:buFont typeface="Arial" panose="020B0604020202020204" pitchFamily="34" charset="0"/>
+              <a:buChar char="•"/>
+            </a:pPr>
+            <a:endParaRPr lang="en-US" dirty="0"/>
+          </a:p>
+          <a:p>
+            <a:pPr marL="285750" indent="-228600" defTabSz="914400">
+              <a:lnSpc>
+                <a:spcPct val="120000"/>
+              </a:lnSpc>
+              <a:spcAft>
+                <a:spcPts val="600"/>
+              </a:spcAft>
+              <a:buSzPct val="125000"/>
+              <a:buFont typeface="Arial" panose="020B0604020202020204" pitchFamily="34" charset="0"/>
+              <a:buChar char="•"/>
+            </a:pPr>
+            <a:r>
+              <a:rPr lang="en-US" dirty="0"/>
+              <a:t>In order to gain better results the data needs to balanced without duplicity and it would help to run and compile it on the cloud where we could scale up the hardware .</a:t>
             </a:r>
           </a:p>
         </p:txBody>
@@ -20905,7 +21028,7 @@
             <a:noFill/>
             <a:extLst>
               <a:ext uri="{909E8E84-426E-40dd-AFC4-6F175D3DCCD1}">
-                <a14:hiddenFill xmlns:p14="http://schemas.microsoft.com/office/powerpoint/2010/main" xmlns:a14="http://schemas.microsoft.com/office/drawing/2010/main" xmlns:a16="http://schemas.microsoft.com/office/drawing/2014/main" xmlns="">
+                <a14:hiddenFill xmlns="" xmlns:a16="http://schemas.microsoft.com/office/drawing/2014/main" xmlns:a14="http://schemas.microsoft.com/office/drawing/2010/main" xmlns:p14="http://schemas.microsoft.com/office/powerpoint/2010/main">
                   <a:solidFill>
                     <a:srgbClr val="FFFFFF"/>
                   </a:solidFill>
@@ -21054,7 +21177,7 @@
             </a:ln>
             <a:extLst>
               <a:ext uri="{91240B29-F687-4f45-9708-019B960494DF}">
-                <a14:hiddenLine xmlns:p14="http://schemas.microsoft.com/office/powerpoint/2010/main" xmlns:a14="http://schemas.microsoft.com/office/drawing/2010/main" xmlns:a16="http://schemas.microsoft.com/office/drawing/2014/main" xmlns="" w="9525">
+                <a14:hiddenLine xmlns="" xmlns:a16="http://schemas.microsoft.com/office/drawing/2014/main" xmlns:a14="http://schemas.microsoft.com/office/drawing/2010/main" xmlns:p14="http://schemas.microsoft.com/office/powerpoint/2010/main" w="9525">
                   <a:solidFill>
                     <a:srgbClr val="000000"/>
                   </a:solidFill>
@@ -21159,7 +21282,7 @@
             </a:ln>
             <a:extLst>
               <a:ext uri="{91240B29-F687-4f45-9708-019B960494DF}">
-                <a14:hiddenLine xmlns:p14="http://schemas.microsoft.com/office/powerpoint/2010/main" xmlns:a14="http://schemas.microsoft.com/office/drawing/2010/main" xmlns:a16="http://schemas.microsoft.com/office/drawing/2014/main" xmlns="" w="9525">
+                <a14:hiddenLine xmlns="" xmlns:a16="http://schemas.microsoft.com/office/drawing/2014/main" xmlns:a14="http://schemas.microsoft.com/office/drawing/2010/main" xmlns:p14="http://schemas.microsoft.com/office/powerpoint/2010/main" w="9525">
                   <a:solidFill>
                     <a:srgbClr val="000000"/>
                   </a:solidFill>
@@ -21264,7 +21387,7 @@
             </a:ln>
             <a:extLst>
               <a:ext uri="{91240B29-F687-4f45-9708-019B960494DF}">
-                <a14:hiddenLine xmlns:p14="http://schemas.microsoft.com/office/powerpoint/2010/main" xmlns:a14="http://schemas.microsoft.com/office/drawing/2010/main" xmlns:a16="http://schemas.microsoft.com/office/drawing/2014/main" xmlns="" w="9525">
+                <a14:hiddenLine xmlns="" xmlns:a16="http://schemas.microsoft.com/office/drawing/2014/main" xmlns:a14="http://schemas.microsoft.com/office/drawing/2010/main" xmlns:p14="http://schemas.microsoft.com/office/powerpoint/2010/main" w="9525">
                   <a:solidFill>
                     <a:srgbClr val="000000"/>
                   </a:solidFill>
@@ -21313,7 +21436,7 @@
             </a:ln>
             <a:extLst>
               <a:ext uri="{91240B29-F687-4f45-9708-019B960494DF}">
-                <a14:hiddenLine xmlns:p14="http://schemas.microsoft.com/office/powerpoint/2010/main" xmlns:a14="http://schemas.microsoft.com/office/drawing/2010/main" xmlns:a16="http://schemas.microsoft.com/office/drawing/2014/main" xmlns="" w="9525">
+                <a14:hiddenLine xmlns="" xmlns:a16="http://schemas.microsoft.com/office/drawing/2014/main" xmlns:a14="http://schemas.microsoft.com/office/drawing/2010/main" xmlns:p14="http://schemas.microsoft.com/office/powerpoint/2010/main" w="9525">
                   <a:solidFill>
                     <a:srgbClr val="000000"/>
                   </a:solidFill>
@@ -21418,7 +21541,7 @@
             </a:ln>
             <a:extLst>
               <a:ext uri="{91240B29-F687-4f45-9708-019B960494DF}">
-                <a14:hiddenLine xmlns:p14="http://schemas.microsoft.com/office/powerpoint/2010/main" xmlns:a14="http://schemas.microsoft.com/office/drawing/2010/main" xmlns:a16="http://schemas.microsoft.com/office/drawing/2014/main" xmlns="" w="9525">
+                <a14:hiddenLine xmlns="" xmlns:a16="http://schemas.microsoft.com/office/drawing/2014/main" xmlns:a14="http://schemas.microsoft.com/office/drawing/2010/main" xmlns:p14="http://schemas.microsoft.com/office/powerpoint/2010/main" w="9525">
                   <a:solidFill>
                     <a:srgbClr val="000000"/>
                   </a:solidFill>
@@ -21495,7 +21618,7 @@
             </a:ln>
             <a:extLst>
               <a:ext uri="{91240B29-F687-4f45-9708-019B960494DF}">
-                <a14:hiddenLine xmlns:p14="http://schemas.microsoft.com/office/powerpoint/2010/main" xmlns:a14="http://schemas.microsoft.com/office/drawing/2010/main" xmlns:a16="http://schemas.microsoft.com/office/drawing/2014/main" xmlns="" w="9525">
+                <a14:hiddenLine xmlns="" xmlns:a16="http://schemas.microsoft.com/office/drawing/2014/main" xmlns:a14="http://schemas.microsoft.com/office/drawing/2010/main" xmlns:p14="http://schemas.microsoft.com/office/powerpoint/2010/main" w="9525">
                   <a:solidFill>
                     <a:srgbClr val="000000"/>
                   </a:solidFill>
@@ -21572,7 +21695,7 @@
             </a:ln>
             <a:extLst>
               <a:ext uri="{91240B29-F687-4f45-9708-019B960494DF}">
-                <a14:hiddenLine xmlns:p14="http://schemas.microsoft.com/office/powerpoint/2010/main" xmlns:a14="http://schemas.microsoft.com/office/drawing/2010/main" xmlns:a16="http://schemas.microsoft.com/office/drawing/2014/main" xmlns="" w="9525">
+                <a14:hiddenLine xmlns="" xmlns:a16="http://schemas.microsoft.com/office/drawing/2014/main" xmlns:a14="http://schemas.microsoft.com/office/drawing/2010/main" xmlns:p14="http://schemas.microsoft.com/office/powerpoint/2010/main" w="9525">
                   <a:solidFill>
                     <a:srgbClr val="000000"/>
                   </a:solidFill>
@@ -21677,7 +21800,7 @@
             </a:ln>
             <a:extLst>
               <a:ext uri="{91240B29-F687-4f45-9708-019B960494DF}">
-                <a14:hiddenLine xmlns:p14="http://schemas.microsoft.com/office/powerpoint/2010/main" xmlns:a14="http://schemas.microsoft.com/office/drawing/2010/main" xmlns:a16="http://schemas.microsoft.com/office/drawing/2014/main" xmlns="" w="9525">
+                <a14:hiddenLine xmlns="" xmlns:a16="http://schemas.microsoft.com/office/drawing/2014/main" xmlns:a14="http://schemas.microsoft.com/office/drawing/2010/main" xmlns:p14="http://schemas.microsoft.com/office/powerpoint/2010/main" w="9525">
                   <a:solidFill>
                     <a:srgbClr val="000000"/>
                   </a:solidFill>
@@ -21754,7 +21877,7 @@
             </a:ln>
             <a:extLst>
               <a:ext uri="{91240B29-F687-4f45-9708-019B960494DF}">
-                <a14:hiddenLine xmlns:p14="http://schemas.microsoft.com/office/powerpoint/2010/main" xmlns:a14="http://schemas.microsoft.com/office/drawing/2010/main" xmlns:a16="http://schemas.microsoft.com/office/drawing/2014/main" xmlns="" w="9525">
+                <a14:hiddenLine xmlns="" xmlns:a16="http://schemas.microsoft.com/office/drawing/2014/main" xmlns:a14="http://schemas.microsoft.com/office/drawing/2010/main" xmlns:p14="http://schemas.microsoft.com/office/powerpoint/2010/main" w="9525">
                   <a:solidFill>
                     <a:srgbClr val="000000"/>
                   </a:solidFill>
@@ -21831,7 +21954,7 @@
             </a:ln>
             <a:extLst>
               <a:ext uri="{91240B29-F687-4f45-9708-019B960494DF}">
-                <a14:hiddenLine xmlns:p14="http://schemas.microsoft.com/office/powerpoint/2010/main" xmlns:a14="http://schemas.microsoft.com/office/drawing/2010/main" xmlns:a16="http://schemas.microsoft.com/office/drawing/2014/main" xmlns="" w="9525">
+                <a14:hiddenLine xmlns="" xmlns:a16="http://schemas.microsoft.com/office/drawing/2014/main" xmlns:a14="http://schemas.microsoft.com/office/drawing/2010/main" xmlns:p14="http://schemas.microsoft.com/office/powerpoint/2010/main" w="9525">
                   <a:solidFill>
                     <a:srgbClr val="000000"/>
                   </a:solidFill>
@@ -21936,7 +22059,7 @@
             </a:ln>
             <a:extLst>
               <a:ext uri="{91240B29-F687-4f45-9708-019B960494DF}">
-                <a14:hiddenLine xmlns:p14="http://schemas.microsoft.com/office/powerpoint/2010/main" xmlns:a14="http://schemas.microsoft.com/office/drawing/2010/main" xmlns:a16="http://schemas.microsoft.com/office/drawing/2014/main" xmlns="" w="9525">
+                <a14:hiddenLine xmlns="" xmlns:a16="http://schemas.microsoft.com/office/drawing/2014/main" xmlns:a14="http://schemas.microsoft.com/office/drawing/2010/main" xmlns:p14="http://schemas.microsoft.com/office/powerpoint/2010/main" w="9525">
                   <a:solidFill>
                     <a:srgbClr val="000000"/>
                   </a:solidFill>
@@ -22041,7 +22164,7 @@
             </a:ln>
             <a:extLst>
               <a:ext uri="{91240B29-F687-4f45-9708-019B960494DF}">
-                <a14:hiddenLine xmlns:p14="http://schemas.microsoft.com/office/powerpoint/2010/main" xmlns:a14="http://schemas.microsoft.com/office/drawing/2010/main" xmlns:a16="http://schemas.microsoft.com/office/drawing/2014/main" xmlns="" w="9525">
+                <a14:hiddenLine xmlns="" xmlns:a16="http://schemas.microsoft.com/office/drawing/2014/main" xmlns:a14="http://schemas.microsoft.com/office/drawing/2010/main" xmlns:p14="http://schemas.microsoft.com/office/powerpoint/2010/main" w="9525">
                   <a:solidFill>
                     <a:srgbClr val="000000"/>
                   </a:solidFill>
@@ -22118,7 +22241,7 @@
             </a:ln>
             <a:extLst>
               <a:ext uri="{91240B29-F687-4f45-9708-019B960494DF}">
-                <a14:hiddenLine xmlns:p14="http://schemas.microsoft.com/office/powerpoint/2010/main" xmlns:a14="http://schemas.microsoft.com/office/drawing/2010/main" xmlns:a16="http://schemas.microsoft.com/office/drawing/2014/main" xmlns="" w="9525">
+                <a14:hiddenLine xmlns="" xmlns:a16="http://schemas.microsoft.com/office/drawing/2014/main" xmlns:a14="http://schemas.microsoft.com/office/drawing/2010/main" xmlns:p14="http://schemas.microsoft.com/office/powerpoint/2010/main" w="9525">
                   <a:solidFill>
                     <a:srgbClr val="000000"/>
                   </a:solidFill>
@@ -22243,7 +22366,7 @@
             </a:ln>
             <a:extLst>
               <a:ext uri="{91240B29-F687-4f45-9708-019B960494DF}">
-                <a14:hiddenLine xmlns:p14="http://schemas.microsoft.com/office/powerpoint/2010/main" xmlns:a14="http://schemas.microsoft.com/office/drawing/2010/main" xmlns:a16="http://schemas.microsoft.com/office/drawing/2014/main" xmlns="" w="9525">
+                <a14:hiddenLine xmlns="" xmlns:a16="http://schemas.microsoft.com/office/drawing/2014/main" xmlns:a14="http://schemas.microsoft.com/office/drawing/2010/main" xmlns:p14="http://schemas.microsoft.com/office/powerpoint/2010/main" w="9525">
                   <a:solidFill>
                     <a:srgbClr val="000000"/>
                   </a:solidFill>
@@ -22320,7 +22443,7 @@
             </a:ln>
             <a:extLst>
               <a:ext uri="{91240B29-F687-4f45-9708-019B960494DF}">
-                <a14:hiddenLine xmlns:p14="http://schemas.microsoft.com/office/powerpoint/2010/main" xmlns:a14="http://schemas.microsoft.com/office/drawing/2010/main" xmlns:a16="http://schemas.microsoft.com/office/drawing/2014/main" xmlns="" w="9525">
+                <a14:hiddenLine xmlns="" xmlns:a16="http://schemas.microsoft.com/office/drawing/2014/main" xmlns:a14="http://schemas.microsoft.com/office/drawing/2010/main" xmlns:p14="http://schemas.microsoft.com/office/powerpoint/2010/main" w="9525">
                   <a:solidFill>
                     <a:srgbClr val="000000"/>
                   </a:solidFill>
@@ -22425,7 +22548,7 @@
             </a:ln>
             <a:extLst>
               <a:ext uri="{91240B29-F687-4f45-9708-019B960494DF}">
-                <a14:hiddenLine xmlns:p14="http://schemas.microsoft.com/office/powerpoint/2010/main" xmlns:a14="http://schemas.microsoft.com/office/drawing/2010/main" xmlns:a16="http://schemas.microsoft.com/office/drawing/2014/main" xmlns="" w="9525">
+                <a14:hiddenLine xmlns="" xmlns:a16="http://schemas.microsoft.com/office/drawing/2014/main" xmlns:a14="http://schemas.microsoft.com/office/drawing/2010/main" xmlns:p14="http://schemas.microsoft.com/office/powerpoint/2010/main" w="9525">
                   <a:solidFill>
                     <a:srgbClr val="000000"/>
                   </a:solidFill>
@@ -22530,7 +22653,7 @@
             </a:ln>
             <a:extLst>
               <a:ext uri="{91240B29-F687-4f45-9708-019B960494DF}">
-                <a14:hiddenLine xmlns:p14="http://schemas.microsoft.com/office/powerpoint/2010/main" xmlns:a14="http://schemas.microsoft.com/office/drawing/2010/main" xmlns:a16="http://schemas.microsoft.com/office/drawing/2014/main" xmlns="" w="9525">
+                <a14:hiddenLine xmlns="" xmlns:a16="http://schemas.microsoft.com/office/drawing/2014/main" xmlns:a14="http://schemas.microsoft.com/office/drawing/2010/main" xmlns:p14="http://schemas.microsoft.com/office/powerpoint/2010/main" w="9525">
                   <a:solidFill>
                     <a:srgbClr val="000000"/>
                   </a:solidFill>
@@ -22607,7 +22730,7 @@
             </a:ln>
             <a:extLst>
               <a:ext uri="{91240B29-F687-4f45-9708-019B960494DF}">
-                <a14:hiddenLine xmlns:p14="http://schemas.microsoft.com/office/powerpoint/2010/main" xmlns:a14="http://schemas.microsoft.com/office/drawing/2010/main" xmlns:a16="http://schemas.microsoft.com/office/drawing/2014/main" xmlns="" w="9525">
+                <a14:hiddenLine xmlns="" xmlns:a16="http://schemas.microsoft.com/office/drawing/2014/main" xmlns:a14="http://schemas.microsoft.com/office/drawing/2010/main" xmlns:p14="http://schemas.microsoft.com/office/powerpoint/2010/main" w="9525">
                   <a:solidFill>
                     <a:srgbClr val="000000"/>
                   </a:solidFill>
@@ -22712,7 +22835,7 @@
             </a:ln>
             <a:extLst>
               <a:ext uri="{91240B29-F687-4f45-9708-019B960494DF}">
-                <a14:hiddenLine xmlns:p14="http://schemas.microsoft.com/office/powerpoint/2010/main" xmlns:a14="http://schemas.microsoft.com/office/drawing/2010/main" xmlns:a16="http://schemas.microsoft.com/office/drawing/2014/main" xmlns="" w="9525">
+                <a14:hiddenLine xmlns="" xmlns:a16="http://schemas.microsoft.com/office/drawing/2014/main" xmlns:a14="http://schemas.microsoft.com/office/drawing/2010/main" xmlns:p14="http://schemas.microsoft.com/office/powerpoint/2010/main" w="9525">
                   <a:solidFill>
                     <a:srgbClr val="000000"/>
                   </a:solidFill>
@@ -22817,7 +22940,7 @@
             </a:ln>
             <a:extLst>
               <a:ext uri="{91240B29-F687-4f45-9708-019B960494DF}">
-                <a14:hiddenLine xmlns:p14="http://schemas.microsoft.com/office/powerpoint/2010/main" xmlns:a14="http://schemas.microsoft.com/office/drawing/2010/main" xmlns:a16="http://schemas.microsoft.com/office/drawing/2014/main" xmlns="" w="9525">
+                <a14:hiddenLine xmlns="" xmlns:a16="http://schemas.microsoft.com/office/drawing/2014/main" xmlns:a14="http://schemas.microsoft.com/office/drawing/2010/main" xmlns:p14="http://schemas.microsoft.com/office/powerpoint/2010/main" w="9525">
                   <a:solidFill>
                     <a:srgbClr val="000000"/>
                   </a:solidFill>
@@ -22888,7 +23011,7 @@
             </a:ln>
             <a:extLst>
               <a:ext uri="{91240B29-F687-4f45-9708-019B960494DF}">
-                <a14:hiddenLine xmlns:p14="http://schemas.microsoft.com/office/powerpoint/2010/main" xmlns:a14="http://schemas.microsoft.com/office/drawing/2010/main" xmlns:a16="http://schemas.microsoft.com/office/drawing/2014/main" xmlns="" w="9525">
+                <a14:hiddenLine xmlns="" xmlns:a16="http://schemas.microsoft.com/office/drawing/2014/main" xmlns:a14="http://schemas.microsoft.com/office/drawing/2010/main" xmlns:p14="http://schemas.microsoft.com/office/powerpoint/2010/main" w="9525">
                   <a:solidFill>
                     <a:srgbClr val="000000"/>
                   </a:solidFill>
@@ -22993,7 +23116,7 @@
             </a:ln>
             <a:extLst>
               <a:ext uri="{91240B29-F687-4f45-9708-019B960494DF}">
-                <a14:hiddenLine xmlns:p14="http://schemas.microsoft.com/office/powerpoint/2010/main" xmlns:a14="http://schemas.microsoft.com/office/drawing/2010/main" xmlns:a16="http://schemas.microsoft.com/office/drawing/2014/main" xmlns="" w="9525">
+                <a14:hiddenLine xmlns="" xmlns:a16="http://schemas.microsoft.com/office/drawing/2014/main" xmlns:a14="http://schemas.microsoft.com/office/drawing/2010/main" xmlns:p14="http://schemas.microsoft.com/office/powerpoint/2010/main" w="9525">
                   <a:solidFill>
                     <a:srgbClr val="000000"/>
                   </a:solidFill>
@@ -23064,7 +23187,7 @@
             </a:ln>
             <a:extLst>
               <a:ext uri="{91240B29-F687-4f45-9708-019B960494DF}">
-                <a14:hiddenLine xmlns:p14="http://schemas.microsoft.com/office/powerpoint/2010/main" xmlns:a14="http://schemas.microsoft.com/office/drawing/2010/main" xmlns:a16="http://schemas.microsoft.com/office/drawing/2014/main" xmlns="" w="9525">
+                <a14:hiddenLine xmlns="" xmlns:a16="http://schemas.microsoft.com/office/drawing/2014/main" xmlns:a14="http://schemas.microsoft.com/office/drawing/2010/main" xmlns:p14="http://schemas.microsoft.com/office/powerpoint/2010/main" w="9525">
                   <a:solidFill>
                     <a:srgbClr val="000000"/>
                   </a:solidFill>
@@ -23169,7 +23292,7 @@
             </a:ln>
             <a:extLst>
               <a:ext uri="{91240B29-F687-4f45-9708-019B960494DF}">
-                <a14:hiddenLine xmlns:p14="http://schemas.microsoft.com/office/powerpoint/2010/main" xmlns:a14="http://schemas.microsoft.com/office/drawing/2010/main" xmlns:a16="http://schemas.microsoft.com/office/drawing/2014/main" xmlns="" w="9525">
+                <a14:hiddenLine xmlns="" xmlns:a16="http://schemas.microsoft.com/office/drawing/2014/main" xmlns:a14="http://schemas.microsoft.com/office/drawing/2010/main" xmlns:p14="http://schemas.microsoft.com/office/powerpoint/2010/main" w="9525">
                   <a:solidFill>
                     <a:srgbClr val="000000"/>
                   </a:solidFill>
@@ -23252,7 +23375,7 @@
             </a:ln>
             <a:extLst>
               <a:ext uri="{91240B29-F687-4f45-9708-019B960494DF}">
-                <a14:hiddenLine xmlns:p14="http://schemas.microsoft.com/office/powerpoint/2010/main" xmlns:a14="http://schemas.microsoft.com/office/drawing/2010/main" xmlns:a16="http://schemas.microsoft.com/office/drawing/2014/main" xmlns="" w="9525">
+                <a14:hiddenLine xmlns="" xmlns:a16="http://schemas.microsoft.com/office/drawing/2014/main" xmlns:a14="http://schemas.microsoft.com/office/drawing/2010/main" xmlns:p14="http://schemas.microsoft.com/office/powerpoint/2010/main" w="9525">
                   <a:solidFill>
                     <a:srgbClr val="000000"/>
                   </a:solidFill>
@@ -23357,7 +23480,7 @@
             </a:ln>
             <a:extLst>
               <a:ext uri="{91240B29-F687-4f45-9708-019B960494DF}">
-                <a14:hiddenLine xmlns:p14="http://schemas.microsoft.com/office/powerpoint/2010/main" xmlns:a14="http://schemas.microsoft.com/office/drawing/2010/main" xmlns:a16="http://schemas.microsoft.com/office/drawing/2014/main" xmlns="" w="9525">
+                <a14:hiddenLine xmlns="" xmlns:a16="http://schemas.microsoft.com/office/drawing/2014/main" xmlns:a14="http://schemas.microsoft.com/office/drawing/2010/main" xmlns:p14="http://schemas.microsoft.com/office/powerpoint/2010/main" w="9525">
                   <a:solidFill>
                     <a:srgbClr val="000000"/>
                   </a:solidFill>
@@ -23440,7 +23563,7 @@
             </a:ln>
             <a:extLst>
               <a:ext uri="{91240B29-F687-4f45-9708-019B960494DF}">
-                <a14:hiddenLine xmlns:p14="http://schemas.microsoft.com/office/powerpoint/2010/main" xmlns:a14="http://schemas.microsoft.com/office/drawing/2010/main" xmlns:a16="http://schemas.microsoft.com/office/drawing/2014/main" xmlns="" w="9525">
+                <a14:hiddenLine xmlns="" xmlns:a16="http://schemas.microsoft.com/office/drawing/2014/main" xmlns:a14="http://schemas.microsoft.com/office/drawing/2010/main" xmlns:p14="http://schemas.microsoft.com/office/powerpoint/2010/main" w="9525">
                   <a:solidFill>
                     <a:srgbClr val="000000"/>
                   </a:solidFill>
@@ -23545,7 +23668,7 @@
             </a:ln>
             <a:extLst>
               <a:ext uri="{91240B29-F687-4f45-9708-019B960494DF}">
-                <a14:hiddenLine xmlns:p14="http://schemas.microsoft.com/office/powerpoint/2010/main" xmlns:a14="http://schemas.microsoft.com/office/drawing/2010/main" xmlns:a16="http://schemas.microsoft.com/office/drawing/2014/main" xmlns="" w="9525">
+                <a14:hiddenLine xmlns="" xmlns:a16="http://schemas.microsoft.com/office/drawing/2014/main" xmlns:a14="http://schemas.microsoft.com/office/drawing/2010/main" xmlns:p14="http://schemas.microsoft.com/office/powerpoint/2010/main" w="9525">
                   <a:solidFill>
                     <a:srgbClr val="000000"/>
                   </a:solidFill>
@@ -23594,7 +23717,7 @@
             </a:ln>
             <a:extLst>
               <a:ext uri="{91240B29-F687-4f45-9708-019B960494DF}">
-                <a14:hiddenLine xmlns:p14="http://schemas.microsoft.com/office/powerpoint/2010/main" xmlns:a14="http://schemas.microsoft.com/office/drawing/2010/main" xmlns:a16="http://schemas.microsoft.com/office/drawing/2014/main" xmlns="" w="9525">
+                <a14:hiddenLine xmlns="" xmlns:a16="http://schemas.microsoft.com/office/drawing/2014/main" xmlns:a14="http://schemas.microsoft.com/office/drawing/2010/main" xmlns:p14="http://schemas.microsoft.com/office/powerpoint/2010/main" w="9525">
                   <a:solidFill>
                     <a:srgbClr val="000000"/>
                   </a:solidFill>
@@ -23699,7 +23822,7 @@
             </a:ln>
             <a:extLst>
               <a:ext uri="{91240B29-F687-4f45-9708-019B960494DF}">
-                <a14:hiddenLine xmlns:p14="http://schemas.microsoft.com/office/powerpoint/2010/main" xmlns:a14="http://schemas.microsoft.com/office/drawing/2010/main" xmlns:a16="http://schemas.microsoft.com/office/drawing/2014/main" xmlns="" w="9525">
+                <a14:hiddenLine xmlns="" xmlns:a16="http://schemas.microsoft.com/office/drawing/2014/main" xmlns:a14="http://schemas.microsoft.com/office/drawing/2010/main" xmlns:p14="http://schemas.microsoft.com/office/powerpoint/2010/main" w="9525">
                   <a:solidFill>
                     <a:srgbClr val="000000"/>
                   </a:solidFill>
@@ -23776,7 +23899,7 @@
             </a:ln>
             <a:extLst>
               <a:ext uri="{91240B29-F687-4f45-9708-019B960494DF}">
-                <a14:hiddenLine xmlns:p14="http://schemas.microsoft.com/office/powerpoint/2010/main" xmlns:a14="http://schemas.microsoft.com/office/drawing/2010/main" xmlns:a16="http://schemas.microsoft.com/office/drawing/2014/main" xmlns="" w="9525">
+                <a14:hiddenLine xmlns="" xmlns:a16="http://schemas.microsoft.com/office/drawing/2014/main" xmlns:a14="http://schemas.microsoft.com/office/drawing/2010/main" xmlns:p14="http://schemas.microsoft.com/office/powerpoint/2010/main" w="9525">
                   <a:solidFill>
                     <a:srgbClr val="000000"/>
                   </a:solidFill>
@@ -23853,7 +23976,7 @@
             </a:ln>
             <a:extLst>
               <a:ext uri="{91240B29-F687-4f45-9708-019B960494DF}">
-                <a14:hiddenLine xmlns:p14="http://schemas.microsoft.com/office/powerpoint/2010/main" xmlns:a14="http://schemas.microsoft.com/office/drawing/2010/main" xmlns:a16="http://schemas.microsoft.com/office/drawing/2014/main" xmlns="" w="9525">
+                <a14:hiddenLine xmlns="" xmlns:a16="http://schemas.microsoft.com/office/drawing/2014/main" xmlns:a14="http://schemas.microsoft.com/office/drawing/2010/main" xmlns:p14="http://schemas.microsoft.com/office/powerpoint/2010/main" w="9525">
                   <a:solidFill>
                     <a:srgbClr val="000000"/>
                   </a:solidFill>
@@ -23958,7 +24081,7 @@
             </a:ln>
             <a:extLst>
               <a:ext uri="{91240B29-F687-4f45-9708-019B960494DF}">
-                <a14:hiddenLine xmlns:p14="http://schemas.microsoft.com/office/powerpoint/2010/main" xmlns:a14="http://schemas.microsoft.com/office/drawing/2010/main" xmlns:a16="http://schemas.microsoft.com/office/drawing/2014/main" xmlns="" w="9525">
+                <a14:hiddenLine xmlns="" xmlns:a16="http://schemas.microsoft.com/office/drawing/2014/main" xmlns:a14="http://schemas.microsoft.com/office/drawing/2010/main" xmlns:p14="http://schemas.microsoft.com/office/powerpoint/2010/main" w="9525">
                   <a:solidFill>
                     <a:srgbClr val="000000"/>
                   </a:solidFill>
@@ -24041,7 +24164,7 @@
             </a:ln>
             <a:extLst>
               <a:ext uri="{91240B29-F687-4f45-9708-019B960494DF}">
-                <a14:hiddenLine xmlns:p14="http://schemas.microsoft.com/office/powerpoint/2010/main" xmlns:a14="http://schemas.microsoft.com/office/drawing/2010/main" xmlns:a16="http://schemas.microsoft.com/office/drawing/2014/main" xmlns="" w="9525">
+                <a14:hiddenLine xmlns="" xmlns:a16="http://schemas.microsoft.com/office/drawing/2014/main" xmlns:a14="http://schemas.microsoft.com/office/drawing/2010/main" xmlns:p14="http://schemas.microsoft.com/office/powerpoint/2010/main" w="9525">
                   <a:solidFill>
                     <a:srgbClr val="000000"/>
                   </a:solidFill>
@@ -24118,7 +24241,7 @@
             </a:ln>
             <a:extLst>
               <a:ext uri="{91240B29-F687-4f45-9708-019B960494DF}">
-                <a14:hiddenLine xmlns:p14="http://schemas.microsoft.com/office/powerpoint/2010/main" xmlns:a14="http://schemas.microsoft.com/office/drawing/2010/main" xmlns:a16="http://schemas.microsoft.com/office/drawing/2014/main" xmlns="" w="9525">
+                <a14:hiddenLine xmlns="" xmlns:a16="http://schemas.microsoft.com/office/drawing/2014/main" xmlns:a14="http://schemas.microsoft.com/office/drawing/2010/main" xmlns:p14="http://schemas.microsoft.com/office/powerpoint/2010/main" w="9525">
                   <a:solidFill>
                     <a:srgbClr val="000000"/>
                   </a:solidFill>
@@ -24223,7 +24346,7 @@
             </a:ln>
             <a:extLst>
               <a:ext uri="{91240B29-F687-4f45-9708-019B960494DF}">
-                <a14:hiddenLine xmlns:p14="http://schemas.microsoft.com/office/powerpoint/2010/main" xmlns:a14="http://schemas.microsoft.com/office/drawing/2010/main" xmlns:a16="http://schemas.microsoft.com/office/drawing/2014/main" xmlns="" w="9525">
+                <a14:hiddenLine xmlns="" xmlns:a16="http://schemas.microsoft.com/office/drawing/2014/main" xmlns:a14="http://schemas.microsoft.com/office/drawing/2010/main" xmlns:p14="http://schemas.microsoft.com/office/powerpoint/2010/main" w="9525">
                   <a:solidFill>
                     <a:srgbClr val="000000"/>
                   </a:solidFill>
@@ -24300,7 +24423,7 @@
             </a:ln>
             <a:extLst>
               <a:ext uri="{91240B29-F687-4f45-9708-019B960494DF}">
-                <a14:hiddenLine xmlns:p14="http://schemas.microsoft.com/office/powerpoint/2010/main" xmlns:a14="http://schemas.microsoft.com/office/drawing/2010/main" xmlns:a16="http://schemas.microsoft.com/office/drawing/2014/main" xmlns="" w="9525">
+                <a14:hiddenLine xmlns="" xmlns:a16="http://schemas.microsoft.com/office/drawing/2014/main" xmlns:a14="http://schemas.microsoft.com/office/drawing/2010/main" xmlns:p14="http://schemas.microsoft.com/office/powerpoint/2010/main" w="9525">
                   <a:solidFill>
                     <a:srgbClr val="000000"/>
                   </a:solidFill>
@@ -24405,7 +24528,7 @@
             </a:ln>
             <a:extLst>
               <a:ext uri="{91240B29-F687-4f45-9708-019B960494DF}">
-                <a14:hiddenLine xmlns:p14="http://schemas.microsoft.com/office/powerpoint/2010/main" xmlns:a14="http://schemas.microsoft.com/office/drawing/2010/main" xmlns:a16="http://schemas.microsoft.com/office/drawing/2014/main" xmlns="" w="9525">
+                <a14:hiddenLine xmlns="" xmlns:a16="http://schemas.microsoft.com/office/drawing/2014/main" xmlns:a14="http://schemas.microsoft.com/office/drawing/2010/main" xmlns:p14="http://schemas.microsoft.com/office/powerpoint/2010/main" w="9525">
                   <a:solidFill>
                     <a:srgbClr val="000000"/>
                   </a:solidFill>
@@ -24482,7 +24605,7 @@
             </a:ln>
             <a:extLst>
               <a:ext uri="{91240B29-F687-4f45-9708-019B960494DF}">
-                <a14:hiddenLine xmlns:p14="http://schemas.microsoft.com/office/powerpoint/2010/main" xmlns:a14="http://schemas.microsoft.com/office/drawing/2010/main" xmlns:a16="http://schemas.microsoft.com/office/drawing/2014/main" xmlns="" w="9525">
+                <a14:hiddenLine xmlns="" xmlns:a16="http://schemas.microsoft.com/office/drawing/2014/main" xmlns:a14="http://schemas.microsoft.com/office/drawing/2010/main" xmlns:p14="http://schemas.microsoft.com/office/powerpoint/2010/main" w="9525">
                   <a:solidFill>
                     <a:srgbClr val="000000"/>
                   </a:solidFill>
@@ -24587,7 +24710,7 @@
             </a:ln>
             <a:extLst>
               <a:ext uri="{91240B29-F687-4f45-9708-019B960494DF}">
-                <a14:hiddenLine xmlns:p14="http://schemas.microsoft.com/office/powerpoint/2010/main" xmlns:a14="http://schemas.microsoft.com/office/drawing/2010/main" xmlns:a16="http://schemas.microsoft.com/office/drawing/2014/main" xmlns="" w="9525">
+                <a14:hiddenLine xmlns="" xmlns:a16="http://schemas.microsoft.com/office/drawing/2014/main" xmlns:a14="http://schemas.microsoft.com/office/drawing/2010/main" xmlns:p14="http://schemas.microsoft.com/office/powerpoint/2010/main" w="9525">
                   <a:solidFill>
                     <a:srgbClr val="000000"/>
                   </a:solidFill>
@@ -24636,7 +24759,7 @@
             </a:ln>
             <a:extLst>
               <a:ext uri="{91240B29-F687-4f45-9708-019B960494DF}">
-                <a14:hiddenLine xmlns:p14="http://schemas.microsoft.com/office/powerpoint/2010/main" xmlns:a14="http://schemas.microsoft.com/office/drawing/2010/main" xmlns:a16="http://schemas.microsoft.com/office/drawing/2014/main" xmlns="" w="9525">
+                <a14:hiddenLine xmlns="" xmlns:a16="http://schemas.microsoft.com/office/drawing/2014/main" xmlns:a14="http://schemas.microsoft.com/office/drawing/2010/main" xmlns:p14="http://schemas.microsoft.com/office/powerpoint/2010/main" w="9525">
                   <a:solidFill>
                     <a:srgbClr val="000000"/>
                   </a:solidFill>
@@ -24716,7 +24839,7 @@
             </a:ln>
             <a:extLst>
               <a:ext uri="{91240B29-F687-4f45-9708-019B960494DF}">
-                <a14:hiddenLine xmlns:p14="http://schemas.microsoft.com/office/powerpoint/2010/main" xmlns:a14="http://schemas.microsoft.com/office/drawing/2010/main" xmlns:a16="http://schemas.microsoft.com/office/drawing/2014/main" xmlns="" w="9525">
+                <a14:hiddenLine xmlns="" xmlns:a16="http://schemas.microsoft.com/office/drawing/2014/main" xmlns:a14="http://schemas.microsoft.com/office/drawing/2010/main" xmlns:p14="http://schemas.microsoft.com/office/powerpoint/2010/main" w="9525">
                   <a:solidFill>
                     <a:srgbClr val="000000"/>
                   </a:solidFill>
@@ -24821,7 +24944,7 @@
             </a:ln>
             <a:extLst>
               <a:ext uri="{91240B29-F687-4f45-9708-019B960494DF}">
-                <a14:hiddenLine xmlns:p14="http://schemas.microsoft.com/office/powerpoint/2010/main" xmlns:a14="http://schemas.microsoft.com/office/drawing/2010/main" xmlns:a16="http://schemas.microsoft.com/office/drawing/2014/main" xmlns="" w="9525">
+                <a14:hiddenLine xmlns="" xmlns:a16="http://schemas.microsoft.com/office/drawing/2014/main" xmlns:a14="http://schemas.microsoft.com/office/drawing/2010/main" xmlns:p14="http://schemas.microsoft.com/office/powerpoint/2010/main" w="9525">
                   <a:solidFill>
                     <a:srgbClr val="000000"/>
                   </a:solidFill>
@@ -24898,7 +25021,7 @@
             </a:ln>
             <a:extLst>
               <a:ext uri="{91240B29-F687-4f45-9708-019B960494DF}">
-                <a14:hiddenLine xmlns:p14="http://schemas.microsoft.com/office/powerpoint/2010/main" xmlns:a14="http://schemas.microsoft.com/office/drawing/2010/main" xmlns:a16="http://schemas.microsoft.com/office/drawing/2014/main" xmlns="" w="9525">
+                <a14:hiddenLine xmlns="" xmlns:a16="http://schemas.microsoft.com/office/drawing/2014/main" xmlns:a14="http://schemas.microsoft.com/office/drawing/2010/main" xmlns:p14="http://schemas.microsoft.com/office/powerpoint/2010/main" w="9525">
                   <a:solidFill>
                     <a:srgbClr val="000000"/>
                   </a:solidFill>
@@ -25003,7 +25126,7 @@
             </a:ln>
             <a:extLst>
               <a:ext uri="{91240B29-F687-4f45-9708-019B960494DF}">
-                <a14:hiddenLine xmlns:p14="http://schemas.microsoft.com/office/powerpoint/2010/main" xmlns:a14="http://schemas.microsoft.com/office/drawing/2010/main" xmlns:a16="http://schemas.microsoft.com/office/drawing/2014/main" xmlns="" w="9525">
+                <a14:hiddenLine xmlns="" xmlns:a16="http://schemas.microsoft.com/office/drawing/2014/main" xmlns:a14="http://schemas.microsoft.com/office/drawing/2010/main" xmlns:p14="http://schemas.microsoft.com/office/powerpoint/2010/main" w="9525">
                   <a:solidFill>
                     <a:srgbClr val="000000"/>
                   </a:solidFill>
@@ -25108,7 +25231,7 @@
             </a:ln>
             <a:extLst>
               <a:ext uri="{91240B29-F687-4f45-9708-019B960494DF}">
-                <a14:hiddenLine xmlns:p14="http://schemas.microsoft.com/office/powerpoint/2010/main" xmlns:a14="http://schemas.microsoft.com/office/drawing/2010/main" xmlns:a16="http://schemas.microsoft.com/office/drawing/2014/main" xmlns="" w="9525">
+                <a14:hiddenLine xmlns="" xmlns:a16="http://schemas.microsoft.com/office/drawing/2014/main" xmlns:a14="http://schemas.microsoft.com/office/drawing/2010/main" xmlns:p14="http://schemas.microsoft.com/office/powerpoint/2010/main" w="9525">
                   <a:solidFill>
                     <a:srgbClr val="000000"/>
                   </a:solidFill>
@@ -25188,7 +25311,7 @@
             </a:ln>
             <a:extLst>
               <a:ext uri="{91240B29-F687-4f45-9708-019B960494DF}">
-                <a14:hiddenLine xmlns:p14="http://schemas.microsoft.com/office/powerpoint/2010/main" xmlns:a14="http://schemas.microsoft.com/office/drawing/2010/main" xmlns:a16="http://schemas.microsoft.com/office/drawing/2014/main" xmlns="" w="9525">
+                <a14:hiddenLine xmlns="" xmlns:a16="http://schemas.microsoft.com/office/drawing/2014/main" xmlns:a14="http://schemas.microsoft.com/office/drawing/2010/main" xmlns:p14="http://schemas.microsoft.com/office/powerpoint/2010/main" w="9525">
                   <a:solidFill>
                     <a:srgbClr val="000000"/>
                   </a:solidFill>
@@ -25265,7 +25388,7 @@
             </a:ln>
             <a:extLst>
               <a:ext uri="{91240B29-F687-4f45-9708-019B960494DF}">
-                <a14:hiddenLine xmlns:p14="http://schemas.microsoft.com/office/powerpoint/2010/main" xmlns:a14="http://schemas.microsoft.com/office/drawing/2010/main" xmlns:a16="http://schemas.microsoft.com/office/drawing/2014/main" xmlns="" w="9525">
+                <a14:hiddenLine xmlns="" xmlns:a16="http://schemas.microsoft.com/office/drawing/2014/main" xmlns:a14="http://schemas.microsoft.com/office/drawing/2010/main" xmlns:p14="http://schemas.microsoft.com/office/powerpoint/2010/main" w="9525">
                   <a:solidFill>
                     <a:srgbClr val="000000"/>
                   </a:solidFill>
@@ -25370,7 +25493,7 @@
             </a:ln>
             <a:extLst>
               <a:ext uri="{91240B29-F687-4f45-9708-019B960494DF}">
-                <a14:hiddenLine xmlns:p14="http://schemas.microsoft.com/office/powerpoint/2010/main" xmlns:a14="http://schemas.microsoft.com/office/drawing/2010/main" xmlns:a16="http://schemas.microsoft.com/office/drawing/2014/main" xmlns="" w="9525">
+                <a14:hiddenLine xmlns="" xmlns:a16="http://schemas.microsoft.com/office/drawing/2014/main" xmlns:a14="http://schemas.microsoft.com/office/drawing/2010/main" xmlns:p14="http://schemas.microsoft.com/office/powerpoint/2010/main" w="9525">
                   <a:solidFill>
                     <a:srgbClr val="000000"/>
                   </a:solidFill>
@@ -25475,7 +25598,7 @@
             </a:ln>
             <a:extLst>
               <a:ext uri="{91240B29-F687-4f45-9708-019B960494DF}">
-                <a14:hiddenLine xmlns:p14="http://schemas.microsoft.com/office/powerpoint/2010/main" xmlns:a14="http://schemas.microsoft.com/office/drawing/2010/main" xmlns:a16="http://schemas.microsoft.com/office/drawing/2014/main" xmlns="" w="9525">
+                <a14:hiddenLine xmlns="" xmlns:a16="http://schemas.microsoft.com/office/drawing/2014/main" xmlns:a14="http://schemas.microsoft.com/office/drawing/2010/main" xmlns:p14="http://schemas.microsoft.com/office/powerpoint/2010/main" w="9525">
                   <a:solidFill>
                     <a:srgbClr val="000000"/>
                   </a:solidFill>
@@ -25552,7 +25675,7 @@
             </a:ln>
             <a:extLst>
               <a:ext uri="{91240B29-F687-4f45-9708-019B960494DF}">
-                <a14:hiddenLine xmlns:p14="http://schemas.microsoft.com/office/powerpoint/2010/main" xmlns:a14="http://schemas.microsoft.com/office/drawing/2010/main" xmlns:a16="http://schemas.microsoft.com/office/drawing/2014/main" xmlns="" w="9525">
+                <a14:hiddenLine xmlns="" xmlns:a16="http://schemas.microsoft.com/office/drawing/2014/main" xmlns:a14="http://schemas.microsoft.com/office/drawing/2010/main" xmlns:p14="http://schemas.microsoft.com/office/powerpoint/2010/main" w="9525">
                   <a:solidFill>
                     <a:srgbClr val="000000"/>
                   </a:solidFill>
@@ -25687,7 +25810,7 @@
             </a:ln>
             <a:extLst>
               <a:ext uri="{91240B29-F687-4f45-9708-019B960494DF}">
-                <a14:hiddenLine xmlns:p14="http://schemas.microsoft.com/office/powerpoint/2010/main" xmlns:a14="http://schemas.microsoft.com/office/drawing/2010/main" xmlns:a16="http://schemas.microsoft.com/office/drawing/2014/main" xmlns="" w="9525">
+                <a14:hiddenLine xmlns="" xmlns:a16="http://schemas.microsoft.com/office/drawing/2014/main" xmlns:a14="http://schemas.microsoft.com/office/drawing/2010/main" xmlns:p14="http://schemas.microsoft.com/office/powerpoint/2010/main" w="9525">
                   <a:solidFill>
                     <a:srgbClr val="000000"/>
                   </a:solidFill>
@@ -25770,7 +25893,7 @@
             </a:ln>
             <a:extLst>
               <a:ext uri="{91240B29-F687-4f45-9708-019B960494DF}">
-                <a14:hiddenLine xmlns:p14="http://schemas.microsoft.com/office/powerpoint/2010/main" xmlns:a14="http://schemas.microsoft.com/office/drawing/2010/main" xmlns:a16="http://schemas.microsoft.com/office/drawing/2014/main" xmlns="" w="9525">
+                <a14:hiddenLine xmlns="" xmlns:a16="http://schemas.microsoft.com/office/drawing/2014/main" xmlns:a14="http://schemas.microsoft.com/office/drawing/2010/main" xmlns:p14="http://schemas.microsoft.com/office/powerpoint/2010/main" w="9525">
                   <a:solidFill>
                     <a:srgbClr val="000000"/>
                   </a:solidFill>
@@ -25875,7 +25998,7 @@
             </a:ln>
             <a:extLst>
               <a:ext uri="{91240B29-F687-4f45-9708-019B960494DF}">
-                <a14:hiddenLine xmlns:p14="http://schemas.microsoft.com/office/powerpoint/2010/main" xmlns:a14="http://schemas.microsoft.com/office/drawing/2010/main" xmlns:a16="http://schemas.microsoft.com/office/drawing/2014/main" xmlns="" w="9525">
+                <a14:hiddenLine xmlns="" xmlns:a16="http://schemas.microsoft.com/office/drawing/2014/main" xmlns:a14="http://schemas.microsoft.com/office/drawing/2010/main" xmlns:p14="http://schemas.microsoft.com/office/powerpoint/2010/main" w="9525">
                   <a:solidFill>
                     <a:srgbClr val="000000"/>
                   </a:solidFill>
@@ -26069,6 +26192,140 @@
           </a:graphicData>
         </a:graphic>
       </p:graphicFrame>
+      <p:sp>
+        <p:nvSpPr>
+          <p:cNvPr id="3" name="חץ: מעוקל למעלה 2">
+            <a:extLst>
+              <a:ext uri="{FF2B5EF4-FFF2-40B4-BE49-F238E27FC236}">
+                <a16:creationId xmlns:a16="http://schemas.microsoft.com/office/drawing/2014/main" id="{D1137DD9-1082-4DDB-DCE3-35164E00B6E2}"/>
+              </a:ext>
+            </a:extLst>
+          </p:cNvPr>
+          <p:cNvSpPr/>
+          <p:nvPr/>
+        </p:nvSpPr>
+        <p:spPr>
+          <a:xfrm rot="15358536">
+            <a:off x="10531931" y="3112729"/>
+            <a:ext cx="1285793" cy="1032761"/>
+          </a:xfrm>
+          <a:prstGeom prst="curvedUpArrow">
+            <a:avLst>
+              <a:gd name="adj1" fmla="val 16382"/>
+              <a:gd name="adj2" fmla="val 46978"/>
+              <a:gd name="adj3" fmla="val 38430"/>
+            </a:avLst>
+          </a:prstGeom>
+          <a:solidFill>
+            <a:schemeClr val="tx1"/>
+          </a:solidFill>
+          <a:ln w="9525">
+            <a:solidFill>
+              <a:schemeClr val="bg1"/>
+            </a:solidFill>
+          </a:ln>
+        </p:spPr>
+        <p:style>
+          <a:lnRef idx="2">
+            <a:schemeClr val="accent1">
+              <a:shade val="50000"/>
+            </a:schemeClr>
+          </a:lnRef>
+          <a:fillRef idx="1">
+            <a:schemeClr val="accent1"/>
+          </a:fillRef>
+          <a:effectRef idx="0">
+            <a:schemeClr val="accent1"/>
+          </a:effectRef>
+          <a:fontRef idx="minor">
+            <a:schemeClr val="lt1"/>
+          </a:fontRef>
+        </p:style>
+        <p:txBody>
+          <a:bodyPr rtlCol="0" anchor="ctr"/>
+          <a:lstStyle/>
+          <a:p>
+            <a:pPr algn="ctr"/>
+            <a:endParaRPr lang="en-IL" dirty="0">
+              <a:solidFill>
+                <a:schemeClr val="tx1"/>
+              </a:solidFill>
+            </a:endParaRPr>
+          </a:p>
+        </p:txBody>
+      </p:sp>
+      <p:sp>
+        <p:nvSpPr>
+          <p:cNvPr id="5" name="תיבת טקסט 4">
+            <a:extLst>
+              <a:ext uri="{FF2B5EF4-FFF2-40B4-BE49-F238E27FC236}">
+                <a16:creationId xmlns:a16="http://schemas.microsoft.com/office/drawing/2014/main" id="{32ED08BD-F1F4-5E3B-1270-0A38B3D739AA}"/>
+              </a:ext>
+            </a:extLst>
+          </p:cNvPr>
+          <p:cNvSpPr txBox="1"/>
+          <p:nvPr/>
+        </p:nvSpPr>
+        <p:spPr>
+          <a:xfrm rot="1379983">
+            <a:off x="10977980" y="2966501"/>
+            <a:ext cx="1200605" cy="380547"/>
+          </a:xfrm>
+          <a:prstGeom prst="rect">
+            <a:avLst/>
+          </a:prstGeom>
+          <a:noFill/>
+        </p:spPr>
+        <p:txBody>
+          <a:bodyPr wrap="square" rtlCol="0">
+            <a:spAutoFit/>
+          </a:bodyPr>
+          <a:lstStyle/>
+          <a:p>
+            <a:r>
+              <a:rPr lang="en-US" dirty="0"/>
+              <a:t>Fine-tuning</a:t>
+            </a:r>
+            <a:endParaRPr lang="en-IL" dirty="0"/>
+          </a:p>
+        </p:txBody>
+      </p:sp>
+      <p:pic>
+        <p:nvPicPr>
+          <p:cNvPr id="7" name="תמונה 6">
+            <a:extLst>
+              <a:ext uri="{FF2B5EF4-FFF2-40B4-BE49-F238E27FC236}">
+                <a16:creationId xmlns:a16="http://schemas.microsoft.com/office/drawing/2014/main" id="{E518CDDF-7247-23F5-9A44-A18F4AAB1BD3}"/>
+              </a:ext>
+            </a:extLst>
+          </p:cNvPr>
+          <p:cNvPicPr>
+            <a:picLocks noChangeAspect="1"/>
+          </p:cNvPicPr>
+          <p:nvPr/>
+        </p:nvPicPr>
+        <p:blipFill>
+          <a:blip r:embed="rId8">
+            <a:extLst>
+              <a:ext uri="{28A0092B-C50C-407E-A947-70E740481C1C}">
+                <a14:useLocalDpi xmlns:a14="http://schemas.microsoft.com/office/drawing/2010/main" val="0"/>
+              </a:ext>
+            </a:extLst>
+          </a:blip>
+          <a:stretch>
+            <a:fillRect/>
+          </a:stretch>
+        </p:blipFill>
+        <p:spPr>
+          <a:xfrm>
+            <a:off x="289694" y="143347"/>
+            <a:ext cx="2877336" cy="2877336"/>
+          </a:xfrm>
+          <a:prstGeom prst="rect">
+            <a:avLst/>
+          </a:prstGeom>
+        </p:spPr>
+      </p:pic>
     </p:spTree>
     <p:extLst>
       <p:ext uri="{BB962C8B-B14F-4D97-AF65-F5344CB8AC3E}">
@@ -26258,7 +26515,7 @@
             </a:ln>
             <a:extLst>
               <a:ext uri="{91240B29-F687-4f45-9708-019B960494DF}">
-                <a14:hiddenLine xmlns="" xmlns:a16="http://schemas.microsoft.com/office/drawing/2014/main" xmlns:p14="http://schemas.microsoft.com/office/powerpoint/2010/main" xmlns:a14="http://schemas.microsoft.com/office/drawing/2010/main" w="9525">
+                <a14:hiddenLine xmlns:a14="http://schemas.microsoft.com/office/drawing/2010/main" xmlns:p14="http://schemas.microsoft.com/office/powerpoint/2010/main" xmlns:a16="http://schemas.microsoft.com/office/drawing/2014/main" xmlns="" w="9525">
                   <a:solidFill>
                     <a:srgbClr val="000000"/>
                   </a:solidFill>
@@ -26363,7 +26620,7 @@
             </a:ln>
             <a:extLst>
               <a:ext uri="{91240B29-F687-4f45-9708-019B960494DF}">
-                <a14:hiddenLine xmlns="" xmlns:a16="http://schemas.microsoft.com/office/drawing/2014/main" xmlns:p14="http://schemas.microsoft.com/office/powerpoint/2010/main" xmlns:a14="http://schemas.microsoft.com/office/drawing/2010/main" w="9525">
+                <a14:hiddenLine xmlns:a14="http://schemas.microsoft.com/office/drawing/2010/main" xmlns:p14="http://schemas.microsoft.com/office/powerpoint/2010/main" xmlns:a16="http://schemas.microsoft.com/office/drawing/2014/main" xmlns="" w="9525">
                   <a:solidFill>
                     <a:srgbClr val="000000"/>
                   </a:solidFill>
@@ -26468,7 +26725,7 @@
             </a:ln>
             <a:extLst>
               <a:ext uri="{91240B29-F687-4f45-9708-019B960494DF}">
-                <a14:hiddenLine xmlns="" xmlns:a16="http://schemas.microsoft.com/office/drawing/2014/main" xmlns:p14="http://schemas.microsoft.com/office/powerpoint/2010/main" xmlns:a14="http://schemas.microsoft.com/office/drawing/2010/main" w="9525">
+                <a14:hiddenLine xmlns:a14="http://schemas.microsoft.com/office/drawing/2010/main" xmlns:p14="http://schemas.microsoft.com/office/powerpoint/2010/main" xmlns:a16="http://schemas.microsoft.com/office/drawing/2014/main" xmlns="" w="9525">
                   <a:solidFill>
                     <a:srgbClr val="000000"/>
                   </a:solidFill>
@@ -26545,7 +26802,7 @@
             </a:ln>
             <a:extLst>
               <a:ext uri="{91240B29-F687-4f45-9708-019B960494DF}">
-                <a14:hiddenLine xmlns="" xmlns:a16="http://schemas.microsoft.com/office/drawing/2014/main" xmlns:p14="http://schemas.microsoft.com/office/powerpoint/2010/main" xmlns:a14="http://schemas.microsoft.com/office/drawing/2010/main" w="9525">
+                <a14:hiddenLine xmlns:a14="http://schemas.microsoft.com/office/drawing/2010/main" xmlns:p14="http://schemas.microsoft.com/office/powerpoint/2010/main" xmlns:a16="http://schemas.microsoft.com/office/drawing/2014/main" xmlns="" w="9525">
                   <a:solidFill>
                     <a:srgbClr val="000000"/>
                   </a:solidFill>
@@ -26650,7 +26907,7 @@
             </a:ln>
             <a:extLst>
               <a:ext uri="{91240B29-F687-4f45-9708-019B960494DF}">
-                <a14:hiddenLine xmlns="" xmlns:a16="http://schemas.microsoft.com/office/drawing/2014/main" xmlns:p14="http://schemas.microsoft.com/office/powerpoint/2010/main" xmlns:a14="http://schemas.microsoft.com/office/drawing/2010/main" w="9525">
+                <a14:hiddenLine xmlns:a14="http://schemas.microsoft.com/office/drawing/2010/main" xmlns:p14="http://schemas.microsoft.com/office/powerpoint/2010/main" xmlns:a16="http://schemas.microsoft.com/office/drawing/2014/main" xmlns="" w="9525">
                   <a:solidFill>
                     <a:srgbClr val="000000"/>
                   </a:solidFill>
@@ -26727,7 +26984,7 @@
             </a:ln>
             <a:extLst>
               <a:ext uri="{91240B29-F687-4f45-9708-019B960494DF}">
-                <a14:hiddenLine xmlns="" xmlns:a16="http://schemas.microsoft.com/office/drawing/2014/main" xmlns:p14="http://schemas.microsoft.com/office/powerpoint/2010/main" xmlns:a14="http://schemas.microsoft.com/office/drawing/2010/main" w="9525">
+                <a14:hiddenLine xmlns:a14="http://schemas.microsoft.com/office/drawing/2010/main" xmlns:p14="http://schemas.microsoft.com/office/powerpoint/2010/main" xmlns:a16="http://schemas.microsoft.com/office/drawing/2014/main" xmlns="" w="9525">
                   <a:solidFill>
                     <a:srgbClr val="000000"/>
                   </a:solidFill>
@@ -26804,7 +27061,7 @@
             </a:ln>
             <a:extLst>
               <a:ext uri="{91240B29-F687-4f45-9708-019B960494DF}">
-                <a14:hiddenLine xmlns="" xmlns:a16="http://schemas.microsoft.com/office/drawing/2014/main" xmlns:p14="http://schemas.microsoft.com/office/powerpoint/2010/main" xmlns:a14="http://schemas.microsoft.com/office/drawing/2010/main" w="9525">
+                <a14:hiddenLine xmlns:a14="http://schemas.microsoft.com/office/drawing/2010/main" xmlns:p14="http://schemas.microsoft.com/office/powerpoint/2010/main" xmlns:a16="http://schemas.microsoft.com/office/drawing/2014/main" xmlns="" w="9525">
                   <a:solidFill>
                     <a:srgbClr val="000000"/>
                   </a:solidFill>
@@ -26909,7 +27166,7 @@
             </a:ln>
             <a:extLst>
               <a:ext uri="{91240B29-F687-4f45-9708-019B960494DF}">
-                <a14:hiddenLine xmlns="" xmlns:a16="http://schemas.microsoft.com/office/drawing/2014/main" xmlns:p14="http://schemas.microsoft.com/office/powerpoint/2010/main" xmlns:a14="http://schemas.microsoft.com/office/drawing/2010/main" w="9525">
+                <a14:hiddenLine xmlns:a14="http://schemas.microsoft.com/office/drawing/2010/main" xmlns:p14="http://schemas.microsoft.com/office/powerpoint/2010/main" xmlns:a16="http://schemas.microsoft.com/office/drawing/2014/main" xmlns="" w="9525">
                   <a:solidFill>
                     <a:srgbClr val="000000"/>
                   </a:solidFill>
@@ -27014,7 +27271,7 @@
             </a:ln>
             <a:extLst>
               <a:ext uri="{91240B29-F687-4f45-9708-019B960494DF}">
-                <a14:hiddenLine xmlns="" xmlns:a16="http://schemas.microsoft.com/office/drawing/2014/main" xmlns:p14="http://schemas.microsoft.com/office/powerpoint/2010/main" xmlns:a14="http://schemas.microsoft.com/office/drawing/2010/main" w="9525">
+                <a14:hiddenLine xmlns:a14="http://schemas.microsoft.com/office/drawing/2010/main" xmlns:p14="http://schemas.microsoft.com/office/powerpoint/2010/main" xmlns:a16="http://schemas.microsoft.com/office/drawing/2014/main" xmlns="" w="9525">
                   <a:solidFill>
                     <a:srgbClr val="000000"/>
                   </a:solidFill>
@@ -27091,7 +27348,7 @@
             </a:ln>
             <a:extLst>
               <a:ext uri="{91240B29-F687-4f45-9708-019B960494DF}">
-                <a14:hiddenLine xmlns="" xmlns:a16="http://schemas.microsoft.com/office/drawing/2014/main" xmlns:p14="http://schemas.microsoft.com/office/powerpoint/2010/main" xmlns:a14="http://schemas.microsoft.com/office/drawing/2010/main" w="9525">
+                <a14:hiddenLine xmlns:a14="http://schemas.microsoft.com/office/drawing/2010/main" xmlns:p14="http://schemas.microsoft.com/office/powerpoint/2010/main" xmlns:a16="http://schemas.microsoft.com/office/drawing/2014/main" xmlns="" w="9525">
                   <a:solidFill>
                     <a:srgbClr val="000000"/>
                   </a:solidFill>
@@ -27216,7 +27473,7 @@
             </a:ln>
             <a:extLst>
               <a:ext uri="{91240B29-F687-4f45-9708-019B960494DF}">
-                <a14:hiddenLine xmlns="" xmlns:a16="http://schemas.microsoft.com/office/drawing/2014/main" xmlns:p14="http://schemas.microsoft.com/office/powerpoint/2010/main" xmlns:a14="http://schemas.microsoft.com/office/drawing/2010/main" w="9525">
+                <a14:hiddenLine xmlns:a14="http://schemas.microsoft.com/office/drawing/2010/main" xmlns:p14="http://schemas.microsoft.com/office/powerpoint/2010/main" xmlns:a16="http://schemas.microsoft.com/office/drawing/2014/main" xmlns="" w="9525">
                   <a:solidFill>
                     <a:srgbClr val="000000"/>
                   </a:solidFill>
@@ -27330,7 +27587,7 @@
             </a:ln>
             <a:extLst>
               <a:ext uri="{91240B29-F687-4f45-9708-019B960494DF}">
-                <a14:hiddenLine xmlns="" xmlns:a16="http://schemas.microsoft.com/office/drawing/2014/main" xmlns:p14="http://schemas.microsoft.com/office/powerpoint/2010/main" xmlns:a14="http://schemas.microsoft.com/office/drawing/2010/main" w="9525">
+                <a14:hiddenLine xmlns:a14="http://schemas.microsoft.com/office/drawing/2010/main" xmlns:p14="http://schemas.microsoft.com/office/powerpoint/2010/main" xmlns:a16="http://schemas.microsoft.com/office/drawing/2014/main" xmlns="" w="9525">
                   <a:solidFill>
                     <a:srgbClr val="000000"/>
                   </a:solidFill>
@@ -27407,7 +27664,7 @@
             </a:ln>
             <a:extLst>
               <a:ext uri="{91240B29-F687-4f45-9708-019B960494DF}">
-                <a14:hiddenLine xmlns="" xmlns:a16="http://schemas.microsoft.com/office/drawing/2014/main" xmlns:p14="http://schemas.microsoft.com/office/powerpoint/2010/main" xmlns:a14="http://schemas.microsoft.com/office/drawing/2010/main" w="9525">
+                <a14:hiddenLine xmlns:a14="http://schemas.microsoft.com/office/drawing/2010/main" xmlns:p14="http://schemas.microsoft.com/office/powerpoint/2010/main" xmlns:a16="http://schemas.microsoft.com/office/drawing/2014/main" xmlns="" w="9525">
                   <a:solidFill>
                     <a:srgbClr val="000000"/>
                   </a:solidFill>
@@ -27484,7 +27741,7 @@
             </a:ln>
             <a:extLst>
               <a:ext uri="{91240B29-F687-4f45-9708-019B960494DF}">
-                <a14:hiddenLine xmlns="" xmlns:a16="http://schemas.microsoft.com/office/drawing/2014/main" xmlns:p14="http://schemas.microsoft.com/office/powerpoint/2010/main" xmlns:a14="http://schemas.microsoft.com/office/drawing/2010/main" w="9525">
+                <a14:hiddenLine xmlns:a14="http://schemas.microsoft.com/office/drawing/2010/main" xmlns:p14="http://schemas.microsoft.com/office/powerpoint/2010/main" xmlns:a16="http://schemas.microsoft.com/office/drawing/2014/main" xmlns="" w="9525">
                   <a:solidFill>
                     <a:srgbClr val="000000"/>
                   </a:solidFill>
@@ -27589,7 +27846,7 @@
             </a:ln>
             <a:extLst>
               <a:ext uri="{91240B29-F687-4f45-9708-019B960494DF}">
-                <a14:hiddenLine xmlns="" xmlns:a16="http://schemas.microsoft.com/office/drawing/2014/main" xmlns:p14="http://schemas.microsoft.com/office/powerpoint/2010/main" xmlns:a14="http://schemas.microsoft.com/office/drawing/2010/main" w="9525">
+                <a14:hiddenLine xmlns:a14="http://schemas.microsoft.com/office/drawing/2010/main" xmlns:p14="http://schemas.microsoft.com/office/powerpoint/2010/main" xmlns:a16="http://schemas.microsoft.com/office/drawing/2014/main" xmlns="" w="9525">
                   <a:solidFill>
                     <a:srgbClr val="000000"/>
                   </a:solidFill>
@@ -27638,7 +27895,7 @@
             </a:ln>
             <a:extLst>
               <a:ext uri="{91240B29-F687-4f45-9708-019B960494DF}">
-                <a14:hiddenLine xmlns="" xmlns:a16="http://schemas.microsoft.com/office/drawing/2014/main" xmlns:p14="http://schemas.microsoft.com/office/powerpoint/2010/main" xmlns:a14="http://schemas.microsoft.com/office/drawing/2010/main" w="9525">
+                <a14:hiddenLine xmlns:a14="http://schemas.microsoft.com/office/drawing/2010/main" xmlns:p14="http://schemas.microsoft.com/office/powerpoint/2010/main" xmlns:a16="http://schemas.microsoft.com/office/drawing/2014/main" xmlns="" w="9525">
                   <a:solidFill>
                     <a:srgbClr val="000000"/>
                   </a:solidFill>
@@ -27718,7 +27975,7 @@
             </a:ln>
             <a:extLst>
               <a:ext uri="{91240B29-F687-4f45-9708-019B960494DF}">
-                <a14:hiddenLine xmlns="" xmlns:a16="http://schemas.microsoft.com/office/drawing/2014/main" xmlns:p14="http://schemas.microsoft.com/office/powerpoint/2010/main" xmlns:a14="http://schemas.microsoft.com/office/drawing/2010/main" w="9525">
+                <a14:hiddenLine xmlns:a14="http://schemas.microsoft.com/office/drawing/2010/main" xmlns:p14="http://schemas.microsoft.com/office/powerpoint/2010/main" xmlns:a16="http://schemas.microsoft.com/office/drawing/2014/main" xmlns="" w="9525">
                   <a:solidFill>
                     <a:srgbClr val="000000"/>
                   </a:solidFill>
@@ -27823,7 +28080,7 @@
             </a:ln>
             <a:extLst>
               <a:ext uri="{91240B29-F687-4f45-9708-019B960494DF}">
-                <a14:hiddenLine xmlns="" xmlns:a16="http://schemas.microsoft.com/office/drawing/2014/main" xmlns:p14="http://schemas.microsoft.com/office/powerpoint/2010/main" xmlns:a14="http://schemas.microsoft.com/office/drawing/2010/main" w="9525">
+                <a14:hiddenLine xmlns:a14="http://schemas.microsoft.com/office/drawing/2010/main" xmlns:p14="http://schemas.microsoft.com/office/powerpoint/2010/main" xmlns:a16="http://schemas.microsoft.com/office/drawing/2014/main" xmlns="" w="9525">
                   <a:solidFill>
                     <a:srgbClr val="000000"/>
                   </a:solidFill>
@@ -27900,7 +28157,7 @@
             </a:ln>
             <a:extLst>
               <a:ext uri="{91240B29-F687-4f45-9708-019B960494DF}">
-                <a14:hiddenLine xmlns="" xmlns:a16="http://schemas.microsoft.com/office/drawing/2014/main" xmlns:p14="http://schemas.microsoft.com/office/powerpoint/2010/main" xmlns:a14="http://schemas.microsoft.com/office/drawing/2010/main" w="9525">
+                <a14:hiddenLine xmlns:a14="http://schemas.microsoft.com/office/drawing/2010/main" xmlns:p14="http://schemas.microsoft.com/office/powerpoint/2010/main" xmlns:a16="http://schemas.microsoft.com/office/drawing/2014/main" xmlns="" w="9525">
                   <a:solidFill>
                     <a:srgbClr val="000000"/>
                   </a:solidFill>
@@ -28005,7 +28262,7 @@
             </a:ln>
             <a:extLst>
               <a:ext uri="{91240B29-F687-4f45-9708-019B960494DF}">
-                <a14:hiddenLine xmlns="" xmlns:a16="http://schemas.microsoft.com/office/drawing/2014/main" xmlns:p14="http://schemas.microsoft.com/office/powerpoint/2010/main" xmlns:a14="http://schemas.microsoft.com/office/drawing/2010/main" w="9525">
+                <a14:hiddenLine xmlns:a14="http://schemas.microsoft.com/office/drawing/2010/main" xmlns:p14="http://schemas.microsoft.com/office/powerpoint/2010/main" xmlns:a16="http://schemas.microsoft.com/office/drawing/2014/main" xmlns="" w="9525">
                   <a:solidFill>
                     <a:srgbClr val="000000"/>
                   </a:solidFill>
@@ -28085,7 +28342,7 @@
             </a:ln>
             <a:extLst>
               <a:ext uri="{91240B29-F687-4f45-9708-019B960494DF}">
-                <a14:hiddenLine xmlns="" xmlns:a16="http://schemas.microsoft.com/office/drawing/2014/main" xmlns:p14="http://schemas.microsoft.com/office/powerpoint/2010/main" xmlns:a14="http://schemas.microsoft.com/office/drawing/2010/main" w="9525">
+                <a14:hiddenLine xmlns:a14="http://schemas.microsoft.com/office/drawing/2010/main" xmlns:p14="http://schemas.microsoft.com/office/powerpoint/2010/main" xmlns:a16="http://schemas.microsoft.com/office/drawing/2014/main" xmlns="" w="9525">
                   <a:solidFill>
                     <a:srgbClr val="000000"/>
                   </a:solidFill>
@@ -28162,7 +28419,7 @@
             </a:ln>
             <a:extLst>
               <a:ext uri="{91240B29-F687-4f45-9708-019B960494DF}">
-                <a14:hiddenLine xmlns="" xmlns:a16="http://schemas.microsoft.com/office/drawing/2014/main" xmlns:p14="http://schemas.microsoft.com/office/powerpoint/2010/main" xmlns:a14="http://schemas.microsoft.com/office/drawing/2010/main" w="9525">
+                <a14:hiddenLine xmlns:a14="http://schemas.microsoft.com/office/drawing/2010/main" xmlns:p14="http://schemas.microsoft.com/office/powerpoint/2010/main" xmlns:a16="http://schemas.microsoft.com/office/drawing/2014/main" xmlns="" w="9525">
                   <a:solidFill>
                     <a:srgbClr val="000000"/>
                   </a:solidFill>
@@ -28267,7 +28524,7 @@
             </a:ln>
             <a:extLst>
               <a:ext uri="{91240B29-F687-4f45-9708-019B960494DF}">
-                <a14:hiddenLine xmlns="" xmlns:a16="http://schemas.microsoft.com/office/drawing/2014/main" xmlns:p14="http://schemas.microsoft.com/office/powerpoint/2010/main" xmlns:a14="http://schemas.microsoft.com/office/drawing/2010/main" w="9525">
+                <a14:hiddenLine xmlns:a14="http://schemas.microsoft.com/office/drawing/2010/main" xmlns:p14="http://schemas.microsoft.com/office/powerpoint/2010/main" xmlns:a16="http://schemas.microsoft.com/office/drawing/2014/main" xmlns="" w="9525">
                   <a:solidFill>
                     <a:srgbClr val="000000"/>
                   </a:solidFill>
@@ -28372,7 +28629,7 @@
             </a:ln>
             <a:extLst>
               <a:ext uri="{91240B29-F687-4f45-9708-019B960494DF}">
-                <a14:hiddenLine xmlns="" xmlns:a16="http://schemas.microsoft.com/office/drawing/2014/main" xmlns:p14="http://schemas.microsoft.com/office/powerpoint/2010/main" xmlns:a14="http://schemas.microsoft.com/office/drawing/2010/main" w="9525">
+                <a14:hiddenLine xmlns:a14="http://schemas.microsoft.com/office/drawing/2010/main" xmlns:p14="http://schemas.microsoft.com/office/powerpoint/2010/main" xmlns:a16="http://schemas.microsoft.com/office/drawing/2014/main" xmlns="" w="9525">
                   <a:solidFill>
                     <a:srgbClr val="000000"/>
                   </a:solidFill>
@@ -28452,7 +28709,7 @@
             </a:ln>
             <a:extLst>
               <a:ext uri="{91240B29-F687-4f45-9708-019B960494DF}">
-                <a14:hiddenLine xmlns="" xmlns:a16="http://schemas.microsoft.com/office/drawing/2014/main" xmlns:p14="http://schemas.microsoft.com/office/powerpoint/2010/main" xmlns:a14="http://schemas.microsoft.com/office/drawing/2010/main" w="9525">
+                <a14:hiddenLine xmlns:a14="http://schemas.microsoft.com/office/drawing/2010/main" xmlns:p14="http://schemas.microsoft.com/office/powerpoint/2010/main" xmlns:a16="http://schemas.microsoft.com/office/drawing/2014/main" xmlns="" w="9525">
                   <a:solidFill>
                     <a:srgbClr val="000000"/>
                   </a:solidFill>
@@ -28587,7 +28844,7 @@
             </a:ln>
             <a:extLst>
               <a:ext uri="{91240B29-F687-4f45-9708-019B960494DF}">
-                <a14:hiddenLine xmlns="" xmlns:a16="http://schemas.microsoft.com/office/drawing/2014/main" xmlns:p14="http://schemas.microsoft.com/office/powerpoint/2010/main" xmlns:a14="http://schemas.microsoft.com/office/drawing/2010/main" w="9525">
+                <a14:hiddenLine xmlns:a14="http://schemas.microsoft.com/office/drawing/2010/main" xmlns:p14="http://schemas.microsoft.com/office/powerpoint/2010/main" xmlns:a16="http://schemas.microsoft.com/office/drawing/2014/main" xmlns="" w="9525">
                   <a:solidFill>
                     <a:srgbClr val="000000"/>
                   </a:solidFill>
@@ -28837,7 +29094,7 @@
             </a:ln>
             <a:extLst>
               <a:ext uri="{91240B29-F687-4f45-9708-019B960494DF}">
-                <a14:hiddenLine xmlns="" xmlns:a16="http://schemas.microsoft.com/office/drawing/2014/main" xmlns:p14="http://schemas.microsoft.com/office/powerpoint/2010/main" xmlns:a14="http://schemas.microsoft.com/office/drawing/2010/main" w="9525">
+                <a14:hiddenLine xmlns:a14="http://schemas.microsoft.com/office/drawing/2010/main" xmlns:p14="http://schemas.microsoft.com/office/powerpoint/2010/main" xmlns:a16="http://schemas.microsoft.com/office/drawing/2014/main" xmlns="" w="9525">
                   <a:solidFill>
                     <a:srgbClr val="000000"/>
                   </a:solidFill>
@@ -28967,7 +29224,7 @@
             </a:ln>
             <a:extLst>
               <a:ext uri="{91240B29-F687-4f45-9708-019B960494DF}">
-                <a14:hiddenLine xmlns="" xmlns:a16="http://schemas.microsoft.com/office/drawing/2014/main" xmlns:p14="http://schemas.microsoft.com/office/powerpoint/2010/main" xmlns:a14="http://schemas.microsoft.com/office/drawing/2010/main" w="9525">
+                <a14:hiddenLine xmlns:a14="http://schemas.microsoft.com/office/drawing/2010/main" xmlns:p14="http://schemas.microsoft.com/office/powerpoint/2010/main" xmlns:a16="http://schemas.microsoft.com/office/drawing/2014/main" xmlns="" w="9525">
                   <a:solidFill>
                     <a:srgbClr val="000000"/>
                   </a:solidFill>
@@ -29072,7 +29329,7 @@
             </a:ln>
             <a:extLst>
               <a:ext uri="{91240B29-F687-4f45-9708-019B960494DF}">
-                <a14:hiddenLine xmlns="" xmlns:a16="http://schemas.microsoft.com/office/drawing/2014/main" xmlns:p14="http://schemas.microsoft.com/office/powerpoint/2010/main" xmlns:a14="http://schemas.microsoft.com/office/drawing/2010/main" w="9525">
+                <a14:hiddenLine xmlns:a14="http://schemas.microsoft.com/office/drawing/2010/main" xmlns:p14="http://schemas.microsoft.com/office/powerpoint/2010/main" xmlns:a16="http://schemas.microsoft.com/office/drawing/2014/main" xmlns="" w="9525">
                   <a:solidFill>
                     <a:srgbClr val="000000"/>
                   </a:solidFill>
@@ -29152,7 +29409,7 @@
             </a:ln>
             <a:extLst>
               <a:ext uri="{91240B29-F687-4f45-9708-019B960494DF}">
-                <a14:hiddenLine xmlns="" xmlns:a16="http://schemas.microsoft.com/office/drawing/2014/main" xmlns:p14="http://schemas.microsoft.com/office/powerpoint/2010/main" xmlns:a14="http://schemas.microsoft.com/office/drawing/2010/main" w="9525">
+                <a14:hiddenLine xmlns:a14="http://schemas.microsoft.com/office/drawing/2010/main" xmlns:p14="http://schemas.microsoft.com/office/powerpoint/2010/main" xmlns:a16="http://schemas.microsoft.com/office/drawing/2014/main" xmlns="" w="9525">
                   <a:solidFill>
                     <a:srgbClr val="000000"/>
                   </a:solidFill>
@@ -29257,7 +29514,7 @@
             </a:ln>
             <a:extLst>
               <a:ext uri="{91240B29-F687-4f45-9708-019B960494DF}">
-                <a14:hiddenLine xmlns="" xmlns:a16="http://schemas.microsoft.com/office/drawing/2014/main" xmlns:p14="http://schemas.microsoft.com/office/powerpoint/2010/main" xmlns:a14="http://schemas.microsoft.com/office/drawing/2010/main" w="9525">
+                <a14:hiddenLine xmlns:a14="http://schemas.microsoft.com/office/drawing/2010/main" xmlns:p14="http://schemas.microsoft.com/office/powerpoint/2010/main" xmlns:a16="http://schemas.microsoft.com/office/drawing/2014/main" xmlns="" w="9525">
                   <a:solidFill>
                     <a:srgbClr val="000000"/>
                   </a:solidFill>
@@ -29340,7 +29597,7 @@
             </a:ln>
             <a:extLst>
               <a:ext uri="{91240B29-F687-4f45-9708-019B960494DF}">
-                <a14:hiddenLine xmlns="" xmlns:a16="http://schemas.microsoft.com/office/drawing/2014/main" xmlns:p14="http://schemas.microsoft.com/office/powerpoint/2010/main" xmlns:a14="http://schemas.microsoft.com/office/drawing/2010/main" w="9525">
+                <a14:hiddenLine xmlns:a14="http://schemas.microsoft.com/office/drawing/2010/main" xmlns:p14="http://schemas.microsoft.com/office/powerpoint/2010/main" xmlns:a16="http://schemas.microsoft.com/office/drawing/2014/main" xmlns="" w="9525">
                   <a:solidFill>
                     <a:srgbClr val="000000"/>
                   </a:solidFill>
@@ -29445,7 +29702,7 @@
             </a:ln>
             <a:extLst>
               <a:ext uri="{91240B29-F687-4f45-9708-019B960494DF}">
-                <a14:hiddenLine xmlns="" xmlns:a16="http://schemas.microsoft.com/office/drawing/2014/main" xmlns:p14="http://schemas.microsoft.com/office/powerpoint/2010/main" xmlns:a14="http://schemas.microsoft.com/office/drawing/2010/main" w="9525">
+                <a14:hiddenLine xmlns:a14="http://schemas.microsoft.com/office/drawing/2010/main" xmlns:p14="http://schemas.microsoft.com/office/powerpoint/2010/main" xmlns:a16="http://schemas.microsoft.com/office/drawing/2014/main" xmlns="" w="9525">
                   <a:solidFill>
                     <a:srgbClr val="000000"/>
                   </a:solidFill>
@@ -29528,7 +29785,7 @@
             </a:ln>
             <a:extLst>
               <a:ext uri="{91240B29-F687-4f45-9708-019B960494DF}">
-                <a14:hiddenLine xmlns="" xmlns:a16="http://schemas.microsoft.com/office/drawing/2014/main" xmlns:p14="http://schemas.microsoft.com/office/powerpoint/2010/main" xmlns:a14="http://schemas.microsoft.com/office/drawing/2010/main" w="9525">
+                <a14:hiddenLine xmlns:a14="http://schemas.microsoft.com/office/drawing/2010/main" xmlns:p14="http://schemas.microsoft.com/office/powerpoint/2010/main" xmlns:a16="http://schemas.microsoft.com/office/drawing/2014/main" xmlns="" w="9525">
                   <a:solidFill>
                     <a:srgbClr val="000000"/>
                   </a:solidFill>
@@ -29633,7 +29890,7 @@
             </a:ln>
             <a:extLst>
               <a:ext uri="{91240B29-F687-4f45-9708-019B960494DF}">
-                <a14:hiddenLine xmlns="" xmlns:a16="http://schemas.microsoft.com/office/drawing/2014/main" xmlns:p14="http://schemas.microsoft.com/office/powerpoint/2010/main" xmlns:a14="http://schemas.microsoft.com/office/drawing/2010/main" w="9525">
+                <a14:hiddenLine xmlns:a14="http://schemas.microsoft.com/office/drawing/2010/main" xmlns:p14="http://schemas.microsoft.com/office/powerpoint/2010/main" xmlns:a16="http://schemas.microsoft.com/office/drawing/2014/main" xmlns="" w="9525">
                   <a:solidFill>
                     <a:srgbClr val="000000"/>
                   </a:solidFill>
@@ -29682,7 +29939,7 @@
             </a:ln>
             <a:extLst>
               <a:ext uri="{91240B29-F687-4f45-9708-019B960494DF}">
-                <a14:hiddenLine xmlns="" xmlns:a16="http://schemas.microsoft.com/office/drawing/2014/main" xmlns:p14="http://schemas.microsoft.com/office/powerpoint/2010/main" xmlns:a14="http://schemas.microsoft.com/office/drawing/2010/main" w="9525">
+                <a14:hiddenLine xmlns:a14="http://schemas.microsoft.com/office/drawing/2010/main" xmlns:p14="http://schemas.microsoft.com/office/powerpoint/2010/main" xmlns:a16="http://schemas.microsoft.com/office/drawing/2014/main" xmlns="" w="9525">
                   <a:solidFill>
                     <a:srgbClr val="000000"/>
                   </a:solidFill>
@@ -30171,7 +30428,7 @@
           <a:noFill/>
           <a:extLst>
             <a:ext uri="{909E8E84-426E-40dd-AFC4-6F175D3DCCD1}">
-              <a14:hiddenFill xmlns="" xmlns:a16="http://schemas.microsoft.com/office/drawing/2014/main" xmlns:p14="http://schemas.microsoft.com/office/powerpoint/2010/main" xmlns:a14="http://schemas.microsoft.com/office/drawing/2010/main">
+              <a14:hiddenFill xmlns:a14="http://schemas.microsoft.com/office/drawing/2010/main" xmlns:p14="http://schemas.microsoft.com/office/powerpoint/2010/main" xmlns:a16="http://schemas.microsoft.com/office/drawing/2014/main" xmlns="">
                 <a:solidFill>
                   <a:srgbClr val="FFFFFF"/>
                 </a:solidFill>
@@ -30517,7 +30774,7 @@
             </a:ln>
             <a:extLst>
               <a:ext uri="{91240B29-F687-4f45-9708-019B960494DF}">
-                <a14:hiddenLine xmlns="" xmlns:a16="http://schemas.microsoft.com/office/drawing/2014/main" xmlns:p14="http://schemas.microsoft.com/office/powerpoint/2010/main" xmlns:a14="http://schemas.microsoft.com/office/drawing/2010/main" w="9525">
+                <a14:hiddenLine xmlns:a14="http://schemas.microsoft.com/office/drawing/2010/main" xmlns:p14="http://schemas.microsoft.com/office/powerpoint/2010/main" xmlns:a16="http://schemas.microsoft.com/office/drawing/2014/main" xmlns="" w="9525">
                   <a:solidFill>
                     <a:srgbClr val="000000"/>
                   </a:solidFill>
@@ -30622,7 +30879,7 @@
             </a:ln>
             <a:extLst>
               <a:ext uri="{91240B29-F687-4f45-9708-019B960494DF}">
-                <a14:hiddenLine xmlns="" xmlns:a16="http://schemas.microsoft.com/office/drawing/2014/main" xmlns:p14="http://schemas.microsoft.com/office/powerpoint/2010/main" xmlns:a14="http://schemas.microsoft.com/office/drawing/2010/main" w="9525">
+                <a14:hiddenLine xmlns:a14="http://schemas.microsoft.com/office/drawing/2010/main" xmlns:p14="http://schemas.microsoft.com/office/powerpoint/2010/main" xmlns:a16="http://schemas.microsoft.com/office/drawing/2014/main" xmlns="" w="9525">
                   <a:solidFill>
                     <a:srgbClr val="000000"/>
                   </a:solidFill>
@@ -30727,7 +30984,7 @@
             </a:ln>
             <a:extLst>
               <a:ext uri="{91240B29-F687-4f45-9708-019B960494DF}">
-                <a14:hiddenLine xmlns="" xmlns:a16="http://schemas.microsoft.com/office/drawing/2014/main" xmlns:p14="http://schemas.microsoft.com/office/powerpoint/2010/main" xmlns:a14="http://schemas.microsoft.com/office/drawing/2010/main" w="9525">
+                <a14:hiddenLine xmlns:a14="http://schemas.microsoft.com/office/drawing/2010/main" xmlns:p14="http://schemas.microsoft.com/office/powerpoint/2010/main" xmlns:a16="http://schemas.microsoft.com/office/drawing/2014/main" xmlns="" w="9525">
                   <a:solidFill>
                     <a:srgbClr val="000000"/>
                   </a:solidFill>
@@ -30804,7 +31061,7 @@
             </a:ln>
             <a:extLst>
               <a:ext uri="{91240B29-F687-4f45-9708-019B960494DF}">
-                <a14:hiddenLine xmlns="" xmlns:a16="http://schemas.microsoft.com/office/drawing/2014/main" xmlns:p14="http://schemas.microsoft.com/office/powerpoint/2010/main" xmlns:a14="http://schemas.microsoft.com/office/drawing/2010/main" w="9525">
+                <a14:hiddenLine xmlns:a14="http://schemas.microsoft.com/office/drawing/2010/main" xmlns:p14="http://schemas.microsoft.com/office/powerpoint/2010/main" xmlns:a16="http://schemas.microsoft.com/office/drawing/2014/main" xmlns="" w="9525">
                   <a:solidFill>
                     <a:srgbClr val="000000"/>
                   </a:solidFill>
@@ -30909,7 +31166,7 @@
             </a:ln>
             <a:extLst>
               <a:ext uri="{91240B29-F687-4f45-9708-019B960494DF}">
-                <a14:hiddenLine xmlns="" xmlns:a16="http://schemas.microsoft.com/office/drawing/2014/main" xmlns:p14="http://schemas.microsoft.com/office/powerpoint/2010/main" xmlns:a14="http://schemas.microsoft.com/office/drawing/2010/main" w="9525">
+                <a14:hiddenLine xmlns:a14="http://schemas.microsoft.com/office/drawing/2010/main" xmlns:p14="http://schemas.microsoft.com/office/powerpoint/2010/main" xmlns:a16="http://schemas.microsoft.com/office/drawing/2014/main" xmlns="" w="9525">
                   <a:solidFill>
                     <a:srgbClr val="000000"/>
                   </a:solidFill>
@@ -30986,7 +31243,7 @@
             </a:ln>
             <a:extLst>
               <a:ext uri="{91240B29-F687-4f45-9708-019B960494DF}">
-                <a14:hiddenLine xmlns="" xmlns:a16="http://schemas.microsoft.com/office/drawing/2014/main" xmlns:p14="http://schemas.microsoft.com/office/powerpoint/2010/main" xmlns:a14="http://schemas.microsoft.com/office/drawing/2010/main" w="9525">
+                <a14:hiddenLine xmlns:a14="http://schemas.microsoft.com/office/drawing/2010/main" xmlns:p14="http://schemas.microsoft.com/office/powerpoint/2010/main" xmlns:a16="http://schemas.microsoft.com/office/drawing/2014/main" xmlns="" w="9525">
                   <a:solidFill>
                     <a:srgbClr val="000000"/>
                   </a:solidFill>
@@ -31063,7 +31320,7 @@
             </a:ln>
             <a:extLst>
               <a:ext uri="{91240B29-F687-4f45-9708-019B960494DF}">
-                <a14:hiddenLine xmlns="" xmlns:a16="http://schemas.microsoft.com/office/drawing/2014/main" xmlns:p14="http://schemas.microsoft.com/office/powerpoint/2010/main" xmlns:a14="http://schemas.microsoft.com/office/drawing/2010/main" w="9525">
+                <a14:hiddenLine xmlns:a14="http://schemas.microsoft.com/office/drawing/2010/main" xmlns:p14="http://schemas.microsoft.com/office/powerpoint/2010/main" xmlns:a16="http://schemas.microsoft.com/office/drawing/2014/main" xmlns="" w="9525">
                   <a:solidFill>
                     <a:srgbClr val="000000"/>
                   </a:solidFill>
@@ -31168,7 +31425,7 @@
             </a:ln>
             <a:extLst>
               <a:ext uri="{91240B29-F687-4f45-9708-019B960494DF}">
-                <a14:hiddenLine xmlns="" xmlns:a16="http://schemas.microsoft.com/office/drawing/2014/main" xmlns:p14="http://schemas.microsoft.com/office/powerpoint/2010/main" xmlns:a14="http://schemas.microsoft.com/office/drawing/2010/main" w="9525">
+                <a14:hiddenLine xmlns:a14="http://schemas.microsoft.com/office/drawing/2010/main" xmlns:p14="http://schemas.microsoft.com/office/powerpoint/2010/main" xmlns:a16="http://schemas.microsoft.com/office/drawing/2014/main" xmlns="" w="9525">
                   <a:solidFill>
                     <a:srgbClr val="000000"/>
                   </a:solidFill>
@@ -31273,7 +31530,7 @@
             </a:ln>
             <a:extLst>
               <a:ext uri="{91240B29-F687-4f45-9708-019B960494DF}">
-                <a14:hiddenLine xmlns="" xmlns:a16="http://schemas.microsoft.com/office/drawing/2014/main" xmlns:p14="http://schemas.microsoft.com/office/powerpoint/2010/main" xmlns:a14="http://schemas.microsoft.com/office/drawing/2010/main" w="9525">
+                <a14:hiddenLine xmlns:a14="http://schemas.microsoft.com/office/drawing/2010/main" xmlns:p14="http://schemas.microsoft.com/office/powerpoint/2010/main" xmlns:a16="http://schemas.microsoft.com/office/drawing/2014/main" xmlns="" w="9525">
                   <a:solidFill>
                     <a:srgbClr val="000000"/>
                   </a:solidFill>
@@ -31350,7 +31607,7 @@
             </a:ln>
             <a:extLst>
               <a:ext uri="{91240B29-F687-4f45-9708-019B960494DF}">
-                <a14:hiddenLine xmlns="" xmlns:a16="http://schemas.microsoft.com/office/drawing/2014/main" xmlns:p14="http://schemas.microsoft.com/office/powerpoint/2010/main" xmlns:a14="http://schemas.microsoft.com/office/drawing/2010/main" w="9525">
+                <a14:hiddenLine xmlns:a14="http://schemas.microsoft.com/office/drawing/2010/main" xmlns:p14="http://schemas.microsoft.com/office/powerpoint/2010/main" xmlns:a16="http://schemas.microsoft.com/office/drawing/2014/main" xmlns="" w="9525">
                   <a:solidFill>
                     <a:srgbClr val="000000"/>
                   </a:solidFill>
@@ -31475,7 +31732,7 @@
             </a:ln>
             <a:extLst>
               <a:ext uri="{91240B29-F687-4f45-9708-019B960494DF}">
-                <a14:hiddenLine xmlns="" xmlns:a16="http://schemas.microsoft.com/office/drawing/2014/main" xmlns:p14="http://schemas.microsoft.com/office/powerpoint/2010/main" xmlns:a14="http://schemas.microsoft.com/office/drawing/2010/main" w="9525">
+                <a14:hiddenLine xmlns:a14="http://schemas.microsoft.com/office/drawing/2010/main" xmlns:p14="http://schemas.microsoft.com/office/powerpoint/2010/main" xmlns:a16="http://schemas.microsoft.com/office/drawing/2014/main" xmlns="" w="9525">
                   <a:solidFill>
                     <a:srgbClr val="000000"/>
                   </a:solidFill>
@@ -31589,7 +31846,7 @@
             </a:ln>
             <a:extLst>
               <a:ext uri="{91240B29-F687-4f45-9708-019B960494DF}">
-                <a14:hiddenLine xmlns="" xmlns:a16="http://schemas.microsoft.com/office/drawing/2014/main" xmlns:p14="http://schemas.microsoft.com/office/powerpoint/2010/main" xmlns:a14="http://schemas.microsoft.com/office/drawing/2010/main" w="9525">
+                <a14:hiddenLine xmlns:a14="http://schemas.microsoft.com/office/drawing/2010/main" xmlns:p14="http://schemas.microsoft.com/office/powerpoint/2010/main" xmlns:a16="http://schemas.microsoft.com/office/drawing/2014/main" xmlns="" w="9525">
                   <a:solidFill>
                     <a:srgbClr val="000000"/>
                   </a:solidFill>
@@ -31666,7 +31923,7 @@
             </a:ln>
             <a:extLst>
               <a:ext uri="{91240B29-F687-4f45-9708-019B960494DF}">
-                <a14:hiddenLine xmlns="" xmlns:a16="http://schemas.microsoft.com/office/drawing/2014/main" xmlns:p14="http://schemas.microsoft.com/office/powerpoint/2010/main" xmlns:a14="http://schemas.microsoft.com/office/drawing/2010/main" w="9525">
+                <a14:hiddenLine xmlns:a14="http://schemas.microsoft.com/office/drawing/2010/main" xmlns:p14="http://schemas.microsoft.com/office/powerpoint/2010/main" xmlns:a16="http://schemas.microsoft.com/office/drawing/2014/main" xmlns="" w="9525">
                   <a:solidFill>
                     <a:srgbClr val="000000"/>
                   </a:solidFill>
@@ -31743,7 +32000,7 @@
             </a:ln>
             <a:extLst>
               <a:ext uri="{91240B29-F687-4f45-9708-019B960494DF}">
-                <a14:hiddenLine xmlns="" xmlns:a16="http://schemas.microsoft.com/office/drawing/2014/main" xmlns:p14="http://schemas.microsoft.com/office/powerpoint/2010/main" xmlns:a14="http://schemas.microsoft.com/office/drawing/2010/main" w="9525">
+                <a14:hiddenLine xmlns:a14="http://schemas.microsoft.com/office/drawing/2010/main" xmlns:p14="http://schemas.microsoft.com/office/powerpoint/2010/main" xmlns:a16="http://schemas.microsoft.com/office/drawing/2014/main" xmlns="" w="9525">
                   <a:solidFill>
                     <a:srgbClr val="000000"/>
                   </a:solidFill>
@@ -31848,7 +32105,7 @@
             </a:ln>
             <a:extLst>
               <a:ext uri="{91240B29-F687-4f45-9708-019B960494DF}">
-                <a14:hiddenLine xmlns="" xmlns:a16="http://schemas.microsoft.com/office/drawing/2014/main" xmlns:p14="http://schemas.microsoft.com/office/powerpoint/2010/main" xmlns:a14="http://schemas.microsoft.com/office/drawing/2010/main" w="9525">
+                <a14:hiddenLine xmlns:a14="http://schemas.microsoft.com/office/drawing/2010/main" xmlns:p14="http://schemas.microsoft.com/office/powerpoint/2010/main" xmlns:a16="http://schemas.microsoft.com/office/drawing/2014/main" xmlns="" w="9525">
                   <a:solidFill>
                     <a:srgbClr val="000000"/>
                   </a:solidFill>
@@ -31897,7 +32154,7 @@
             </a:ln>
             <a:extLst>
               <a:ext uri="{91240B29-F687-4f45-9708-019B960494DF}">
-                <a14:hiddenLine xmlns="" xmlns:a16="http://schemas.microsoft.com/office/drawing/2014/main" xmlns:p14="http://schemas.microsoft.com/office/powerpoint/2010/main" xmlns:a14="http://schemas.microsoft.com/office/drawing/2010/main" w="9525">
+                <a14:hiddenLine xmlns:a14="http://schemas.microsoft.com/office/drawing/2010/main" xmlns:p14="http://schemas.microsoft.com/office/powerpoint/2010/main" xmlns:a16="http://schemas.microsoft.com/office/drawing/2014/main" xmlns="" w="9525">
                   <a:solidFill>
                     <a:srgbClr val="000000"/>
                   </a:solidFill>
@@ -31977,7 +32234,7 @@
             </a:ln>
             <a:extLst>
               <a:ext uri="{91240B29-F687-4f45-9708-019B960494DF}">
-                <a14:hiddenLine xmlns="" xmlns:a16="http://schemas.microsoft.com/office/drawing/2014/main" xmlns:p14="http://schemas.microsoft.com/office/powerpoint/2010/main" xmlns:a14="http://schemas.microsoft.com/office/drawing/2010/main" w="9525">
+                <a14:hiddenLine xmlns:a14="http://schemas.microsoft.com/office/drawing/2010/main" xmlns:p14="http://schemas.microsoft.com/office/powerpoint/2010/main" xmlns:a16="http://schemas.microsoft.com/office/drawing/2014/main" xmlns="" w="9525">
                   <a:solidFill>
                     <a:srgbClr val="000000"/>
                   </a:solidFill>
@@ -32082,7 +32339,7 @@
             </a:ln>
             <a:extLst>
               <a:ext uri="{91240B29-F687-4f45-9708-019B960494DF}">
-                <a14:hiddenLine xmlns="" xmlns:a16="http://schemas.microsoft.com/office/drawing/2014/main" xmlns:p14="http://schemas.microsoft.com/office/powerpoint/2010/main" xmlns:a14="http://schemas.microsoft.com/office/drawing/2010/main" w="9525">
+                <a14:hiddenLine xmlns:a14="http://schemas.microsoft.com/office/drawing/2010/main" xmlns:p14="http://schemas.microsoft.com/office/powerpoint/2010/main" xmlns:a16="http://schemas.microsoft.com/office/drawing/2014/main" xmlns="" w="9525">
                   <a:solidFill>
                     <a:srgbClr val="000000"/>
                   </a:solidFill>
@@ -32159,7 +32416,7 @@
             </a:ln>
             <a:extLst>
               <a:ext uri="{91240B29-F687-4f45-9708-019B960494DF}">
-                <a14:hiddenLine xmlns="" xmlns:a16="http://schemas.microsoft.com/office/drawing/2014/main" xmlns:p14="http://schemas.microsoft.com/office/powerpoint/2010/main" xmlns:a14="http://schemas.microsoft.com/office/drawing/2010/main" w="9525">
+                <a14:hiddenLine xmlns:a14="http://schemas.microsoft.com/office/drawing/2010/main" xmlns:p14="http://schemas.microsoft.com/office/powerpoint/2010/main" xmlns:a16="http://schemas.microsoft.com/office/drawing/2014/main" xmlns="" w="9525">
                   <a:solidFill>
                     <a:srgbClr val="000000"/>
                   </a:solidFill>
@@ -32264,7 +32521,7 @@
             </a:ln>
             <a:extLst>
               <a:ext uri="{91240B29-F687-4f45-9708-019B960494DF}">
-                <a14:hiddenLine xmlns="" xmlns:a16="http://schemas.microsoft.com/office/drawing/2014/main" xmlns:p14="http://schemas.microsoft.com/office/powerpoint/2010/main" xmlns:a14="http://schemas.microsoft.com/office/drawing/2010/main" w="9525">
+                <a14:hiddenLine xmlns:a14="http://schemas.microsoft.com/office/drawing/2010/main" xmlns:p14="http://schemas.microsoft.com/office/powerpoint/2010/main" xmlns:a16="http://schemas.microsoft.com/office/drawing/2014/main" xmlns="" w="9525">
                   <a:solidFill>
                     <a:srgbClr val="000000"/>
                   </a:solidFill>
@@ -32344,7 +32601,7 @@
             </a:ln>
             <a:extLst>
               <a:ext uri="{91240B29-F687-4f45-9708-019B960494DF}">
-                <a14:hiddenLine xmlns="" xmlns:a16="http://schemas.microsoft.com/office/drawing/2014/main" xmlns:p14="http://schemas.microsoft.com/office/powerpoint/2010/main" xmlns:a14="http://schemas.microsoft.com/office/drawing/2010/main" w="9525">
+                <a14:hiddenLine xmlns:a14="http://schemas.microsoft.com/office/drawing/2010/main" xmlns:p14="http://schemas.microsoft.com/office/powerpoint/2010/main" xmlns:a16="http://schemas.microsoft.com/office/drawing/2014/main" xmlns="" w="9525">
                   <a:solidFill>
                     <a:srgbClr val="000000"/>
                   </a:solidFill>
@@ -32421,7 +32678,7 @@
             </a:ln>
             <a:extLst>
               <a:ext uri="{91240B29-F687-4f45-9708-019B960494DF}">
-                <a14:hiddenLine xmlns="" xmlns:a16="http://schemas.microsoft.com/office/drawing/2014/main" xmlns:p14="http://schemas.microsoft.com/office/powerpoint/2010/main" xmlns:a14="http://schemas.microsoft.com/office/drawing/2010/main" w="9525">
+                <a14:hiddenLine xmlns:a14="http://schemas.microsoft.com/office/drawing/2010/main" xmlns:p14="http://schemas.microsoft.com/office/powerpoint/2010/main" xmlns:a16="http://schemas.microsoft.com/office/drawing/2014/main" xmlns="" w="9525">
                   <a:solidFill>
                     <a:srgbClr val="000000"/>
                   </a:solidFill>
@@ -32526,7 +32783,7 @@
             </a:ln>
             <a:extLst>
               <a:ext uri="{91240B29-F687-4f45-9708-019B960494DF}">
-                <a14:hiddenLine xmlns="" xmlns:a16="http://schemas.microsoft.com/office/drawing/2014/main" xmlns:p14="http://schemas.microsoft.com/office/powerpoint/2010/main" xmlns:a14="http://schemas.microsoft.com/office/drawing/2010/main" w="9525">
+                <a14:hiddenLine xmlns:a14="http://schemas.microsoft.com/office/drawing/2010/main" xmlns:p14="http://schemas.microsoft.com/office/powerpoint/2010/main" xmlns:a16="http://schemas.microsoft.com/office/drawing/2014/main" xmlns="" w="9525">
                   <a:solidFill>
                     <a:srgbClr val="000000"/>
                   </a:solidFill>
@@ -32631,7 +32888,7 @@
             </a:ln>
             <a:extLst>
               <a:ext uri="{91240B29-F687-4f45-9708-019B960494DF}">
-                <a14:hiddenLine xmlns="" xmlns:a16="http://schemas.microsoft.com/office/drawing/2014/main" xmlns:p14="http://schemas.microsoft.com/office/powerpoint/2010/main" xmlns:a14="http://schemas.microsoft.com/office/drawing/2010/main" w="9525">
+                <a14:hiddenLine xmlns:a14="http://schemas.microsoft.com/office/drawing/2010/main" xmlns:p14="http://schemas.microsoft.com/office/powerpoint/2010/main" xmlns:a16="http://schemas.microsoft.com/office/drawing/2014/main" xmlns="" w="9525">
                   <a:solidFill>
                     <a:srgbClr val="000000"/>
                   </a:solidFill>
@@ -32711,7 +32968,7 @@
             </a:ln>
             <a:extLst>
               <a:ext uri="{91240B29-F687-4f45-9708-019B960494DF}">
-                <a14:hiddenLine xmlns="" xmlns:a16="http://schemas.microsoft.com/office/drawing/2014/main" xmlns:p14="http://schemas.microsoft.com/office/powerpoint/2010/main" xmlns:a14="http://schemas.microsoft.com/office/drawing/2010/main" w="9525">
+                <a14:hiddenLine xmlns:a14="http://schemas.microsoft.com/office/drawing/2010/main" xmlns:p14="http://schemas.microsoft.com/office/powerpoint/2010/main" xmlns:a16="http://schemas.microsoft.com/office/drawing/2014/main" xmlns="" w="9525">
                   <a:solidFill>
                     <a:srgbClr val="000000"/>
                   </a:solidFill>
@@ -32846,7 +33103,7 @@
             </a:ln>
             <a:extLst>
               <a:ext uri="{91240B29-F687-4f45-9708-019B960494DF}">
-                <a14:hiddenLine xmlns="" xmlns:a16="http://schemas.microsoft.com/office/drawing/2014/main" xmlns:p14="http://schemas.microsoft.com/office/powerpoint/2010/main" xmlns:a14="http://schemas.microsoft.com/office/drawing/2010/main" w="9525">
+                <a14:hiddenLine xmlns:a14="http://schemas.microsoft.com/office/drawing/2010/main" xmlns:p14="http://schemas.microsoft.com/office/powerpoint/2010/main" xmlns:a16="http://schemas.microsoft.com/office/drawing/2014/main" xmlns="" w="9525">
                   <a:solidFill>
                     <a:srgbClr val="000000"/>
                   </a:solidFill>

--- a/Deep learning presentation.pptx
+++ b/Deep learning presentation.pptx
@@ -20618,9 +20618,6 @@
           <a:lstStyle/>
           <a:p>
             <a:pPr marL="285750" indent="-228600" defTabSz="914400">
-              <a:lnSpc>
-                <a:spcPct val="120000"/>
-              </a:lnSpc>
               <a:spcAft>
                 <a:spcPts val="600"/>
               </a:spcAft>
@@ -20635,9 +20632,6 @@
           </a:p>
           <a:p>
             <a:pPr marL="285750" indent="-228600" defTabSz="914400">
-              <a:lnSpc>
-                <a:spcPct val="120000"/>
-              </a:lnSpc>
               <a:spcAft>
                 <a:spcPts val="600"/>
               </a:spcAft>
@@ -20649,9 +20643,6 @@
           </a:p>
           <a:p>
             <a:pPr marL="285750" indent="-228600" defTabSz="914400">
-              <a:lnSpc>
-                <a:spcPct val="120000"/>
-              </a:lnSpc>
               <a:spcAft>
                 <a:spcPts val="600"/>
               </a:spcAft>
@@ -20666,9 +20657,6 @@
           </a:p>
           <a:p>
             <a:pPr marL="285750" indent="-228600" defTabSz="914400">
-              <a:lnSpc>
-                <a:spcPct val="120000"/>
-              </a:lnSpc>
               <a:spcAft>
                 <a:spcPts val="600"/>
               </a:spcAft>
@@ -20680,9 +20668,6 @@
           </a:p>
           <a:p>
             <a:pPr marL="285750" indent="-228600" defTabSz="914400">
-              <a:lnSpc>
-                <a:spcPct val="120000"/>
-              </a:lnSpc>
               <a:spcAft>
                 <a:spcPts val="600"/>
               </a:spcAft>
@@ -20697,9 +20682,6 @@
           </a:p>
           <a:p>
             <a:pPr marL="285750" indent="-228600" defTabSz="914400">
-              <a:lnSpc>
-                <a:spcPct val="120000"/>
-              </a:lnSpc>
               <a:spcAft>
                 <a:spcPts val="600"/>
               </a:spcAft>
@@ -20711,9 +20693,6 @@
           </a:p>
           <a:p>
             <a:pPr marL="285750" indent="-228600" defTabSz="914400">
-              <a:lnSpc>
-                <a:spcPct val="120000"/>
-              </a:lnSpc>
               <a:spcAft>
                 <a:spcPts val="600"/>
               </a:spcAft>
@@ -20728,9 +20707,6 @@
           </a:p>
           <a:p>
             <a:pPr marL="285750" indent="-228600" defTabSz="914400">
-              <a:lnSpc>
-                <a:spcPct val="120000"/>
-              </a:lnSpc>
               <a:spcAft>
                 <a:spcPts val="600"/>
               </a:spcAft>
@@ -20742,9 +20718,6 @@
           </a:p>
           <a:p>
             <a:pPr marL="285750" indent="-228600" defTabSz="914400">
-              <a:lnSpc>
-                <a:spcPct val="120000"/>
-              </a:lnSpc>
               <a:spcAft>
                 <a:spcPts val="600"/>
               </a:spcAft>
@@ -20759,9 +20732,6 @@
           </a:p>
           <a:p>
             <a:pPr marL="285750" indent="-228600" defTabSz="914400">
-              <a:lnSpc>
-                <a:spcPct val="120000"/>
-              </a:lnSpc>
               <a:spcAft>
                 <a:spcPts val="600"/>
               </a:spcAft>
@@ -20773,9 +20743,31 @@
           </a:p>
           <a:p>
             <a:pPr marL="285750" indent="-228600" defTabSz="914400">
-              <a:lnSpc>
-                <a:spcPct val="120000"/>
-              </a:lnSpc>
+              <a:spcAft>
+                <a:spcPts val="600"/>
+              </a:spcAft>
+              <a:buSzPct val="125000"/>
+              <a:buFont typeface="Arial" panose="020B0604020202020204" pitchFamily="34" charset="0"/>
+              <a:buChar char="•"/>
+            </a:pPr>
+            <a:r>
+              <a:rPr lang="en-US" dirty="0"/>
+              <a:t>Regularization helped with the overfitting.</a:t>
+            </a:r>
+          </a:p>
+          <a:p>
+            <a:pPr marL="285750" indent="-228600" defTabSz="914400">
+              <a:spcAft>
+                <a:spcPts val="600"/>
+              </a:spcAft>
+              <a:buSzPct val="125000"/>
+              <a:buFont typeface="Arial" panose="020B0604020202020204" pitchFamily="34" charset="0"/>
+              <a:buChar char="•"/>
+            </a:pPr>
+            <a:endParaRPr lang="en-US" dirty="0"/>
+          </a:p>
+          <a:p>
+            <a:pPr marL="285750" indent="-228600" defTabSz="914400">
               <a:spcAft>
                 <a:spcPts val="600"/>
               </a:spcAft>
@@ -30182,8 +30174,8 @@
         </p:nvSpPr>
         <p:spPr>
           <a:xfrm>
-            <a:off x="1503763" y="2505670"/>
-            <a:ext cx="6103398" cy="923330"/>
+            <a:off x="1503763" y="2274838"/>
+            <a:ext cx="6932871" cy="2308324"/>
           </a:xfrm>
           <a:prstGeom prst="rect">
             <a:avLst/>
@@ -30202,6 +30194,23 @@
             </a:pPr>
             <a:r>
               <a:rPr lang="en-US" dirty="0"/>
+              <a:t>Remove redundant classes – After performing several networks we've noticed that there are a lot of genres with 0-40 samples in the dataset, so we decided to remove them.</a:t>
+            </a:r>
+          </a:p>
+          <a:p>
+            <a:pPr marL="285750" indent="-285750">
+              <a:buFont typeface="Arial" panose="020B0604020202020204" pitchFamily="34" charset="0"/>
+              <a:buChar char="•"/>
+            </a:pPr>
+            <a:endParaRPr lang="en-US" dirty="0"/>
+          </a:p>
+          <a:p>
+            <a:pPr marL="285750" indent="-285750">
+              <a:buFont typeface="Arial" panose="020B0604020202020204" pitchFamily="34" charset="0"/>
+              <a:buChar char="•"/>
+            </a:pPr>
+            <a:r>
+              <a:rPr lang="en-US" dirty="0"/>
               <a:t>B</a:t>
             </a:r>
             <a:r>
@@ -30212,6 +30221,12 @@
               <a:rPr lang="en-US" dirty="0"/>
               <a:t>classes that have much less samples than other classes. We decided to use SMOTE to balance the data.</a:t>
             </a:r>
+          </a:p>
+          <a:p>
+            <a:pPr marL="285750" indent="-285750">
+              <a:buFont typeface="Arial" panose="020B0604020202020204" pitchFamily="34" charset="0"/>
+              <a:buChar char="•"/>
+            </a:pPr>
             <a:endParaRPr lang="he-IL" dirty="0"/>
           </a:p>
         </p:txBody>
